--- a/presentation.pptx
+++ b/presentation.pptx
@@ -149,6 +149,11 @@
       </a:defRPr>
     </a:lvl9pPr>
   </p:defaultTextStyle>
+  <p:extLst>
+    <p:ext uri="{EFAFB233-063F-42B5-8137-9DF3F51BA10A}">
+      <p15:sldGuideLst xmlns:p15="http://schemas.microsoft.com/office/powerpoint/2012/main"/>
+    </p:ext>
+  </p:extLst>
 </p:presentation>
 </file>
 
@@ -234,7 +239,7 @@
           <a:p>
             <a:fld id="{DF040B07-607C-4776-A3EB-14E56E6FD383}" type="datetimeFigureOut">
               <a:rPr lang="en-US" smtClean="0"/>
-              <a:t>2012-08-11</a:t>
+              <a:t>2012-08-13</a:t>
             </a:fld>
             <a:endParaRPr lang="en-US"/>
           </a:p>
@@ -3035,30 +3040,10 @@
           <a:bodyPr/>
           <a:lstStyle/>
           <a:p>
-            <a:fld id="{B61BEF0D-F0BB-DE4B-95CE-6DB70DBA9567}" type="datetimeFigureOut">
-              <a:rPr lang="en-US"/>
-              <a:pPr/>
-              <a:t>2012-08-11</a:t>
+            <a:fld id="{BF7EDF94-63F6-4F94-B71D-30A8ECCA696D}" type="datetime1">
+              <a:rPr lang="en-US" smtClean="0"/>
+              <a:t>2012-08-13</a:t>
             </a:fld>
-            <a:endParaRPr lang="en-US"/>
-          </a:p>
-        </p:txBody>
-      </p:sp>
-      <p:sp>
-        <p:nvSpPr>
-          <p:cNvPr id="5" name="Footer Placeholder 4"/>
-          <p:cNvSpPr>
-            <a:spLocks noGrp="1"/>
-          </p:cNvSpPr>
-          <p:nvPr>
-            <p:ph type="ftr" sz="quarter" idx="11"/>
-          </p:nvPr>
-        </p:nvSpPr>
-        <p:spPr/>
-        <p:txBody>
-          <a:bodyPr/>
-          <a:lstStyle/>
-          <a:p>
             <a:endParaRPr lang="en-US"/>
           </a:p>
         </p:txBody>
@@ -3359,10 +3344,9 @@
           <a:bodyPr/>
           <a:lstStyle/>
           <a:p>
-            <a:fld id="{B61BEF0D-F0BB-DE4B-95CE-6DB70DBA9567}" type="datetimeFigureOut">
-              <a:rPr lang="en-US"/>
-              <a:pPr/>
-              <a:t>2012-08-11</a:t>
+            <a:fld id="{AC6431B7-5CB6-46C2-ADB8-9B68048941CC}" type="datetime1">
+              <a:rPr lang="en-US" smtClean="0"/>
+              <a:t>2012-08-13</a:t>
             </a:fld>
             <a:endParaRPr lang="en-US"/>
           </a:p>
@@ -3383,6 +3367,10 @@
           <a:bodyPr/>
           <a:lstStyle/>
           <a:p>
+            <a:r>
+              <a:rPr lang="en-US" smtClean="0"/>
+              <a:t>@domenic</a:t>
+            </a:r>
             <a:endParaRPr lang="en-US"/>
           </a:p>
         </p:txBody>
@@ -4485,10 +4473,9 @@
           <a:bodyPr/>
           <a:lstStyle/>
           <a:p>
-            <a:fld id="{B61BEF0D-F0BB-DE4B-95CE-6DB70DBA9567}" type="datetimeFigureOut">
-              <a:rPr lang="en-US"/>
-              <a:pPr/>
-              <a:t>2012-08-11</a:t>
+            <a:fld id="{C8ACD2F4-6EC7-4C11-83C2-AF59E0407C16}" type="datetime1">
+              <a:rPr lang="en-US" smtClean="0"/>
+              <a:t>2012-08-13</a:t>
             </a:fld>
             <a:endParaRPr lang="en-US"/>
           </a:p>
@@ -4509,6 +4496,10 @@
           <a:bodyPr/>
           <a:lstStyle/>
           <a:p>
+            <a:r>
+              <a:rPr lang="en-US" smtClean="0"/>
+              <a:t>@domenic</a:t>
+            </a:r>
             <a:endParaRPr lang="en-US"/>
           </a:p>
         </p:txBody>
@@ -5920,10 +5911,9 @@
           <a:bodyPr/>
           <a:lstStyle/>
           <a:p>
-            <a:fld id="{B61BEF0D-F0BB-DE4B-95CE-6DB70DBA9567}" type="datetimeFigureOut">
-              <a:rPr lang="en-US"/>
-              <a:pPr/>
-              <a:t>2012-08-11</a:t>
+            <a:fld id="{70B19A5F-12B3-4BA8-839E-3E5A24F31965}" type="datetime1">
+              <a:rPr lang="en-US" smtClean="0"/>
+              <a:t>2012-08-13</a:t>
             </a:fld>
             <a:endParaRPr lang="en-US"/>
           </a:p>
@@ -5944,6 +5934,10 @@
           <a:bodyPr/>
           <a:lstStyle/>
           <a:p>
+            <a:r>
+              <a:rPr lang="en-US" smtClean="0"/>
+              <a:t>@domenic</a:t>
+            </a:r>
             <a:endParaRPr lang="en-US"/>
           </a:p>
         </p:txBody>
@@ -7046,10 +7040,9 @@
           <a:bodyPr/>
           <a:lstStyle/>
           <a:p>
-            <a:fld id="{B61BEF0D-F0BB-DE4B-95CE-6DB70DBA9567}" type="datetimeFigureOut">
-              <a:rPr lang="en-US"/>
-              <a:pPr/>
-              <a:t>2012-08-11</a:t>
+            <a:fld id="{BDDBF607-AB04-4D83-A2A3-F6683DC2EE28}" type="datetime1">
+              <a:rPr lang="en-US" smtClean="0"/>
+              <a:t>2012-08-13</a:t>
             </a:fld>
             <a:endParaRPr lang="en-US"/>
           </a:p>
@@ -7070,6 +7063,10 @@
           <a:bodyPr/>
           <a:lstStyle/>
           <a:p>
+            <a:r>
+              <a:rPr lang="en-US" smtClean="0"/>
+              <a:t>@domenic</a:t>
+            </a:r>
             <a:endParaRPr lang="en-US"/>
           </a:p>
         </p:txBody>
@@ -8481,10 +8478,9 @@
           <a:bodyPr/>
           <a:lstStyle/>
           <a:p>
-            <a:fld id="{B61BEF0D-F0BB-DE4B-95CE-6DB70DBA9567}" type="datetimeFigureOut">
-              <a:rPr lang="en-US"/>
-              <a:pPr/>
-              <a:t>2012-08-11</a:t>
+            <a:fld id="{7D6F1343-CD33-4C6A-8174-89AC32DF4A71}" type="datetime1">
+              <a:rPr lang="en-US" smtClean="0"/>
+              <a:t>2012-08-13</a:t>
             </a:fld>
             <a:endParaRPr lang="en-US"/>
           </a:p>
@@ -8505,6 +8501,10 @@
           <a:bodyPr/>
           <a:lstStyle/>
           <a:p>
+            <a:r>
+              <a:rPr lang="en-US" smtClean="0"/>
+              <a:t>@domenic</a:t>
+            </a:r>
             <a:endParaRPr lang="en-US"/>
           </a:p>
         </p:txBody>
@@ -10383,10 +10383,9 @@
           <a:bodyPr/>
           <a:lstStyle/>
           <a:p>
-            <a:fld id="{B61BEF0D-F0BB-DE4B-95CE-6DB70DBA9567}" type="datetimeFigureOut">
-              <a:rPr lang="en-US"/>
-              <a:pPr/>
-              <a:t>2012-08-11</a:t>
+            <a:fld id="{12C7698C-20AF-49CE-B162-55E166B616BE}" type="datetime1">
+              <a:rPr lang="en-US" smtClean="0"/>
+              <a:t>2012-08-13</a:t>
             </a:fld>
             <a:endParaRPr lang="en-US"/>
           </a:p>
@@ -10407,6 +10406,10 @@
           <a:bodyPr/>
           <a:lstStyle/>
           <a:p>
+            <a:r>
+              <a:rPr lang="en-US" smtClean="0"/>
+              <a:t>@domenic</a:t>
+            </a:r>
             <a:endParaRPr lang="en-US"/>
           </a:p>
         </p:txBody>
@@ -10636,10 +10639,9 @@
           <a:bodyPr/>
           <a:lstStyle/>
           <a:p>
-            <a:fld id="{B61BEF0D-F0BB-DE4B-95CE-6DB70DBA9567}" type="datetimeFigureOut">
-              <a:rPr lang="en-US"/>
-              <a:pPr/>
-              <a:t>2012-08-11</a:t>
+            <a:fld id="{1DA95095-4B88-4822-B12D-842D98F99E8D}" type="datetime1">
+              <a:rPr lang="en-US" smtClean="0"/>
+              <a:t>2012-08-13</a:t>
             </a:fld>
             <a:endParaRPr lang="en-US"/>
           </a:p>
@@ -10660,6 +10662,10 @@
           <a:bodyPr/>
           <a:lstStyle/>
           <a:p>
+            <a:r>
+              <a:rPr lang="en-US" smtClean="0"/>
+              <a:t>@domenic</a:t>
+            </a:r>
             <a:endParaRPr lang="en-US"/>
           </a:p>
         </p:txBody>
@@ -12479,10 +12485,9 @@
           <a:bodyPr/>
           <a:lstStyle/>
           <a:p>
-            <a:fld id="{B61BEF0D-F0BB-DE4B-95CE-6DB70DBA9567}" type="datetimeFigureOut">
-              <a:rPr lang="en-US"/>
-              <a:pPr/>
-              <a:t>2012-08-11</a:t>
+            <a:fld id="{4EA239A6-C012-40FE-9304-6BE96EF94C2F}" type="datetime1">
+              <a:rPr lang="en-US" smtClean="0"/>
+              <a:t>2012-08-13</a:t>
             </a:fld>
             <a:endParaRPr lang="en-US"/>
           </a:p>
@@ -12503,6 +12508,10 @@
           <a:bodyPr/>
           <a:lstStyle/>
           <a:p>
+            <a:r>
+              <a:rPr lang="en-US" smtClean="0"/>
+              <a:t>@domenic</a:t>
+            </a:r>
             <a:endParaRPr lang="en-US"/>
           </a:p>
         </p:txBody>
@@ -12796,10 +12805,9 @@
           <a:bodyPr/>
           <a:lstStyle/>
           <a:p>
-            <a:fld id="{B61BEF0D-F0BB-DE4B-95CE-6DB70DBA9567}" type="datetimeFigureOut">
-              <a:rPr lang="en-US"/>
-              <a:pPr/>
-              <a:t>2012-08-11</a:t>
+            <a:fld id="{A1A96E9F-E753-4382-BC25-9E8CE44058A0}" type="datetime1">
+              <a:rPr lang="en-US" smtClean="0"/>
+              <a:t>2012-08-13</a:t>
             </a:fld>
             <a:endParaRPr lang="en-US"/>
           </a:p>
@@ -12820,6 +12828,10 @@
           <a:bodyPr/>
           <a:lstStyle/>
           <a:p>
+            <a:r>
+              <a:rPr lang="en-US" smtClean="0"/>
+              <a:t>@domenic</a:t>
+            </a:r>
             <a:endParaRPr lang="en-US"/>
           </a:p>
         </p:txBody>
@@ -14760,10 +14772,9 @@
           <a:bodyPr/>
           <a:lstStyle/>
           <a:p>
-            <a:fld id="{B61BEF0D-F0BB-DE4B-95CE-6DB70DBA9567}" type="datetimeFigureOut">
-              <a:rPr lang="en-US"/>
-              <a:pPr/>
-              <a:t>2012-08-11</a:t>
+            <a:fld id="{CF55043C-2D3B-401B-B9E9-E68DB214B312}" type="datetime1">
+              <a:rPr lang="en-US" smtClean="0"/>
+              <a:t>2012-08-13</a:t>
             </a:fld>
             <a:endParaRPr lang="en-US"/>
           </a:p>
@@ -14784,6 +14795,10 @@
           <a:bodyPr/>
           <a:lstStyle/>
           <a:p>
+            <a:r>
+              <a:rPr lang="en-US" smtClean="0"/>
+              <a:t>@domenic</a:t>
+            </a:r>
             <a:endParaRPr lang="en-US"/>
           </a:p>
         </p:txBody>
@@ -16060,10 +16075,9 @@
           <a:bodyPr/>
           <a:lstStyle/>
           <a:p>
-            <a:fld id="{B61BEF0D-F0BB-DE4B-95CE-6DB70DBA9567}" type="datetimeFigureOut">
-              <a:rPr lang="en-US"/>
-              <a:pPr/>
-              <a:t>2012-08-11</a:t>
+            <a:fld id="{35D7BC8C-3207-4EB7-B7A2-029BB870B2EA}" type="datetime1">
+              <a:rPr lang="en-US" smtClean="0"/>
+              <a:t>2012-08-13</a:t>
             </a:fld>
             <a:endParaRPr lang="en-US"/>
           </a:p>
@@ -16084,6 +16098,10 @@
           <a:bodyPr/>
           <a:lstStyle/>
           <a:p>
+            <a:r>
+              <a:rPr lang="en-US" smtClean="0"/>
+              <a:t>@domenic</a:t>
+            </a:r>
             <a:endParaRPr lang="en-US"/>
           </a:p>
         </p:txBody>
@@ -17053,10 +17071,9 @@
           <a:bodyPr/>
           <a:lstStyle/>
           <a:p>
-            <a:fld id="{B61BEF0D-F0BB-DE4B-95CE-6DB70DBA9567}" type="datetimeFigureOut">
-              <a:rPr lang="en-US"/>
-              <a:pPr/>
-              <a:t>2012-08-11</a:t>
+            <a:fld id="{384FD543-E235-4EF5-9C87-F7458C582F14}" type="datetime1">
+              <a:rPr lang="en-US" smtClean="0"/>
+              <a:t>2012-08-13</a:t>
             </a:fld>
             <a:endParaRPr lang="en-US"/>
           </a:p>
@@ -17077,6 +17094,10 @@
           <a:bodyPr/>
           <a:lstStyle/>
           <a:p>
+            <a:r>
+              <a:rPr lang="en-US" smtClean="0"/>
+              <a:t>@domenic</a:t>
+            </a:r>
             <a:endParaRPr lang="en-US"/>
           </a:p>
         </p:txBody>
@@ -17926,10 +17947,9 @@
           <a:bodyPr/>
           <a:lstStyle/>
           <a:p>
-            <a:fld id="{B61BEF0D-F0BB-DE4B-95CE-6DB70DBA9567}" type="datetimeFigureOut">
-              <a:rPr lang="en-US"/>
-              <a:pPr/>
-              <a:t>2012-08-11</a:t>
+            <a:fld id="{73F470D5-CF42-4235-9F73-3025FB98775F}" type="datetime1">
+              <a:rPr lang="en-US" smtClean="0"/>
+              <a:t>2012-08-13</a:t>
             </a:fld>
             <a:endParaRPr lang="en-US"/>
           </a:p>
@@ -17950,6 +17970,10 @@
           <a:bodyPr/>
           <a:lstStyle/>
           <a:p>
+            <a:r>
+              <a:rPr lang="en-US" smtClean="0"/>
+              <a:t>@domenic</a:t>
+            </a:r>
             <a:endParaRPr lang="en-US"/>
           </a:p>
         </p:txBody>
@@ -19167,10 +19191,9 @@
           <a:bodyPr/>
           <a:lstStyle/>
           <a:p>
-            <a:fld id="{B61BEF0D-F0BB-DE4B-95CE-6DB70DBA9567}" type="datetimeFigureOut">
-              <a:rPr lang="en-US"/>
-              <a:pPr/>
-              <a:t>2012-08-11</a:t>
+            <a:fld id="{D2F6FA99-DE97-4B89-A585-869280D1EB82}" type="datetime1">
+              <a:rPr lang="en-US" smtClean="0"/>
+              <a:t>2012-08-13</a:t>
             </a:fld>
             <a:endParaRPr lang="en-US"/>
           </a:p>
@@ -19191,6 +19214,10 @@
           <a:bodyPr/>
           <a:lstStyle/>
           <a:p>
+            <a:r>
+              <a:rPr lang="en-US" smtClean="0"/>
+              <a:t>@domenic</a:t>
+            </a:r>
             <a:endParaRPr lang="en-US"/>
           </a:p>
         </p:txBody>
@@ -20300,10 +20327,9 @@
           <a:bodyPr/>
           <a:lstStyle/>
           <a:p>
-            <a:fld id="{B61BEF0D-F0BB-DE4B-95CE-6DB70DBA9567}" type="datetimeFigureOut">
-              <a:rPr lang="en-US"/>
-              <a:pPr/>
-              <a:t>2012-08-11</a:t>
+            <a:fld id="{5ABE0CC7-8B2A-4942-BFA3-4888E75CACB9}" type="datetime1">
+              <a:rPr lang="en-US" smtClean="0"/>
+              <a:t>2012-08-13</a:t>
             </a:fld>
             <a:endParaRPr lang="en-US"/>
           </a:p>
@@ -20324,6 +20350,10 @@
           <a:bodyPr/>
           <a:lstStyle/>
           <a:p>
+            <a:r>
+              <a:rPr lang="en-US" smtClean="0"/>
+              <a:t>@domenic</a:t>
+            </a:r>
             <a:endParaRPr lang="en-US"/>
           </a:p>
         </p:txBody>
@@ -20510,10 +20540,9 @@
             </a:lvl1pPr>
           </a:lstStyle>
           <a:p>
-            <a:fld id="{B61BEF0D-F0BB-DE4B-95CE-6DB70DBA9567}" type="datetimeFigureOut">
+            <a:fld id="{87D9BBD7-B0D2-49A9-9337-5F906898ECE6}" type="datetime1">
               <a:rPr lang="en-US" smtClean="0"/>
-              <a:pPr/>
-              <a:t>2012-08-11</a:t>
+              <a:t>2012-08-13</a:t>
             </a:fld>
             <a:endParaRPr lang="en-US" dirty="0"/>
           </a:p>
@@ -20531,7 +20560,7 @@
         </p:nvSpPr>
         <p:spPr>
           <a:xfrm>
-            <a:off x="677334" y="6041362"/>
+            <a:off x="425288" y="6485129"/>
             <a:ext cx="6297612" cy="365125"/>
           </a:xfrm>
           <a:prstGeom prst="rect">
@@ -20542,7 +20571,7 @@
           <a:bodyPr vert="horz" lIns="91440" tIns="45720" rIns="91440" bIns="45720" rtlCol="0" anchor="ctr"/>
           <a:lstStyle>
             <a:lvl1pPr algn="l">
-              <a:defRPr sz="900">
+              <a:defRPr sz="2000">
                 <a:solidFill>
                   <a:schemeClr val="tx1">
                     <a:tint val="75000"/>
@@ -20552,6 +20581,14 @@
             </a:lvl1pPr>
           </a:lstStyle>
           <a:p>
+            <a:r>
+              <a:rPr lang="en-US" dirty="0" smtClean="0"/>
+              <a:t>@</a:t>
+            </a:r>
+            <a:r>
+              <a:rPr lang="en-US" dirty="0" err="1" smtClean="0"/>
+              <a:t>domenic</a:t>
+            </a:r>
             <a:endParaRPr lang="en-US" dirty="0"/>
           </a:p>
         </p:txBody>
@@ -20622,6 +20659,7 @@
     <p:sldLayoutId id="2147483658" r:id="rId15"/>
     <p:sldLayoutId id="2147483659" r:id="rId16"/>
   </p:sldLayoutIdLst>
+  <p:hf sldNum="0" hdr="0" dt="0"/>
   <p:txStyles>
     <p:titleStyle>
       <a:lvl1pPr algn="l" defTabSz="457200" rtl="0" eaLnBrk="1" latinLnBrk="0" hangingPunct="1">
@@ -21095,6 +21133,34 @@
           </a:prstGeom>
         </p:spPr>
       </p:pic>
+      <p:sp>
+        <p:nvSpPr>
+          <p:cNvPr id="3" name="Footer Placeholder 2"/>
+          <p:cNvSpPr>
+            <a:spLocks noGrp="1"/>
+          </p:cNvSpPr>
+          <p:nvPr>
+            <p:ph type="ftr" sz="quarter" idx="4294967295"/>
+          </p:nvPr>
+        </p:nvSpPr>
+        <p:spPr>
+          <a:xfrm>
+            <a:off x="327555" y="6485129"/>
+            <a:ext cx="6297612" cy="365125"/>
+          </a:xfrm>
+        </p:spPr>
+        <p:txBody>
+          <a:bodyPr/>
+          <a:lstStyle/>
+          <a:p>
+            <a:r>
+              <a:rPr lang="en-US" smtClean="0"/>
+              <a:t>@domenic</a:t>
+            </a:r>
+            <a:endParaRPr lang="en-US"/>
+          </a:p>
+        </p:txBody>
+      </p:sp>
     </p:spTree>
     <p:extLst>
       <p:ext uri="{BB962C8B-B14F-4D97-AF65-F5344CB8AC3E}">
@@ -21158,6 +21224,29 @@
           </a:prstGeom>
         </p:spPr>
       </p:pic>
+      <p:sp>
+        <p:nvSpPr>
+          <p:cNvPr id="2" name="Footer Placeholder 1"/>
+          <p:cNvSpPr>
+            <a:spLocks noGrp="1"/>
+          </p:cNvSpPr>
+          <p:nvPr>
+            <p:ph type="ftr" sz="quarter" idx="11"/>
+          </p:nvPr>
+        </p:nvSpPr>
+        <p:spPr/>
+        <p:txBody>
+          <a:bodyPr/>
+          <a:lstStyle/>
+          <a:p>
+            <a:r>
+              <a:rPr lang="en-US" smtClean="0"/>
+              <a:t>@domenic</a:t>
+            </a:r>
+            <a:endParaRPr lang="en-US"/>
+          </a:p>
+        </p:txBody>
+      </p:sp>
     </p:spTree>
     <p:extLst>
       <p:ext uri="{BB962C8B-B14F-4D97-AF65-F5344CB8AC3E}">
@@ -21219,6 +21308,29 @@
           </a:p>
         </p:txBody>
       </p:sp>
+      <p:sp>
+        <p:nvSpPr>
+          <p:cNvPr id="3" name="Footer Placeholder 2"/>
+          <p:cNvSpPr>
+            <a:spLocks noGrp="1"/>
+          </p:cNvSpPr>
+          <p:nvPr>
+            <p:ph type="ftr" sz="quarter" idx="11"/>
+          </p:nvPr>
+        </p:nvSpPr>
+        <p:spPr/>
+        <p:txBody>
+          <a:bodyPr/>
+          <a:lstStyle/>
+          <a:p>
+            <a:r>
+              <a:rPr lang="en-US" smtClean="0"/>
+              <a:t>@domenic</a:t>
+            </a:r>
+            <a:endParaRPr lang="en-US"/>
+          </a:p>
+        </p:txBody>
+      </p:sp>
     </p:spTree>
     <p:extLst>
       <p:ext uri="{BB962C8B-B14F-4D97-AF65-F5344CB8AC3E}">
@@ -21325,6 +21437,29 @@
               <a:latin typeface="Segoe UI Light" panose="020B0502040204020203" pitchFamily="34" charset="0"/>
               <a:cs typeface="Segoe UI Light" panose="020B0502040204020203" pitchFamily="34" charset="0"/>
             </a:endParaRPr>
+          </a:p>
+        </p:txBody>
+      </p:sp>
+      <p:sp>
+        <p:nvSpPr>
+          <p:cNvPr id="3" name="Footer Placeholder 2"/>
+          <p:cNvSpPr>
+            <a:spLocks noGrp="1"/>
+          </p:cNvSpPr>
+          <p:nvPr>
+            <p:ph type="ftr" sz="quarter" idx="11"/>
+          </p:nvPr>
+        </p:nvSpPr>
+        <p:spPr/>
+        <p:txBody>
+          <a:bodyPr/>
+          <a:lstStyle/>
+          <a:p>
+            <a:r>
+              <a:rPr lang="en-US" smtClean="0"/>
+              <a:t>@domenic</a:t>
+            </a:r>
+            <a:endParaRPr lang="en-US"/>
           </a:p>
         </p:txBody>
       </p:sp>
@@ -21479,6 +21614,29 @@
           </a:p>
         </p:txBody>
       </p:sp>
+      <p:sp>
+        <p:nvSpPr>
+          <p:cNvPr id="3" name="Footer Placeholder 2"/>
+          <p:cNvSpPr>
+            <a:spLocks noGrp="1"/>
+          </p:cNvSpPr>
+          <p:nvPr>
+            <p:ph type="ftr" sz="quarter" idx="11"/>
+          </p:nvPr>
+        </p:nvSpPr>
+        <p:spPr/>
+        <p:txBody>
+          <a:bodyPr/>
+          <a:lstStyle/>
+          <a:p>
+            <a:r>
+              <a:rPr lang="en-US" smtClean="0"/>
+              <a:t>@domenic</a:t>
+            </a:r>
+            <a:endParaRPr lang="en-US"/>
+          </a:p>
+        </p:txBody>
+      </p:sp>
     </p:spTree>
     <p:extLst>
       <p:ext uri="{BB962C8B-B14F-4D97-AF65-F5344CB8AC3E}">
@@ -21642,6 +21800,29 @@
           </a:p>
         </p:txBody>
       </p:sp>
+      <p:sp>
+        <p:nvSpPr>
+          <p:cNvPr id="3" name="Footer Placeholder 2"/>
+          <p:cNvSpPr>
+            <a:spLocks noGrp="1"/>
+          </p:cNvSpPr>
+          <p:nvPr>
+            <p:ph type="ftr" sz="quarter" idx="11"/>
+          </p:nvPr>
+        </p:nvSpPr>
+        <p:spPr/>
+        <p:txBody>
+          <a:bodyPr/>
+          <a:lstStyle/>
+          <a:p>
+            <a:r>
+              <a:rPr lang="en-US" smtClean="0"/>
+              <a:t>@domenic</a:t>
+            </a:r>
+            <a:endParaRPr lang="en-US"/>
+          </a:p>
+        </p:txBody>
+      </p:sp>
     </p:spTree>
     <p:extLst>
       <p:ext uri="{BB962C8B-B14F-4D97-AF65-F5344CB8AC3E}">
@@ -21824,6 +22005,29 @@
           </a:p>
         </p:txBody>
       </p:sp>
+      <p:sp>
+        <p:nvSpPr>
+          <p:cNvPr id="3" name="Footer Placeholder 2"/>
+          <p:cNvSpPr>
+            <a:spLocks noGrp="1"/>
+          </p:cNvSpPr>
+          <p:nvPr>
+            <p:ph type="ftr" sz="quarter" idx="11"/>
+          </p:nvPr>
+        </p:nvSpPr>
+        <p:spPr/>
+        <p:txBody>
+          <a:bodyPr/>
+          <a:lstStyle/>
+          <a:p>
+            <a:r>
+              <a:rPr lang="en-US" smtClean="0"/>
+              <a:t>@domenic</a:t>
+            </a:r>
+            <a:endParaRPr lang="en-US"/>
+          </a:p>
+        </p:txBody>
+      </p:sp>
     </p:spTree>
     <p:extLst>
       <p:ext uri="{BB962C8B-B14F-4D97-AF65-F5344CB8AC3E}">
@@ -21991,6 +22195,29 @@
           </a:p>
         </p:txBody>
       </p:sp>
+      <p:sp>
+        <p:nvSpPr>
+          <p:cNvPr id="3" name="Footer Placeholder 2"/>
+          <p:cNvSpPr>
+            <a:spLocks noGrp="1"/>
+          </p:cNvSpPr>
+          <p:nvPr>
+            <p:ph type="ftr" sz="quarter" idx="11"/>
+          </p:nvPr>
+        </p:nvSpPr>
+        <p:spPr/>
+        <p:txBody>
+          <a:bodyPr/>
+          <a:lstStyle/>
+          <a:p>
+            <a:r>
+              <a:rPr lang="en-US" smtClean="0"/>
+              <a:t>@domenic</a:t>
+            </a:r>
+            <a:endParaRPr lang="en-US"/>
+          </a:p>
+        </p:txBody>
+      </p:sp>
     </p:spTree>
     <p:extLst>
       <p:ext uri="{BB962C8B-B14F-4D97-AF65-F5344CB8AC3E}">
@@ -22074,6 +22301,29 @@
               <a:latin typeface="Segoe UI Light" panose="020B0502040204020203" pitchFamily="34" charset="0"/>
               <a:cs typeface="Segoe UI Light" panose="020B0502040204020203" pitchFamily="34" charset="0"/>
             </a:endParaRPr>
+          </a:p>
+        </p:txBody>
+      </p:sp>
+      <p:sp>
+        <p:nvSpPr>
+          <p:cNvPr id="3" name="Footer Placeholder 2"/>
+          <p:cNvSpPr>
+            <a:spLocks noGrp="1"/>
+          </p:cNvSpPr>
+          <p:nvPr>
+            <p:ph type="ftr" sz="quarter" idx="11"/>
+          </p:nvPr>
+        </p:nvSpPr>
+        <p:spPr/>
+        <p:txBody>
+          <a:bodyPr/>
+          <a:lstStyle/>
+          <a:p>
+            <a:r>
+              <a:rPr lang="en-US" smtClean="0"/>
+              <a:t>@domenic</a:t>
+            </a:r>
+            <a:endParaRPr lang="en-US"/>
           </a:p>
         </p:txBody>
       </p:sp>
@@ -22220,6 +22470,29 @@
           </a:extLst>
         </p:spPr>
       </p:pic>
+      <p:sp>
+        <p:nvSpPr>
+          <p:cNvPr id="3" name="Footer Placeholder 2"/>
+          <p:cNvSpPr>
+            <a:spLocks noGrp="1"/>
+          </p:cNvSpPr>
+          <p:nvPr>
+            <p:ph type="ftr" sz="quarter" idx="11"/>
+          </p:nvPr>
+        </p:nvSpPr>
+        <p:spPr/>
+        <p:txBody>
+          <a:bodyPr/>
+          <a:lstStyle/>
+          <a:p>
+            <a:r>
+              <a:rPr lang="en-US" smtClean="0"/>
+              <a:t>@domenic</a:t>
+            </a:r>
+            <a:endParaRPr lang="en-US"/>
+          </a:p>
+        </p:txBody>
+      </p:sp>
     </p:spTree>
     <p:extLst>
       <p:ext uri="{BB962C8B-B14F-4D97-AF65-F5344CB8AC3E}">
@@ -22455,6 +22728,29 @@
           </a:p>
         </p:txBody>
       </p:sp>
+      <p:sp>
+        <p:nvSpPr>
+          <p:cNvPr id="3" name="Footer Placeholder 2"/>
+          <p:cNvSpPr>
+            <a:spLocks noGrp="1"/>
+          </p:cNvSpPr>
+          <p:nvPr>
+            <p:ph type="ftr" sz="quarter" idx="11"/>
+          </p:nvPr>
+        </p:nvSpPr>
+        <p:spPr/>
+        <p:txBody>
+          <a:bodyPr/>
+          <a:lstStyle/>
+          <a:p>
+            <a:r>
+              <a:rPr lang="en-US" smtClean="0"/>
+              <a:t>@domenic</a:t>
+            </a:r>
+            <a:endParaRPr lang="en-US"/>
+          </a:p>
+        </p:txBody>
+      </p:sp>
     </p:spTree>
     <p:extLst>
       <p:ext uri="{BB962C8B-B14F-4D97-AF65-F5344CB8AC3E}">
@@ -22638,6 +22934,29 @@
           </a:prstGeom>
         </p:spPr>
       </p:pic>
+      <p:sp>
+        <p:nvSpPr>
+          <p:cNvPr id="3" name="Footer Placeholder 2"/>
+          <p:cNvSpPr>
+            <a:spLocks noGrp="1"/>
+          </p:cNvSpPr>
+          <p:nvPr>
+            <p:ph type="ftr" sz="quarter" idx="11"/>
+          </p:nvPr>
+        </p:nvSpPr>
+        <p:spPr/>
+        <p:txBody>
+          <a:bodyPr/>
+          <a:lstStyle/>
+          <a:p>
+            <a:r>
+              <a:rPr lang="en-US" smtClean="0"/>
+              <a:t>@domenic</a:t>
+            </a:r>
+            <a:endParaRPr lang="en-US"/>
+          </a:p>
+        </p:txBody>
+      </p:sp>
     </p:spTree>
     <p:extLst>
       <p:ext uri="{BB962C8B-B14F-4D97-AF65-F5344CB8AC3E}">
@@ -22648,11 +22967,11 @@
   <p:clrMapOvr>
     <a:masterClrMapping/>
   </p:clrMapOvr>
-  <mc:AlternateContent xmlns:mc="http://schemas.openxmlformats.org/markup-compatibility/2006">
-    <mc:Choice xmlns:p14="http://schemas.microsoft.com/office/powerpoint/2010/main" Requires="p14">
+  <mc:AlternateContent xmlns:mc="http://schemas.openxmlformats.org/markup-compatibility/2006" xmlns:p14="http://schemas.microsoft.com/office/powerpoint/2010/main">
+    <mc:Choice Requires="p14">
       <p:transition p14:dur="10"/>
     </mc:Choice>
-    <mc:Fallback>
+    <mc:Fallback xmlns="">
       <p:transition/>
     </mc:Fallback>
   </mc:AlternateContent>
@@ -22801,6 +23120,29 @@
           </a:p>
         </p:txBody>
       </p:sp>
+      <p:sp>
+        <p:nvSpPr>
+          <p:cNvPr id="3" name="Footer Placeholder 2"/>
+          <p:cNvSpPr>
+            <a:spLocks noGrp="1"/>
+          </p:cNvSpPr>
+          <p:nvPr>
+            <p:ph type="ftr" sz="quarter" idx="11"/>
+          </p:nvPr>
+        </p:nvSpPr>
+        <p:spPr/>
+        <p:txBody>
+          <a:bodyPr/>
+          <a:lstStyle/>
+          <a:p>
+            <a:r>
+              <a:rPr lang="en-US" smtClean="0"/>
+              <a:t>@domenic</a:t>
+            </a:r>
+            <a:endParaRPr lang="en-US"/>
+          </a:p>
+        </p:txBody>
+      </p:sp>
     </p:spTree>
     <p:extLst>
       <p:ext uri="{BB962C8B-B14F-4D97-AF65-F5344CB8AC3E}">
@@ -22889,6 +23231,29 @@
           </a:p>
         </p:txBody>
       </p:sp>
+      <p:sp>
+        <p:nvSpPr>
+          <p:cNvPr id="3" name="Footer Placeholder 2"/>
+          <p:cNvSpPr>
+            <a:spLocks noGrp="1"/>
+          </p:cNvSpPr>
+          <p:nvPr>
+            <p:ph type="ftr" sz="quarter" idx="11"/>
+          </p:nvPr>
+        </p:nvSpPr>
+        <p:spPr/>
+        <p:txBody>
+          <a:bodyPr/>
+          <a:lstStyle/>
+          <a:p>
+            <a:r>
+              <a:rPr lang="en-US" smtClean="0"/>
+              <a:t>@domenic</a:t>
+            </a:r>
+            <a:endParaRPr lang="en-US"/>
+          </a:p>
+        </p:txBody>
+      </p:sp>
     </p:spTree>
     <p:extLst>
       <p:ext uri="{BB962C8B-B14F-4D97-AF65-F5344CB8AC3E}">
@@ -23002,6 +23367,29 @@
               <a:latin typeface="Segoe UI Light" panose="020B0502040204020203" pitchFamily="34" charset="0"/>
               <a:cs typeface="Segoe UI Light" panose="020B0502040204020203" pitchFamily="34" charset="0"/>
             </a:endParaRPr>
+          </a:p>
+        </p:txBody>
+      </p:sp>
+      <p:sp>
+        <p:nvSpPr>
+          <p:cNvPr id="3" name="Footer Placeholder 2"/>
+          <p:cNvSpPr>
+            <a:spLocks noGrp="1"/>
+          </p:cNvSpPr>
+          <p:nvPr>
+            <p:ph type="ftr" sz="quarter" idx="11"/>
+          </p:nvPr>
+        </p:nvSpPr>
+        <p:spPr/>
+        <p:txBody>
+          <a:bodyPr/>
+          <a:lstStyle/>
+          <a:p>
+            <a:r>
+              <a:rPr lang="en-US" smtClean="0"/>
+              <a:t>@domenic</a:t>
+            </a:r>
+            <a:endParaRPr lang="en-US"/>
           </a:p>
         </p:txBody>
       </p:sp>
@@ -23390,6 +23778,29 @@
           </a:p>
         </p:txBody>
       </p:sp>
+      <p:sp>
+        <p:nvSpPr>
+          <p:cNvPr id="2" name="Footer Placeholder 1"/>
+          <p:cNvSpPr>
+            <a:spLocks noGrp="1"/>
+          </p:cNvSpPr>
+          <p:nvPr>
+            <p:ph type="ftr" sz="quarter" idx="11"/>
+          </p:nvPr>
+        </p:nvSpPr>
+        <p:spPr/>
+        <p:txBody>
+          <a:bodyPr/>
+          <a:lstStyle/>
+          <a:p>
+            <a:r>
+              <a:rPr lang="en-US" smtClean="0"/>
+              <a:t>@domenic</a:t>
+            </a:r>
+            <a:endParaRPr lang="en-US"/>
+          </a:p>
+        </p:txBody>
+      </p:sp>
     </p:spTree>
     <p:extLst>
       <p:ext uri="{BB962C8B-B14F-4D97-AF65-F5344CB8AC3E}">
@@ -23483,6 +23894,29 @@
           </a:p>
         </p:txBody>
       </p:sp>
+      <p:sp>
+        <p:nvSpPr>
+          <p:cNvPr id="3" name="Footer Placeholder 2"/>
+          <p:cNvSpPr>
+            <a:spLocks noGrp="1"/>
+          </p:cNvSpPr>
+          <p:nvPr>
+            <p:ph type="ftr" sz="quarter" idx="11"/>
+          </p:nvPr>
+        </p:nvSpPr>
+        <p:spPr/>
+        <p:txBody>
+          <a:bodyPr/>
+          <a:lstStyle/>
+          <a:p>
+            <a:r>
+              <a:rPr lang="en-US" smtClean="0"/>
+              <a:t>@domenic</a:t>
+            </a:r>
+            <a:endParaRPr lang="en-US"/>
+          </a:p>
+        </p:txBody>
+      </p:sp>
     </p:spTree>
     <p:extLst>
       <p:ext uri="{BB962C8B-B14F-4D97-AF65-F5344CB8AC3E}">
@@ -23576,6 +24010,29 @@
           </a:p>
         </p:txBody>
       </p:sp>
+      <p:sp>
+        <p:nvSpPr>
+          <p:cNvPr id="3" name="Footer Placeholder 2"/>
+          <p:cNvSpPr>
+            <a:spLocks noGrp="1"/>
+          </p:cNvSpPr>
+          <p:nvPr>
+            <p:ph type="ftr" sz="quarter" idx="11"/>
+          </p:nvPr>
+        </p:nvSpPr>
+        <p:spPr/>
+        <p:txBody>
+          <a:bodyPr/>
+          <a:lstStyle/>
+          <a:p>
+            <a:r>
+              <a:rPr lang="en-US" smtClean="0"/>
+              <a:t>@domenic</a:t>
+            </a:r>
+            <a:endParaRPr lang="en-US"/>
+          </a:p>
+        </p:txBody>
+      </p:sp>
     </p:spTree>
     <p:extLst>
       <p:ext uri="{BB962C8B-B14F-4D97-AF65-F5344CB8AC3E}">
@@ -23683,6 +24140,29 @@
           </a:p>
         </p:txBody>
       </p:sp>
+      <p:sp>
+        <p:nvSpPr>
+          <p:cNvPr id="3" name="Footer Placeholder 2"/>
+          <p:cNvSpPr>
+            <a:spLocks noGrp="1"/>
+          </p:cNvSpPr>
+          <p:nvPr>
+            <p:ph type="ftr" sz="quarter" idx="11"/>
+          </p:nvPr>
+        </p:nvSpPr>
+        <p:spPr/>
+        <p:txBody>
+          <a:bodyPr/>
+          <a:lstStyle/>
+          <a:p>
+            <a:r>
+              <a:rPr lang="en-US" smtClean="0"/>
+              <a:t>@domenic</a:t>
+            </a:r>
+            <a:endParaRPr lang="en-US"/>
+          </a:p>
+        </p:txBody>
+      </p:sp>
     </p:spTree>
     <p:extLst>
       <p:ext uri="{BB962C8B-B14F-4D97-AF65-F5344CB8AC3E}">
@@ -23784,6 +24264,29 @@
           </a:p>
         </p:txBody>
       </p:sp>
+      <p:sp>
+        <p:nvSpPr>
+          <p:cNvPr id="3" name="Footer Placeholder 2"/>
+          <p:cNvSpPr>
+            <a:spLocks noGrp="1"/>
+          </p:cNvSpPr>
+          <p:nvPr>
+            <p:ph type="ftr" sz="quarter" idx="11"/>
+          </p:nvPr>
+        </p:nvSpPr>
+        <p:spPr/>
+        <p:txBody>
+          <a:bodyPr/>
+          <a:lstStyle/>
+          <a:p>
+            <a:r>
+              <a:rPr lang="en-US" smtClean="0"/>
+              <a:t>@domenic</a:t>
+            </a:r>
+            <a:endParaRPr lang="en-US"/>
+          </a:p>
+        </p:txBody>
+      </p:sp>
     </p:spTree>
     <p:extLst>
       <p:ext uri="{BB962C8B-B14F-4D97-AF65-F5344CB8AC3E}">
@@ -23970,6 +24473,29 @@
           </a:p>
         </p:txBody>
       </p:sp>
+      <p:sp>
+        <p:nvSpPr>
+          <p:cNvPr id="3" name="Footer Placeholder 2"/>
+          <p:cNvSpPr>
+            <a:spLocks noGrp="1"/>
+          </p:cNvSpPr>
+          <p:nvPr>
+            <p:ph type="ftr" sz="quarter" idx="11"/>
+          </p:nvPr>
+        </p:nvSpPr>
+        <p:spPr/>
+        <p:txBody>
+          <a:bodyPr/>
+          <a:lstStyle/>
+          <a:p>
+            <a:r>
+              <a:rPr lang="en-US" smtClean="0"/>
+              <a:t>@domenic</a:t>
+            </a:r>
+            <a:endParaRPr lang="en-US"/>
+          </a:p>
+        </p:txBody>
+      </p:sp>
     </p:spTree>
     <p:extLst>
       <p:ext uri="{BB962C8B-B14F-4D97-AF65-F5344CB8AC3E}">
@@ -24043,6 +24569,29 @@
           </a:p>
         </p:txBody>
       </p:sp>
+      <p:sp>
+        <p:nvSpPr>
+          <p:cNvPr id="3" name="Footer Placeholder 2"/>
+          <p:cNvSpPr>
+            <a:spLocks noGrp="1"/>
+          </p:cNvSpPr>
+          <p:nvPr>
+            <p:ph type="ftr" sz="quarter" idx="11"/>
+          </p:nvPr>
+        </p:nvSpPr>
+        <p:spPr/>
+        <p:txBody>
+          <a:bodyPr/>
+          <a:lstStyle/>
+          <a:p>
+            <a:r>
+              <a:rPr lang="en-US" smtClean="0"/>
+              <a:t>@domenic</a:t>
+            </a:r>
+            <a:endParaRPr lang="en-US"/>
+          </a:p>
+        </p:txBody>
+      </p:sp>
     </p:spTree>
     <p:extLst>
       <p:ext uri="{BB962C8B-B14F-4D97-AF65-F5344CB8AC3E}">
@@ -24129,6 +24678,29 @@
           </a:prstGeom>
         </p:spPr>
       </p:pic>
+      <p:sp>
+        <p:nvSpPr>
+          <p:cNvPr id="3" name="Footer Placeholder 2"/>
+          <p:cNvSpPr>
+            <a:spLocks noGrp="1"/>
+          </p:cNvSpPr>
+          <p:nvPr>
+            <p:ph type="ftr" sz="quarter" idx="11"/>
+          </p:nvPr>
+        </p:nvSpPr>
+        <p:spPr/>
+        <p:txBody>
+          <a:bodyPr/>
+          <a:lstStyle/>
+          <a:p>
+            <a:r>
+              <a:rPr lang="en-US" smtClean="0"/>
+              <a:t>@domenic</a:t>
+            </a:r>
+            <a:endParaRPr lang="en-US"/>
+          </a:p>
+        </p:txBody>
+      </p:sp>
     </p:spTree>
     <p:extLst>
       <p:ext uri="{BB962C8B-B14F-4D97-AF65-F5344CB8AC3E}">
@@ -24251,6 +24823,29 @@
           </a:p>
         </p:txBody>
       </p:sp>
+      <p:sp>
+        <p:nvSpPr>
+          <p:cNvPr id="3" name="Footer Placeholder 2"/>
+          <p:cNvSpPr>
+            <a:spLocks noGrp="1"/>
+          </p:cNvSpPr>
+          <p:nvPr>
+            <p:ph type="ftr" sz="quarter" idx="11"/>
+          </p:nvPr>
+        </p:nvSpPr>
+        <p:spPr/>
+        <p:txBody>
+          <a:bodyPr/>
+          <a:lstStyle/>
+          <a:p>
+            <a:r>
+              <a:rPr lang="en-US" smtClean="0"/>
+              <a:t>@domenic</a:t>
+            </a:r>
+            <a:endParaRPr lang="en-US"/>
+          </a:p>
+        </p:txBody>
+      </p:sp>
     </p:spTree>
     <p:extLst>
       <p:ext uri="{BB962C8B-B14F-4D97-AF65-F5344CB8AC3E}">
@@ -24359,6 +24954,29 @@
           </a:p>
         </p:txBody>
       </p:sp>
+      <p:sp>
+        <p:nvSpPr>
+          <p:cNvPr id="3" name="Footer Placeholder 2"/>
+          <p:cNvSpPr>
+            <a:spLocks noGrp="1"/>
+          </p:cNvSpPr>
+          <p:nvPr>
+            <p:ph type="ftr" sz="quarter" idx="11"/>
+          </p:nvPr>
+        </p:nvSpPr>
+        <p:spPr/>
+        <p:txBody>
+          <a:bodyPr/>
+          <a:lstStyle/>
+          <a:p>
+            <a:r>
+              <a:rPr lang="en-US" smtClean="0"/>
+              <a:t>@domenic</a:t>
+            </a:r>
+            <a:endParaRPr lang="en-US"/>
+          </a:p>
+        </p:txBody>
+      </p:sp>
     </p:spTree>
     <p:extLst>
       <p:ext uri="{BB962C8B-B14F-4D97-AF65-F5344CB8AC3E}">
@@ -24513,6 +25131,29 @@
           </a:p>
         </p:txBody>
       </p:sp>
+      <p:sp>
+        <p:nvSpPr>
+          <p:cNvPr id="3" name="Footer Placeholder 2"/>
+          <p:cNvSpPr>
+            <a:spLocks noGrp="1"/>
+          </p:cNvSpPr>
+          <p:nvPr>
+            <p:ph type="ftr" sz="quarter" idx="11"/>
+          </p:nvPr>
+        </p:nvSpPr>
+        <p:spPr/>
+        <p:txBody>
+          <a:bodyPr/>
+          <a:lstStyle/>
+          <a:p>
+            <a:r>
+              <a:rPr lang="en-US" smtClean="0"/>
+              <a:t>@domenic</a:t>
+            </a:r>
+            <a:endParaRPr lang="en-US"/>
+          </a:p>
+        </p:txBody>
+      </p:sp>
     </p:spTree>
     <p:extLst>
       <p:ext uri="{BB962C8B-B14F-4D97-AF65-F5344CB8AC3E}">
@@ -24662,6 +25303,29 @@
           </a:p>
         </p:txBody>
       </p:sp>
+      <p:sp>
+        <p:nvSpPr>
+          <p:cNvPr id="3" name="Footer Placeholder 2"/>
+          <p:cNvSpPr>
+            <a:spLocks noGrp="1"/>
+          </p:cNvSpPr>
+          <p:nvPr>
+            <p:ph type="ftr" sz="quarter" idx="11"/>
+          </p:nvPr>
+        </p:nvSpPr>
+        <p:spPr/>
+        <p:txBody>
+          <a:bodyPr/>
+          <a:lstStyle/>
+          <a:p>
+            <a:r>
+              <a:rPr lang="en-US" smtClean="0"/>
+              <a:t>@domenic</a:t>
+            </a:r>
+            <a:endParaRPr lang="en-US"/>
+          </a:p>
+        </p:txBody>
+      </p:sp>
     </p:spTree>
     <p:extLst>
       <p:ext uri="{BB962C8B-B14F-4D97-AF65-F5344CB8AC3E}">
@@ -24723,6 +25387,29 @@
           </a:p>
         </p:txBody>
       </p:sp>
+      <p:sp>
+        <p:nvSpPr>
+          <p:cNvPr id="3" name="Footer Placeholder 2"/>
+          <p:cNvSpPr>
+            <a:spLocks noGrp="1"/>
+          </p:cNvSpPr>
+          <p:nvPr>
+            <p:ph type="ftr" sz="quarter" idx="11"/>
+          </p:nvPr>
+        </p:nvSpPr>
+        <p:spPr/>
+        <p:txBody>
+          <a:bodyPr/>
+          <a:lstStyle/>
+          <a:p>
+            <a:r>
+              <a:rPr lang="en-US" smtClean="0"/>
+              <a:t>@domenic</a:t>
+            </a:r>
+            <a:endParaRPr lang="en-US"/>
+          </a:p>
+        </p:txBody>
+      </p:sp>
     </p:spTree>
     <p:extLst>
       <p:ext uri="{BB962C8B-B14F-4D97-AF65-F5344CB8AC3E}">
@@ -25251,6 +25938,29 @@
           </a:p>
         </p:txBody>
       </p:sp>
+      <p:sp>
+        <p:nvSpPr>
+          <p:cNvPr id="2" name="Footer Placeholder 1"/>
+          <p:cNvSpPr>
+            <a:spLocks noGrp="1"/>
+          </p:cNvSpPr>
+          <p:nvPr>
+            <p:ph type="ftr" sz="quarter" idx="11"/>
+          </p:nvPr>
+        </p:nvSpPr>
+        <p:spPr/>
+        <p:txBody>
+          <a:bodyPr/>
+          <a:lstStyle/>
+          <a:p>
+            <a:r>
+              <a:rPr lang="en-US" smtClean="0"/>
+              <a:t>@domenic</a:t>
+            </a:r>
+            <a:endParaRPr lang="en-US"/>
+          </a:p>
+        </p:txBody>
+      </p:sp>
     </p:spTree>
     <p:extLst>
       <p:ext uri="{BB962C8B-B14F-4D97-AF65-F5344CB8AC3E}">
@@ -25339,6 +26049,29 @@
           </a:p>
         </p:txBody>
       </p:sp>
+      <p:sp>
+        <p:nvSpPr>
+          <p:cNvPr id="3" name="Footer Placeholder 2"/>
+          <p:cNvSpPr>
+            <a:spLocks noGrp="1"/>
+          </p:cNvSpPr>
+          <p:nvPr>
+            <p:ph type="ftr" sz="quarter" idx="11"/>
+          </p:nvPr>
+        </p:nvSpPr>
+        <p:spPr/>
+        <p:txBody>
+          <a:bodyPr/>
+          <a:lstStyle/>
+          <a:p>
+            <a:r>
+              <a:rPr lang="en-US" smtClean="0"/>
+              <a:t>@domenic</a:t>
+            </a:r>
+            <a:endParaRPr lang="en-US"/>
+          </a:p>
+        </p:txBody>
+      </p:sp>
     </p:spTree>
     <p:extLst>
       <p:ext uri="{BB962C8B-B14F-4D97-AF65-F5344CB8AC3E}">
@@ -25400,6 +26133,29 @@
           </a:p>
         </p:txBody>
       </p:sp>
+      <p:sp>
+        <p:nvSpPr>
+          <p:cNvPr id="3" name="Footer Placeholder 2"/>
+          <p:cNvSpPr>
+            <a:spLocks noGrp="1"/>
+          </p:cNvSpPr>
+          <p:nvPr>
+            <p:ph type="ftr" sz="quarter" idx="11"/>
+          </p:nvPr>
+        </p:nvSpPr>
+        <p:spPr/>
+        <p:txBody>
+          <a:bodyPr/>
+          <a:lstStyle/>
+          <a:p>
+            <a:r>
+              <a:rPr lang="en-US" smtClean="0"/>
+              <a:t>@domenic</a:t>
+            </a:r>
+            <a:endParaRPr lang="en-US"/>
+          </a:p>
+        </p:txBody>
+      </p:sp>
     </p:spTree>
     <p:extLst>
       <p:ext uri="{BB962C8B-B14F-4D97-AF65-F5344CB8AC3E}">
@@ -25486,6 +26242,29 @@
           </a:p>
         </p:txBody>
       </p:sp>
+      <p:sp>
+        <p:nvSpPr>
+          <p:cNvPr id="3" name="Footer Placeholder 2"/>
+          <p:cNvSpPr>
+            <a:spLocks noGrp="1"/>
+          </p:cNvSpPr>
+          <p:nvPr>
+            <p:ph type="ftr" sz="quarter" idx="11"/>
+          </p:nvPr>
+        </p:nvSpPr>
+        <p:spPr/>
+        <p:txBody>
+          <a:bodyPr/>
+          <a:lstStyle/>
+          <a:p>
+            <a:r>
+              <a:rPr lang="en-US" smtClean="0"/>
+              <a:t>@domenic</a:t>
+            </a:r>
+            <a:endParaRPr lang="en-US"/>
+          </a:p>
+        </p:txBody>
+      </p:sp>
     </p:spTree>
     <p:extLst>
       <p:ext uri="{BB962C8B-B14F-4D97-AF65-F5344CB8AC3E}">
@@ -25592,6 +26371,29 @@
           </a:p>
         </p:txBody>
       </p:sp>
+      <p:sp>
+        <p:nvSpPr>
+          <p:cNvPr id="2" name="Footer Placeholder 1"/>
+          <p:cNvSpPr>
+            <a:spLocks noGrp="1"/>
+          </p:cNvSpPr>
+          <p:nvPr>
+            <p:ph type="ftr" sz="quarter" idx="11"/>
+          </p:nvPr>
+        </p:nvSpPr>
+        <p:spPr/>
+        <p:txBody>
+          <a:bodyPr/>
+          <a:lstStyle/>
+          <a:p>
+            <a:r>
+              <a:rPr lang="en-US" smtClean="0"/>
+              <a:t>@domenic</a:t>
+            </a:r>
+            <a:endParaRPr lang="en-US"/>
+          </a:p>
+        </p:txBody>
+      </p:sp>
     </p:spTree>
     <p:extLst>
       <p:ext uri="{BB962C8B-B14F-4D97-AF65-F5344CB8AC3E}">
@@ -25678,6 +26480,29 @@
           </a:prstGeom>
         </p:spPr>
       </p:pic>
+      <p:sp>
+        <p:nvSpPr>
+          <p:cNvPr id="3" name="Footer Placeholder 2"/>
+          <p:cNvSpPr>
+            <a:spLocks noGrp="1"/>
+          </p:cNvSpPr>
+          <p:nvPr>
+            <p:ph type="ftr" sz="quarter" idx="11"/>
+          </p:nvPr>
+        </p:nvSpPr>
+        <p:spPr/>
+        <p:txBody>
+          <a:bodyPr/>
+          <a:lstStyle/>
+          <a:p>
+            <a:r>
+              <a:rPr lang="en-US" smtClean="0"/>
+              <a:t>@domenic</a:t>
+            </a:r>
+            <a:endParaRPr lang="en-US"/>
+          </a:p>
+        </p:txBody>
+      </p:sp>
     </p:spTree>
     <p:extLst>
       <p:ext uri="{BB962C8B-B14F-4D97-AF65-F5344CB8AC3E}">
@@ -25751,6 +26576,29 @@
           </a:p>
         </p:txBody>
       </p:sp>
+      <p:sp>
+        <p:nvSpPr>
+          <p:cNvPr id="3" name="Footer Placeholder 2"/>
+          <p:cNvSpPr>
+            <a:spLocks noGrp="1"/>
+          </p:cNvSpPr>
+          <p:nvPr>
+            <p:ph type="ftr" sz="quarter" idx="11"/>
+          </p:nvPr>
+        </p:nvSpPr>
+        <p:spPr/>
+        <p:txBody>
+          <a:bodyPr/>
+          <a:lstStyle/>
+          <a:p>
+            <a:r>
+              <a:rPr lang="en-US" smtClean="0"/>
+              <a:t>@domenic</a:t>
+            </a:r>
+            <a:endParaRPr lang="en-US"/>
+          </a:p>
+        </p:txBody>
+      </p:sp>
     </p:spTree>
     <p:extLst>
       <p:ext uri="{BB962C8B-B14F-4D97-AF65-F5344CB8AC3E}">
@@ -25809,6 +26657,29 @@
               <a:t>community</a:t>
             </a:r>
             <a:endParaRPr lang="en-US" dirty="0"/>
+          </a:p>
+        </p:txBody>
+      </p:sp>
+      <p:sp>
+        <p:nvSpPr>
+          <p:cNvPr id="3" name="Footer Placeholder 2"/>
+          <p:cNvSpPr>
+            <a:spLocks noGrp="1"/>
+          </p:cNvSpPr>
+          <p:nvPr>
+            <p:ph type="ftr" sz="quarter" idx="11"/>
+          </p:nvPr>
+        </p:nvSpPr>
+        <p:spPr/>
+        <p:txBody>
+          <a:bodyPr/>
+          <a:lstStyle/>
+          <a:p>
+            <a:r>
+              <a:rPr lang="en-US" smtClean="0"/>
+              <a:t>@domenic</a:t>
+            </a:r>
+            <a:endParaRPr lang="en-US"/>
           </a:p>
         </p:txBody>
       </p:sp>
@@ -25914,6 +26785,29 @@
           </a:prstGeom>
         </p:spPr>
       </p:pic>
+      <p:sp>
+        <p:nvSpPr>
+          <p:cNvPr id="2" name="Footer Placeholder 1"/>
+          <p:cNvSpPr>
+            <a:spLocks noGrp="1"/>
+          </p:cNvSpPr>
+          <p:nvPr>
+            <p:ph type="ftr" sz="quarter" idx="11"/>
+          </p:nvPr>
+        </p:nvSpPr>
+        <p:spPr/>
+        <p:txBody>
+          <a:bodyPr/>
+          <a:lstStyle/>
+          <a:p>
+            <a:r>
+              <a:rPr lang="en-US" smtClean="0"/>
+              <a:t>@domenic</a:t>
+            </a:r>
+            <a:endParaRPr lang="en-US"/>
+          </a:p>
+        </p:txBody>
+      </p:sp>
     </p:spTree>
     <p:extLst>
       <p:ext uri="{BB962C8B-B14F-4D97-AF65-F5344CB8AC3E}">
@@ -25981,6 +26875,29 @@
           </a:p>
         </p:txBody>
       </p:sp>
+      <p:sp>
+        <p:nvSpPr>
+          <p:cNvPr id="3" name="Footer Placeholder 2"/>
+          <p:cNvSpPr>
+            <a:spLocks noGrp="1"/>
+          </p:cNvSpPr>
+          <p:nvPr>
+            <p:ph type="ftr" sz="quarter" idx="11"/>
+          </p:nvPr>
+        </p:nvSpPr>
+        <p:spPr/>
+        <p:txBody>
+          <a:bodyPr/>
+          <a:lstStyle/>
+          <a:p>
+            <a:r>
+              <a:rPr lang="en-US" smtClean="0"/>
+              <a:t>@domenic</a:t>
+            </a:r>
+            <a:endParaRPr lang="en-US"/>
+          </a:p>
+        </p:txBody>
+      </p:sp>
     </p:spTree>
     <p:extLst>
       <p:ext uri="{BB962C8B-B14F-4D97-AF65-F5344CB8AC3E}">
@@ -26067,6 +26984,29 @@
           </a:prstGeom>
         </p:spPr>
       </p:pic>
+      <p:sp>
+        <p:nvSpPr>
+          <p:cNvPr id="3" name="Footer Placeholder 2"/>
+          <p:cNvSpPr>
+            <a:spLocks noGrp="1"/>
+          </p:cNvSpPr>
+          <p:nvPr>
+            <p:ph type="ftr" sz="quarter" idx="11"/>
+          </p:nvPr>
+        </p:nvSpPr>
+        <p:spPr/>
+        <p:txBody>
+          <a:bodyPr/>
+          <a:lstStyle/>
+          <a:p>
+            <a:r>
+              <a:rPr lang="en-US" smtClean="0"/>
+              <a:t>@domenic</a:t>
+            </a:r>
+            <a:endParaRPr lang="en-US"/>
+          </a:p>
+        </p:txBody>
+      </p:sp>
     </p:spTree>
     <p:extLst>
       <p:ext uri="{BB962C8B-B14F-4D97-AF65-F5344CB8AC3E}">
@@ -26181,6 +27121,29 @@
           </a:p>
           <a:p>
             <a:endParaRPr lang="en-US" sz="4800" dirty="0"/>
+          </a:p>
+        </p:txBody>
+      </p:sp>
+      <p:sp>
+        <p:nvSpPr>
+          <p:cNvPr id="2" name="Footer Placeholder 1"/>
+          <p:cNvSpPr>
+            <a:spLocks noGrp="1"/>
+          </p:cNvSpPr>
+          <p:nvPr>
+            <p:ph type="ftr" sz="quarter" idx="11"/>
+          </p:nvPr>
+        </p:nvSpPr>
+        <p:spPr/>
+        <p:txBody>
+          <a:bodyPr/>
+          <a:lstStyle/>
+          <a:p>
+            <a:r>
+              <a:rPr lang="en-US" smtClean="0"/>
+              <a:t>@domenic</a:t>
+            </a:r>
+            <a:endParaRPr lang="en-US"/>
           </a:p>
         </p:txBody>
       </p:sp>
@@ -26513,6 +27476,29 @@
           </a:p>
         </p:txBody>
       </p:sp>
+      <p:sp>
+        <p:nvSpPr>
+          <p:cNvPr id="3" name="Footer Placeholder 2"/>
+          <p:cNvSpPr>
+            <a:spLocks noGrp="1"/>
+          </p:cNvSpPr>
+          <p:nvPr>
+            <p:ph type="ftr" sz="quarter" idx="11"/>
+          </p:nvPr>
+        </p:nvSpPr>
+        <p:spPr/>
+        <p:txBody>
+          <a:bodyPr/>
+          <a:lstStyle/>
+          <a:p>
+            <a:r>
+              <a:rPr lang="en-US" smtClean="0"/>
+              <a:t>@domenic</a:t>
+            </a:r>
+            <a:endParaRPr lang="en-US"/>
+          </a:p>
+        </p:txBody>
+      </p:sp>
     </p:spTree>
     <p:extLst>
       <p:ext uri="{BB962C8B-B14F-4D97-AF65-F5344CB8AC3E}">
@@ -26591,6 +27577,29 @@
           </a:extLst>
         </p:spPr>
       </p:pic>
+      <p:sp>
+        <p:nvSpPr>
+          <p:cNvPr id="2" name="Footer Placeholder 1"/>
+          <p:cNvSpPr>
+            <a:spLocks noGrp="1"/>
+          </p:cNvSpPr>
+          <p:nvPr>
+            <p:ph type="ftr" sz="quarter" idx="11"/>
+          </p:nvPr>
+        </p:nvSpPr>
+        <p:spPr/>
+        <p:txBody>
+          <a:bodyPr/>
+          <a:lstStyle/>
+          <a:p>
+            <a:r>
+              <a:rPr lang="en-US" smtClean="0"/>
+              <a:t>@domenic</a:t>
+            </a:r>
+            <a:endParaRPr lang="en-US"/>
+          </a:p>
+        </p:txBody>
+      </p:sp>
     </p:spTree>
     <p:extLst>
       <p:ext uri="{BB962C8B-B14F-4D97-AF65-F5344CB8AC3E}">
@@ -26836,6 +27845,29 @@
               <a:t>four.livejournal.com/1033160.html</a:t>
             </a:r>
             <a:endParaRPr lang="en-US" dirty="0"/>
+          </a:p>
+        </p:txBody>
+      </p:sp>
+      <p:sp>
+        <p:nvSpPr>
+          <p:cNvPr id="2" name="Footer Placeholder 1"/>
+          <p:cNvSpPr>
+            <a:spLocks noGrp="1"/>
+          </p:cNvSpPr>
+          <p:nvPr>
+            <p:ph type="ftr" sz="quarter" idx="11"/>
+          </p:nvPr>
+        </p:nvSpPr>
+        <p:spPr/>
+        <p:txBody>
+          <a:bodyPr/>
+          <a:lstStyle/>
+          <a:p>
+            <a:r>
+              <a:rPr lang="en-US" smtClean="0"/>
+              <a:t>@domenic</a:t>
+            </a:r>
+            <a:endParaRPr lang="en-US"/>
           </a:p>
         </p:txBody>
       </p:sp>

--- a/presentation.pptx
+++ b/presentation.pptx
@@ -26895,6 +26895,49 @@
               <a:t>@domenic</a:t>
             </a:r>
             <a:endParaRPr lang="en-US"/>
+          </a:p>
+        </p:txBody>
+      </p:sp>
+      <p:sp>
+        <p:nvSpPr>
+          <p:cNvPr id="5" name="Rectangle 4"/>
+          <p:cNvSpPr/>
+          <p:nvPr/>
+        </p:nvSpPr>
+        <p:spPr>
+          <a:xfrm>
+            <a:off x="2280860" y="5055087"/>
+            <a:ext cx="5458546" cy="369332"/>
+          </a:xfrm>
+          <a:prstGeom prst="rect">
+            <a:avLst/>
+          </a:prstGeom>
+        </p:spPr>
+        <p:txBody>
+          <a:bodyPr wrap="none">
+            <a:spAutoFit/>
+          </a:bodyPr>
+          <a:lstStyle/>
+          <a:p>
+            <a:r>
+              <a:rPr lang="en-US" dirty="0">
+                <a:hlinkClick r:id="rId2"/>
+              </a:rPr>
+              <a:t>https</a:t>
+            </a:r>
+            <a:r>
+              <a:rPr lang="en-US">
+                <a:hlinkClick r:id="rId2"/>
+              </a:rPr>
+              <a:t>://</a:t>
+            </a:r>
+            <a:r>
+              <a:rPr lang="en-US" smtClean="0">
+                <a:hlinkClick r:id="rId2"/>
+              </a:rPr>
+              <a:t>github.com/domenic/understanding-node</a:t>
+            </a:r>
+            <a:endParaRPr lang="en-US" dirty="0"/>
           </a:p>
         </p:txBody>
       </p:sp>

--- a/presentation.pptx
+++ b/presentation.pptx
@@ -21145,8 +21145,8 @@
         </p:nvSpPr>
         <p:spPr>
           <a:xfrm>
-            <a:off x="327555" y="6485129"/>
-            <a:ext cx="6297612" cy="365125"/>
+            <a:off x="327555" y="5782079"/>
+            <a:ext cx="6297612" cy="1068176"/>
           </a:xfrm>
         </p:spPr>
         <p:txBody>
@@ -21154,10 +21154,63 @@
           <a:lstStyle/>
           <a:p>
             <a:r>
-              <a:rPr lang="en-US" smtClean="0"/>
-              <a:t>@domenic</a:t>
-            </a:r>
-            <a:endParaRPr lang="en-US"/>
+              <a:rPr lang="en-US" dirty="0" smtClean="0">
+                <a:solidFill>
+                  <a:schemeClr val="tx2">
+                    <a:lumMod val="90000"/>
+                  </a:schemeClr>
+                </a:solidFill>
+              </a:rPr>
+              <a:t>Domenic Denicola</a:t>
+            </a:r>
+          </a:p>
+          <a:p>
+            <a:r>
+              <a:rPr lang="en-US" dirty="0" smtClean="0">
+                <a:solidFill>
+                  <a:schemeClr val="tx2">
+                    <a:lumMod val="90000"/>
+                  </a:schemeClr>
+                </a:solidFill>
+              </a:rPr>
+              <a:t>http://domenicdenicola.com</a:t>
+            </a:r>
+            <a:endParaRPr lang="en-US" dirty="0" smtClean="0">
+              <a:solidFill>
+                <a:schemeClr val="tx2">
+                  <a:lumMod val="90000"/>
+                </a:schemeClr>
+              </a:solidFill>
+            </a:endParaRPr>
+          </a:p>
+          <a:p>
+            <a:r>
+              <a:rPr lang="en-US" dirty="0" smtClean="0">
+                <a:solidFill>
+                  <a:schemeClr val="tx2">
+                    <a:lumMod val="90000"/>
+                  </a:schemeClr>
+                </a:solidFill>
+              </a:rPr>
+              <a:t>@</a:t>
+            </a:r>
+            <a:r>
+              <a:rPr lang="en-US" dirty="0" err="1" smtClean="0">
+                <a:solidFill>
+                  <a:schemeClr val="tx2">
+                    <a:lumMod val="90000"/>
+                  </a:schemeClr>
+                </a:solidFill>
+              </a:rPr>
+              <a:t>domenic</a:t>
+            </a:r>
+            <a:endParaRPr lang="en-US" dirty="0">
+              <a:solidFill>
+                <a:schemeClr val="tx2">
+                  <a:lumMod val="90000"/>
+                </a:schemeClr>
+              </a:solidFill>
+            </a:endParaRPr>
           </a:p>
         </p:txBody>
       </p:sp>
@@ -26923,16 +26976,10 @@
               <a:rPr lang="en-US" dirty="0">
                 <a:hlinkClick r:id="rId2"/>
               </a:rPr>
-              <a:t>https</a:t>
-            </a:r>
-            <a:r>
-              <a:rPr lang="en-US">
-                <a:hlinkClick r:id="rId2"/>
-              </a:rPr>
-              <a:t>://</a:t>
-            </a:r>
-            <a:r>
-              <a:rPr lang="en-US" smtClean="0">
+              <a:t>https://</a:t>
+            </a:r>
+            <a:r>
+              <a:rPr lang="en-US" dirty="0" smtClean="0">
                 <a:hlinkClick r:id="rId2"/>
               </a:rPr>
               <a:t>github.com/domenic/understanding-node</a:t>

--- a/presentation.pptx
+++ b/presentation.pptx
@@ -21175,13 +21175,6 @@
               </a:rPr>
               <a:t>http://domenicdenicola.com</a:t>
             </a:r>
-            <a:endParaRPr lang="en-US" dirty="0" smtClean="0">
-              <a:solidFill>
-                <a:schemeClr val="tx2">
-                  <a:lumMod val="90000"/>
-                </a:schemeClr>
-              </a:solidFill>
-            </a:endParaRPr>
           </a:p>
           <a:p>
             <a:r>
@@ -25076,7 +25069,7 @@
         <p:spPr>
           <a:xfrm>
             <a:off x="792480" y="2151728"/>
-            <a:ext cx="9438866" cy="2554545"/>
+            <a:ext cx="9551076" cy="2554545"/>
           </a:xfrm>
           <a:prstGeom prst="rect">
             <a:avLst/>
@@ -25115,7 +25108,28 @@
                 <a:latin typeface="Segoe UI Light" panose="020B0502040204020203" pitchFamily="34" charset="0"/>
                 <a:cs typeface="Segoe UI Light" panose="020B0502040204020203" pitchFamily="34" charset="0"/>
               </a:rPr>
-              <a:t>" }, function(err, users) {</a:t>
+              <a:t>" </a:t>
+            </a:r>
+            <a:r>
+              <a:rPr lang="en-US" sz="3200">
+                <a:latin typeface="Segoe UI Light" panose="020B0502040204020203" pitchFamily="34" charset="0"/>
+                <a:cs typeface="Segoe UI Light" panose="020B0502040204020203" pitchFamily="34" charset="0"/>
+              </a:rPr>
+              <a:t>}, </a:t>
+            </a:r>
+            <a:r>
+              <a:rPr lang="en-US" sz="3200" smtClean="0">
+                <a:latin typeface="Segoe UI Light" panose="020B0502040204020203" pitchFamily="34" charset="0"/>
+                <a:cs typeface="Segoe UI Light" panose="020B0502040204020203" pitchFamily="34" charset="0"/>
+              </a:rPr>
+              <a:t>function (</a:t>
+            </a:r>
+            <a:r>
+              <a:rPr lang="en-US" sz="3200" dirty="0">
+                <a:latin typeface="Segoe UI Light" panose="020B0502040204020203" pitchFamily="34" charset="0"/>
+                <a:cs typeface="Segoe UI Light" panose="020B0502040204020203" pitchFamily="34" charset="0"/>
+              </a:rPr>
+              <a:t>err, users) {</a:t>
             </a:r>
           </a:p>
           <a:p>
@@ -27208,6 +27222,7 @@
               <a:rPr lang="en-US" sz="4800" dirty="0" smtClean="0"/>
               <a:t>community</a:t>
             </a:r>
+            <a:endParaRPr lang="en-US" sz="4800" dirty="0" smtClean="0"/>
           </a:p>
           <a:p>
             <a:endParaRPr lang="en-US" sz="4800" dirty="0"/>

--- a/presentation.pptx
+++ b/presentation.pptx
@@ -14,40 +14,40 @@
     <p:sldId id="260" r:id="rId5"/>
     <p:sldId id="274" r:id="rId6"/>
     <p:sldId id="258" r:id="rId7"/>
-    <p:sldId id="261" r:id="rId8"/>
-    <p:sldId id="262" r:id="rId9"/>
-    <p:sldId id="265" r:id="rId10"/>
-    <p:sldId id="267" r:id="rId11"/>
-    <p:sldId id="266" r:id="rId12"/>
-    <p:sldId id="268" r:id="rId13"/>
-    <p:sldId id="269" r:id="rId14"/>
-    <p:sldId id="270" r:id="rId15"/>
-    <p:sldId id="271" r:id="rId16"/>
-    <p:sldId id="272" r:id="rId17"/>
-    <p:sldId id="264" r:id="rId18"/>
-    <p:sldId id="276" r:id="rId19"/>
-    <p:sldId id="278" r:id="rId20"/>
-    <p:sldId id="275" r:id="rId21"/>
-    <p:sldId id="273" r:id="rId22"/>
-    <p:sldId id="279" r:id="rId23"/>
-    <p:sldId id="280" r:id="rId24"/>
-    <p:sldId id="281" r:id="rId25"/>
-    <p:sldId id="283" r:id="rId26"/>
-    <p:sldId id="285" r:id="rId27"/>
-    <p:sldId id="286" r:id="rId28"/>
-    <p:sldId id="287" r:id="rId29"/>
-    <p:sldId id="288" r:id="rId30"/>
-    <p:sldId id="289" r:id="rId31"/>
-    <p:sldId id="290" r:id="rId32"/>
-    <p:sldId id="291" r:id="rId33"/>
-    <p:sldId id="292" r:id="rId34"/>
-    <p:sldId id="293" r:id="rId35"/>
-    <p:sldId id="294" r:id="rId36"/>
-    <p:sldId id="297" r:id="rId37"/>
-    <p:sldId id="295" r:id="rId38"/>
-    <p:sldId id="298" r:id="rId39"/>
-    <p:sldId id="299" r:id="rId40"/>
-    <p:sldId id="300" r:id="rId41"/>
+    <p:sldId id="305" r:id="rId8"/>
+    <p:sldId id="306" r:id="rId9"/>
+    <p:sldId id="307" r:id="rId10"/>
+    <p:sldId id="308" r:id="rId11"/>
+    <p:sldId id="261" r:id="rId12"/>
+    <p:sldId id="262" r:id="rId13"/>
+    <p:sldId id="265" r:id="rId14"/>
+    <p:sldId id="267" r:id="rId15"/>
+    <p:sldId id="266" r:id="rId16"/>
+    <p:sldId id="268" r:id="rId17"/>
+    <p:sldId id="269" r:id="rId18"/>
+    <p:sldId id="270" r:id="rId19"/>
+    <p:sldId id="271" r:id="rId20"/>
+    <p:sldId id="272" r:id="rId21"/>
+    <p:sldId id="264" r:id="rId22"/>
+    <p:sldId id="276" r:id="rId23"/>
+    <p:sldId id="278" r:id="rId24"/>
+    <p:sldId id="275" r:id="rId25"/>
+    <p:sldId id="273" r:id="rId26"/>
+    <p:sldId id="279" r:id="rId27"/>
+    <p:sldId id="280" r:id="rId28"/>
+    <p:sldId id="281" r:id="rId29"/>
+    <p:sldId id="283" r:id="rId30"/>
+    <p:sldId id="285" r:id="rId31"/>
+    <p:sldId id="286" r:id="rId32"/>
+    <p:sldId id="287" r:id="rId33"/>
+    <p:sldId id="288" r:id="rId34"/>
+    <p:sldId id="289" r:id="rId35"/>
+    <p:sldId id="290" r:id="rId36"/>
+    <p:sldId id="291" r:id="rId37"/>
+    <p:sldId id="292" r:id="rId38"/>
+    <p:sldId id="293" r:id="rId39"/>
+    <p:sldId id="294" r:id="rId40"/>
+    <p:sldId id="297" r:id="rId41"/>
     <p:sldId id="301" r:id="rId42"/>
     <p:sldId id="302" r:id="rId43"/>
     <p:sldId id="304" r:id="rId44"/>
@@ -635,6 +635,14 @@
           <a:bodyPr/>
           <a:lstStyle/>
           <a:p>
+            <a:r>
+              <a:rPr lang="en-US" dirty="0" smtClean="0"/>
+              <a:t>Ask</a:t>
+            </a:r>
+            <a:r>
+              <a:rPr lang="en-US" baseline="0" dirty="0" smtClean="0"/>
+              <a:t> the audience what their webservers do</a:t>
+            </a:r>
             <a:endParaRPr lang="en-US" dirty="0"/>
           </a:p>
         </p:txBody>
@@ -656,7 +664,7 @@
           <a:p>
             <a:fld id="{0CF201D2-22CE-4A5F-B071-75120FAE2428}" type="slidenum">
               <a:rPr lang="en-US" smtClean="0"/>
-              <a:t>28</a:t>
+              <a:t>26</a:t>
             </a:fld>
             <a:endParaRPr lang="en-US"/>
           </a:p>
@@ -665,7 +673,7 @@
     </p:spTree>
     <p:extLst>
       <p:ext uri="{BB962C8B-B14F-4D97-AF65-F5344CB8AC3E}">
-        <p14:creationId xmlns:p14="http://schemas.microsoft.com/office/powerpoint/2010/main" val="2035672127"/>
+        <p14:creationId xmlns:p14="http://schemas.microsoft.com/office/powerpoint/2010/main" val="3146703692"/>
       </p:ext>
     </p:extLst>
   </p:cSld>
@@ -719,6 +727,14 @@
           <a:bodyPr/>
           <a:lstStyle/>
           <a:p>
+            <a:r>
+              <a:rPr lang="en-US" dirty="0" smtClean="0"/>
+              <a:t>Don’t explain this,</a:t>
+            </a:r>
+            <a:r>
+              <a:rPr lang="en-US" baseline="0" dirty="0" smtClean="0"/>
+              <a:t> just read it---explanation is on upcoming slides.</a:t>
+            </a:r>
             <a:endParaRPr lang="en-US" dirty="0"/>
           </a:p>
         </p:txBody>
@@ -740,7 +756,7 @@
           <a:p>
             <a:fld id="{0CF201D2-22CE-4A5F-B071-75120FAE2428}" type="slidenum">
               <a:rPr lang="en-US" smtClean="0"/>
-              <a:t>30</a:t>
+              <a:t>27</a:t>
             </a:fld>
             <a:endParaRPr lang="en-US"/>
           </a:p>
@@ -749,7 +765,7 @@
     </p:spTree>
     <p:extLst>
       <p:ext uri="{BB962C8B-B14F-4D97-AF65-F5344CB8AC3E}">
-        <p14:creationId xmlns:p14="http://schemas.microsoft.com/office/powerpoint/2010/main" val="3522772623"/>
+        <p14:creationId xmlns:p14="http://schemas.microsoft.com/office/powerpoint/2010/main" val="246577115"/>
       </p:ext>
     </p:extLst>
   </p:cSld>
@@ -833,7 +849,7 @@
     </p:spTree>
     <p:extLst>
       <p:ext uri="{BB962C8B-B14F-4D97-AF65-F5344CB8AC3E}">
-        <p14:creationId xmlns:p14="http://schemas.microsoft.com/office/powerpoint/2010/main" val="836197722"/>
+        <p14:creationId xmlns:p14="http://schemas.microsoft.com/office/powerpoint/2010/main" val="3317427322"/>
       </p:ext>
     </p:extLst>
   </p:cSld>
@@ -917,7 +933,7 @@
     </p:spTree>
     <p:extLst>
       <p:ext uri="{BB962C8B-B14F-4D97-AF65-F5344CB8AC3E}">
-        <p14:creationId xmlns:p14="http://schemas.microsoft.com/office/powerpoint/2010/main" val="209837725"/>
+        <p14:creationId xmlns:p14="http://schemas.microsoft.com/office/powerpoint/2010/main" val="2035672127"/>
       </p:ext>
     </p:extLst>
   </p:cSld>
@@ -992,7 +1008,7 @@
           <a:p>
             <a:fld id="{0CF201D2-22CE-4A5F-B071-75120FAE2428}" type="slidenum">
               <a:rPr lang="en-US" smtClean="0"/>
-              <a:t>33</a:t>
+              <a:t>34</a:t>
             </a:fld>
             <a:endParaRPr lang="en-US"/>
           </a:p>
@@ -1001,7 +1017,7 @@
     </p:spTree>
     <p:extLst>
       <p:ext uri="{BB962C8B-B14F-4D97-AF65-F5344CB8AC3E}">
-        <p14:creationId xmlns:p14="http://schemas.microsoft.com/office/powerpoint/2010/main" val="4084964578"/>
+        <p14:creationId xmlns:p14="http://schemas.microsoft.com/office/powerpoint/2010/main" val="3522772623"/>
       </p:ext>
     </p:extLst>
   </p:cSld>
@@ -1085,7 +1101,7 @@
     </p:spTree>
     <p:extLst>
       <p:ext uri="{BB962C8B-B14F-4D97-AF65-F5344CB8AC3E}">
-        <p14:creationId xmlns:p14="http://schemas.microsoft.com/office/powerpoint/2010/main" val="1370258007"/>
+        <p14:creationId xmlns:p14="http://schemas.microsoft.com/office/powerpoint/2010/main" val="836197722"/>
       </p:ext>
     </p:extLst>
   </p:cSld>
@@ -1139,14 +1155,6 @@
           <a:bodyPr/>
           <a:lstStyle/>
           <a:p>
-            <a:r>
-              <a:rPr lang="en-US" dirty="0" smtClean="0"/>
-              <a:t>Why is this a good thing? Well that leads</a:t>
-            </a:r>
-            <a:r>
-              <a:rPr lang="en-US" baseline="0" dirty="0" smtClean="0"/>
-              <a:t> us to our next point, which is that Node.js is…</a:t>
-            </a:r>
             <a:endParaRPr lang="en-US" dirty="0"/>
           </a:p>
         </p:txBody>
@@ -1177,7 +1185,7 @@
     </p:spTree>
     <p:extLst>
       <p:ext uri="{BB962C8B-B14F-4D97-AF65-F5344CB8AC3E}">
-        <p14:creationId xmlns:p14="http://schemas.microsoft.com/office/powerpoint/2010/main" val="2270387894"/>
+        <p14:creationId xmlns:p14="http://schemas.microsoft.com/office/powerpoint/2010/main" val="209837725"/>
       </p:ext>
     </p:extLst>
   </p:cSld>
@@ -1231,10 +1239,6 @@
           <a:bodyPr/>
           <a:lstStyle/>
           <a:p>
-            <a:r>
-              <a:rPr lang="en-US" dirty="0" smtClean="0"/>
-              <a:t>“Solving modern problems.”</a:t>
-            </a:r>
             <a:endParaRPr lang="en-US" dirty="0"/>
           </a:p>
         </p:txBody>
@@ -1265,7 +1269,183 @@
     </p:spTree>
     <p:extLst>
       <p:ext uri="{BB962C8B-B14F-4D97-AF65-F5344CB8AC3E}">
-        <p14:creationId xmlns:p14="http://schemas.microsoft.com/office/powerpoint/2010/main" val="1621923049"/>
+        <p14:creationId xmlns:p14="http://schemas.microsoft.com/office/powerpoint/2010/main" val="4084964578"/>
+      </p:ext>
+    </p:extLst>
+  </p:cSld>
+  <p:clrMapOvr>
+    <a:masterClrMapping/>
+  </p:clrMapOvr>
+</p:notes>
+</file>
+
+<file path=ppt/notesSlides/notesSlide18.xml><?xml version="1.0" encoding="utf-8"?>
+<p:notes xmlns:a="http://schemas.openxmlformats.org/drawingml/2006/main" xmlns:r="http://schemas.openxmlformats.org/officeDocument/2006/relationships" xmlns:p="http://schemas.openxmlformats.org/presentationml/2006/main">
+  <p:cSld>
+    <p:spTree>
+      <p:nvGrpSpPr>
+        <p:cNvPr id="1" name=""/>
+        <p:cNvGrpSpPr/>
+        <p:nvPr/>
+      </p:nvGrpSpPr>
+      <p:grpSpPr>
+        <a:xfrm>
+          <a:off x="0" y="0"/>
+          <a:ext cx="0" cy="0"/>
+          <a:chOff x="0" y="0"/>
+          <a:chExt cx="0" cy="0"/>
+        </a:xfrm>
+      </p:grpSpPr>
+      <p:sp>
+        <p:nvSpPr>
+          <p:cNvPr id="2" name="Slide Image Placeholder 1"/>
+          <p:cNvSpPr>
+            <a:spLocks noGrp="1" noRot="1" noChangeAspect="1"/>
+          </p:cNvSpPr>
+          <p:nvPr>
+            <p:ph type="sldImg"/>
+          </p:nvPr>
+        </p:nvSpPr>
+        <p:spPr/>
+      </p:sp>
+      <p:sp>
+        <p:nvSpPr>
+          <p:cNvPr id="3" name="Notes Placeholder 2"/>
+          <p:cNvSpPr>
+            <a:spLocks noGrp="1"/>
+          </p:cNvSpPr>
+          <p:nvPr>
+            <p:ph type="body" idx="1"/>
+          </p:nvPr>
+        </p:nvSpPr>
+        <p:spPr/>
+        <p:txBody>
+          <a:bodyPr/>
+          <a:lstStyle/>
+          <a:p>
+            <a:endParaRPr lang="en-US" dirty="0"/>
+          </a:p>
+        </p:txBody>
+      </p:sp>
+      <p:sp>
+        <p:nvSpPr>
+          <p:cNvPr id="4" name="Slide Number Placeholder 3"/>
+          <p:cNvSpPr>
+            <a:spLocks noGrp="1"/>
+          </p:cNvSpPr>
+          <p:nvPr>
+            <p:ph type="sldNum" sz="quarter" idx="10"/>
+          </p:nvPr>
+        </p:nvSpPr>
+        <p:spPr/>
+        <p:txBody>
+          <a:bodyPr/>
+          <a:lstStyle/>
+          <a:p>
+            <a:fld id="{0CF201D2-22CE-4A5F-B071-75120FAE2428}" type="slidenum">
+              <a:rPr lang="en-US" smtClean="0"/>
+              <a:t>39</a:t>
+            </a:fld>
+            <a:endParaRPr lang="en-US"/>
+          </a:p>
+        </p:txBody>
+      </p:sp>
+    </p:spTree>
+    <p:extLst>
+      <p:ext uri="{BB962C8B-B14F-4D97-AF65-F5344CB8AC3E}">
+        <p14:creationId xmlns:p14="http://schemas.microsoft.com/office/powerpoint/2010/main" val="1370258007"/>
+      </p:ext>
+    </p:extLst>
+  </p:cSld>
+  <p:clrMapOvr>
+    <a:masterClrMapping/>
+  </p:clrMapOvr>
+</p:notes>
+</file>
+
+<file path=ppt/notesSlides/notesSlide19.xml><?xml version="1.0" encoding="utf-8"?>
+<p:notes xmlns:a="http://schemas.openxmlformats.org/drawingml/2006/main" xmlns:r="http://schemas.openxmlformats.org/officeDocument/2006/relationships" xmlns:p="http://schemas.openxmlformats.org/presentationml/2006/main">
+  <p:cSld>
+    <p:spTree>
+      <p:nvGrpSpPr>
+        <p:cNvPr id="1" name=""/>
+        <p:cNvGrpSpPr/>
+        <p:nvPr/>
+      </p:nvGrpSpPr>
+      <p:grpSpPr>
+        <a:xfrm>
+          <a:off x="0" y="0"/>
+          <a:ext cx="0" cy="0"/>
+          <a:chOff x="0" y="0"/>
+          <a:chExt cx="0" cy="0"/>
+        </a:xfrm>
+      </p:grpSpPr>
+      <p:sp>
+        <p:nvSpPr>
+          <p:cNvPr id="2" name="Slide Image Placeholder 1"/>
+          <p:cNvSpPr>
+            <a:spLocks noGrp="1" noRot="1" noChangeAspect="1"/>
+          </p:cNvSpPr>
+          <p:nvPr>
+            <p:ph type="sldImg"/>
+          </p:nvPr>
+        </p:nvSpPr>
+        <p:spPr/>
+      </p:sp>
+      <p:sp>
+        <p:nvSpPr>
+          <p:cNvPr id="3" name="Notes Placeholder 2"/>
+          <p:cNvSpPr>
+            <a:spLocks noGrp="1"/>
+          </p:cNvSpPr>
+          <p:nvPr>
+            <p:ph type="body" idx="1"/>
+          </p:nvPr>
+        </p:nvSpPr>
+        <p:spPr/>
+        <p:txBody>
+          <a:bodyPr/>
+          <a:lstStyle/>
+          <a:p>
+            <a:r>
+              <a:rPr lang="en-US" dirty="0" smtClean="0"/>
+              <a:t>Why is this a good thing? Well that leads</a:t>
+            </a:r>
+            <a:r>
+              <a:rPr lang="en-US" baseline="0" dirty="0" smtClean="0"/>
+              <a:t> us to our next point, which is that Node.js is…</a:t>
+            </a:r>
+            <a:endParaRPr lang="en-US" dirty="0"/>
+          </a:p>
+        </p:txBody>
+      </p:sp>
+      <p:sp>
+        <p:nvSpPr>
+          <p:cNvPr id="4" name="Slide Number Placeholder 3"/>
+          <p:cNvSpPr>
+            <a:spLocks noGrp="1"/>
+          </p:cNvSpPr>
+          <p:nvPr>
+            <p:ph type="sldNum" sz="quarter" idx="10"/>
+          </p:nvPr>
+        </p:nvSpPr>
+        <p:spPr/>
+        <p:txBody>
+          <a:bodyPr/>
+          <a:lstStyle/>
+          <a:p>
+            <a:fld id="{0CF201D2-22CE-4A5F-B071-75120FAE2428}" type="slidenum">
+              <a:rPr lang="en-US" smtClean="0"/>
+              <a:t>40</a:t>
+            </a:fld>
+            <a:endParaRPr lang="en-US"/>
+          </a:p>
+        </p:txBody>
+      </p:sp>
+    </p:spTree>
+    <p:extLst>
+      <p:ext uri="{BB962C8B-B14F-4D97-AF65-F5344CB8AC3E}">
+        <p14:creationId xmlns:p14="http://schemas.microsoft.com/office/powerpoint/2010/main" val="2270387894"/>
       </p:ext>
     </p:extLst>
   </p:cSld>
@@ -1321,11 +1501,11 @@
           <a:p>
             <a:r>
               <a:rPr lang="en-US" dirty="0" smtClean="0"/>
-              <a:t>Ask</a:t>
+              <a:t>Don’t expand on each</a:t>
             </a:r>
             <a:r>
               <a:rPr lang="en-US" baseline="0" dirty="0" smtClean="0"/>
-              <a:t> the audience what their webservers do</a:t>
+              <a:t> point yet</a:t>
             </a:r>
             <a:endParaRPr lang="en-US" dirty="0"/>
           </a:p>
@@ -1348,7 +1528,7 @@
           <a:p>
             <a:fld id="{0CF201D2-22CE-4A5F-B071-75120FAE2428}" type="slidenum">
               <a:rPr lang="en-US" smtClean="0"/>
-              <a:t>12</a:t>
+              <a:t>6</a:t>
             </a:fld>
             <a:endParaRPr lang="en-US"/>
           </a:p>
@@ -1357,7 +1537,95 @@
     </p:spTree>
     <p:extLst>
       <p:ext uri="{BB962C8B-B14F-4D97-AF65-F5344CB8AC3E}">
-        <p14:creationId xmlns:p14="http://schemas.microsoft.com/office/powerpoint/2010/main" val="3710149935"/>
+        <p14:creationId xmlns:p14="http://schemas.microsoft.com/office/powerpoint/2010/main" val="3944098132"/>
+      </p:ext>
+    </p:extLst>
+  </p:cSld>
+  <p:clrMapOvr>
+    <a:masterClrMapping/>
+  </p:clrMapOvr>
+</p:notes>
+</file>
+
+<file path=ppt/notesSlides/notesSlide20.xml><?xml version="1.0" encoding="utf-8"?>
+<p:notes xmlns:a="http://schemas.openxmlformats.org/drawingml/2006/main" xmlns:r="http://schemas.openxmlformats.org/officeDocument/2006/relationships" xmlns:p="http://schemas.openxmlformats.org/presentationml/2006/main">
+  <p:cSld>
+    <p:spTree>
+      <p:nvGrpSpPr>
+        <p:cNvPr id="1" name=""/>
+        <p:cNvGrpSpPr/>
+        <p:nvPr/>
+      </p:nvGrpSpPr>
+      <p:grpSpPr>
+        <a:xfrm>
+          <a:off x="0" y="0"/>
+          <a:ext cx="0" cy="0"/>
+          <a:chOff x="0" y="0"/>
+          <a:chExt cx="0" cy="0"/>
+        </a:xfrm>
+      </p:grpSpPr>
+      <p:sp>
+        <p:nvSpPr>
+          <p:cNvPr id="2" name="Slide Image Placeholder 1"/>
+          <p:cNvSpPr>
+            <a:spLocks noGrp="1" noRot="1" noChangeAspect="1"/>
+          </p:cNvSpPr>
+          <p:nvPr>
+            <p:ph type="sldImg"/>
+          </p:nvPr>
+        </p:nvSpPr>
+        <p:spPr/>
+      </p:sp>
+      <p:sp>
+        <p:nvSpPr>
+          <p:cNvPr id="3" name="Notes Placeholder 2"/>
+          <p:cNvSpPr>
+            <a:spLocks noGrp="1"/>
+          </p:cNvSpPr>
+          <p:nvPr>
+            <p:ph type="body" idx="1"/>
+          </p:nvPr>
+        </p:nvSpPr>
+        <p:spPr/>
+        <p:txBody>
+          <a:bodyPr/>
+          <a:lstStyle/>
+          <a:p>
+            <a:r>
+              <a:rPr lang="en-US" dirty="0" smtClean="0"/>
+              <a:t>Don’t forget Knox and Q stories</a:t>
+            </a:r>
+            <a:endParaRPr lang="en-US" dirty="0"/>
+          </a:p>
+        </p:txBody>
+      </p:sp>
+      <p:sp>
+        <p:nvSpPr>
+          <p:cNvPr id="4" name="Slide Number Placeholder 3"/>
+          <p:cNvSpPr>
+            <a:spLocks noGrp="1"/>
+          </p:cNvSpPr>
+          <p:nvPr>
+            <p:ph type="sldNum" sz="quarter" idx="10"/>
+          </p:nvPr>
+        </p:nvSpPr>
+        <p:spPr/>
+        <p:txBody>
+          <a:bodyPr/>
+          <a:lstStyle/>
+          <a:p>
+            <a:fld id="{0CF201D2-22CE-4A5F-B071-75120FAE2428}" type="slidenum">
+              <a:rPr lang="en-US" smtClean="0"/>
+              <a:t>42</a:t>
+            </a:fld>
+            <a:endParaRPr lang="en-US"/>
+          </a:p>
+        </p:txBody>
+      </p:sp>
+    </p:spTree>
+    <p:extLst>
+      <p:ext uri="{BB962C8B-B14F-4D97-AF65-F5344CB8AC3E}">
+        <p14:creationId xmlns:p14="http://schemas.microsoft.com/office/powerpoint/2010/main" val="3710665370"/>
       </p:ext>
     </p:extLst>
   </p:cSld>
@@ -1411,6 +1679,10 @@
           <a:bodyPr/>
           <a:lstStyle/>
           <a:p>
+            <a:r>
+              <a:rPr lang="en-US" dirty="0" smtClean="0"/>
+              <a:t>“Solving modern problems.”</a:t>
+            </a:r>
             <a:endParaRPr lang="en-US" dirty="0"/>
           </a:p>
         </p:txBody>
@@ -1432,7 +1704,7 @@
           <a:p>
             <a:fld id="{0CF201D2-22CE-4A5F-B071-75120FAE2428}" type="slidenum">
               <a:rPr lang="en-US" smtClean="0"/>
-              <a:t>13</a:t>
+              <a:t>7</a:t>
             </a:fld>
             <a:endParaRPr lang="en-US"/>
           </a:p>
@@ -1441,7 +1713,7 @@
     </p:spTree>
     <p:extLst>
       <p:ext uri="{BB962C8B-B14F-4D97-AF65-F5344CB8AC3E}">
-        <p14:creationId xmlns:p14="http://schemas.microsoft.com/office/powerpoint/2010/main" val="3341219036"/>
+        <p14:creationId xmlns:p14="http://schemas.microsoft.com/office/powerpoint/2010/main" val="2057837938"/>
       </p:ext>
     </p:extLst>
   </p:cSld>
@@ -1495,6 +1767,36 @@
           <a:bodyPr/>
           <a:lstStyle/>
           <a:p>
+            <a:r>
+              <a:rPr lang="en-US" dirty="0" smtClean="0"/>
+              <a:t>Ask</a:t>
+            </a:r>
+            <a:r>
+              <a:rPr lang="en-US" baseline="0" dirty="0" smtClean="0"/>
+              <a:t> the audience what their webservers </a:t>
+            </a:r>
+            <a:r>
+              <a:rPr lang="en-US" baseline="0" dirty="0" smtClean="0"/>
+              <a:t>do</a:t>
+            </a:r>
+            <a:br>
+              <a:rPr lang="en-US" baseline="0" dirty="0" smtClean="0"/>
+            </a:br>
+            <a:r>
+              <a:rPr lang="en-US" baseline="0" dirty="0" smtClean="0"/>
+              <a:t/>
+            </a:r>
+            <a:br>
+              <a:rPr lang="en-US" baseline="0" dirty="0" smtClean="0"/>
+            </a:br>
+            <a:r>
+              <a:rPr lang="en-US" baseline="0" dirty="0" smtClean="0"/>
+              <a:t>Lead in to next slide is “let’s look at some examples of this in our usual </a:t>
+            </a:r>
+            <a:r>
+              <a:rPr lang="en-US" baseline="0" smtClean="0"/>
+              <a:t>web frameworks”</a:t>
+            </a:r>
             <a:endParaRPr lang="en-US" dirty="0"/>
           </a:p>
         </p:txBody>
@@ -1516,7 +1818,7 @@
           <a:p>
             <a:fld id="{0CF201D2-22CE-4A5F-B071-75120FAE2428}" type="slidenum">
               <a:rPr lang="en-US" smtClean="0"/>
-              <a:t>14</a:t>
+              <a:t>16</a:t>
             </a:fld>
             <a:endParaRPr lang="en-US"/>
           </a:p>
@@ -1525,7 +1827,7 @@
     </p:spTree>
     <p:extLst>
       <p:ext uri="{BB962C8B-B14F-4D97-AF65-F5344CB8AC3E}">
-        <p14:creationId xmlns:p14="http://schemas.microsoft.com/office/powerpoint/2010/main" val="3833989352"/>
+        <p14:creationId xmlns:p14="http://schemas.microsoft.com/office/powerpoint/2010/main" val="3710149935"/>
       </p:ext>
     </p:extLst>
   </p:cSld>
@@ -1600,7 +1902,7 @@
           <a:p>
             <a:fld id="{0CF201D2-22CE-4A5F-B071-75120FAE2428}" type="slidenum">
               <a:rPr lang="en-US" smtClean="0"/>
-              <a:t>15</a:t>
+              <a:t>17</a:t>
             </a:fld>
             <a:endParaRPr lang="en-US"/>
           </a:p>
@@ -1609,7 +1911,7 @@
     </p:spTree>
     <p:extLst>
       <p:ext uri="{BB962C8B-B14F-4D97-AF65-F5344CB8AC3E}">
-        <p14:creationId xmlns:p14="http://schemas.microsoft.com/office/powerpoint/2010/main" val="2267611876"/>
+        <p14:creationId xmlns:p14="http://schemas.microsoft.com/office/powerpoint/2010/main" val="3341219036"/>
       </p:ext>
     </p:extLst>
   </p:cSld>
@@ -1684,7 +1986,7 @@
           <a:p>
             <a:fld id="{0CF201D2-22CE-4A5F-B071-75120FAE2428}" type="slidenum">
               <a:rPr lang="en-US" smtClean="0"/>
-              <a:t>16</a:t>
+              <a:t>18</a:t>
             </a:fld>
             <a:endParaRPr lang="en-US"/>
           </a:p>
@@ -1693,7 +1995,7 @@
     </p:spTree>
     <p:extLst>
       <p:ext uri="{BB962C8B-B14F-4D97-AF65-F5344CB8AC3E}">
-        <p14:creationId xmlns:p14="http://schemas.microsoft.com/office/powerpoint/2010/main" val="3608326103"/>
+        <p14:creationId xmlns:p14="http://schemas.microsoft.com/office/powerpoint/2010/main" val="3833989352"/>
       </p:ext>
     </p:extLst>
   </p:cSld>
@@ -1747,14 +2049,6 @@
           <a:bodyPr/>
           <a:lstStyle/>
           <a:p>
-            <a:r>
-              <a:rPr lang="en-US" dirty="0" smtClean="0"/>
-              <a:t>Ask</a:t>
-            </a:r>
-            <a:r>
-              <a:rPr lang="en-US" baseline="0" dirty="0" smtClean="0"/>
-              <a:t> the audience what their webservers do</a:t>
-            </a:r>
             <a:endParaRPr lang="en-US" dirty="0"/>
           </a:p>
         </p:txBody>
@@ -1785,7 +2079,7 @@
     </p:spTree>
     <p:extLst>
       <p:ext uri="{BB962C8B-B14F-4D97-AF65-F5344CB8AC3E}">
-        <p14:creationId xmlns:p14="http://schemas.microsoft.com/office/powerpoint/2010/main" val="3723962623"/>
+        <p14:creationId xmlns:p14="http://schemas.microsoft.com/office/powerpoint/2010/main" val="2267611876"/>
       </p:ext>
     </p:extLst>
   </p:cSld>
@@ -1839,14 +2133,6 @@
           <a:bodyPr/>
           <a:lstStyle/>
           <a:p>
-            <a:r>
-              <a:rPr lang="en-US" dirty="0" smtClean="0"/>
-              <a:t>Ask</a:t>
-            </a:r>
-            <a:r>
-              <a:rPr lang="en-US" baseline="0" dirty="0" smtClean="0"/>
-              <a:t> the audience what their webservers do</a:t>
-            </a:r>
             <a:endParaRPr lang="en-US" dirty="0"/>
           </a:p>
         </p:txBody>
@@ -1868,7 +2154,7 @@
           <a:p>
             <a:fld id="{0CF201D2-22CE-4A5F-B071-75120FAE2428}" type="slidenum">
               <a:rPr lang="en-US" smtClean="0"/>
-              <a:t>22</a:t>
+              <a:t>20</a:t>
             </a:fld>
             <a:endParaRPr lang="en-US"/>
           </a:p>
@@ -1877,7 +2163,7 @@
     </p:spTree>
     <p:extLst>
       <p:ext uri="{BB962C8B-B14F-4D97-AF65-F5344CB8AC3E}">
-        <p14:creationId xmlns:p14="http://schemas.microsoft.com/office/powerpoint/2010/main" val="3146703692"/>
+        <p14:creationId xmlns:p14="http://schemas.microsoft.com/office/powerpoint/2010/main" val="3608326103"/>
       </p:ext>
     </p:extLst>
   </p:cSld>
@@ -1931,6 +2217,14 @@
           <a:bodyPr/>
           <a:lstStyle/>
           <a:p>
+            <a:r>
+              <a:rPr lang="en-US" dirty="0" smtClean="0"/>
+              <a:t>Ask</a:t>
+            </a:r>
+            <a:r>
+              <a:rPr lang="en-US" baseline="0" dirty="0" smtClean="0"/>
+              <a:t> the audience what their webservers do</a:t>
+            </a:r>
             <a:endParaRPr lang="en-US" dirty="0"/>
           </a:p>
         </p:txBody>
@@ -1952,7 +2246,7 @@
           <a:p>
             <a:fld id="{0CF201D2-22CE-4A5F-B071-75120FAE2428}" type="slidenum">
               <a:rPr lang="en-US" smtClean="0"/>
-              <a:t>27</a:t>
+              <a:t>23</a:t>
             </a:fld>
             <a:endParaRPr lang="en-US"/>
           </a:p>
@@ -1961,7 +2255,7 @@
     </p:spTree>
     <p:extLst>
       <p:ext uri="{BB962C8B-B14F-4D97-AF65-F5344CB8AC3E}">
-        <p14:creationId xmlns:p14="http://schemas.microsoft.com/office/powerpoint/2010/main" val="3317427322"/>
+        <p14:creationId xmlns:p14="http://schemas.microsoft.com/office/powerpoint/2010/main" val="3723962623"/>
       </p:ext>
     </p:extLst>
   </p:cSld>
@@ -21244,35 +21538,45 @@
           <a:chExt cx="0" cy="0"/>
         </a:xfrm>
       </p:grpSpPr>
-      <p:pic>
-        <p:nvPicPr>
-          <p:cNvPr id="4" name="Content Placeholder 3"/>
-          <p:cNvPicPr>
-            <a:picLocks noGrp="1" noChangeAspect="1"/>
-          </p:cNvPicPr>
-          <p:nvPr>
-            <p:ph idx="1"/>
-          </p:nvPr>
-        </p:nvPicPr>
-        <p:blipFill>
-          <a:blip r:embed="rId2"/>
-          <a:stretch>
-            <a:fillRect/>
-          </a:stretch>
-        </p:blipFill>
+      <p:sp>
+        <p:nvSpPr>
+          <p:cNvPr id="2" name="TextBox 1"/>
+          <p:cNvSpPr txBox="1"/>
+          <p:nvPr/>
+        </p:nvSpPr>
         <p:spPr>
           <a:xfrm>
-            <a:off x="652547" y="1132761"/>
-            <a:ext cx="8572049" cy="4592478"/>
+            <a:off x="792480" y="2921169"/>
+            <a:ext cx="5900974" cy="1015663"/>
           </a:xfrm>
           <a:prstGeom prst="rect">
             <a:avLst/>
           </a:prstGeom>
+          <a:noFill/>
         </p:spPr>
-      </p:pic>
-      <p:sp>
-        <p:nvSpPr>
-          <p:cNvPr id="2" name="Footer Placeholder 1"/>
+        <p:txBody>
+          <a:bodyPr wrap="none" rtlCol="0">
+            <a:spAutoFit/>
+          </a:bodyPr>
+          <a:lstStyle/>
+          <a:p>
+            <a:r>
+              <a:rPr lang="en-US" sz="6000" dirty="0" smtClean="0">
+                <a:latin typeface="Segoe UI Light" panose="020B0502040204020203" pitchFamily="34" charset="0"/>
+                <a:cs typeface="Segoe UI Light" panose="020B0502040204020203" pitchFamily="34" charset="0"/>
+              </a:rPr>
+              <a:t>who builds these?</a:t>
+            </a:r>
+            <a:endParaRPr lang="en-US" sz="6000" dirty="0">
+              <a:latin typeface="Segoe UI Light" panose="020B0502040204020203" pitchFamily="34" charset="0"/>
+              <a:cs typeface="Segoe UI Light" panose="020B0502040204020203" pitchFamily="34" charset="0"/>
+            </a:endParaRPr>
+          </a:p>
+        </p:txBody>
+      </p:sp>
+      <p:sp>
+        <p:nvSpPr>
+          <p:cNvPr id="3" name="Footer Placeholder 2"/>
           <p:cNvSpPr>
             <a:spLocks noGrp="1"/>
           </p:cNvSpPr>
@@ -21296,7 +21600,7 @@
     </p:spTree>
     <p:extLst>
       <p:ext uri="{BB962C8B-B14F-4D97-AF65-F5344CB8AC3E}">
-        <p14:creationId xmlns:p14="http://schemas.microsoft.com/office/powerpoint/2010/main" val="3563532462"/>
+        <p14:creationId xmlns:p14="http://schemas.microsoft.com/office/powerpoint/2010/main" val="4147909208"/>
       </p:ext>
     </p:extLst>
   </p:cSld>
@@ -21348,6 +21652,548 @@
             <a:pPr algn="ctr"/>
             <a:r>
               <a:rPr lang="en-US" dirty="0" smtClean="0"/>
+              <a:t>fast</a:t>
+            </a:r>
+            <a:endParaRPr lang="en-US" dirty="0"/>
+          </a:p>
+        </p:txBody>
+      </p:sp>
+      <p:sp>
+        <p:nvSpPr>
+          <p:cNvPr id="3" name="Footer Placeholder 2"/>
+          <p:cNvSpPr>
+            <a:spLocks noGrp="1"/>
+          </p:cNvSpPr>
+          <p:nvPr>
+            <p:ph type="ftr" sz="quarter" idx="11"/>
+          </p:nvPr>
+        </p:nvSpPr>
+        <p:spPr/>
+        <p:txBody>
+          <a:bodyPr/>
+          <a:lstStyle/>
+          <a:p>
+            <a:r>
+              <a:rPr lang="en-US" smtClean="0"/>
+              <a:t>@domenic</a:t>
+            </a:r>
+            <a:endParaRPr lang="en-US"/>
+          </a:p>
+        </p:txBody>
+      </p:sp>
+    </p:spTree>
+    <p:extLst>
+      <p:ext uri="{BB962C8B-B14F-4D97-AF65-F5344CB8AC3E}">
+        <p14:creationId xmlns:p14="http://schemas.microsoft.com/office/powerpoint/2010/main" val="2302292185"/>
+      </p:ext>
+    </p:extLst>
+  </p:cSld>
+  <p:clrMapOvr>
+    <a:masterClrMapping/>
+  </p:clrMapOvr>
+  <p:timing>
+    <p:tnLst>
+      <p:par>
+        <p:cTn id="1" dur="indefinite" restart="never" nodeType="tmRoot"/>
+      </p:par>
+    </p:tnLst>
+  </p:timing>
+</p:sld>
+</file>
+
+<file path=ppt/slides/slide12.xml><?xml version="1.0" encoding="utf-8"?>
+<p:sld xmlns:a="http://schemas.openxmlformats.org/drawingml/2006/main" xmlns:r="http://schemas.openxmlformats.org/officeDocument/2006/relationships" xmlns:p="http://schemas.openxmlformats.org/presentationml/2006/main">
+  <p:cSld>
+    <p:spTree>
+      <p:nvGrpSpPr>
+        <p:cNvPr id="1" name=""/>
+        <p:cNvGrpSpPr/>
+        <p:nvPr/>
+      </p:nvGrpSpPr>
+      <p:grpSpPr>
+        <a:xfrm>
+          <a:off x="0" y="0"/>
+          <a:ext cx="0" cy="0"/>
+          <a:chOff x="0" y="0"/>
+          <a:chExt cx="0" cy="0"/>
+        </a:xfrm>
+      </p:grpSpPr>
+      <p:pic>
+        <p:nvPicPr>
+          <p:cNvPr id="2052" name="Picture 4" descr="http://www.nikeride.com/images/2011-hyundai-equus-29.jpg"/>
+          <p:cNvPicPr>
+            <a:picLocks noChangeAspect="1" noChangeArrowheads="1"/>
+          </p:cNvPicPr>
+          <p:nvPr/>
+        </p:nvPicPr>
+        <p:blipFill>
+          <a:blip r:embed="rId2">
+            <a:extLst>
+              <a:ext uri="{28A0092B-C50C-407E-A947-70E740481C1C}">
+                <a14:useLocalDpi xmlns:a14="http://schemas.microsoft.com/office/drawing/2010/main" val="0"/>
+              </a:ext>
+            </a:extLst>
+          </a:blip>
+          <a:srcRect/>
+          <a:stretch>
+            <a:fillRect/>
+          </a:stretch>
+        </p:blipFill>
+        <p:spPr bwMode="auto">
+          <a:xfrm>
+            <a:off x="0" y="-647700"/>
+            <a:ext cx="12192000" cy="8096250"/>
+          </a:xfrm>
+          <a:prstGeom prst="rect">
+            <a:avLst/>
+          </a:prstGeom>
+          <a:noFill/>
+          <a:extLst>
+            <a:ext uri="{909E8E84-426E-40DD-AFC4-6F175D3DCCD1}">
+              <a14:hiddenFill xmlns:a14="http://schemas.microsoft.com/office/drawing/2010/main">
+                <a:solidFill>
+                  <a:srgbClr val="FFFFFF"/>
+                </a:solidFill>
+              </a14:hiddenFill>
+            </a:ext>
+          </a:extLst>
+        </p:spPr>
+      </p:pic>
+      <p:sp>
+        <p:nvSpPr>
+          <p:cNvPr id="2" name="Footer Placeholder 1"/>
+          <p:cNvSpPr>
+            <a:spLocks noGrp="1"/>
+          </p:cNvSpPr>
+          <p:nvPr>
+            <p:ph type="ftr" sz="quarter" idx="11"/>
+          </p:nvPr>
+        </p:nvSpPr>
+        <p:spPr/>
+        <p:txBody>
+          <a:bodyPr/>
+          <a:lstStyle/>
+          <a:p>
+            <a:r>
+              <a:rPr lang="en-US" smtClean="0"/>
+              <a:t>@domenic</a:t>
+            </a:r>
+            <a:endParaRPr lang="en-US"/>
+          </a:p>
+        </p:txBody>
+      </p:sp>
+    </p:spTree>
+    <p:extLst>
+      <p:ext uri="{BB962C8B-B14F-4D97-AF65-F5344CB8AC3E}">
+        <p14:creationId xmlns:p14="http://schemas.microsoft.com/office/powerpoint/2010/main" val="2988641"/>
+      </p:ext>
+    </p:extLst>
+  </p:cSld>
+  <p:clrMapOvr>
+    <a:masterClrMapping/>
+  </p:clrMapOvr>
+  <p:timing>
+    <p:tnLst>
+      <p:par>
+        <p:cTn id="1" dur="indefinite" restart="never" nodeType="tmRoot"/>
+      </p:par>
+    </p:tnLst>
+  </p:timing>
+</p:sld>
+</file>
+
+<file path=ppt/slides/slide13.xml><?xml version="1.0" encoding="utf-8"?>
+<p:sld xmlns:a="http://schemas.openxmlformats.org/drawingml/2006/main" xmlns:r="http://schemas.openxmlformats.org/officeDocument/2006/relationships" xmlns:p="http://schemas.openxmlformats.org/presentationml/2006/main">
+  <p:cSld>
+    <p:spTree>
+      <p:nvGrpSpPr>
+        <p:cNvPr id="1" name=""/>
+        <p:cNvGrpSpPr/>
+        <p:nvPr/>
+      </p:nvGrpSpPr>
+      <p:grpSpPr>
+        <a:xfrm>
+          <a:off x="0" y="0"/>
+          <a:ext cx="0" cy="0"/>
+          <a:chOff x="0" y="0"/>
+          <a:chExt cx="0" cy="0"/>
+        </a:xfrm>
+      </p:grpSpPr>
+      <p:sp>
+        <p:nvSpPr>
+          <p:cNvPr id="3" name="Content Placeholder 2"/>
+          <p:cNvSpPr>
+            <a:spLocks noGrp="1"/>
+          </p:cNvSpPr>
+          <p:nvPr>
+            <p:ph idx="1"/>
+          </p:nvPr>
+        </p:nvSpPr>
+        <p:spPr>
+          <a:xfrm>
+            <a:off x="677334" y="1294575"/>
+            <a:ext cx="8596668" cy="4268850"/>
+          </a:xfrm>
+        </p:spPr>
+        <p:txBody>
+          <a:bodyPr>
+            <a:normAutofit lnSpcReduction="10000"/>
+          </a:bodyPr>
+          <a:lstStyle/>
+          <a:p>
+            <a:pPr marL="0" indent="0">
+              <a:buNone/>
+            </a:pPr>
+            <a:r>
+              <a:rPr lang="en-US" b="1" dirty="0" smtClean="0"/>
+              <a:t>New </a:t>
+            </a:r>
+            <a:r>
+              <a:rPr lang="en-US" b="1" dirty="0"/>
+              <a:t>HTTP Parser </a:t>
+            </a:r>
+          </a:p>
+          <a:p>
+            <a:pPr marL="0" indent="0">
+              <a:buNone/>
+            </a:pPr>
+            <a:r>
+              <a:rPr lang="en-US" dirty="0"/>
+              <a:t>I've implemented a new HTTP/1.1 request and response parser by hand. (My previous parser was written with the help of </a:t>
+            </a:r>
+            <a:r>
+              <a:rPr lang="en-US" dirty="0" err="1"/>
+              <a:t>Ragel</a:t>
+            </a:r>
+            <a:r>
+              <a:rPr lang="en-US" dirty="0"/>
+              <a:t>.) It requires 124 bytes per HTTP connection, makes zero allocations, has no dependencies, is nearly optimal in its use of CPU instructions, interruptible on any character, has </a:t>
+            </a:r>
+            <a:r>
+              <a:rPr lang="en-US" dirty="0">
+                <a:hlinkClick r:id="rId2"/>
+              </a:rPr>
+              <a:t>extensive tests</a:t>
+            </a:r>
+            <a:r>
+              <a:rPr lang="en-US" dirty="0"/>
+              <a:t>, and is MIT licensed.</a:t>
+            </a:r>
+            <a:br>
+              <a:rPr lang="en-US" dirty="0"/>
+            </a:br>
+            <a:r>
+              <a:rPr lang="en-US" dirty="0"/>
+              <a:t/>
+            </a:r>
+            <a:br>
+              <a:rPr lang="en-US" dirty="0"/>
+            </a:br>
+            <a:r>
+              <a:rPr lang="en-US" dirty="0">
+                <a:hlinkClick r:id="rId3"/>
+              </a:rPr>
+              <a:t>README</a:t>
+            </a:r>
+            <a:r>
+              <a:rPr lang="en-US" dirty="0"/>
+              <a:t/>
+            </a:r>
+            <a:br>
+              <a:rPr lang="en-US" dirty="0"/>
+            </a:br>
+            <a:r>
+              <a:rPr lang="en-US" dirty="0"/>
+              <a:t/>
+            </a:r>
+            <a:br>
+              <a:rPr lang="en-US" dirty="0"/>
+            </a:br>
+            <a:r>
+              <a:rPr lang="en-US" dirty="0" err="1">
+                <a:hlinkClick r:id="rId4"/>
+              </a:rPr>
+              <a:t>http_parser.h</a:t>
+            </a:r>
+            <a:r>
+              <a:rPr lang="en-US" dirty="0"/>
+              <a:t/>
+            </a:r>
+            <a:br>
+              <a:rPr lang="en-US" dirty="0"/>
+            </a:br>
+            <a:r>
+              <a:rPr lang="en-US" dirty="0"/>
+              <a:t/>
+            </a:r>
+            <a:br>
+              <a:rPr lang="en-US" dirty="0"/>
+            </a:br>
+            <a:r>
+              <a:rPr lang="en-US" dirty="0" err="1">
+                <a:hlinkClick r:id="rId5"/>
+              </a:rPr>
+              <a:t>http_parser.c</a:t>
+            </a:r>
+            <a:r>
+              <a:rPr lang="en-US" dirty="0"/>
+              <a:t/>
+            </a:r>
+            <a:br>
+              <a:rPr lang="en-US" dirty="0"/>
+            </a:br>
+            <a:r>
+              <a:rPr lang="en-US" dirty="0"/>
+              <a:t/>
+            </a:r>
+            <a:br>
+              <a:rPr lang="en-US" dirty="0"/>
+            </a:br>
+            <a:r>
+              <a:rPr lang="en-US" dirty="0"/>
+              <a:t/>
+            </a:r>
+            <a:br>
+              <a:rPr lang="en-US" dirty="0"/>
+            </a:br>
+            <a:r>
+              <a:rPr lang="en-US" dirty="0"/>
+              <a:t/>
+            </a:r>
+            <a:br>
+              <a:rPr lang="en-US" dirty="0"/>
+            </a:br>
+            <a:r>
+              <a:rPr lang="en-US" dirty="0"/>
+              <a:t>(Only one user at the moment: </a:t>
+            </a:r>
+            <a:r>
+              <a:rPr lang="en-US" dirty="0">
+                <a:hlinkClick r:id="rId6"/>
+              </a:rPr>
+              <a:t>I've just merged it into Node.</a:t>
+            </a:r>
+            <a:r>
+              <a:rPr lang="en-US" dirty="0"/>
+              <a:t>) </a:t>
+            </a:r>
+          </a:p>
+          <a:p>
+            <a:pPr marL="0" indent="0">
+              <a:buNone/>
+            </a:pPr>
+            <a:endParaRPr lang="en-US" dirty="0"/>
+          </a:p>
+        </p:txBody>
+      </p:sp>
+      <p:sp>
+        <p:nvSpPr>
+          <p:cNvPr id="4" name="TextBox 3"/>
+          <p:cNvSpPr txBox="1"/>
+          <p:nvPr/>
+        </p:nvSpPr>
+        <p:spPr>
+          <a:xfrm>
+            <a:off x="4678192" y="6111240"/>
+            <a:ext cx="4595810" cy="369332"/>
+          </a:xfrm>
+          <a:prstGeom prst="rect">
+            <a:avLst/>
+          </a:prstGeom>
+          <a:noFill/>
+        </p:spPr>
+        <p:txBody>
+          <a:bodyPr wrap="none" rtlCol="0">
+            <a:spAutoFit/>
+          </a:bodyPr>
+          <a:lstStyle/>
+          <a:p>
+            <a:r>
+              <a:rPr lang="en-US" dirty="0" smtClean="0">
+                <a:hlinkClick r:id="rId7"/>
+              </a:rPr>
+              <a:t>http</a:t>
+            </a:r>
+            <a:r>
+              <a:rPr lang="en-US" dirty="0">
+                <a:hlinkClick r:id="rId7"/>
+              </a:rPr>
+              <a:t>://</a:t>
+            </a:r>
+            <a:r>
+              <a:rPr lang="en-US" dirty="0" smtClean="0">
+                <a:hlinkClick r:id="rId7"/>
+              </a:rPr>
+              <a:t>four.livejournal.com/1033160.html</a:t>
+            </a:r>
+            <a:endParaRPr lang="en-US" dirty="0"/>
+          </a:p>
+        </p:txBody>
+      </p:sp>
+      <p:sp>
+        <p:nvSpPr>
+          <p:cNvPr id="2" name="Footer Placeholder 1"/>
+          <p:cNvSpPr>
+            <a:spLocks noGrp="1"/>
+          </p:cNvSpPr>
+          <p:nvPr>
+            <p:ph type="ftr" sz="quarter" idx="11"/>
+          </p:nvPr>
+        </p:nvSpPr>
+        <p:spPr/>
+        <p:txBody>
+          <a:bodyPr/>
+          <a:lstStyle/>
+          <a:p>
+            <a:r>
+              <a:rPr lang="en-US" smtClean="0"/>
+              <a:t>@domenic</a:t>
+            </a:r>
+            <a:endParaRPr lang="en-US"/>
+          </a:p>
+        </p:txBody>
+      </p:sp>
+    </p:spTree>
+    <p:extLst>
+      <p:ext uri="{BB962C8B-B14F-4D97-AF65-F5344CB8AC3E}">
+        <p14:creationId xmlns:p14="http://schemas.microsoft.com/office/powerpoint/2010/main" val="2759161012"/>
+      </p:ext>
+    </p:extLst>
+  </p:cSld>
+  <p:clrMapOvr>
+    <a:masterClrMapping/>
+  </p:clrMapOvr>
+  <p:timing>
+    <p:tnLst>
+      <p:par>
+        <p:cTn id="1" dur="indefinite" restart="never" nodeType="tmRoot"/>
+      </p:par>
+    </p:tnLst>
+  </p:timing>
+</p:sld>
+</file>
+
+<file path=ppt/slides/slide14.xml><?xml version="1.0" encoding="utf-8"?>
+<p:sld xmlns:a="http://schemas.openxmlformats.org/drawingml/2006/main" xmlns:r="http://schemas.openxmlformats.org/officeDocument/2006/relationships" xmlns:p="http://schemas.openxmlformats.org/presentationml/2006/main">
+  <p:cSld>
+    <p:spTree>
+      <p:nvGrpSpPr>
+        <p:cNvPr id="1" name=""/>
+        <p:cNvGrpSpPr/>
+        <p:nvPr/>
+      </p:nvGrpSpPr>
+      <p:grpSpPr>
+        <a:xfrm>
+          <a:off x="0" y="0"/>
+          <a:ext cx="0" cy="0"/>
+          <a:chOff x="0" y="0"/>
+          <a:chExt cx="0" cy="0"/>
+        </a:xfrm>
+      </p:grpSpPr>
+      <p:pic>
+        <p:nvPicPr>
+          <p:cNvPr id="4" name="Content Placeholder 3"/>
+          <p:cNvPicPr>
+            <a:picLocks noGrp="1" noChangeAspect="1"/>
+          </p:cNvPicPr>
+          <p:nvPr>
+            <p:ph idx="1"/>
+          </p:nvPr>
+        </p:nvPicPr>
+        <p:blipFill>
+          <a:blip r:embed="rId2"/>
+          <a:stretch>
+            <a:fillRect/>
+          </a:stretch>
+        </p:blipFill>
+        <p:spPr>
+          <a:xfrm>
+            <a:off x="652547" y="1132761"/>
+            <a:ext cx="8572049" cy="4592478"/>
+          </a:xfrm>
+          <a:prstGeom prst="rect">
+            <a:avLst/>
+          </a:prstGeom>
+        </p:spPr>
+      </p:pic>
+      <p:sp>
+        <p:nvSpPr>
+          <p:cNvPr id="2" name="Footer Placeholder 1"/>
+          <p:cNvSpPr>
+            <a:spLocks noGrp="1"/>
+          </p:cNvSpPr>
+          <p:nvPr>
+            <p:ph type="ftr" sz="quarter" idx="11"/>
+          </p:nvPr>
+        </p:nvSpPr>
+        <p:spPr/>
+        <p:txBody>
+          <a:bodyPr/>
+          <a:lstStyle/>
+          <a:p>
+            <a:r>
+              <a:rPr lang="en-US" smtClean="0"/>
+              <a:t>@domenic</a:t>
+            </a:r>
+            <a:endParaRPr lang="en-US"/>
+          </a:p>
+        </p:txBody>
+      </p:sp>
+    </p:spTree>
+    <p:extLst>
+      <p:ext uri="{BB962C8B-B14F-4D97-AF65-F5344CB8AC3E}">
+        <p14:creationId xmlns:p14="http://schemas.microsoft.com/office/powerpoint/2010/main" val="3563532462"/>
+      </p:ext>
+    </p:extLst>
+  </p:cSld>
+  <p:clrMapOvr>
+    <a:masterClrMapping/>
+  </p:clrMapOvr>
+  <p:timing>
+    <p:tnLst>
+      <p:par>
+        <p:cTn id="1" dur="indefinite" restart="never" nodeType="tmRoot"/>
+      </p:par>
+    </p:tnLst>
+  </p:timing>
+</p:sld>
+</file>
+
+<file path=ppt/slides/slide15.xml><?xml version="1.0" encoding="utf-8"?>
+<p:sld xmlns:a="http://schemas.openxmlformats.org/drawingml/2006/main" xmlns:r="http://schemas.openxmlformats.org/officeDocument/2006/relationships" xmlns:p="http://schemas.openxmlformats.org/presentationml/2006/main">
+  <p:cSld>
+    <p:spTree>
+      <p:nvGrpSpPr>
+        <p:cNvPr id="1" name=""/>
+        <p:cNvGrpSpPr/>
+        <p:nvPr/>
+      </p:nvGrpSpPr>
+      <p:grpSpPr>
+        <a:xfrm>
+          <a:off x="0" y="0"/>
+          <a:ext cx="0" cy="0"/>
+          <a:chOff x="0" y="0"/>
+          <a:chExt cx="0" cy="0"/>
+        </a:xfrm>
+      </p:grpSpPr>
+      <p:sp>
+        <p:nvSpPr>
+          <p:cNvPr id="2" name="Title 1"/>
+          <p:cNvSpPr>
+            <a:spLocks noGrp="1"/>
+          </p:cNvSpPr>
+          <p:nvPr>
+            <p:ph type="title"/>
+          </p:nvPr>
+        </p:nvSpPr>
+        <p:spPr/>
+        <p:txBody>
+          <a:bodyPr anchor="ctr"/>
+          <a:lstStyle/>
+          <a:p>
+            <a:pPr algn="ctr"/>
+            <a:r>
+              <a:rPr lang="en-US" dirty="0" smtClean="0"/>
               <a:t>scalable</a:t>
             </a:r>
             <a:endParaRPr lang="en-US" dirty="0"/>
@@ -21397,7 +22243,7 @@
 </p:sld>
 </file>
 
-<file path=ppt/slides/slide12.xml><?xml version="1.0" encoding="utf-8"?>
+<file path=ppt/slides/slide16.xml><?xml version="1.0" encoding="utf-8"?>
 <p:sld xmlns:a="http://schemas.openxmlformats.org/drawingml/2006/main" xmlns:r="http://schemas.openxmlformats.org/officeDocument/2006/relationships" xmlns:p="http://schemas.openxmlformats.org/presentationml/2006/main">
   <p:cSld>
     <p:spTree>
@@ -21600,7 +22446,7 @@
 </p:sld>
 </file>
 
-<file path=ppt/slides/slide13.xml><?xml version="1.0" encoding="utf-8"?>
+<file path=ppt/slides/slide17.xml><?xml version="1.0" encoding="utf-8"?>
 <p:sld xmlns:a="http://schemas.openxmlformats.org/drawingml/2006/main" xmlns:r="http://schemas.openxmlformats.org/officeDocument/2006/relationships" xmlns:p="http://schemas.openxmlformats.org/presentationml/2006/main">
   <p:cSld>
     <p:spTree>
@@ -21703,7 +22549,7 @@
 </p:sld>
 </file>
 
-<file path=ppt/slides/slide14.xml><?xml version="1.0" encoding="utf-8"?>
+<file path=ppt/slides/slide18.xml><?xml version="1.0" encoding="utf-8"?>
 <p:sld xmlns:a="http://schemas.openxmlformats.org/drawingml/2006/main" xmlns:r="http://schemas.openxmlformats.org/officeDocument/2006/relationships" xmlns:p="http://schemas.openxmlformats.org/presentationml/2006/main">
   <p:cSld>
     <p:spTree>
@@ -21889,7 +22735,7 @@
 </p:sld>
 </file>
 
-<file path=ppt/slides/slide15.xml><?xml version="1.0" encoding="utf-8"?>
+<file path=ppt/slides/slide19.xml><?xml version="1.0" encoding="utf-8"?>
 <p:sld xmlns:a="http://schemas.openxmlformats.org/drawingml/2006/main" xmlns:r="http://schemas.openxmlformats.org/officeDocument/2006/relationships" xmlns:p="http://schemas.openxmlformats.org/presentationml/2006/main">
   <p:cSld>
     <p:spTree>
@@ -22094,7 +22940,218 @@
 </p:sld>
 </file>
 
-<file path=ppt/slides/slide16.xml><?xml version="1.0" encoding="utf-8"?>
+<file path=ppt/slides/slide2.xml><?xml version="1.0" encoding="utf-8"?>
+<p:sld xmlns:a="http://schemas.openxmlformats.org/drawingml/2006/main" xmlns:r="http://schemas.openxmlformats.org/officeDocument/2006/relationships" xmlns:p="http://schemas.openxmlformats.org/presentationml/2006/main">
+  <p:cSld>
+    <p:spTree>
+      <p:nvGrpSpPr>
+        <p:cNvPr id="1" name=""/>
+        <p:cNvGrpSpPr/>
+        <p:nvPr/>
+      </p:nvGrpSpPr>
+      <p:grpSpPr>
+        <a:xfrm>
+          <a:off x="0" y="0"/>
+          <a:ext cx="0" cy="0"/>
+          <a:chOff x="0" y="0"/>
+          <a:chExt cx="0" cy="0"/>
+        </a:xfrm>
+      </p:grpSpPr>
+      <p:sp>
+        <p:nvSpPr>
+          <p:cNvPr id="2" name="Title 1"/>
+          <p:cNvSpPr>
+            <a:spLocks noGrp="1"/>
+          </p:cNvSpPr>
+          <p:nvPr>
+            <p:ph type="title"/>
+          </p:nvPr>
+        </p:nvSpPr>
+        <p:spPr/>
+        <p:txBody>
+          <a:bodyPr/>
+          <a:lstStyle/>
+          <a:p>
+            <a:r>
+              <a:rPr lang="en-US" dirty="0" smtClean="0"/>
+              <a:t>story time</a:t>
+            </a:r>
+            <a:endParaRPr lang="en-US" dirty="0"/>
+          </a:p>
+        </p:txBody>
+      </p:sp>
+      <p:pic>
+        <p:nvPicPr>
+          <p:cNvPr id="5" name="Content Placeholder 4"/>
+          <p:cNvPicPr>
+            <a:picLocks noGrp="1" noChangeAspect="1"/>
+          </p:cNvPicPr>
+          <p:nvPr>
+            <p:ph sz="half" idx="1"/>
+          </p:nvPr>
+        </p:nvPicPr>
+        <p:blipFill>
+          <a:blip r:embed="rId2"/>
+          <a:stretch>
+            <a:fillRect/>
+          </a:stretch>
+        </p:blipFill>
+        <p:spPr>
+          <a:xfrm>
+            <a:off x="677863" y="2660711"/>
+            <a:ext cx="4183062" cy="2881190"/>
+          </a:xfrm>
+          <a:prstGeom prst="rect">
+            <a:avLst/>
+          </a:prstGeom>
+        </p:spPr>
+      </p:pic>
+      <p:pic>
+        <p:nvPicPr>
+          <p:cNvPr id="8" name="Content Placeholder 7"/>
+          <p:cNvPicPr>
+            <a:picLocks noGrp="1" noChangeAspect="1"/>
+          </p:cNvPicPr>
+          <p:nvPr>
+            <p:ph sz="half" idx="2"/>
+          </p:nvPr>
+        </p:nvPicPr>
+        <p:blipFill>
+          <a:blip r:embed="rId3"/>
+          <a:stretch>
+            <a:fillRect/>
+          </a:stretch>
+        </p:blipFill>
+        <p:spPr>
+          <a:xfrm>
+            <a:off x="5089525" y="2360220"/>
+            <a:ext cx="4184650" cy="3482172"/>
+          </a:xfrm>
+          <a:prstGeom prst="rect">
+            <a:avLst/>
+          </a:prstGeom>
+        </p:spPr>
+      </p:pic>
+      <p:sp>
+        <p:nvSpPr>
+          <p:cNvPr id="3" name="Footer Placeholder 2"/>
+          <p:cNvSpPr>
+            <a:spLocks noGrp="1"/>
+          </p:cNvSpPr>
+          <p:nvPr>
+            <p:ph type="ftr" sz="quarter" idx="11"/>
+          </p:nvPr>
+        </p:nvSpPr>
+        <p:spPr/>
+        <p:txBody>
+          <a:bodyPr/>
+          <a:lstStyle/>
+          <a:p>
+            <a:r>
+              <a:rPr lang="en-US" smtClean="0"/>
+              <a:t>@domenic</a:t>
+            </a:r>
+            <a:endParaRPr lang="en-US"/>
+          </a:p>
+        </p:txBody>
+      </p:sp>
+    </p:spTree>
+    <p:extLst>
+      <p:ext uri="{BB962C8B-B14F-4D97-AF65-F5344CB8AC3E}">
+        <p14:creationId xmlns:p14="http://schemas.microsoft.com/office/powerpoint/2010/main" val="2151121453"/>
+      </p:ext>
+    </p:extLst>
+  </p:cSld>
+  <p:clrMapOvr>
+    <a:masterClrMapping/>
+  </p:clrMapOvr>
+  <mc:AlternateContent xmlns:mc="http://schemas.openxmlformats.org/markup-compatibility/2006" xmlns:p14="http://schemas.microsoft.com/office/powerpoint/2010/main">
+    <mc:Choice Requires="p14">
+      <p:transition p14:dur="10"/>
+    </mc:Choice>
+    <mc:Fallback xmlns="">
+      <p:transition/>
+    </mc:Fallback>
+  </mc:AlternateContent>
+  <p:timing>
+    <p:tnLst>
+      <p:par>
+        <p:cTn id="1" dur="indefinite" restart="never" nodeType="tmRoot">
+          <p:childTnLst>
+            <p:seq concurrent="1" nextAc="seek">
+              <p:cTn id="2" dur="indefinite" nodeType="mainSeq">
+                <p:childTnLst>
+                  <p:par>
+                    <p:cTn id="3" fill="hold">
+                      <p:stCondLst>
+                        <p:cond delay="indefinite"/>
+                      </p:stCondLst>
+                      <p:childTnLst>
+                        <p:par>
+                          <p:cTn id="4" fill="hold">
+                            <p:stCondLst>
+                              <p:cond delay="0"/>
+                            </p:stCondLst>
+                            <p:childTnLst>
+                              <p:par>
+                                <p:cTn id="5" presetID="1" presetClass="entr" presetSubtype="0" fill="hold" nodeType="clickEffect">
+                                  <p:stCondLst>
+                                    <p:cond delay="0"/>
+                                  </p:stCondLst>
+                                  <p:childTnLst>
+                                    <p:set>
+                                      <p:cBhvr>
+                                        <p:cTn id="6" dur="1" fill="hold">
+                                          <p:stCondLst>
+                                            <p:cond delay="0"/>
+                                          </p:stCondLst>
+                                        </p:cTn>
+                                        <p:tgtEl>
+                                          <p:spTgt spid="8"/>
+                                        </p:tgtEl>
+                                        <p:attrNameLst>
+                                          <p:attrName>style.visibility</p:attrName>
+                                        </p:attrNameLst>
+                                      </p:cBhvr>
+                                      <p:to>
+                                        <p:strVal val="visible"/>
+                                      </p:to>
+                                    </p:set>
+                                  </p:childTnLst>
+                                </p:cTn>
+                              </p:par>
+                            </p:childTnLst>
+                          </p:cTn>
+                        </p:par>
+                      </p:childTnLst>
+                    </p:cTn>
+                  </p:par>
+                </p:childTnLst>
+              </p:cTn>
+              <p:prevCondLst>
+                <p:cond evt="onPrev" delay="0">
+                  <p:tgtEl>
+                    <p:sldTgt/>
+                  </p:tgtEl>
+                </p:cond>
+              </p:prevCondLst>
+              <p:nextCondLst>
+                <p:cond evt="onNext" delay="0">
+                  <p:tgtEl>
+                    <p:sldTgt/>
+                  </p:tgtEl>
+                </p:cond>
+              </p:nextCondLst>
+            </p:seq>
+          </p:childTnLst>
+        </p:cTn>
+      </p:par>
+    </p:tnLst>
+  </p:timing>
+</p:sld>
+</file>
+
+<file path=ppt/slides/slide20.xml><?xml version="1.0" encoding="utf-8"?>
 <p:sld xmlns:a="http://schemas.openxmlformats.org/drawingml/2006/main" xmlns:r="http://schemas.openxmlformats.org/officeDocument/2006/relationships" xmlns:p="http://schemas.openxmlformats.org/presentationml/2006/main">
   <p:cSld>
     <p:spTree>
@@ -22284,7 +23341,7 @@
 </p:sld>
 </file>
 
-<file path=ppt/slides/slide17.xml><?xml version="1.0" encoding="utf-8"?>
+<file path=ppt/slides/slide21.xml><?xml version="1.0" encoding="utf-8"?>
 <p:sld xmlns:a="http://schemas.openxmlformats.org/drawingml/2006/main" xmlns:r="http://schemas.openxmlformats.org/officeDocument/2006/relationships" xmlns:p="http://schemas.openxmlformats.org/presentationml/2006/main">
   <p:cSld>
     <p:spTree>
@@ -22393,7 +23450,7 @@
 </p:sld>
 </file>
 
-<file path=ppt/slides/slide18.xml><?xml version="1.0" encoding="utf-8"?>
+<file path=ppt/slides/slide22.xml><?xml version="1.0" encoding="utf-8"?>
 <p:sld xmlns:a="http://schemas.openxmlformats.org/drawingml/2006/main" xmlns:r="http://schemas.openxmlformats.org/officeDocument/2006/relationships" xmlns:p="http://schemas.openxmlformats.org/presentationml/2006/main">
   <p:cSld>
     <p:spTree>
@@ -22672,7 +23729,7 @@
 </p:sld>
 </file>
 
-<file path=ppt/slides/slide19.xml><?xml version="1.0" encoding="utf-8"?>
+<file path=ppt/slides/slide23.xml><?xml version="1.0" encoding="utf-8"?>
 <p:sld xmlns:a="http://schemas.openxmlformats.org/drawingml/2006/main" xmlns:r="http://schemas.openxmlformats.org/officeDocument/2006/relationships" xmlns:p="http://schemas.openxmlformats.org/presentationml/2006/main">
   <p:cSld>
     <p:spTree>
@@ -22888,218 +23945,7 @@
 </p:sld>
 </file>
 
-<file path=ppt/slides/slide2.xml><?xml version="1.0" encoding="utf-8"?>
-<p:sld xmlns:a="http://schemas.openxmlformats.org/drawingml/2006/main" xmlns:r="http://schemas.openxmlformats.org/officeDocument/2006/relationships" xmlns:p="http://schemas.openxmlformats.org/presentationml/2006/main">
-  <p:cSld>
-    <p:spTree>
-      <p:nvGrpSpPr>
-        <p:cNvPr id="1" name=""/>
-        <p:cNvGrpSpPr/>
-        <p:nvPr/>
-      </p:nvGrpSpPr>
-      <p:grpSpPr>
-        <a:xfrm>
-          <a:off x="0" y="0"/>
-          <a:ext cx="0" cy="0"/>
-          <a:chOff x="0" y="0"/>
-          <a:chExt cx="0" cy="0"/>
-        </a:xfrm>
-      </p:grpSpPr>
-      <p:sp>
-        <p:nvSpPr>
-          <p:cNvPr id="2" name="Title 1"/>
-          <p:cNvSpPr>
-            <a:spLocks noGrp="1"/>
-          </p:cNvSpPr>
-          <p:nvPr>
-            <p:ph type="title"/>
-          </p:nvPr>
-        </p:nvSpPr>
-        <p:spPr/>
-        <p:txBody>
-          <a:bodyPr/>
-          <a:lstStyle/>
-          <a:p>
-            <a:r>
-              <a:rPr lang="en-US" dirty="0" smtClean="0"/>
-              <a:t>story time</a:t>
-            </a:r>
-            <a:endParaRPr lang="en-US" dirty="0"/>
-          </a:p>
-        </p:txBody>
-      </p:sp>
-      <p:pic>
-        <p:nvPicPr>
-          <p:cNvPr id="5" name="Content Placeholder 4"/>
-          <p:cNvPicPr>
-            <a:picLocks noGrp="1" noChangeAspect="1"/>
-          </p:cNvPicPr>
-          <p:nvPr>
-            <p:ph sz="half" idx="1"/>
-          </p:nvPr>
-        </p:nvPicPr>
-        <p:blipFill>
-          <a:blip r:embed="rId2"/>
-          <a:stretch>
-            <a:fillRect/>
-          </a:stretch>
-        </p:blipFill>
-        <p:spPr>
-          <a:xfrm>
-            <a:off x="677863" y="2660711"/>
-            <a:ext cx="4183062" cy="2881190"/>
-          </a:xfrm>
-          <a:prstGeom prst="rect">
-            <a:avLst/>
-          </a:prstGeom>
-        </p:spPr>
-      </p:pic>
-      <p:pic>
-        <p:nvPicPr>
-          <p:cNvPr id="8" name="Content Placeholder 7"/>
-          <p:cNvPicPr>
-            <a:picLocks noGrp="1" noChangeAspect="1"/>
-          </p:cNvPicPr>
-          <p:nvPr>
-            <p:ph sz="half" idx="2"/>
-          </p:nvPr>
-        </p:nvPicPr>
-        <p:blipFill>
-          <a:blip r:embed="rId3"/>
-          <a:stretch>
-            <a:fillRect/>
-          </a:stretch>
-        </p:blipFill>
-        <p:spPr>
-          <a:xfrm>
-            <a:off x="5089525" y="2360220"/>
-            <a:ext cx="4184650" cy="3482172"/>
-          </a:xfrm>
-          <a:prstGeom prst="rect">
-            <a:avLst/>
-          </a:prstGeom>
-        </p:spPr>
-      </p:pic>
-      <p:sp>
-        <p:nvSpPr>
-          <p:cNvPr id="3" name="Footer Placeholder 2"/>
-          <p:cNvSpPr>
-            <a:spLocks noGrp="1"/>
-          </p:cNvSpPr>
-          <p:nvPr>
-            <p:ph type="ftr" sz="quarter" idx="11"/>
-          </p:nvPr>
-        </p:nvSpPr>
-        <p:spPr/>
-        <p:txBody>
-          <a:bodyPr/>
-          <a:lstStyle/>
-          <a:p>
-            <a:r>
-              <a:rPr lang="en-US" smtClean="0"/>
-              <a:t>@domenic</a:t>
-            </a:r>
-            <a:endParaRPr lang="en-US"/>
-          </a:p>
-        </p:txBody>
-      </p:sp>
-    </p:spTree>
-    <p:extLst>
-      <p:ext uri="{BB962C8B-B14F-4D97-AF65-F5344CB8AC3E}">
-        <p14:creationId xmlns:p14="http://schemas.microsoft.com/office/powerpoint/2010/main" val="2151121453"/>
-      </p:ext>
-    </p:extLst>
-  </p:cSld>
-  <p:clrMapOvr>
-    <a:masterClrMapping/>
-  </p:clrMapOvr>
-  <mc:AlternateContent xmlns:mc="http://schemas.openxmlformats.org/markup-compatibility/2006" xmlns:p14="http://schemas.microsoft.com/office/powerpoint/2010/main">
-    <mc:Choice Requires="p14">
-      <p:transition p14:dur="10"/>
-    </mc:Choice>
-    <mc:Fallback xmlns="">
-      <p:transition/>
-    </mc:Fallback>
-  </mc:AlternateContent>
-  <p:timing>
-    <p:tnLst>
-      <p:par>
-        <p:cTn id="1" dur="indefinite" restart="never" nodeType="tmRoot">
-          <p:childTnLst>
-            <p:seq concurrent="1" nextAc="seek">
-              <p:cTn id="2" dur="indefinite" nodeType="mainSeq">
-                <p:childTnLst>
-                  <p:par>
-                    <p:cTn id="3" fill="hold">
-                      <p:stCondLst>
-                        <p:cond delay="indefinite"/>
-                      </p:stCondLst>
-                      <p:childTnLst>
-                        <p:par>
-                          <p:cTn id="4" fill="hold">
-                            <p:stCondLst>
-                              <p:cond delay="0"/>
-                            </p:stCondLst>
-                            <p:childTnLst>
-                              <p:par>
-                                <p:cTn id="5" presetID="1" presetClass="entr" presetSubtype="0" fill="hold" nodeType="clickEffect">
-                                  <p:stCondLst>
-                                    <p:cond delay="0"/>
-                                  </p:stCondLst>
-                                  <p:childTnLst>
-                                    <p:set>
-                                      <p:cBhvr>
-                                        <p:cTn id="6" dur="1" fill="hold">
-                                          <p:stCondLst>
-                                            <p:cond delay="0"/>
-                                          </p:stCondLst>
-                                        </p:cTn>
-                                        <p:tgtEl>
-                                          <p:spTgt spid="8"/>
-                                        </p:tgtEl>
-                                        <p:attrNameLst>
-                                          <p:attrName>style.visibility</p:attrName>
-                                        </p:attrNameLst>
-                                      </p:cBhvr>
-                                      <p:to>
-                                        <p:strVal val="visible"/>
-                                      </p:to>
-                                    </p:set>
-                                  </p:childTnLst>
-                                </p:cTn>
-                              </p:par>
-                            </p:childTnLst>
-                          </p:cTn>
-                        </p:par>
-                      </p:childTnLst>
-                    </p:cTn>
-                  </p:par>
-                </p:childTnLst>
-              </p:cTn>
-              <p:prevCondLst>
-                <p:cond evt="onPrev" delay="0">
-                  <p:tgtEl>
-                    <p:sldTgt/>
-                  </p:tgtEl>
-                </p:cond>
-              </p:prevCondLst>
-              <p:nextCondLst>
-                <p:cond evt="onNext" delay="0">
-                  <p:tgtEl>
-                    <p:sldTgt/>
-                  </p:tgtEl>
-                </p:cond>
-              </p:nextCondLst>
-            </p:seq>
-          </p:childTnLst>
-        </p:cTn>
-      </p:par>
-    </p:tnLst>
-  </p:timing>
-</p:sld>
-</file>
-
-<file path=ppt/slides/slide20.xml><?xml version="1.0" encoding="utf-8"?>
+<file path=ppt/slides/slide24.xml><?xml version="1.0" encoding="utf-8"?>
 <p:sld xmlns:a="http://schemas.openxmlformats.org/drawingml/2006/main" xmlns:r="http://schemas.openxmlformats.org/officeDocument/2006/relationships" xmlns:p="http://schemas.openxmlformats.org/presentationml/2006/main">
   <p:cSld>
     <p:spTree>
@@ -23209,7 +24055,7 @@
 </p:sld>
 </file>
 
-<file path=ppt/slides/slide21.xml><?xml version="1.0" encoding="utf-8"?>
+<file path=ppt/slides/slide25.xml><?xml version="1.0" encoding="utf-8"?>
 <p:sld xmlns:a="http://schemas.openxmlformats.org/drawingml/2006/main" xmlns:r="http://schemas.openxmlformats.org/officeDocument/2006/relationships" xmlns:p="http://schemas.openxmlformats.org/presentationml/2006/main">
   <p:cSld>
     <p:spTree>
@@ -23320,7 +24166,7 @@
 </p:sld>
 </file>
 
-<file path=ppt/slides/slide22.xml><?xml version="1.0" encoding="utf-8"?>
+<file path=ppt/slides/slide26.xml><?xml version="1.0" encoding="utf-8"?>
 <p:sld xmlns:a="http://schemas.openxmlformats.org/drawingml/2006/main" xmlns:r="http://schemas.openxmlformats.org/officeDocument/2006/relationships" xmlns:p="http://schemas.openxmlformats.org/presentationml/2006/main">
   <p:cSld>
     <p:spTree>
@@ -23530,705 +24376,6 @@
 </p:sld>
 </file>
 
-<file path=ppt/slides/slide23.xml><?xml version="1.0" encoding="utf-8"?>
-<p:sld xmlns:a="http://schemas.openxmlformats.org/drawingml/2006/main" xmlns:r="http://schemas.openxmlformats.org/officeDocument/2006/relationships" xmlns:p="http://schemas.openxmlformats.org/presentationml/2006/main">
-  <p:cSld>
-    <p:spTree>
-      <p:nvGrpSpPr>
-        <p:cNvPr id="1" name=""/>
-        <p:cNvGrpSpPr/>
-        <p:nvPr/>
-      </p:nvGrpSpPr>
-      <p:grpSpPr>
-        <a:xfrm>
-          <a:off x="0" y="0"/>
-          <a:ext cx="0" cy="0"/>
-          <a:chOff x="0" y="0"/>
-          <a:chExt cx="0" cy="0"/>
-        </a:xfrm>
-      </p:grpSpPr>
-      <p:sp>
-        <p:nvSpPr>
-          <p:cNvPr id="3" name="Content Placeholder 2"/>
-          <p:cNvSpPr>
-            <a:spLocks noGrp="1"/>
-          </p:cNvSpPr>
-          <p:nvPr>
-            <p:ph idx="1"/>
-          </p:nvPr>
-        </p:nvSpPr>
-        <p:spPr>
-          <a:xfrm>
-            <a:off x="677334" y="1294575"/>
-            <a:ext cx="8596668" cy="4268850"/>
-          </a:xfrm>
-        </p:spPr>
-        <p:txBody>
-          <a:bodyPr>
-            <a:normAutofit fontScale="77500" lnSpcReduction="20000"/>
-          </a:bodyPr>
-          <a:lstStyle/>
-          <a:p>
-            <a:pPr marL="0" indent="0">
-              <a:buNone/>
-            </a:pPr>
-            <a:r>
-              <a:rPr lang="en-US" b="1" dirty="0"/>
-              <a:t>My next project </a:t>
-            </a:r>
-          </a:p>
-          <a:p>
-            <a:pPr marL="0" indent="0">
-              <a:buNone/>
-            </a:pPr>
-            <a:r>
-              <a:rPr lang="en-US" dirty="0"/>
-              <a:t>I'm going </a:t>
-            </a:r>
-            <a:r>
-              <a:rPr lang="en-US" dirty="0" smtClean="0"/>
-              <a:t>to write </a:t>
-            </a:r>
-            <a:r>
-              <a:rPr lang="en-US" dirty="0"/>
-              <a:t>a special thin web server tied to </a:t>
-            </a:r>
-            <a:r>
-              <a:rPr lang="en-US" dirty="0">
-                <a:hlinkClick r:id="rId2"/>
-              </a:rPr>
-              <a:t>the V8 </a:t>
-            </a:r>
-            <a:r>
-              <a:rPr lang="en-US" dirty="0" err="1">
-                <a:hlinkClick r:id="rId2"/>
-              </a:rPr>
-              <a:t>javascript</a:t>
-            </a:r>
-            <a:r>
-              <a:rPr lang="en-US" dirty="0">
-                <a:hlinkClick r:id="rId2"/>
-              </a:rPr>
-              <a:t> </a:t>
-            </a:r>
-            <a:r>
-              <a:rPr lang="en-US" dirty="0" smtClean="0">
-                <a:hlinkClick r:id="rId2"/>
-              </a:rPr>
-              <a:t>interpreter</a:t>
-            </a:r>
-            <a:endParaRPr lang="en-US" dirty="0"/>
-          </a:p>
-          <a:p>
-            <a:pPr marL="0" indent="0">
-              <a:buNone/>
-            </a:pPr>
-            <a:r>
-              <a:rPr lang="en-US" dirty="0" smtClean="0"/>
-              <a:t>The </a:t>
-            </a:r>
-            <a:r>
-              <a:rPr lang="en-US" dirty="0"/>
-              <a:t>web server will execute </a:t>
-            </a:r>
-            <a:r>
-              <a:rPr lang="en-US" dirty="0" err="1"/>
-              <a:t>javascripts</a:t>
-            </a:r>
-            <a:r>
-              <a:rPr lang="en-US" dirty="0"/>
-              <a:t> in response to requests in </a:t>
-            </a:r>
-            <a:r>
-              <a:rPr lang="en-US" dirty="0">
-                <a:hlinkClick r:id="rId3"/>
-              </a:rPr>
-              <a:t>real-time</a:t>
-            </a:r>
-            <a:r>
-              <a:rPr lang="en-US" dirty="0" smtClean="0"/>
-              <a:t>.</a:t>
-            </a:r>
-          </a:p>
-          <a:p>
-            <a:pPr marL="0" indent="0">
-              <a:buNone/>
-            </a:pPr>
-            <a:r>
-              <a:rPr lang="en-US" dirty="0" smtClean="0"/>
-              <a:t>The </a:t>
-            </a:r>
-            <a:r>
-              <a:rPr lang="en-US" dirty="0"/>
-              <a:t>beautiful thing about this is that I can lock the users in an evented box where they have no choice but to be fast. They cannot touch the </a:t>
-            </a:r>
-            <a:r>
-              <a:rPr lang="en-US" dirty="0" smtClean="0"/>
-              <a:t>disk. </a:t>
-            </a:r>
-            <a:r>
-              <a:rPr lang="en-US" dirty="0"/>
-              <a:t>They cannot access a database with some stupid library that blocks because they have no access to blocking I/O. They cannot resize an image by linking </a:t>
-            </a:r>
-            <a:r>
-              <a:rPr lang="en-US" dirty="0" err="1"/>
-              <a:t>imagemagick</a:t>
-            </a:r>
-            <a:r>
-              <a:rPr lang="en-US" dirty="0"/>
-              <a:t> into the web server process (and thus slowing down/blocking the entire thing). They cannot crash it because they are very limited in what they can do.</a:t>
-            </a:r>
-            <a:br>
-              <a:rPr lang="en-US" dirty="0"/>
-            </a:br>
-            <a:r>
-              <a:rPr lang="en-US" dirty="0"/>
-              <a:t/>
-            </a:r>
-            <a:br>
-              <a:rPr lang="en-US" dirty="0"/>
-            </a:br>
-            <a:r>
-              <a:rPr lang="en-US" dirty="0"/>
-              <a:t>Why </a:t>
-            </a:r>
-            <a:r>
-              <a:rPr lang="en-US" dirty="0" err="1" smtClean="0"/>
-              <a:t>javascript</a:t>
-            </a:r>
-            <a:r>
-              <a:rPr lang="en-US" dirty="0" smtClean="0"/>
-              <a:t>?</a:t>
-            </a:r>
-          </a:p>
-          <a:p>
-            <a:r>
-              <a:rPr lang="en-US" dirty="0" smtClean="0"/>
-              <a:t>because </a:t>
-            </a:r>
-            <a:r>
-              <a:rPr lang="en-US" dirty="0"/>
-              <a:t>its bare and does not come with I/O </a:t>
-            </a:r>
-            <a:r>
-              <a:rPr lang="en-US" dirty="0" smtClean="0"/>
-              <a:t>APIs</a:t>
-            </a:r>
-          </a:p>
-          <a:p>
-            <a:r>
-              <a:rPr lang="en-US" dirty="0" smtClean="0"/>
-              <a:t>web </a:t>
-            </a:r>
-            <a:r>
-              <a:rPr lang="en-US" dirty="0"/>
-              <a:t>developers use it </a:t>
-            </a:r>
-            <a:r>
-              <a:rPr lang="en-US" dirty="0" smtClean="0"/>
-              <a:t>already</a:t>
-            </a:r>
-            <a:endParaRPr lang="en-US" dirty="0"/>
-          </a:p>
-          <a:p>
-            <a:r>
-              <a:rPr lang="en-US" dirty="0"/>
-              <a:t>DOM API is event-based. Everyone is already used to running without threads and on an event loop already.</a:t>
-            </a:r>
-          </a:p>
-          <a:p>
-            <a:pPr marL="0" indent="0">
-              <a:buNone/>
-            </a:pPr>
-            <a:r>
-              <a:rPr lang="en-US" dirty="0"/>
-              <a:t>I think this design will be extremely efficient and support very high loads. Web requests are transformed into </a:t>
-            </a:r>
-            <a:r>
-              <a:rPr lang="en-US" dirty="0" err="1"/>
-              <a:t>mysql</a:t>
-            </a:r>
-            <a:r>
-              <a:rPr lang="en-US" dirty="0"/>
-              <a:t>, </a:t>
-            </a:r>
-            <a:r>
-              <a:rPr lang="en-US" dirty="0" err="1"/>
-              <a:t>memcached</a:t>
-            </a:r>
-            <a:r>
-              <a:rPr lang="en-US" dirty="0"/>
-              <a:t>, AMQP requests and then return to the event loop</a:t>
-            </a:r>
-            <a:r>
-              <a:rPr lang="en-US" dirty="0" smtClean="0"/>
-              <a:t>.</a:t>
-            </a:r>
-            <a:r>
-              <a:rPr lang="en-US" dirty="0"/>
-              <a:t/>
-            </a:r>
-            <a:br>
-              <a:rPr lang="en-US" dirty="0"/>
-            </a:br>
-            <a:r>
-              <a:rPr lang="en-US" dirty="0"/>
-              <a:t/>
-            </a:r>
-            <a:br>
-              <a:rPr lang="en-US" dirty="0"/>
-            </a:br>
-            <a:r>
-              <a:rPr lang="en-US" dirty="0"/>
-              <a:t>Web developers need this sort of environment where it is not possible for them to do stupid things. Ruby, python, C++, PHP are all terrible languages for web development because they allow too much freedom. </a:t>
-            </a:r>
-          </a:p>
-        </p:txBody>
-      </p:sp>
-      <p:sp>
-        <p:nvSpPr>
-          <p:cNvPr id="4" name="TextBox 3"/>
-          <p:cNvSpPr txBox="1"/>
-          <p:nvPr/>
-        </p:nvSpPr>
-        <p:spPr>
-          <a:xfrm>
-            <a:off x="4678192" y="6111240"/>
-            <a:ext cx="4595810" cy="369332"/>
-          </a:xfrm>
-          <a:prstGeom prst="rect">
-            <a:avLst/>
-          </a:prstGeom>
-          <a:noFill/>
-        </p:spPr>
-        <p:txBody>
-          <a:bodyPr wrap="none" rtlCol="0">
-            <a:spAutoFit/>
-          </a:bodyPr>
-          <a:lstStyle/>
-          <a:p>
-            <a:pPr algn="r"/>
-            <a:r>
-              <a:rPr lang="en-US" dirty="0">
-                <a:hlinkClick r:id="rId4"/>
-              </a:rPr>
-              <a:t>http://</a:t>
-            </a:r>
-            <a:r>
-              <a:rPr lang="en-US" dirty="0" smtClean="0">
-                <a:hlinkClick r:id="rId4"/>
-              </a:rPr>
-              <a:t>four.livejournal.com/963421.html</a:t>
-            </a:r>
-            <a:endParaRPr lang="en-US" dirty="0"/>
-          </a:p>
-        </p:txBody>
-      </p:sp>
-      <p:sp>
-        <p:nvSpPr>
-          <p:cNvPr id="2" name="Footer Placeholder 1"/>
-          <p:cNvSpPr>
-            <a:spLocks noGrp="1"/>
-          </p:cNvSpPr>
-          <p:nvPr>
-            <p:ph type="ftr" sz="quarter" idx="11"/>
-          </p:nvPr>
-        </p:nvSpPr>
-        <p:spPr/>
-        <p:txBody>
-          <a:bodyPr/>
-          <a:lstStyle/>
-          <a:p>
-            <a:r>
-              <a:rPr lang="en-US" smtClean="0"/>
-              <a:t>@domenic</a:t>
-            </a:r>
-            <a:endParaRPr lang="en-US"/>
-          </a:p>
-        </p:txBody>
-      </p:sp>
-    </p:spTree>
-    <p:extLst>
-      <p:ext uri="{BB962C8B-B14F-4D97-AF65-F5344CB8AC3E}">
-        <p14:creationId xmlns:p14="http://schemas.microsoft.com/office/powerpoint/2010/main" val="4250047389"/>
-      </p:ext>
-    </p:extLst>
-  </p:cSld>
-  <p:clrMapOvr>
-    <a:masterClrMapping/>
-  </p:clrMapOvr>
-  <p:timing>
-    <p:tnLst>
-      <p:par>
-        <p:cTn id="1" dur="indefinite" restart="never" nodeType="tmRoot"/>
-      </p:par>
-    </p:tnLst>
-  </p:timing>
-</p:sld>
-</file>
-
-<file path=ppt/slides/slide24.xml><?xml version="1.0" encoding="utf-8"?>
-<p:sld xmlns:a="http://schemas.openxmlformats.org/drawingml/2006/main" xmlns:r="http://schemas.openxmlformats.org/officeDocument/2006/relationships" xmlns:p="http://schemas.openxmlformats.org/presentationml/2006/main">
-  <p:cSld>
-    <p:spTree>
-      <p:nvGrpSpPr>
-        <p:cNvPr id="1" name=""/>
-        <p:cNvGrpSpPr/>
-        <p:nvPr/>
-      </p:nvGrpSpPr>
-      <p:grpSpPr>
-        <a:xfrm>
-          <a:off x="0" y="0"/>
-          <a:ext cx="0" cy="0"/>
-          <a:chOff x="0" y="0"/>
-          <a:chExt cx="0" cy="0"/>
-        </a:xfrm>
-      </p:grpSpPr>
-      <p:sp>
-        <p:nvSpPr>
-          <p:cNvPr id="2" name="TextBox 1"/>
-          <p:cNvSpPr txBox="1"/>
-          <p:nvPr/>
-        </p:nvSpPr>
-        <p:spPr>
-          <a:xfrm>
-            <a:off x="792480" y="2367171"/>
-            <a:ext cx="8675773" cy="2123658"/>
-          </a:xfrm>
-          <a:prstGeom prst="rect">
-            <a:avLst/>
-          </a:prstGeom>
-          <a:noFill/>
-        </p:spPr>
-        <p:txBody>
-          <a:bodyPr wrap="none" rtlCol="0">
-            <a:spAutoFit/>
-          </a:bodyPr>
-          <a:lstStyle/>
-          <a:p>
-            <a:r>
-              <a:rPr lang="en-US" sz="6600" dirty="0" err="1" smtClean="0">
-                <a:latin typeface="Segoe UI Light" panose="020B0502040204020203" pitchFamily="34" charset="0"/>
-                <a:cs typeface="Segoe UI Light" panose="020B0502040204020203" pitchFamily="34" charset="0"/>
-              </a:rPr>
-              <a:t>javascript</a:t>
-            </a:r>
-            <a:r>
-              <a:rPr lang="en-US" sz="6600" dirty="0" smtClean="0">
-                <a:latin typeface="Segoe UI Light" panose="020B0502040204020203" pitchFamily="34" charset="0"/>
-                <a:cs typeface="Segoe UI Light" panose="020B0502040204020203" pitchFamily="34" charset="0"/>
-              </a:rPr>
-              <a:t> has never had</a:t>
-            </a:r>
-            <a:br>
-              <a:rPr lang="en-US" sz="6600" dirty="0" smtClean="0">
-                <a:latin typeface="Segoe UI Light" panose="020B0502040204020203" pitchFamily="34" charset="0"/>
-                <a:cs typeface="Segoe UI Light" panose="020B0502040204020203" pitchFamily="34" charset="0"/>
-              </a:rPr>
-            </a:br>
-            <a:r>
-              <a:rPr lang="en-US" sz="6600" dirty="0" smtClean="0">
-                <a:latin typeface="Segoe UI Light" panose="020B0502040204020203" pitchFamily="34" charset="0"/>
-                <a:cs typeface="Segoe UI Light" panose="020B0502040204020203" pitchFamily="34" charset="0"/>
-              </a:rPr>
-              <a:t>blocking i/o</a:t>
-            </a:r>
-            <a:endParaRPr lang="en-US" sz="6600" dirty="0">
-              <a:latin typeface="Segoe UI Light" panose="020B0502040204020203" pitchFamily="34" charset="0"/>
-              <a:cs typeface="Segoe UI Light" panose="020B0502040204020203" pitchFamily="34" charset="0"/>
-            </a:endParaRPr>
-          </a:p>
-        </p:txBody>
-      </p:sp>
-      <p:sp>
-        <p:nvSpPr>
-          <p:cNvPr id="3" name="Footer Placeholder 2"/>
-          <p:cNvSpPr>
-            <a:spLocks noGrp="1"/>
-          </p:cNvSpPr>
-          <p:nvPr>
-            <p:ph type="ftr" sz="quarter" idx="11"/>
-          </p:nvPr>
-        </p:nvSpPr>
-        <p:spPr/>
-        <p:txBody>
-          <a:bodyPr/>
-          <a:lstStyle/>
-          <a:p>
-            <a:r>
-              <a:rPr lang="en-US" smtClean="0"/>
-              <a:t>@domenic</a:t>
-            </a:r>
-            <a:endParaRPr lang="en-US"/>
-          </a:p>
-        </p:txBody>
-      </p:sp>
-    </p:spTree>
-    <p:extLst>
-      <p:ext uri="{BB962C8B-B14F-4D97-AF65-F5344CB8AC3E}">
-        <p14:creationId xmlns:p14="http://schemas.microsoft.com/office/powerpoint/2010/main" val="3632899315"/>
-      </p:ext>
-    </p:extLst>
-  </p:cSld>
-  <p:clrMapOvr>
-    <a:masterClrMapping/>
-  </p:clrMapOvr>
-  <p:timing>
-    <p:tnLst>
-      <p:par>
-        <p:cTn id="1" dur="indefinite" restart="never" nodeType="tmRoot"/>
-      </p:par>
-    </p:tnLst>
-  </p:timing>
-</p:sld>
-</file>
-
-<file path=ppt/slides/slide25.xml><?xml version="1.0" encoding="utf-8"?>
-<p:sld xmlns:a="http://schemas.openxmlformats.org/drawingml/2006/main" xmlns:r="http://schemas.openxmlformats.org/officeDocument/2006/relationships" xmlns:p="http://schemas.openxmlformats.org/presentationml/2006/main">
-  <p:cSld>
-    <p:spTree>
-      <p:nvGrpSpPr>
-        <p:cNvPr id="1" name=""/>
-        <p:cNvGrpSpPr/>
-        <p:nvPr/>
-      </p:nvGrpSpPr>
-      <p:grpSpPr>
-        <a:xfrm>
-          <a:off x="0" y="0"/>
-          <a:ext cx="0" cy="0"/>
-          <a:chOff x="0" y="0"/>
-          <a:chExt cx="0" cy="0"/>
-        </a:xfrm>
-      </p:grpSpPr>
-      <p:sp>
-        <p:nvSpPr>
-          <p:cNvPr id="2" name="TextBox 1"/>
-          <p:cNvSpPr txBox="1"/>
-          <p:nvPr/>
-        </p:nvSpPr>
-        <p:spPr>
-          <a:xfrm>
-            <a:off x="792480" y="2367171"/>
-            <a:ext cx="8675773" cy="2123658"/>
-          </a:xfrm>
-          <a:prstGeom prst="rect">
-            <a:avLst/>
-          </a:prstGeom>
-          <a:noFill/>
-        </p:spPr>
-        <p:txBody>
-          <a:bodyPr wrap="none" rtlCol="0">
-            <a:spAutoFit/>
-          </a:bodyPr>
-          <a:lstStyle/>
-          <a:p>
-            <a:r>
-              <a:rPr lang="en-US" sz="6600" dirty="0" err="1" smtClean="0">
-                <a:latin typeface="Segoe UI Light" panose="020B0502040204020203" pitchFamily="34" charset="0"/>
-                <a:cs typeface="Segoe UI Light" panose="020B0502040204020203" pitchFamily="34" charset="0"/>
-              </a:rPr>
-              <a:t>javascript</a:t>
-            </a:r>
-            <a:r>
-              <a:rPr lang="en-US" sz="6600" dirty="0" smtClean="0">
-                <a:latin typeface="Segoe UI Light" panose="020B0502040204020203" pitchFamily="34" charset="0"/>
-                <a:cs typeface="Segoe UI Light" panose="020B0502040204020203" pitchFamily="34" charset="0"/>
-              </a:rPr>
-              <a:t> has never had</a:t>
-            </a:r>
-            <a:br>
-              <a:rPr lang="en-US" sz="6600" dirty="0" smtClean="0">
-                <a:latin typeface="Segoe UI Light" panose="020B0502040204020203" pitchFamily="34" charset="0"/>
-                <a:cs typeface="Segoe UI Light" panose="020B0502040204020203" pitchFamily="34" charset="0"/>
-              </a:rPr>
-            </a:br>
-            <a:r>
-              <a:rPr lang="en-US" sz="6600" dirty="0" smtClean="0">
-                <a:latin typeface="Segoe UI Light" panose="020B0502040204020203" pitchFamily="34" charset="0"/>
-                <a:cs typeface="Segoe UI Light" panose="020B0502040204020203" pitchFamily="34" charset="0"/>
-              </a:rPr>
-              <a:t>more than one thread</a:t>
-            </a:r>
-            <a:endParaRPr lang="en-US" sz="6600" dirty="0">
-              <a:latin typeface="Segoe UI Light" panose="020B0502040204020203" pitchFamily="34" charset="0"/>
-              <a:cs typeface="Segoe UI Light" panose="020B0502040204020203" pitchFamily="34" charset="0"/>
-            </a:endParaRPr>
-          </a:p>
-        </p:txBody>
-      </p:sp>
-      <p:sp>
-        <p:nvSpPr>
-          <p:cNvPr id="3" name="Footer Placeholder 2"/>
-          <p:cNvSpPr>
-            <a:spLocks noGrp="1"/>
-          </p:cNvSpPr>
-          <p:nvPr>
-            <p:ph type="ftr" sz="quarter" idx="11"/>
-          </p:nvPr>
-        </p:nvSpPr>
-        <p:spPr/>
-        <p:txBody>
-          <a:bodyPr/>
-          <a:lstStyle/>
-          <a:p>
-            <a:r>
-              <a:rPr lang="en-US" smtClean="0"/>
-              <a:t>@domenic</a:t>
-            </a:r>
-            <a:endParaRPr lang="en-US"/>
-          </a:p>
-        </p:txBody>
-      </p:sp>
-    </p:spTree>
-    <p:extLst>
-      <p:ext uri="{BB962C8B-B14F-4D97-AF65-F5344CB8AC3E}">
-        <p14:creationId xmlns:p14="http://schemas.microsoft.com/office/powerpoint/2010/main" val="2956307337"/>
-      </p:ext>
-    </p:extLst>
-  </p:cSld>
-  <p:clrMapOvr>
-    <a:masterClrMapping/>
-  </p:clrMapOvr>
-  <p:timing>
-    <p:tnLst>
-      <p:par>
-        <p:cTn id="1" dur="indefinite" restart="never" nodeType="tmRoot"/>
-      </p:par>
-    </p:tnLst>
-  </p:timing>
-</p:sld>
-</file>
-
-<file path=ppt/slides/slide26.xml><?xml version="1.0" encoding="utf-8"?>
-<p:sld xmlns:a="http://schemas.openxmlformats.org/drawingml/2006/main" xmlns:r="http://schemas.openxmlformats.org/officeDocument/2006/relationships" xmlns:p="http://schemas.openxmlformats.org/presentationml/2006/main">
-  <p:cSld>
-    <p:spTree>
-      <p:nvGrpSpPr>
-        <p:cNvPr id="1" name=""/>
-        <p:cNvGrpSpPr/>
-        <p:nvPr/>
-      </p:nvGrpSpPr>
-      <p:grpSpPr>
-        <a:xfrm>
-          <a:off x="0" y="0"/>
-          <a:ext cx="0" cy="0"/>
-          <a:chOff x="0" y="0"/>
-          <a:chExt cx="0" cy="0"/>
-        </a:xfrm>
-      </p:grpSpPr>
-      <p:sp>
-        <p:nvSpPr>
-          <p:cNvPr id="2" name="TextBox 1"/>
-          <p:cNvSpPr txBox="1"/>
-          <p:nvPr/>
-        </p:nvSpPr>
-        <p:spPr>
-          <a:xfrm>
-            <a:off x="792480" y="2367171"/>
-            <a:ext cx="8690199" cy="2123658"/>
-          </a:xfrm>
-          <a:prstGeom prst="rect">
-            <a:avLst/>
-          </a:prstGeom>
-          <a:noFill/>
-        </p:spPr>
-        <p:txBody>
-          <a:bodyPr wrap="none" rtlCol="0">
-            <a:spAutoFit/>
-          </a:bodyPr>
-          <a:lstStyle/>
-          <a:p>
-            <a:r>
-              <a:rPr lang="en-US" sz="6600" dirty="0" smtClean="0">
-                <a:latin typeface="Segoe UI Light" panose="020B0502040204020203" pitchFamily="34" charset="0"/>
-                <a:cs typeface="Segoe UI Light" panose="020B0502040204020203" pitchFamily="34" charset="0"/>
-              </a:rPr>
-              <a:t>instead we use </a:t>
-            </a:r>
-            <a:r>
-              <a:rPr lang="en-US" sz="6600" i="1" dirty="0" smtClean="0">
-                <a:latin typeface="Segoe UI Light" panose="020B0502040204020203" pitchFamily="34" charset="0"/>
-                <a:cs typeface="Segoe UI Light" panose="020B0502040204020203" pitchFamily="34" charset="0"/>
-              </a:rPr>
-              <a:t>callbacks</a:t>
-            </a:r>
-            <a:r>
-              <a:rPr lang="en-US" sz="6600" dirty="0" smtClean="0">
-                <a:latin typeface="Segoe UI Light" panose="020B0502040204020203" pitchFamily="34" charset="0"/>
-                <a:cs typeface="Segoe UI Light" panose="020B0502040204020203" pitchFamily="34" charset="0"/>
-              </a:rPr>
-              <a:t/>
-            </a:r>
-            <a:br>
-              <a:rPr lang="en-US" sz="6600" dirty="0" smtClean="0">
-                <a:latin typeface="Segoe UI Light" panose="020B0502040204020203" pitchFamily="34" charset="0"/>
-                <a:cs typeface="Segoe UI Light" panose="020B0502040204020203" pitchFamily="34" charset="0"/>
-              </a:rPr>
-            </a:br>
-            <a:r>
-              <a:rPr lang="en-US" sz="6600" dirty="0" smtClean="0">
-                <a:latin typeface="Segoe UI Light" panose="020B0502040204020203" pitchFamily="34" charset="0"/>
-                <a:cs typeface="Segoe UI Light" panose="020B0502040204020203" pitchFamily="34" charset="0"/>
-              </a:rPr>
-              <a:t>and </a:t>
-            </a:r>
-            <a:r>
-              <a:rPr lang="en-US" sz="6600" i="1" dirty="0" smtClean="0">
-                <a:latin typeface="Segoe UI Light" panose="020B0502040204020203" pitchFamily="34" charset="0"/>
-                <a:cs typeface="Segoe UI Light" panose="020B0502040204020203" pitchFamily="34" charset="0"/>
-              </a:rPr>
-              <a:t>events</a:t>
-            </a:r>
-            <a:endParaRPr lang="en-US" sz="6600" i="1" dirty="0">
-              <a:latin typeface="Segoe UI Light" panose="020B0502040204020203" pitchFamily="34" charset="0"/>
-              <a:cs typeface="Segoe UI Light" panose="020B0502040204020203" pitchFamily="34" charset="0"/>
-            </a:endParaRPr>
-          </a:p>
-        </p:txBody>
-      </p:sp>
-      <p:sp>
-        <p:nvSpPr>
-          <p:cNvPr id="3" name="Footer Placeholder 2"/>
-          <p:cNvSpPr>
-            <a:spLocks noGrp="1"/>
-          </p:cNvSpPr>
-          <p:nvPr>
-            <p:ph type="ftr" sz="quarter" idx="11"/>
-          </p:nvPr>
-        </p:nvSpPr>
-        <p:spPr/>
-        <p:txBody>
-          <a:bodyPr/>
-          <a:lstStyle/>
-          <a:p>
-            <a:r>
-              <a:rPr lang="en-US" smtClean="0"/>
-              <a:t>@domenic</a:t>
-            </a:r>
-            <a:endParaRPr lang="en-US"/>
-          </a:p>
-        </p:txBody>
-      </p:sp>
-    </p:spTree>
-    <p:extLst>
-      <p:ext uri="{BB962C8B-B14F-4D97-AF65-F5344CB8AC3E}">
-        <p14:creationId xmlns:p14="http://schemas.microsoft.com/office/powerpoint/2010/main" val="2041253986"/>
-      </p:ext>
-    </p:extLst>
-  </p:cSld>
-  <p:clrMapOvr>
-    <a:masterClrMapping/>
-  </p:clrMapOvr>
-  <p:timing>
-    <p:tnLst>
-      <p:par>
-        <p:cTn id="1" dur="indefinite" restart="never" nodeType="tmRoot"/>
-      </p:par>
-    </p:tnLst>
-  </p:timing>
-</p:sld>
-</file>
-
 <file path=ppt/slides/slide27.xml><?xml version="1.0" encoding="utf-8"?>
 <p:sld xmlns:a="http://schemas.openxmlformats.org/drawingml/2006/main" xmlns:r="http://schemas.openxmlformats.org/officeDocument/2006/relationships" xmlns:p="http://schemas.openxmlformats.org/presentationml/2006/main">
   <p:cSld>
@@ -24248,14 +24395,252 @@
       </p:grpSpPr>
       <p:sp>
         <p:nvSpPr>
-          <p:cNvPr id="2" name="TextBox 1"/>
+          <p:cNvPr id="3" name="Content Placeholder 2"/>
+          <p:cNvSpPr>
+            <a:spLocks noGrp="1"/>
+          </p:cNvSpPr>
+          <p:nvPr>
+            <p:ph idx="1"/>
+          </p:nvPr>
+        </p:nvSpPr>
+        <p:spPr>
+          <a:xfrm>
+            <a:off x="677334" y="1294575"/>
+            <a:ext cx="8596668" cy="4268850"/>
+          </a:xfrm>
+        </p:spPr>
+        <p:txBody>
+          <a:bodyPr>
+            <a:normAutofit fontScale="77500" lnSpcReduction="20000"/>
+          </a:bodyPr>
+          <a:lstStyle/>
+          <a:p>
+            <a:pPr marL="0" indent="0">
+              <a:buNone/>
+            </a:pPr>
+            <a:r>
+              <a:rPr lang="en-US" b="1" dirty="0"/>
+              <a:t>My next project </a:t>
+            </a:r>
+          </a:p>
+          <a:p>
+            <a:pPr marL="0" indent="0">
+              <a:buNone/>
+            </a:pPr>
+            <a:r>
+              <a:rPr lang="en-US" dirty="0"/>
+              <a:t>I'm going </a:t>
+            </a:r>
+            <a:r>
+              <a:rPr lang="en-US" dirty="0" smtClean="0"/>
+              <a:t>to write </a:t>
+            </a:r>
+            <a:r>
+              <a:rPr lang="en-US" dirty="0"/>
+              <a:t>a special thin web server tied to </a:t>
+            </a:r>
+            <a:r>
+              <a:rPr lang="en-US" dirty="0">
+                <a:hlinkClick r:id="rId3"/>
+              </a:rPr>
+              <a:t>the V8 </a:t>
+            </a:r>
+            <a:r>
+              <a:rPr lang="en-US" dirty="0" err="1">
+                <a:hlinkClick r:id="rId3"/>
+              </a:rPr>
+              <a:t>javascript</a:t>
+            </a:r>
+            <a:r>
+              <a:rPr lang="en-US" dirty="0">
+                <a:hlinkClick r:id="rId3"/>
+              </a:rPr>
+              <a:t> </a:t>
+            </a:r>
+            <a:r>
+              <a:rPr lang="en-US" dirty="0" smtClean="0">
+                <a:hlinkClick r:id="rId3"/>
+              </a:rPr>
+              <a:t>interpreter</a:t>
+            </a:r>
+            <a:endParaRPr lang="en-US" dirty="0"/>
+          </a:p>
+          <a:p>
+            <a:pPr marL="0" indent="0">
+              <a:buNone/>
+            </a:pPr>
+            <a:r>
+              <a:rPr lang="en-US" dirty="0" smtClean="0"/>
+              <a:t>The </a:t>
+            </a:r>
+            <a:r>
+              <a:rPr lang="en-US" dirty="0"/>
+              <a:t>web server will execute </a:t>
+            </a:r>
+            <a:r>
+              <a:rPr lang="en-US" dirty="0" err="1"/>
+              <a:t>javascripts</a:t>
+            </a:r>
+            <a:r>
+              <a:rPr lang="en-US" dirty="0"/>
+              <a:t> in response to requests in </a:t>
+            </a:r>
+            <a:r>
+              <a:rPr lang="en-US" dirty="0">
+                <a:hlinkClick r:id="rId4"/>
+              </a:rPr>
+              <a:t>real-time</a:t>
+            </a:r>
+            <a:r>
+              <a:rPr lang="en-US" dirty="0" smtClean="0"/>
+              <a:t>.</a:t>
+            </a:r>
+          </a:p>
+          <a:p>
+            <a:pPr marL="0" indent="0">
+              <a:buNone/>
+            </a:pPr>
+            <a:r>
+              <a:rPr lang="en-US" dirty="0" smtClean="0"/>
+              <a:t>The </a:t>
+            </a:r>
+            <a:r>
+              <a:rPr lang="en-US" dirty="0"/>
+              <a:t>beautiful thing about this is that I can lock the users in an evented box where they have no choice but to be fast. They cannot touch the </a:t>
+            </a:r>
+            <a:r>
+              <a:rPr lang="en-US" dirty="0" smtClean="0"/>
+              <a:t>disk. </a:t>
+            </a:r>
+            <a:r>
+              <a:rPr lang="en-US" dirty="0"/>
+              <a:t>They cannot access a database with some stupid library that blocks because they have no access to blocking I/O. They cannot resize an image by linking </a:t>
+            </a:r>
+            <a:r>
+              <a:rPr lang="en-US" dirty="0" err="1"/>
+              <a:t>imagemagick</a:t>
+            </a:r>
+            <a:r>
+              <a:rPr lang="en-US" dirty="0"/>
+              <a:t> into the web server process (and thus slowing down/blocking the entire thing). They cannot crash it because they are very limited in what they can do.</a:t>
+            </a:r>
+            <a:br>
+              <a:rPr lang="en-US" dirty="0"/>
+            </a:br>
+            <a:r>
+              <a:rPr lang="en-US" dirty="0"/>
+              <a:t/>
+            </a:r>
+            <a:br>
+              <a:rPr lang="en-US" dirty="0"/>
+            </a:br>
+            <a:r>
+              <a:rPr lang="en-US" dirty="0"/>
+              <a:t>Why </a:t>
+            </a:r>
+            <a:r>
+              <a:rPr lang="en-US" dirty="0" err="1" smtClean="0"/>
+              <a:t>javascript</a:t>
+            </a:r>
+            <a:r>
+              <a:rPr lang="en-US" dirty="0" smtClean="0"/>
+              <a:t>?</a:t>
+            </a:r>
+          </a:p>
+          <a:p>
+            <a:r>
+              <a:rPr lang="en-US" dirty="0" smtClean="0"/>
+              <a:t>because </a:t>
+            </a:r>
+            <a:r>
+              <a:rPr lang="en-US" dirty="0"/>
+              <a:t>its bare and does not come with I/O </a:t>
+            </a:r>
+            <a:r>
+              <a:rPr lang="en-US" dirty="0" smtClean="0"/>
+              <a:t>APIs</a:t>
+            </a:r>
+          </a:p>
+          <a:p>
+            <a:r>
+              <a:rPr lang="en-US" dirty="0" smtClean="0"/>
+              <a:t>web </a:t>
+            </a:r>
+            <a:r>
+              <a:rPr lang="en-US" dirty="0"/>
+              <a:t>developers use it </a:t>
+            </a:r>
+            <a:r>
+              <a:rPr lang="en-US" dirty="0" smtClean="0"/>
+              <a:t>already</a:t>
+            </a:r>
+            <a:endParaRPr lang="en-US" dirty="0"/>
+          </a:p>
+          <a:p>
+            <a:r>
+              <a:rPr lang="en-US" dirty="0"/>
+              <a:t>DOM API is event-based. Everyone is already used to running without threads and on an event loop already.</a:t>
+            </a:r>
+          </a:p>
+          <a:p>
+            <a:pPr marL="0" indent="0">
+              <a:buNone/>
+            </a:pPr>
+            <a:r>
+              <a:rPr lang="en-US" dirty="0"/>
+              <a:t>I think this design will be extremely efficient and support very high loads. Web requests are transformed into </a:t>
+            </a:r>
+            <a:r>
+              <a:rPr lang="en-US" dirty="0" err="1"/>
+              <a:t>mysql</a:t>
+            </a:r>
+            <a:r>
+              <a:rPr lang="en-US" dirty="0"/>
+              <a:t>, </a:t>
+            </a:r>
+            <a:r>
+              <a:rPr lang="en-US" dirty="0" err="1"/>
+              <a:t>memcached</a:t>
+            </a:r>
+            <a:r>
+              <a:rPr lang="en-US" dirty="0"/>
+              <a:t>, AMQP requests and then return to the event loop</a:t>
+            </a:r>
+            <a:r>
+              <a:rPr lang="en-US" dirty="0" smtClean="0"/>
+              <a:t>.</a:t>
+            </a:r>
+            <a:r>
+              <a:rPr lang="en-US" dirty="0"/>
+              <a:t/>
+            </a:r>
+            <a:br>
+              <a:rPr lang="en-US" dirty="0"/>
+            </a:br>
+            <a:r>
+              <a:rPr lang="en-US" dirty="0"/>
+              <a:t/>
+            </a:r>
+            <a:br>
+              <a:rPr lang="en-US" dirty="0"/>
+            </a:br>
+            <a:r>
+              <a:rPr lang="en-US" dirty="0"/>
+              <a:t>Web developers need this sort of environment where it is not possible for them to do stupid things. Ruby, python, C++, PHP are all terrible languages for web development because they allow too much freedom. </a:t>
+            </a:r>
+          </a:p>
+        </p:txBody>
+      </p:sp>
+      <p:sp>
+        <p:nvSpPr>
+          <p:cNvPr id="4" name="TextBox 3"/>
           <p:cNvSpPr txBox="1"/>
           <p:nvPr/>
         </p:nvSpPr>
         <p:spPr>
           <a:xfrm>
-            <a:off x="792480" y="2644170"/>
-            <a:ext cx="7256923" cy="1569660"/>
+            <a:off x="4678192" y="6111240"/>
+            <a:ext cx="4595810" cy="369332"/>
           </a:xfrm>
           <a:prstGeom prst="rect">
             <a:avLst/>
@@ -24268,51 +24653,26 @@
           </a:bodyPr>
           <a:lstStyle/>
           <a:p>
-            <a:r>
-              <a:rPr lang="en-US" sz="3200" dirty="0">
-                <a:latin typeface="Segoe UI Light" panose="020B0502040204020203" pitchFamily="34" charset="0"/>
-                <a:cs typeface="Segoe UI Light" panose="020B0502040204020203" pitchFamily="34" charset="0"/>
+            <a:pPr algn="r"/>
+            <a:r>
+              <a:rPr lang="en-US" dirty="0">
+                <a:hlinkClick r:id="rId5"/>
               </a:rPr>
-              <a:t>$.get("http://nodejs.org", function (data) {</a:t>
-            </a:r>
-          </a:p>
-          <a:p>
-            <a:r>
-              <a:rPr lang="en-US" sz="3200" dirty="0">
-                <a:latin typeface="Segoe UI Light" panose="020B0502040204020203" pitchFamily="34" charset="0"/>
-                <a:cs typeface="Segoe UI Light" panose="020B0502040204020203" pitchFamily="34" charset="0"/>
+              <a:t>http://</a:t>
+            </a:r>
+            <a:r>
+              <a:rPr lang="en-US" dirty="0" smtClean="0">
+                <a:hlinkClick r:id="rId5"/>
               </a:rPr>
-              <a:t>    </a:t>
-            </a:r>
-            <a:r>
-              <a:rPr lang="en-US" sz="3200" dirty="0" err="1">
-                <a:latin typeface="Segoe UI Light" panose="020B0502040204020203" pitchFamily="34" charset="0"/>
-                <a:cs typeface="Segoe UI Light" panose="020B0502040204020203" pitchFamily="34" charset="0"/>
-              </a:rPr>
-              <a:t>document.body.innerHTML</a:t>
-            </a:r>
-            <a:r>
-              <a:rPr lang="en-US" sz="3200" dirty="0">
-                <a:latin typeface="Segoe UI Light" panose="020B0502040204020203" pitchFamily="34" charset="0"/>
-                <a:cs typeface="Segoe UI Light" panose="020B0502040204020203" pitchFamily="34" charset="0"/>
-              </a:rPr>
-              <a:t> = data;</a:t>
-            </a:r>
-          </a:p>
-          <a:p>
-            <a:r>
-              <a:rPr lang="en-US" sz="3200" dirty="0">
-                <a:latin typeface="Segoe UI Light" panose="020B0502040204020203" pitchFamily="34" charset="0"/>
-                <a:cs typeface="Segoe UI Light" panose="020B0502040204020203" pitchFamily="34" charset="0"/>
-              </a:rPr>
-              <a:t>});</a:t>
-            </a:r>
-          </a:p>
-        </p:txBody>
-      </p:sp>
-      <p:sp>
-        <p:nvSpPr>
-          <p:cNvPr id="3" name="Footer Placeholder 2"/>
+              <a:t>four.livejournal.com/963421.html</a:t>
+            </a:r>
+            <a:endParaRPr lang="en-US" dirty="0"/>
+          </a:p>
+        </p:txBody>
+      </p:sp>
+      <p:sp>
+        <p:nvSpPr>
+          <p:cNvPr id="2" name="Footer Placeholder 1"/>
           <p:cNvSpPr>
             <a:spLocks noGrp="1"/>
           </p:cNvSpPr>
@@ -24336,7 +24696,7 @@
     </p:spTree>
     <p:extLst>
       <p:ext uri="{BB962C8B-B14F-4D97-AF65-F5344CB8AC3E}">
-        <p14:creationId xmlns:p14="http://schemas.microsoft.com/office/powerpoint/2010/main" val="2368288680"/>
+        <p14:creationId xmlns:p14="http://schemas.microsoft.com/office/powerpoint/2010/main" val="4250047389"/>
       </p:ext>
     </p:extLst>
   </p:cSld>
@@ -24378,8 +24738,8 @@
         </p:nvSpPr>
         <p:spPr>
           <a:xfrm>
-            <a:off x="792480" y="2151728"/>
-            <a:ext cx="8128315" cy="2554545"/>
+            <a:off x="792480" y="2367171"/>
+            <a:ext cx="8675773" cy="2123658"/>
           </a:xfrm>
           <a:prstGeom prst="rect">
             <a:avLst/>
@@ -24393,129 +24753,36 @@
           <a:lstStyle/>
           <a:p>
             <a:r>
-              <a:rPr lang="en-US" sz="3200" dirty="0" err="1">
+              <a:rPr lang="en-US" sz="6600" dirty="0" err="1" smtClean="0">
                 <a:latin typeface="Segoe UI Light" panose="020B0502040204020203" pitchFamily="34" charset="0"/>
                 <a:cs typeface="Segoe UI Light" panose="020B0502040204020203" pitchFamily="34" charset="0"/>
               </a:rPr>
-              <a:t>var</a:t>
-            </a:r>
-            <a:r>
-              <a:rPr lang="en-US" sz="3200" dirty="0">
+              <a:t>javascript</a:t>
+            </a:r>
+            <a:r>
+              <a:rPr lang="en-US" sz="6600" dirty="0" smtClean="0">
                 <a:latin typeface="Segoe UI Light" panose="020B0502040204020203" pitchFamily="34" charset="0"/>
                 <a:cs typeface="Segoe UI Light" panose="020B0502040204020203" pitchFamily="34" charset="0"/>
               </a:rPr>
-              <a:t> </a:t>
-            </a:r>
-            <a:r>
-              <a:rPr lang="en-US" sz="3200" dirty="0" err="1">
+              <a:t> has never had</a:t>
+            </a:r>
+            <a:br>
+              <a:rPr lang="en-US" sz="6600" dirty="0" smtClean="0">
                 <a:latin typeface="Segoe UI Light" panose="020B0502040204020203" pitchFamily="34" charset="0"/>
                 <a:cs typeface="Segoe UI Light" panose="020B0502040204020203" pitchFamily="34" charset="0"/>
               </a:rPr>
-              <a:t>dbReq</a:t>
-            </a:r>
-            <a:r>
-              <a:rPr lang="en-US" sz="3200" dirty="0">
+            </a:br>
+            <a:r>
+              <a:rPr lang="en-US" sz="6600" dirty="0" smtClean="0">
                 <a:latin typeface="Segoe UI Light" panose="020B0502040204020203" pitchFamily="34" charset="0"/>
                 <a:cs typeface="Segoe UI Light" panose="020B0502040204020203" pitchFamily="34" charset="0"/>
               </a:rPr>
-              <a:t> = </a:t>
-            </a:r>
-            <a:r>
-              <a:rPr lang="en-US" sz="3200" dirty="0" err="1">
-                <a:latin typeface="Segoe UI Light" panose="020B0502040204020203" pitchFamily="34" charset="0"/>
-                <a:cs typeface="Segoe UI Light" panose="020B0502040204020203" pitchFamily="34" charset="0"/>
-              </a:rPr>
-              <a:t>indexedDB.open</a:t>
-            </a:r>
-            <a:r>
-              <a:rPr lang="en-US" sz="3200" dirty="0">
-                <a:latin typeface="Segoe UI Light" panose="020B0502040204020203" pitchFamily="34" charset="0"/>
-                <a:cs typeface="Segoe UI Light" panose="020B0502040204020203" pitchFamily="34" charset="0"/>
-              </a:rPr>
-              <a:t>("my-database");</a:t>
-            </a:r>
-          </a:p>
-          <a:p>
-            <a:endParaRPr lang="en-US" sz="3200" dirty="0">
+              <a:t>blocking i/o</a:t>
+            </a:r>
+            <a:endParaRPr lang="en-US" sz="6600" dirty="0">
               <a:latin typeface="Segoe UI Light" panose="020B0502040204020203" pitchFamily="34" charset="0"/>
               <a:cs typeface="Segoe UI Light" panose="020B0502040204020203" pitchFamily="34" charset="0"/>
             </a:endParaRPr>
-          </a:p>
-          <a:p>
-            <a:r>
-              <a:rPr lang="en-US" sz="3200" dirty="0" err="1">
-                <a:latin typeface="Segoe UI Light" panose="020B0502040204020203" pitchFamily="34" charset="0"/>
-                <a:cs typeface="Segoe UI Light" panose="020B0502040204020203" pitchFamily="34" charset="0"/>
-              </a:rPr>
-              <a:t>dbReq.addEventListener</a:t>
-            </a:r>
-            <a:r>
-              <a:rPr lang="en-US" sz="3200" dirty="0">
-                <a:latin typeface="Segoe UI Light" panose="020B0502040204020203" pitchFamily="34" charset="0"/>
-                <a:cs typeface="Segoe UI Light" panose="020B0502040204020203" pitchFamily="34" charset="0"/>
-              </a:rPr>
-              <a:t>("success", function () {</a:t>
-            </a:r>
-          </a:p>
-          <a:p>
-            <a:r>
-              <a:rPr lang="en-US" sz="3200" dirty="0" smtClean="0">
-                <a:latin typeface="Segoe UI Light" panose="020B0502040204020203" pitchFamily="34" charset="0"/>
-                <a:cs typeface="Segoe UI Light" panose="020B0502040204020203" pitchFamily="34" charset="0"/>
-              </a:rPr>
-              <a:t>    </a:t>
-            </a:r>
-            <a:r>
-              <a:rPr lang="en-US" sz="3200" dirty="0" err="1" smtClean="0">
-                <a:latin typeface="Segoe UI Light" panose="020B0502040204020203" pitchFamily="34" charset="0"/>
-                <a:cs typeface="Segoe UI Light" panose="020B0502040204020203" pitchFamily="34" charset="0"/>
-              </a:rPr>
-              <a:t>var</a:t>
-            </a:r>
-            <a:r>
-              <a:rPr lang="en-US" sz="3200" dirty="0" smtClean="0">
-                <a:latin typeface="Segoe UI Light" panose="020B0502040204020203" pitchFamily="34" charset="0"/>
-                <a:cs typeface="Segoe UI Light" panose="020B0502040204020203" pitchFamily="34" charset="0"/>
-              </a:rPr>
-              <a:t> </a:t>
-            </a:r>
-            <a:r>
-              <a:rPr lang="en-US" sz="3200" dirty="0" err="1">
-                <a:latin typeface="Segoe UI Light" panose="020B0502040204020203" pitchFamily="34" charset="0"/>
-                <a:cs typeface="Segoe UI Light" panose="020B0502040204020203" pitchFamily="34" charset="0"/>
-              </a:rPr>
-              <a:t>dbConnection</a:t>
-            </a:r>
-            <a:r>
-              <a:rPr lang="en-US" sz="3200" dirty="0">
-                <a:latin typeface="Segoe UI Light" panose="020B0502040204020203" pitchFamily="34" charset="0"/>
-                <a:cs typeface="Segoe UI Light" panose="020B0502040204020203" pitchFamily="34" charset="0"/>
-              </a:rPr>
-              <a:t> = </a:t>
-            </a:r>
-            <a:r>
-              <a:rPr lang="en-US" sz="3200" dirty="0" err="1">
-                <a:latin typeface="Segoe UI Light" panose="020B0502040204020203" pitchFamily="34" charset="0"/>
-                <a:cs typeface="Segoe UI Light" panose="020B0502040204020203" pitchFamily="34" charset="0"/>
-              </a:rPr>
-              <a:t>dbReq.result</a:t>
-            </a:r>
-            <a:r>
-              <a:rPr lang="en-US" sz="3200" dirty="0">
-                <a:latin typeface="Segoe UI Light" panose="020B0502040204020203" pitchFamily="34" charset="0"/>
-                <a:cs typeface="Segoe UI Light" panose="020B0502040204020203" pitchFamily="34" charset="0"/>
-              </a:rPr>
-              <a:t>;</a:t>
-            </a:r>
-          </a:p>
-          <a:p>
-            <a:r>
-              <a:rPr lang="en-US" sz="3200" dirty="0">
-                <a:latin typeface="Segoe UI Light" panose="020B0502040204020203" pitchFamily="34" charset="0"/>
-                <a:cs typeface="Segoe UI Light" panose="020B0502040204020203" pitchFamily="34" charset="0"/>
-              </a:rPr>
-              <a:t>});</a:t>
-            </a:r>
           </a:p>
         </p:txBody>
       </p:sp>
@@ -24545,7 +24812,7 @@
     </p:spTree>
     <p:extLst>
       <p:ext uri="{BB962C8B-B14F-4D97-AF65-F5344CB8AC3E}">
-        <p14:creationId xmlns:p14="http://schemas.microsoft.com/office/powerpoint/2010/main" val="1983756697"/>
+        <p14:creationId xmlns:p14="http://schemas.microsoft.com/office/powerpoint/2010/main" val="3632899315"/>
       </p:ext>
     </p:extLst>
   </p:cSld>
@@ -24587,8 +24854,8 @@
         </p:nvSpPr>
         <p:spPr>
           <a:xfrm>
-            <a:off x="792480" y="2875002"/>
-            <a:ext cx="7436844" cy="1107996"/>
+            <a:off x="792480" y="2367171"/>
+            <a:ext cx="8675773" cy="2123658"/>
           </a:xfrm>
           <a:prstGeom prst="rect">
             <a:avLst/>
@@ -24602,13 +24869,33 @@
           <a:lstStyle/>
           <a:p>
             <a:r>
+              <a:rPr lang="en-US" sz="6600" dirty="0" err="1" smtClean="0">
+                <a:latin typeface="Segoe UI Light" panose="020B0502040204020203" pitchFamily="34" charset="0"/>
+                <a:cs typeface="Segoe UI Light" panose="020B0502040204020203" pitchFamily="34" charset="0"/>
+              </a:rPr>
+              <a:t>javascript</a:t>
+            </a:r>
+            <a:r>
               <a:rPr lang="en-US" sz="6600" dirty="0" smtClean="0">
                 <a:latin typeface="Segoe UI Light" panose="020B0502040204020203" pitchFamily="34" charset="0"/>
                 <a:cs typeface="Segoe UI Light" panose="020B0502040204020203" pitchFamily="34" charset="0"/>
               </a:rPr>
-              <a:t>it’s the same in node</a:t>
-            </a:r>
-            <a:endParaRPr lang="en-US" sz="6600" i="1" dirty="0">
+              <a:t> has never had</a:t>
+            </a:r>
+            <a:br>
+              <a:rPr lang="en-US" sz="6600" dirty="0" smtClean="0">
+                <a:latin typeface="Segoe UI Light" panose="020B0502040204020203" pitchFamily="34" charset="0"/>
+                <a:cs typeface="Segoe UI Light" panose="020B0502040204020203" pitchFamily="34" charset="0"/>
+              </a:rPr>
+            </a:br>
+            <a:r>
+              <a:rPr lang="en-US" sz="6600" dirty="0" smtClean="0">
+                <a:latin typeface="Segoe UI Light" panose="020B0502040204020203" pitchFamily="34" charset="0"/>
+                <a:cs typeface="Segoe UI Light" panose="020B0502040204020203" pitchFamily="34" charset="0"/>
+              </a:rPr>
+              <a:t>more than one thread</a:t>
+            </a:r>
+            <a:endParaRPr lang="en-US" sz="6600" dirty="0">
               <a:latin typeface="Segoe UI Light" panose="020B0502040204020203" pitchFamily="34" charset="0"/>
               <a:cs typeface="Segoe UI Light" panose="020B0502040204020203" pitchFamily="34" charset="0"/>
             </a:endParaRPr>
@@ -24641,7 +24928,7 @@
     </p:spTree>
     <p:extLst>
       <p:ext uri="{BB962C8B-B14F-4D97-AF65-F5344CB8AC3E}">
-        <p14:creationId xmlns:p14="http://schemas.microsoft.com/office/powerpoint/2010/main" val="2163900495"/>
+        <p14:creationId xmlns:p14="http://schemas.microsoft.com/office/powerpoint/2010/main" val="2956307337"/>
       </p:ext>
     </p:extLst>
   </p:cSld>
@@ -24792,8 +25079,8 @@
         </p:nvSpPr>
         <p:spPr>
           <a:xfrm>
-            <a:off x="792480" y="2644170"/>
-            <a:ext cx="7904536" cy="1569660"/>
+            <a:off x="792480" y="2367171"/>
+            <a:ext cx="8690199" cy="2123658"/>
           </a:xfrm>
           <a:prstGeom prst="rect">
             <a:avLst/>
@@ -24807,65 +25094,50 @@
           <a:lstStyle/>
           <a:p>
             <a:r>
-              <a:rPr lang="en-US" sz="3200" dirty="0" err="1">
+              <a:rPr lang="en-US" sz="6600" dirty="0" smtClean="0">
                 <a:latin typeface="Segoe UI Light" panose="020B0502040204020203" pitchFamily="34" charset="0"/>
                 <a:cs typeface="Segoe UI Light" panose="020B0502040204020203" pitchFamily="34" charset="0"/>
               </a:rPr>
-              <a:t>fs.readFile</a:t>
-            </a:r>
-            <a:r>
-              <a:rPr lang="en-US" sz="3200" dirty="0">
+              <a:t>instead we use </a:t>
+            </a:r>
+            <a:r>
+              <a:rPr lang="en-US" sz="6600" i="1" dirty="0" smtClean="0">
                 <a:latin typeface="Segoe UI Light" panose="020B0502040204020203" pitchFamily="34" charset="0"/>
                 <a:cs typeface="Segoe UI Light" panose="020B0502040204020203" pitchFamily="34" charset="0"/>
               </a:rPr>
-              <a:t>("/</a:t>
-            </a:r>
-            <a:r>
-              <a:rPr lang="en-US" sz="3200" dirty="0" err="1">
+              <a:t>callbacks</a:t>
+            </a:r>
+            <a:r>
+              <a:rPr lang="en-US" sz="6600" dirty="0" smtClean="0">
                 <a:latin typeface="Segoe UI Light" panose="020B0502040204020203" pitchFamily="34" charset="0"/>
                 <a:cs typeface="Segoe UI Light" panose="020B0502040204020203" pitchFamily="34" charset="0"/>
               </a:rPr>
-              <a:t>etc</a:t>
-            </a:r>
-            <a:r>
-              <a:rPr lang="en-US" sz="3200" dirty="0">
+              <a:t/>
+            </a:r>
+            <a:br>
+              <a:rPr lang="en-US" sz="6600" dirty="0" smtClean="0">
                 <a:latin typeface="Segoe UI Light" panose="020B0502040204020203" pitchFamily="34" charset="0"/>
                 <a:cs typeface="Segoe UI Light" panose="020B0502040204020203" pitchFamily="34" charset="0"/>
               </a:rPr>
-              <a:t>/</a:t>
-            </a:r>
-            <a:r>
-              <a:rPr lang="en-US" sz="3200" dirty="0" err="1">
+            </a:br>
+            <a:r>
+              <a:rPr lang="en-US" sz="6600" dirty="0" smtClean="0">
                 <a:latin typeface="Segoe UI Light" panose="020B0502040204020203" pitchFamily="34" charset="0"/>
                 <a:cs typeface="Segoe UI Light" panose="020B0502040204020203" pitchFamily="34" charset="0"/>
               </a:rPr>
-              <a:t>passwd</a:t>
-            </a:r>
-            <a:r>
-              <a:rPr lang="en-US" sz="3200" dirty="0">
+              <a:t>and </a:t>
+            </a:r>
+            <a:r>
+              <a:rPr lang="en-US" sz="6600" i="1" dirty="0" smtClean="0">
                 <a:latin typeface="Segoe UI Light" panose="020B0502040204020203" pitchFamily="34" charset="0"/>
                 <a:cs typeface="Segoe UI Light" panose="020B0502040204020203" pitchFamily="34" charset="0"/>
               </a:rPr>
-              <a:t>", function (err, data) {</a:t>
-            </a:r>
-          </a:p>
-          <a:p>
-            <a:r>
-              <a:rPr lang="en-US" sz="3200" dirty="0">
-                <a:latin typeface="Segoe UI Light" panose="020B0502040204020203" pitchFamily="34" charset="0"/>
-                <a:cs typeface="Segoe UI Light" panose="020B0502040204020203" pitchFamily="34" charset="0"/>
-              </a:rPr>
-              <a:t>    console.log(data);</a:t>
-            </a:r>
-          </a:p>
-          <a:p>
-            <a:r>
-              <a:rPr lang="en-US" sz="3200" dirty="0">
-                <a:latin typeface="Segoe UI Light" panose="020B0502040204020203" pitchFamily="34" charset="0"/>
-                <a:cs typeface="Segoe UI Light" panose="020B0502040204020203" pitchFamily="34" charset="0"/>
-              </a:rPr>
-              <a:t>});</a:t>
-            </a:r>
+              <a:t>events</a:t>
+            </a:r>
+            <a:endParaRPr lang="en-US" sz="6600" i="1" dirty="0">
+              <a:latin typeface="Segoe UI Light" panose="020B0502040204020203" pitchFamily="34" charset="0"/>
+              <a:cs typeface="Segoe UI Light" panose="020B0502040204020203" pitchFamily="34" charset="0"/>
+            </a:endParaRPr>
           </a:p>
         </p:txBody>
       </p:sp>
@@ -24895,7 +25167,7 @@
     </p:spTree>
     <p:extLst>
       <p:ext uri="{BB962C8B-B14F-4D97-AF65-F5344CB8AC3E}">
-        <p14:creationId xmlns:p14="http://schemas.microsoft.com/office/powerpoint/2010/main" val="1176271575"/>
+        <p14:creationId xmlns:p14="http://schemas.microsoft.com/office/powerpoint/2010/main" val="2041253986"/>
       </p:ext>
     </p:extLst>
   </p:cSld>
@@ -24938,7 +25210,7 @@
         <p:spPr>
           <a:xfrm>
             <a:off x="792480" y="2644170"/>
-            <a:ext cx="6338402" cy="1569660"/>
+            <a:ext cx="7256923" cy="1569660"/>
           </a:xfrm>
           <a:prstGeom prst="rect">
             <a:avLst/>
@@ -24952,18 +25224,11 @@
           <a:lstStyle/>
           <a:p>
             <a:r>
-              <a:rPr lang="en-US" sz="3200" dirty="0" err="1">
-                <a:latin typeface="Segoe UI Light" panose="020B0502040204020203" pitchFamily="34" charset="0"/>
-                <a:cs typeface="Segoe UI Light" panose="020B0502040204020203" pitchFamily="34" charset="0"/>
-              </a:rPr>
-              <a:t>request.on</a:t>
-            </a:r>
-            <a:r>
               <a:rPr lang="en-US" sz="3200" dirty="0">
                 <a:latin typeface="Segoe UI Light" panose="020B0502040204020203" pitchFamily="34" charset="0"/>
                 <a:cs typeface="Segoe UI Light" panose="020B0502040204020203" pitchFamily="34" charset="0"/>
               </a:rPr>
-              <a:t>("data", function (chunk) {</a:t>
+              <a:t>$.get("http://nodejs.org", function (data) {</a:t>
             </a:r>
           </a:p>
           <a:p>
@@ -24979,14 +25244,14 @@
                 <a:latin typeface="Segoe UI Light" panose="020B0502040204020203" pitchFamily="34" charset="0"/>
                 <a:cs typeface="Segoe UI Light" panose="020B0502040204020203" pitchFamily="34" charset="0"/>
               </a:rPr>
-              <a:t>response.write</a:t>
+              <a:t>document.body.innerHTML</a:t>
             </a:r>
             <a:r>
               <a:rPr lang="en-US" sz="3200" dirty="0">
                 <a:latin typeface="Segoe UI Light" panose="020B0502040204020203" pitchFamily="34" charset="0"/>
                 <a:cs typeface="Segoe UI Light" panose="020B0502040204020203" pitchFamily="34" charset="0"/>
               </a:rPr>
-              <a:t>(chunk);</a:t>
+              <a:t> = data;</a:t>
             </a:r>
           </a:p>
           <a:p>
@@ -25026,7 +25291,7 @@
     </p:spTree>
     <p:extLst>
       <p:ext uri="{BB962C8B-B14F-4D97-AF65-F5344CB8AC3E}">
-        <p14:creationId xmlns:p14="http://schemas.microsoft.com/office/powerpoint/2010/main" val="1353126993"/>
+        <p14:creationId xmlns:p14="http://schemas.microsoft.com/office/powerpoint/2010/main" val="2368288680"/>
       </p:ext>
     </p:extLst>
   </p:cSld>
@@ -25069,7 +25334,7 @@
         <p:spPr>
           <a:xfrm>
             <a:off x="792480" y="2151728"/>
-            <a:ext cx="9551076" cy="2554545"/>
+            <a:ext cx="8128315" cy="2554545"/>
           </a:xfrm>
           <a:prstGeom prst="rect">
             <a:avLst/>
@@ -25087,104 +25352,115 @@
                 <a:latin typeface="Segoe UI Light" panose="020B0502040204020203" pitchFamily="34" charset="0"/>
                 <a:cs typeface="Segoe UI Light" panose="020B0502040204020203" pitchFamily="34" charset="0"/>
               </a:rPr>
-              <a:t>db.users.find</a:t>
+              <a:t>var</a:t>
             </a:r>
             <a:r>
               <a:rPr lang="en-US" sz="3200" dirty="0">
                 <a:latin typeface="Segoe UI Light" panose="020B0502040204020203" pitchFamily="34" charset="0"/>
                 <a:cs typeface="Segoe UI Light" panose="020B0502040204020203" pitchFamily="34" charset="0"/>
               </a:rPr>
-              <a:t>({ name: "</a:t>
+              <a:t> </a:t>
             </a:r>
             <a:r>
               <a:rPr lang="en-US" sz="3200" dirty="0" err="1">
                 <a:latin typeface="Segoe UI Light" panose="020B0502040204020203" pitchFamily="34" charset="0"/>
                 <a:cs typeface="Segoe UI Light" panose="020B0502040204020203" pitchFamily="34" charset="0"/>
               </a:rPr>
-              <a:t>domenic</a:t>
+              <a:t>dbReq</a:t>
             </a:r>
             <a:r>
               <a:rPr lang="en-US" sz="3200" dirty="0">
                 <a:latin typeface="Segoe UI Light" panose="020B0502040204020203" pitchFamily="34" charset="0"/>
                 <a:cs typeface="Segoe UI Light" panose="020B0502040204020203" pitchFamily="34" charset="0"/>
               </a:rPr>
-              <a:t>" </a:t>
-            </a:r>
-            <a:r>
-              <a:rPr lang="en-US" sz="3200">
+              <a:t> = </a:t>
+            </a:r>
+            <a:r>
+              <a:rPr lang="en-US" sz="3200" dirty="0" err="1">
                 <a:latin typeface="Segoe UI Light" panose="020B0502040204020203" pitchFamily="34" charset="0"/>
                 <a:cs typeface="Segoe UI Light" panose="020B0502040204020203" pitchFamily="34" charset="0"/>
               </a:rPr>
-              <a:t>}, </a:t>
-            </a:r>
-            <a:r>
-              <a:rPr lang="en-US" sz="3200" smtClean="0">
-                <a:latin typeface="Segoe UI Light" panose="020B0502040204020203" pitchFamily="34" charset="0"/>
-                <a:cs typeface="Segoe UI Light" panose="020B0502040204020203" pitchFamily="34" charset="0"/>
-              </a:rPr>
-              <a:t>function (</a:t>
+              <a:t>indexedDB.open</a:t>
             </a:r>
             <a:r>
               <a:rPr lang="en-US" sz="3200" dirty="0">
                 <a:latin typeface="Segoe UI Light" panose="020B0502040204020203" pitchFamily="34" charset="0"/>
                 <a:cs typeface="Segoe UI Light" panose="020B0502040204020203" pitchFamily="34" charset="0"/>
               </a:rPr>
-              <a:t>err, users) {</a:t>
-            </a:r>
-          </a:p>
-          <a:p>
+              <a:t>("my-database");</a:t>
+            </a:r>
+          </a:p>
+          <a:p>
+            <a:endParaRPr lang="en-US" sz="3200" dirty="0">
+              <a:latin typeface="Segoe UI Light" panose="020B0502040204020203" pitchFamily="34" charset="0"/>
+              <a:cs typeface="Segoe UI Light" panose="020B0502040204020203" pitchFamily="34" charset="0"/>
+            </a:endParaRPr>
+          </a:p>
+          <a:p>
+            <a:r>
+              <a:rPr lang="en-US" sz="3200" dirty="0" err="1">
+                <a:latin typeface="Segoe UI Light" panose="020B0502040204020203" pitchFamily="34" charset="0"/>
+                <a:cs typeface="Segoe UI Light" panose="020B0502040204020203" pitchFamily="34" charset="0"/>
+              </a:rPr>
+              <a:t>dbReq.addEventListener</a:t>
+            </a:r>
             <a:r>
               <a:rPr lang="en-US" sz="3200" dirty="0">
                 <a:latin typeface="Segoe UI Light" panose="020B0502040204020203" pitchFamily="34" charset="0"/>
                 <a:cs typeface="Segoe UI Light" panose="020B0502040204020203" pitchFamily="34" charset="0"/>
               </a:rPr>
+              <a:t>("success", function () {</a:t>
+            </a:r>
+          </a:p>
+          <a:p>
+            <a:r>
+              <a:rPr lang="en-US" sz="3200" dirty="0" smtClean="0">
+                <a:latin typeface="Segoe UI Light" panose="020B0502040204020203" pitchFamily="34" charset="0"/>
+                <a:cs typeface="Segoe UI Light" panose="020B0502040204020203" pitchFamily="34" charset="0"/>
+              </a:rPr>
               <a:t>    </a:t>
+            </a:r>
+            <a:r>
+              <a:rPr lang="en-US" sz="3200" dirty="0" err="1" smtClean="0">
+                <a:latin typeface="Segoe UI Light" panose="020B0502040204020203" pitchFamily="34" charset="0"/>
+                <a:cs typeface="Segoe UI Light" panose="020B0502040204020203" pitchFamily="34" charset="0"/>
+              </a:rPr>
+              <a:t>var</a:t>
+            </a:r>
+            <a:r>
+              <a:rPr lang="en-US" sz="3200" dirty="0" smtClean="0">
+                <a:latin typeface="Segoe UI Light" panose="020B0502040204020203" pitchFamily="34" charset="0"/>
+                <a:cs typeface="Segoe UI Light" panose="020B0502040204020203" pitchFamily="34" charset="0"/>
+              </a:rPr>
+              <a:t> </a:t>
             </a:r>
             <a:r>
               <a:rPr lang="en-US" sz="3200" dirty="0" err="1">
                 <a:latin typeface="Segoe UI Light" panose="020B0502040204020203" pitchFamily="34" charset="0"/>
                 <a:cs typeface="Segoe UI Light" panose="020B0502040204020203" pitchFamily="34" charset="0"/>
               </a:rPr>
-              <a:t>users.forEach</a:t>
+              <a:t>dbConnection</a:t>
             </a:r>
             <a:r>
               <a:rPr lang="en-US" sz="3200" dirty="0">
                 <a:latin typeface="Segoe UI Light" panose="020B0502040204020203" pitchFamily="34" charset="0"/>
                 <a:cs typeface="Segoe UI Light" panose="020B0502040204020203" pitchFamily="34" charset="0"/>
               </a:rPr>
-              <a:t>(function (user) {</a:t>
-            </a:r>
-          </a:p>
-          <a:p>
+              <a:t> = </a:t>
+            </a:r>
+            <a:r>
+              <a:rPr lang="en-US" sz="3200" dirty="0" err="1">
+                <a:latin typeface="Segoe UI Light" panose="020B0502040204020203" pitchFamily="34" charset="0"/>
+                <a:cs typeface="Segoe UI Light" panose="020B0502040204020203" pitchFamily="34" charset="0"/>
+              </a:rPr>
+              <a:t>dbReq.result</a:t>
+            </a:r>
             <a:r>
               <a:rPr lang="en-US" sz="3200" dirty="0">
                 <a:latin typeface="Segoe UI Light" panose="020B0502040204020203" pitchFamily="34" charset="0"/>
                 <a:cs typeface="Segoe UI Light" panose="020B0502040204020203" pitchFamily="34" charset="0"/>
               </a:rPr>
-              <a:t>       </a:t>
-            </a:r>
-            <a:r>
-              <a:rPr lang="en-US" sz="3200" dirty="0" err="1">
-                <a:latin typeface="Segoe UI Light" panose="020B0502040204020203" pitchFamily="34" charset="0"/>
-                <a:cs typeface="Segoe UI Light" panose="020B0502040204020203" pitchFamily="34" charset="0"/>
-              </a:rPr>
-              <a:t>response.write</a:t>
-            </a:r>
-            <a:r>
-              <a:rPr lang="en-US" sz="3200" dirty="0">
-                <a:latin typeface="Segoe UI Light" panose="020B0502040204020203" pitchFamily="34" charset="0"/>
-                <a:cs typeface="Segoe UI Light" panose="020B0502040204020203" pitchFamily="34" charset="0"/>
-              </a:rPr>
-              <a:t>(user);</a:t>
-            </a:r>
-          </a:p>
-          <a:p>
-            <a:r>
-              <a:rPr lang="en-US" sz="3200" dirty="0">
-                <a:latin typeface="Segoe UI Light" panose="020B0502040204020203" pitchFamily="34" charset="0"/>
-                <a:cs typeface="Segoe UI Light" panose="020B0502040204020203" pitchFamily="34" charset="0"/>
-              </a:rPr>
-              <a:t>    });</a:t>
+              <a:t>;</a:t>
             </a:r>
           </a:p>
           <a:p>
@@ -25224,7 +25500,7 @@
     </p:spTree>
     <p:extLst>
       <p:ext uri="{BB962C8B-B14F-4D97-AF65-F5344CB8AC3E}">
-        <p14:creationId xmlns:p14="http://schemas.microsoft.com/office/powerpoint/2010/main" val="884188157"/>
+        <p14:creationId xmlns:p14="http://schemas.microsoft.com/office/powerpoint/2010/main" val="1983756697"/>
       </p:ext>
     </p:extLst>
   </p:cSld>
@@ -25266,8 +25542,8 @@
         </p:nvSpPr>
         <p:spPr>
           <a:xfrm>
-            <a:off x="792480" y="1905506"/>
-            <a:ext cx="8178842" cy="3046988"/>
+            <a:off x="792480" y="2875002"/>
+            <a:ext cx="7436844" cy="1107996"/>
           </a:xfrm>
           <a:prstGeom prst="rect">
             <a:avLst/>
@@ -25281,92 +25557,16 @@
           <a:lstStyle/>
           <a:p>
             <a:r>
-              <a:rPr lang="en-US" sz="3200" dirty="0" err="1">
+              <a:rPr lang="en-US" sz="6600" dirty="0" smtClean="0">
                 <a:latin typeface="Segoe UI Light" panose="020B0502040204020203" pitchFamily="34" charset="0"/>
                 <a:cs typeface="Segoe UI Light" panose="020B0502040204020203" pitchFamily="34" charset="0"/>
               </a:rPr>
-              <a:t>io.sockets.on</a:t>
-            </a:r>
-            <a:r>
-              <a:rPr lang="en-US" sz="3200" dirty="0">
-                <a:latin typeface="Segoe UI Light" panose="020B0502040204020203" pitchFamily="34" charset="0"/>
-                <a:cs typeface="Segoe UI Light" panose="020B0502040204020203" pitchFamily="34" charset="0"/>
-              </a:rPr>
-              <a:t>("connection", function (socket) {</a:t>
-            </a:r>
-          </a:p>
-          <a:p>
-            <a:r>
-              <a:rPr lang="en-US" sz="3200" dirty="0">
-                <a:latin typeface="Segoe UI Light" panose="020B0502040204020203" pitchFamily="34" charset="0"/>
-                <a:cs typeface="Segoe UI Light" panose="020B0502040204020203" pitchFamily="34" charset="0"/>
-              </a:rPr>
-              <a:t>    </a:t>
-            </a:r>
-            <a:r>
-              <a:rPr lang="en-US" sz="3200" dirty="0" err="1">
-                <a:latin typeface="Segoe UI Light" panose="020B0502040204020203" pitchFamily="34" charset="0"/>
-                <a:cs typeface="Segoe UI Light" panose="020B0502040204020203" pitchFamily="34" charset="0"/>
-              </a:rPr>
-              <a:t>socket.emit</a:t>
-            </a:r>
-            <a:r>
-              <a:rPr lang="en-US" sz="3200" dirty="0">
-                <a:latin typeface="Segoe UI Light" panose="020B0502040204020203" pitchFamily="34" charset="0"/>
-                <a:cs typeface="Segoe UI Light" panose="020B0502040204020203" pitchFamily="34" charset="0"/>
-              </a:rPr>
-              <a:t>("news", { hello: "world" });</a:t>
-            </a:r>
-          </a:p>
-          <a:p>
-            <a:r>
-              <a:rPr lang="en-US" sz="3200" dirty="0">
-                <a:latin typeface="Segoe UI Light" panose="020B0502040204020203" pitchFamily="34" charset="0"/>
-                <a:cs typeface="Segoe UI Light" panose="020B0502040204020203" pitchFamily="34" charset="0"/>
-              </a:rPr>
-              <a:t>    </a:t>
-            </a:r>
-            <a:r>
-              <a:rPr lang="en-US" sz="3200" dirty="0" err="1">
-                <a:latin typeface="Segoe UI Light" panose="020B0502040204020203" pitchFamily="34" charset="0"/>
-                <a:cs typeface="Segoe UI Light" panose="020B0502040204020203" pitchFamily="34" charset="0"/>
-              </a:rPr>
-              <a:t>socket.on</a:t>
-            </a:r>
-            <a:r>
-              <a:rPr lang="en-US" sz="3200" dirty="0">
-                <a:latin typeface="Segoe UI Light" panose="020B0502040204020203" pitchFamily="34" charset="0"/>
-                <a:cs typeface="Segoe UI Light" panose="020B0502040204020203" pitchFamily="34" charset="0"/>
-              </a:rPr>
-              <a:t>("my other event", function (data) {</a:t>
-            </a:r>
-          </a:p>
-          <a:p>
-            <a:r>
-              <a:rPr lang="en-US" sz="3200" dirty="0">
-                <a:latin typeface="Segoe UI Light" panose="020B0502040204020203" pitchFamily="34" charset="0"/>
-                <a:cs typeface="Segoe UI Light" panose="020B0502040204020203" pitchFamily="34" charset="0"/>
-              </a:rPr>
-              <a:t>      console.log(data);</a:t>
-            </a:r>
-          </a:p>
-          <a:p>
-            <a:r>
-              <a:rPr lang="en-US" sz="3200" dirty="0">
-                <a:latin typeface="Segoe UI Light" panose="020B0502040204020203" pitchFamily="34" charset="0"/>
-                <a:cs typeface="Segoe UI Light" panose="020B0502040204020203" pitchFamily="34" charset="0"/>
-              </a:rPr>
-              <a:t>    });</a:t>
-            </a:r>
-          </a:p>
-          <a:p>
-            <a:r>
-              <a:rPr lang="en-US" sz="3200" dirty="0">
-                <a:latin typeface="Segoe UI Light" panose="020B0502040204020203" pitchFamily="34" charset="0"/>
-                <a:cs typeface="Segoe UI Light" panose="020B0502040204020203" pitchFamily="34" charset="0"/>
-              </a:rPr>
-              <a:t>});</a:t>
-            </a:r>
+              <a:t>it’s the same in node</a:t>
+            </a:r>
+            <a:endParaRPr lang="en-US" sz="6600" i="1" dirty="0">
+              <a:latin typeface="Segoe UI Light" panose="020B0502040204020203" pitchFamily="34" charset="0"/>
+              <a:cs typeface="Segoe UI Light" panose="020B0502040204020203" pitchFamily="34" charset="0"/>
+            </a:endParaRPr>
           </a:p>
         </p:txBody>
       </p:sp>
@@ -25396,7 +25596,7 @@
     </p:spTree>
     <p:extLst>
       <p:ext uri="{BB962C8B-B14F-4D97-AF65-F5344CB8AC3E}">
-        <p14:creationId xmlns:p14="http://schemas.microsoft.com/office/powerpoint/2010/main" val="3830480072"/>
+        <p14:creationId xmlns:p14="http://schemas.microsoft.com/office/powerpoint/2010/main" val="2163900495"/>
       </p:ext>
     </p:extLst>
   </p:cSld>
@@ -25432,25 +25632,86 @@
       </p:grpSpPr>
       <p:sp>
         <p:nvSpPr>
-          <p:cNvPr id="2" name="Title 1"/>
-          <p:cNvSpPr>
-            <a:spLocks noGrp="1"/>
-          </p:cNvSpPr>
-          <p:nvPr>
-            <p:ph type="title"/>
-          </p:nvPr>
-        </p:nvSpPr>
-        <p:spPr/>
-        <p:txBody>
-          <a:bodyPr anchor="ctr"/>
-          <a:lstStyle/>
-          <a:p>
-            <a:pPr algn="ctr"/>
-            <a:r>
-              <a:rPr lang="en-US" dirty="0" smtClean="0"/>
-              <a:t>low-level</a:t>
-            </a:r>
-            <a:endParaRPr lang="en-US" dirty="0"/>
+          <p:cNvPr id="2" name="TextBox 1"/>
+          <p:cNvSpPr txBox="1"/>
+          <p:nvPr/>
+        </p:nvSpPr>
+        <p:spPr>
+          <a:xfrm>
+            <a:off x="792480" y="2644170"/>
+            <a:ext cx="7904536" cy="1569660"/>
+          </a:xfrm>
+          <a:prstGeom prst="rect">
+            <a:avLst/>
+          </a:prstGeom>
+          <a:noFill/>
+        </p:spPr>
+        <p:txBody>
+          <a:bodyPr wrap="none" rtlCol="0">
+            <a:spAutoFit/>
+          </a:bodyPr>
+          <a:lstStyle/>
+          <a:p>
+            <a:r>
+              <a:rPr lang="en-US" sz="3200" dirty="0" err="1">
+                <a:latin typeface="Segoe UI Light" panose="020B0502040204020203" pitchFamily="34" charset="0"/>
+                <a:cs typeface="Segoe UI Light" panose="020B0502040204020203" pitchFamily="34" charset="0"/>
+              </a:rPr>
+              <a:t>fs.readFile</a:t>
+            </a:r>
+            <a:r>
+              <a:rPr lang="en-US" sz="3200" dirty="0">
+                <a:latin typeface="Segoe UI Light" panose="020B0502040204020203" pitchFamily="34" charset="0"/>
+                <a:cs typeface="Segoe UI Light" panose="020B0502040204020203" pitchFamily="34" charset="0"/>
+              </a:rPr>
+              <a:t>("/</a:t>
+            </a:r>
+            <a:r>
+              <a:rPr lang="en-US" sz="3200" dirty="0" err="1">
+                <a:latin typeface="Segoe UI Light" panose="020B0502040204020203" pitchFamily="34" charset="0"/>
+                <a:cs typeface="Segoe UI Light" panose="020B0502040204020203" pitchFamily="34" charset="0"/>
+              </a:rPr>
+              <a:t>etc</a:t>
+            </a:r>
+            <a:r>
+              <a:rPr lang="en-US" sz="3200" dirty="0">
+                <a:latin typeface="Segoe UI Light" panose="020B0502040204020203" pitchFamily="34" charset="0"/>
+                <a:cs typeface="Segoe UI Light" panose="020B0502040204020203" pitchFamily="34" charset="0"/>
+              </a:rPr>
+              <a:t>/</a:t>
+            </a:r>
+            <a:r>
+              <a:rPr lang="en-US" sz="3200" dirty="0" err="1">
+                <a:latin typeface="Segoe UI Light" panose="020B0502040204020203" pitchFamily="34" charset="0"/>
+                <a:cs typeface="Segoe UI Light" panose="020B0502040204020203" pitchFamily="34" charset="0"/>
+              </a:rPr>
+              <a:t>passwd</a:t>
+            </a:r>
+            <a:r>
+              <a:rPr lang="en-US" sz="3200" dirty="0">
+                <a:latin typeface="Segoe UI Light" panose="020B0502040204020203" pitchFamily="34" charset="0"/>
+                <a:cs typeface="Segoe UI Light" panose="020B0502040204020203" pitchFamily="34" charset="0"/>
+              </a:rPr>
+              <a:t>", function (err, data) {</a:t>
+            </a:r>
+          </a:p>
+          <a:p>
+            <a:r>
+              <a:rPr lang="en-US" sz="3200" dirty="0">
+                <a:latin typeface="Segoe UI Light" panose="020B0502040204020203" pitchFamily="34" charset="0"/>
+                <a:cs typeface="Segoe UI Light" panose="020B0502040204020203" pitchFamily="34" charset="0"/>
+              </a:rPr>
+              <a:t>    console.log(data);</a:t>
+            </a:r>
+          </a:p>
+          <a:p>
+            <a:r>
+              <a:rPr lang="en-US" sz="3200" dirty="0">
+                <a:latin typeface="Segoe UI Light" panose="020B0502040204020203" pitchFamily="34" charset="0"/>
+                <a:cs typeface="Segoe UI Light" panose="020B0502040204020203" pitchFamily="34" charset="0"/>
+              </a:rPr>
+              <a:t>});</a:t>
+            </a:r>
           </a:p>
         </p:txBody>
       </p:sp>
@@ -25480,7 +25741,7 @@
     </p:spTree>
     <p:extLst>
       <p:ext uri="{BB962C8B-B14F-4D97-AF65-F5344CB8AC3E}">
-        <p14:creationId xmlns:p14="http://schemas.microsoft.com/office/powerpoint/2010/main" val="1051053664"/>
+        <p14:creationId xmlns:p14="http://schemas.microsoft.com/office/powerpoint/2010/main" val="1176271575"/>
       </p:ext>
     </p:extLst>
   </p:cSld>
@@ -25516,14 +25777,14 @@
       </p:grpSpPr>
       <p:sp>
         <p:nvSpPr>
-          <p:cNvPr id="3" name="TextBox 2"/>
+          <p:cNvPr id="2" name="TextBox 1"/>
           <p:cNvSpPr txBox="1"/>
           <p:nvPr/>
         </p:nvSpPr>
         <p:spPr>
           <a:xfrm>
-            <a:off x="5304646" y="6111240"/>
-            <a:ext cx="3969356" cy="369332"/>
+            <a:off x="792480" y="2644170"/>
+            <a:ext cx="6338402" cy="1569660"/>
           </a:xfrm>
           <a:prstGeom prst="rect">
             <a:avLst/>
@@ -25536,478 +25797,58 @@
           </a:bodyPr>
           <a:lstStyle/>
           <a:p>
-            <a:pPr algn="r"/>
-            <a:r>
-              <a:rPr lang="en-US" dirty="0">
-                <a:hlinkClick r:id="rId3"/>
+            <a:r>
+              <a:rPr lang="en-US" sz="3200" dirty="0" err="1">
+                <a:latin typeface="Segoe UI Light" panose="020B0502040204020203" pitchFamily="34" charset="0"/>
+                <a:cs typeface="Segoe UI Light" panose="020B0502040204020203" pitchFamily="34" charset="0"/>
               </a:rPr>
-              <a:t>http://nodejs.org/docs/latest/api</a:t>
-            </a:r>
-            <a:r>
-              <a:rPr lang="en-US" dirty="0" smtClean="0">
-                <a:hlinkClick r:id="rId3"/>
+              <a:t>request.on</a:t>
+            </a:r>
+            <a:r>
+              <a:rPr lang="en-US" sz="3200" dirty="0">
+                <a:latin typeface="Segoe UI Light" panose="020B0502040204020203" pitchFamily="34" charset="0"/>
+                <a:cs typeface="Segoe UI Light" panose="020B0502040204020203" pitchFamily="34" charset="0"/>
               </a:rPr>
-              <a:t>/</a:t>
-            </a:r>
-            <a:endParaRPr lang="en-US" dirty="0"/>
-          </a:p>
-        </p:txBody>
-      </p:sp>
-      <p:sp>
-        <p:nvSpPr>
-          <p:cNvPr id="4" name="TextBox 3"/>
-          <p:cNvSpPr txBox="1"/>
-          <p:nvPr/>
-        </p:nvSpPr>
-        <p:spPr>
-          <a:xfrm>
-            <a:off x="434340" y="1028700"/>
-            <a:ext cx="9136380" cy="4031873"/>
-          </a:xfrm>
-          <a:prstGeom prst="rect">
-            <a:avLst/>
-          </a:prstGeom>
-          <a:noFill/>
-        </p:spPr>
-        <p:txBody>
-          <a:bodyPr wrap="square" rtlCol="0">
-            <a:spAutoFit/>
-          </a:bodyPr>
-          <a:lstStyle/>
-          <a:p>
-            <a:pPr algn="ctr"/>
-            <a:r>
-              <a:rPr lang="en-US" sz="3200" dirty="0" smtClean="0">
-                <a:solidFill>
-                  <a:schemeClr val="accent1"/>
-                </a:solidFill>
-                <a:latin typeface="Wingdings 3" panose="05040102010807070707" pitchFamily="18" charset="2"/>
+              <a:t>("data", function (chunk) {</a:t>
+            </a:r>
+          </a:p>
+          <a:p>
+            <a:r>
+              <a:rPr lang="en-US" sz="3200" dirty="0">
+                <a:latin typeface="Segoe UI Light" panose="020B0502040204020203" pitchFamily="34" charset="0"/>
+                <a:cs typeface="Segoe UI Light" panose="020B0502040204020203" pitchFamily="34" charset="0"/>
               </a:rPr>
-              <a:t>u</a:t>
-            </a:r>
-            <a:r>
-              <a:rPr lang="en-US" sz="3200" dirty="0" smtClean="0"/>
-              <a:t> STDIO </a:t>
-            </a:r>
-            <a:r>
-              <a:rPr lang="en-US" sz="3200" dirty="0" smtClean="0">
-                <a:solidFill>
-                  <a:schemeClr val="accent1"/>
-                </a:solidFill>
-                <a:latin typeface="Wingdings 3" panose="05040102010807070707" pitchFamily="18" charset="2"/>
+              <a:t>    </a:t>
+            </a:r>
+            <a:r>
+              <a:rPr lang="en-US" sz="3200" dirty="0" err="1">
+                <a:latin typeface="Segoe UI Light" panose="020B0502040204020203" pitchFamily="34" charset="0"/>
+                <a:cs typeface="Segoe UI Light" panose="020B0502040204020203" pitchFamily="34" charset="0"/>
               </a:rPr>
-              <a:t>u</a:t>
-            </a:r>
-            <a:r>
-              <a:rPr lang="en-US" sz="3200" dirty="0" smtClean="0"/>
-              <a:t> Timers </a:t>
-            </a:r>
-            <a:r>
-              <a:rPr lang="en-US" sz="3200" dirty="0" smtClean="0">
-                <a:solidFill>
-                  <a:schemeClr val="accent1"/>
-                </a:solidFill>
-                <a:latin typeface="Wingdings 3" panose="05040102010807070707" pitchFamily="18" charset="2"/>
+              <a:t>response.write</a:t>
+            </a:r>
+            <a:r>
+              <a:rPr lang="en-US" sz="3200" dirty="0">
+                <a:latin typeface="Segoe UI Light" panose="020B0502040204020203" pitchFamily="34" charset="0"/>
+                <a:cs typeface="Segoe UI Light" panose="020B0502040204020203" pitchFamily="34" charset="0"/>
               </a:rPr>
-              <a:t>u</a:t>
-            </a:r>
-            <a:r>
-              <a:rPr lang="en-US" sz="3200" dirty="0" smtClean="0"/>
-              <a:t> Process </a:t>
-            </a:r>
-            <a:r>
-              <a:rPr lang="en-US" sz="3200" dirty="0" smtClean="0">
-                <a:solidFill>
-                  <a:schemeClr val="accent1"/>
-                </a:solidFill>
-                <a:latin typeface="Wingdings 3" panose="05040102010807070707" pitchFamily="18" charset="2"/>
+              <a:t>(chunk);</a:t>
+            </a:r>
+          </a:p>
+          <a:p>
+            <a:r>
+              <a:rPr lang="en-US" sz="3200" dirty="0">
+                <a:latin typeface="Segoe UI Light" panose="020B0502040204020203" pitchFamily="34" charset="0"/>
+                <a:cs typeface="Segoe UI Light" panose="020B0502040204020203" pitchFamily="34" charset="0"/>
               </a:rPr>
-              <a:t>u</a:t>
-            </a:r>
-            <a:r>
-              <a:rPr lang="en-US" sz="3200" dirty="0" smtClean="0"/>
-              <a:t> Utilities</a:t>
-            </a:r>
-            <a:br>
-              <a:rPr lang="en-US" sz="3200" dirty="0" smtClean="0"/>
-            </a:br>
-            <a:r>
-              <a:rPr lang="en-US" sz="3200" dirty="0" smtClean="0">
-                <a:solidFill>
-                  <a:schemeClr val="accent1"/>
-                </a:solidFill>
-                <a:latin typeface="Wingdings 3" panose="05040102010807070707" pitchFamily="18" charset="2"/>
-              </a:rPr>
-              <a:t>u</a:t>
-            </a:r>
-            <a:r>
-              <a:rPr lang="en-US" sz="3200" dirty="0"/>
-              <a:t> </a:t>
-            </a:r>
-            <a:r>
-              <a:rPr lang="en-US" sz="3200" dirty="0" smtClean="0"/>
-              <a:t>Events </a:t>
-            </a:r>
-            <a:r>
-              <a:rPr lang="en-US" sz="3200" dirty="0" smtClean="0">
-                <a:solidFill>
-                  <a:schemeClr val="accent1"/>
-                </a:solidFill>
-                <a:latin typeface="Wingdings 3" panose="05040102010807070707" pitchFamily="18" charset="2"/>
-              </a:rPr>
-              <a:t>u</a:t>
-            </a:r>
-            <a:r>
-              <a:rPr lang="en-US" sz="3200" dirty="0" smtClean="0"/>
-              <a:t> Domain </a:t>
-            </a:r>
-            <a:r>
-              <a:rPr lang="en-US" sz="3200" dirty="0" smtClean="0">
-                <a:solidFill>
-                  <a:schemeClr val="accent1"/>
-                </a:solidFill>
-                <a:latin typeface="Wingdings 3" panose="05040102010807070707" pitchFamily="18" charset="2"/>
-              </a:rPr>
-              <a:t>u</a:t>
-            </a:r>
-            <a:r>
-              <a:rPr lang="en-US" sz="3200" dirty="0" smtClean="0"/>
-              <a:t> Buffer </a:t>
-            </a:r>
-            <a:r>
-              <a:rPr lang="en-US" sz="3200" dirty="0" smtClean="0">
-                <a:solidFill>
-                  <a:schemeClr val="accent1"/>
-                </a:solidFill>
-                <a:latin typeface="Wingdings 3" panose="05040102010807070707" pitchFamily="18" charset="2"/>
-              </a:rPr>
-              <a:t>u</a:t>
-            </a:r>
-            <a:r>
-              <a:rPr lang="en-US" sz="3200" dirty="0" smtClean="0"/>
-              <a:t> Stream</a:t>
-            </a:r>
-            <a:br>
-              <a:rPr lang="en-US" sz="3200" dirty="0" smtClean="0"/>
-            </a:br>
-            <a:r>
-              <a:rPr lang="en-US" sz="3200" dirty="0" smtClean="0">
-                <a:solidFill>
-                  <a:schemeClr val="accent1"/>
-                </a:solidFill>
-                <a:latin typeface="Wingdings 3" panose="05040102010807070707" pitchFamily="18" charset="2"/>
-              </a:rPr>
-              <a:t>u</a:t>
-            </a:r>
-            <a:r>
-              <a:rPr lang="en-US" sz="3200" dirty="0" smtClean="0"/>
-              <a:t> Crypto </a:t>
-            </a:r>
-            <a:r>
-              <a:rPr lang="en-US" sz="3200" dirty="0" smtClean="0">
-                <a:solidFill>
-                  <a:schemeClr val="accent1"/>
-                </a:solidFill>
-                <a:latin typeface="Wingdings 3" panose="05040102010807070707" pitchFamily="18" charset="2"/>
-              </a:rPr>
-              <a:t>u</a:t>
-            </a:r>
-            <a:r>
-              <a:rPr lang="en-US" sz="3200" dirty="0" smtClean="0"/>
-              <a:t> TLS/SSL </a:t>
-            </a:r>
-            <a:r>
-              <a:rPr lang="en-US" sz="3200" dirty="0" smtClean="0">
-                <a:solidFill>
-                  <a:schemeClr val="accent1"/>
-                </a:solidFill>
-                <a:latin typeface="Wingdings 3" panose="05040102010807070707" pitchFamily="18" charset="2"/>
-              </a:rPr>
-              <a:t>u</a:t>
-            </a:r>
-            <a:r>
-              <a:rPr lang="en-US" sz="3200" dirty="0" smtClean="0"/>
-              <a:t> String Decoder</a:t>
-            </a:r>
-            <a:br>
-              <a:rPr lang="en-US" sz="3200" dirty="0" smtClean="0"/>
-            </a:br>
-            <a:r>
-              <a:rPr lang="en-US" sz="3200" dirty="0" smtClean="0">
-                <a:solidFill>
-                  <a:schemeClr val="accent1"/>
-                </a:solidFill>
-                <a:latin typeface="Wingdings 3" panose="05040102010807070707" pitchFamily="18" charset="2"/>
-              </a:rPr>
-              <a:t>u</a:t>
-            </a:r>
-            <a:r>
-              <a:rPr lang="en-US" sz="3200" dirty="0" smtClean="0"/>
-              <a:t> File System </a:t>
-            </a:r>
-            <a:r>
-              <a:rPr lang="en-US" sz="3200" dirty="0" smtClean="0">
-                <a:solidFill>
-                  <a:schemeClr val="accent1"/>
-                </a:solidFill>
-                <a:latin typeface="Wingdings 3" panose="05040102010807070707" pitchFamily="18" charset="2"/>
-              </a:rPr>
-              <a:t>u</a:t>
-            </a:r>
-            <a:r>
-              <a:rPr lang="en-US" sz="3200" dirty="0" smtClean="0"/>
-              <a:t> Path </a:t>
-            </a:r>
-            <a:r>
-              <a:rPr lang="en-US" sz="3200" dirty="0" smtClean="0">
-                <a:solidFill>
-                  <a:schemeClr val="accent1"/>
-                </a:solidFill>
-                <a:latin typeface="Wingdings 3" panose="05040102010807070707" pitchFamily="18" charset="2"/>
-              </a:rPr>
-              <a:t>u</a:t>
-            </a:r>
-            <a:r>
-              <a:rPr lang="en-US" sz="3200" dirty="0" smtClean="0"/>
-              <a:t> Net </a:t>
-            </a:r>
-            <a:r>
-              <a:rPr lang="en-US" sz="3200" dirty="0" smtClean="0">
-                <a:solidFill>
-                  <a:schemeClr val="accent1"/>
-                </a:solidFill>
-                <a:latin typeface="Wingdings 3" panose="05040102010807070707" pitchFamily="18" charset="2"/>
-              </a:rPr>
-              <a:t>u</a:t>
-            </a:r>
-            <a:r>
-              <a:rPr lang="en-US" sz="3200" dirty="0" smtClean="0"/>
-              <a:t> UDP/Datagram </a:t>
-            </a:r>
-            <a:r>
-              <a:rPr lang="en-US" sz="3200" dirty="0" smtClean="0">
-                <a:solidFill>
-                  <a:schemeClr val="accent1"/>
-                </a:solidFill>
-                <a:latin typeface="Wingdings 3" panose="05040102010807070707" pitchFamily="18" charset="2"/>
-              </a:rPr>
-              <a:t>u</a:t>
-            </a:r>
-            <a:r>
-              <a:rPr lang="en-US" sz="3200" dirty="0" smtClean="0"/>
-              <a:t> DNS </a:t>
-            </a:r>
-            <a:r>
-              <a:rPr lang="en-US" sz="3200" dirty="0" smtClean="0">
-                <a:solidFill>
-                  <a:schemeClr val="accent1"/>
-                </a:solidFill>
-                <a:latin typeface="Wingdings 3" panose="05040102010807070707" pitchFamily="18" charset="2"/>
-              </a:rPr>
-              <a:t>u</a:t>
-            </a:r>
-            <a:r>
-              <a:rPr lang="en-US" sz="3200" dirty="0" smtClean="0"/>
-              <a:t> HTTP </a:t>
-            </a:r>
-            <a:r>
-              <a:rPr lang="en-US" sz="3200" dirty="0" smtClean="0">
-                <a:solidFill>
-                  <a:schemeClr val="accent1"/>
-                </a:solidFill>
-                <a:latin typeface="Wingdings 3" panose="05040102010807070707" pitchFamily="18" charset="2"/>
-              </a:rPr>
-              <a:t>u</a:t>
-            </a:r>
-            <a:r>
-              <a:rPr lang="en-US" sz="3200" dirty="0" smtClean="0"/>
-              <a:t> HTTPS </a:t>
-            </a:r>
-            <a:r>
-              <a:rPr lang="en-US" sz="3200" dirty="0" smtClean="0">
-                <a:solidFill>
-                  <a:schemeClr val="accent1"/>
-                </a:solidFill>
-                <a:latin typeface="Wingdings 3" panose="05040102010807070707" pitchFamily="18" charset="2"/>
-              </a:rPr>
-              <a:t>u</a:t>
-            </a:r>
-            <a:r>
-              <a:rPr lang="en-US" sz="3200" dirty="0" smtClean="0"/>
-              <a:t> URL </a:t>
-            </a:r>
-            <a:r>
-              <a:rPr lang="en-US" sz="3200" dirty="0" smtClean="0">
-                <a:solidFill>
-                  <a:schemeClr val="accent1"/>
-                </a:solidFill>
-                <a:latin typeface="Wingdings 3" panose="05040102010807070707" pitchFamily="18" charset="2"/>
-              </a:rPr>
-              <a:t>u</a:t>
-            </a:r>
-            <a:r>
-              <a:rPr lang="en-US" sz="3200" dirty="0" smtClean="0"/>
-              <a:t> Query Strings </a:t>
-            </a:r>
-            <a:r>
-              <a:rPr lang="en-US" sz="3200" dirty="0" smtClean="0">
-                <a:solidFill>
-                  <a:schemeClr val="accent1"/>
-                </a:solidFill>
-                <a:latin typeface="Wingdings 3" panose="05040102010807070707" pitchFamily="18" charset="2"/>
-              </a:rPr>
-              <a:t>u</a:t>
-            </a:r>
-            <a:r>
-              <a:rPr lang="en-US" sz="3200" dirty="0" smtClean="0"/>
-              <a:t> </a:t>
-            </a:r>
-            <a:r>
-              <a:rPr lang="en-US" sz="3200" dirty="0" err="1" smtClean="0"/>
-              <a:t>Punycode</a:t>
-            </a:r>
-            <a:r>
-              <a:rPr lang="en-US" sz="3200" dirty="0" smtClean="0"/>
-              <a:t> </a:t>
-            </a:r>
-            <a:r>
-              <a:rPr lang="en-US" sz="3200" dirty="0" smtClean="0">
-                <a:solidFill>
-                  <a:schemeClr val="accent1"/>
-                </a:solidFill>
-                <a:latin typeface="Wingdings 3" panose="05040102010807070707" pitchFamily="18" charset="2"/>
-              </a:rPr>
-              <a:t>u</a:t>
-            </a:r>
-            <a:r>
-              <a:rPr lang="en-US" sz="3200" dirty="0" smtClean="0"/>
-              <a:t> </a:t>
-            </a:r>
-            <a:r>
-              <a:rPr lang="en-US" sz="3200" dirty="0" err="1" smtClean="0"/>
-              <a:t>Readline</a:t>
-            </a:r>
-            <a:r>
-              <a:rPr lang="en-US" sz="3200" dirty="0" smtClean="0"/>
-              <a:t> </a:t>
-            </a:r>
-            <a:r>
-              <a:rPr lang="en-US" sz="3200" dirty="0" smtClean="0">
-                <a:solidFill>
-                  <a:schemeClr val="accent1"/>
-                </a:solidFill>
-                <a:latin typeface="Wingdings 3" panose="05040102010807070707" pitchFamily="18" charset="2"/>
-              </a:rPr>
-              <a:t>u</a:t>
-            </a:r>
-            <a:r>
-              <a:rPr lang="en-US" sz="3200" dirty="0" smtClean="0"/>
-              <a:t> REPL </a:t>
-            </a:r>
-            <a:r>
-              <a:rPr lang="en-US" sz="3200" dirty="0" smtClean="0">
-                <a:solidFill>
-                  <a:schemeClr val="accent1"/>
-                </a:solidFill>
-                <a:latin typeface="Wingdings 3" panose="05040102010807070707" pitchFamily="18" charset="2"/>
-              </a:rPr>
-              <a:t>u</a:t>
-            </a:r>
-            <a:r>
-              <a:rPr lang="en-US" sz="3200" dirty="0" smtClean="0"/>
-              <a:t> VM</a:t>
-            </a:r>
-            <a:br>
-              <a:rPr lang="en-US" sz="3200" dirty="0" smtClean="0"/>
-            </a:br>
-            <a:r>
-              <a:rPr lang="en-US" sz="3200" dirty="0" smtClean="0">
-                <a:solidFill>
-                  <a:schemeClr val="accent1"/>
-                </a:solidFill>
-                <a:latin typeface="Wingdings 3" panose="05040102010807070707" pitchFamily="18" charset="2"/>
-              </a:rPr>
-              <a:t>u</a:t>
-            </a:r>
-            <a:r>
-              <a:rPr lang="en-US" sz="3200" dirty="0" smtClean="0"/>
-              <a:t> Child Processes </a:t>
-            </a:r>
-            <a:r>
-              <a:rPr lang="en-US" sz="3200" dirty="0" smtClean="0">
-                <a:solidFill>
-                  <a:schemeClr val="accent1"/>
-                </a:solidFill>
-                <a:latin typeface="Wingdings 3" panose="05040102010807070707" pitchFamily="18" charset="2"/>
-              </a:rPr>
-              <a:t>u</a:t>
-            </a:r>
-            <a:r>
-              <a:rPr lang="en-US" sz="3200" dirty="0" smtClean="0"/>
-              <a:t> Assertion Testing </a:t>
-            </a:r>
-            <a:r>
-              <a:rPr lang="en-US" sz="3200" dirty="0" smtClean="0">
-                <a:solidFill>
-                  <a:schemeClr val="accent1"/>
-                </a:solidFill>
-                <a:latin typeface="Wingdings 3" panose="05040102010807070707" pitchFamily="18" charset="2"/>
-              </a:rPr>
-              <a:t>u</a:t>
-            </a:r>
-            <a:r>
-              <a:rPr lang="en-US" sz="3200" dirty="0" smtClean="0"/>
-              <a:t> TTY</a:t>
-            </a:r>
-            <a:br>
-              <a:rPr lang="en-US" sz="3200" dirty="0" smtClean="0"/>
-            </a:br>
-            <a:r>
-              <a:rPr lang="en-US" sz="3200" dirty="0" smtClean="0">
-                <a:solidFill>
-                  <a:schemeClr val="accent1"/>
-                </a:solidFill>
-                <a:latin typeface="Wingdings 3" panose="05040102010807070707" pitchFamily="18" charset="2"/>
-              </a:rPr>
-              <a:t>u</a:t>
-            </a:r>
-            <a:r>
-              <a:rPr lang="en-US" sz="3200" dirty="0" smtClean="0"/>
-              <a:t> ZLIB </a:t>
-            </a:r>
-            <a:r>
-              <a:rPr lang="en-US" sz="3200" dirty="0" smtClean="0">
-                <a:solidFill>
-                  <a:schemeClr val="accent1"/>
-                </a:solidFill>
-                <a:latin typeface="Wingdings 3" panose="05040102010807070707" pitchFamily="18" charset="2"/>
-              </a:rPr>
-              <a:t>u</a:t>
-            </a:r>
-            <a:r>
-              <a:rPr lang="en-US" sz="3200" dirty="0" smtClean="0"/>
-              <a:t> OS </a:t>
-            </a:r>
-            <a:r>
-              <a:rPr lang="en-US" sz="3200" dirty="0" smtClean="0">
-                <a:solidFill>
-                  <a:schemeClr val="accent1"/>
-                </a:solidFill>
-                <a:latin typeface="Wingdings 3" panose="05040102010807070707" pitchFamily="18" charset="2"/>
-              </a:rPr>
-              <a:t>u</a:t>
-            </a:r>
-            <a:r>
-              <a:rPr lang="en-US" sz="3200" dirty="0" smtClean="0"/>
-              <a:t> Cluster</a:t>
-            </a:r>
-            <a:endParaRPr lang="en-US" sz="3200" dirty="0"/>
-          </a:p>
-        </p:txBody>
-      </p:sp>
-      <p:sp>
-        <p:nvSpPr>
-          <p:cNvPr id="2" name="Footer Placeholder 1"/>
+              <a:t>});</a:t>
+            </a:r>
+          </a:p>
+        </p:txBody>
+      </p:sp>
+      <p:sp>
+        <p:nvSpPr>
+          <p:cNvPr id="3" name="Footer Placeholder 2"/>
           <p:cNvSpPr>
             <a:spLocks noGrp="1"/>
           </p:cNvSpPr>
@@ -26031,7 +25872,7 @@
     </p:spTree>
     <p:extLst>
       <p:ext uri="{BB962C8B-B14F-4D97-AF65-F5344CB8AC3E}">
-        <p14:creationId xmlns:p14="http://schemas.microsoft.com/office/powerpoint/2010/main" val="2142387426"/>
+        <p14:creationId xmlns:p14="http://schemas.microsoft.com/office/powerpoint/2010/main" val="1353126993"/>
       </p:ext>
     </p:extLst>
   </p:cSld>
@@ -26073,8 +25914,8 @@
         </p:nvSpPr>
         <p:spPr>
           <a:xfrm>
-            <a:off x="792480" y="1813173"/>
-            <a:ext cx="5026441" cy="3139321"/>
+            <a:off x="792480" y="2151728"/>
+            <a:ext cx="9551076" cy="2554545"/>
           </a:xfrm>
           <a:prstGeom prst="rect">
             <a:avLst/>
@@ -26088,31 +25929,118 @@
           <a:lstStyle/>
           <a:p>
             <a:r>
-              <a:rPr lang="en-US" sz="7200" dirty="0" smtClean="0">
+              <a:rPr lang="en-US" sz="3200" dirty="0" err="1">
                 <a:latin typeface="Segoe UI Light" panose="020B0502040204020203" pitchFamily="34" charset="0"/>
                 <a:cs typeface="Segoe UI Light" panose="020B0502040204020203" pitchFamily="34" charset="0"/>
               </a:rPr>
-              <a:t>that’s it.</a:t>
-            </a:r>
-          </a:p>
-          <a:p>
-            <a:endParaRPr lang="en-US" sz="7200" dirty="0">
-              <a:latin typeface="Segoe UI Light" panose="020B0502040204020203" pitchFamily="34" charset="0"/>
-              <a:cs typeface="Segoe UI Light" panose="020B0502040204020203" pitchFamily="34" charset="0"/>
-            </a:endParaRPr>
-          </a:p>
-          <a:p>
-            <a:r>
-              <a:rPr lang="en-US" sz="5400" dirty="0" smtClean="0">
+              <a:t>db.users.find</a:t>
+            </a:r>
+            <a:r>
+              <a:rPr lang="en-US" sz="3200" dirty="0">
                 <a:latin typeface="Segoe UI Light" panose="020B0502040204020203" pitchFamily="34" charset="0"/>
                 <a:cs typeface="Segoe UI Light" panose="020B0502040204020203" pitchFamily="34" charset="0"/>
               </a:rPr>
-              <a:t>that’s all you get.</a:t>
-            </a:r>
-            <a:endParaRPr lang="en-US" sz="5400" dirty="0">
-              <a:latin typeface="Segoe UI Light" panose="020B0502040204020203" pitchFamily="34" charset="0"/>
-              <a:cs typeface="Segoe UI Light" panose="020B0502040204020203" pitchFamily="34" charset="0"/>
-            </a:endParaRPr>
+              <a:t>({ name: "</a:t>
+            </a:r>
+            <a:r>
+              <a:rPr lang="en-US" sz="3200" dirty="0" err="1">
+                <a:latin typeface="Segoe UI Light" panose="020B0502040204020203" pitchFamily="34" charset="0"/>
+                <a:cs typeface="Segoe UI Light" panose="020B0502040204020203" pitchFamily="34" charset="0"/>
+              </a:rPr>
+              <a:t>domenic</a:t>
+            </a:r>
+            <a:r>
+              <a:rPr lang="en-US" sz="3200" dirty="0">
+                <a:latin typeface="Segoe UI Light" panose="020B0502040204020203" pitchFamily="34" charset="0"/>
+                <a:cs typeface="Segoe UI Light" panose="020B0502040204020203" pitchFamily="34" charset="0"/>
+              </a:rPr>
+              <a:t>" </a:t>
+            </a:r>
+            <a:r>
+              <a:rPr lang="en-US" sz="3200">
+                <a:latin typeface="Segoe UI Light" panose="020B0502040204020203" pitchFamily="34" charset="0"/>
+                <a:cs typeface="Segoe UI Light" panose="020B0502040204020203" pitchFamily="34" charset="0"/>
+              </a:rPr>
+              <a:t>}, </a:t>
+            </a:r>
+            <a:r>
+              <a:rPr lang="en-US" sz="3200" smtClean="0">
+                <a:latin typeface="Segoe UI Light" panose="020B0502040204020203" pitchFamily="34" charset="0"/>
+                <a:cs typeface="Segoe UI Light" panose="020B0502040204020203" pitchFamily="34" charset="0"/>
+              </a:rPr>
+              <a:t>function (</a:t>
+            </a:r>
+            <a:r>
+              <a:rPr lang="en-US" sz="3200" dirty="0">
+                <a:latin typeface="Segoe UI Light" panose="020B0502040204020203" pitchFamily="34" charset="0"/>
+                <a:cs typeface="Segoe UI Light" panose="020B0502040204020203" pitchFamily="34" charset="0"/>
+              </a:rPr>
+              <a:t>err, users) {</a:t>
+            </a:r>
+          </a:p>
+          <a:p>
+            <a:r>
+              <a:rPr lang="en-US" sz="3200" dirty="0">
+                <a:latin typeface="Segoe UI Light" panose="020B0502040204020203" pitchFamily="34" charset="0"/>
+                <a:cs typeface="Segoe UI Light" panose="020B0502040204020203" pitchFamily="34" charset="0"/>
+              </a:rPr>
+              <a:t>    </a:t>
+            </a:r>
+            <a:r>
+              <a:rPr lang="en-US" sz="3200" dirty="0" err="1">
+                <a:latin typeface="Segoe UI Light" panose="020B0502040204020203" pitchFamily="34" charset="0"/>
+                <a:cs typeface="Segoe UI Light" panose="020B0502040204020203" pitchFamily="34" charset="0"/>
+              </a:rPr>
+              <a:t>users.forEach</a:t>
+            </a:r>
+            <a:r>
+              <a:rPr lang="en-US" sz="3200" dirty="0">
+                <a:latin typeface="Segoe UI Light" panose="020B0502040204020203" pitchFamily="34" charset="0"/>
+                <a:cs typeface="Segoe UI Light" panose="020B0502040204020203" pitchFamily="34" charset="0"/>
+              </a:rPr>
+              <a:t>(function (user) {</a:t>
+            </a:r>
+          </a:p>
+          <a:p>
+            <a:r>
+              <a:rPr lang="en-US" sz="3200" dirty="0">
+                <a:latin typeface="Segoe UI Light" panose="020B0502040204020203" pitchFamily="34" charset="0"/>
+                <a:cs typeface="Segoe UI Light" panose="020B0502040204020203" pitchFamily="34" charset="0"/>
+              </a:rPr>
+              <a:t>       </a:t>
+            </a:r>
+            <a:r>
+              <a:rPr lang="en-US" sz="3200" dirty="0" err="1">
+                <a:latin typeface="Segoe UI Light" panose="020B0502040204020203" pitchFamily="34" charset="0"/>
+                <a:cs typeface="Segoe UI Light" panose="020B0502040204020203" pitchFamily="34" charset="0"/>
+              </a:rPr>
+              <a:t>response.write</a:t>
+            </a:r>
+            <a:r>
+              <a:rPr lang="en-US" sz="3200" dirty="0">
+                <a:latin typeface="Segoe UI Light" panose="020B0502040204020203" pitchFamily="34" charset="0"/>
+                <a:cs typeface="Segoe UI Light" panose="020B0502040204020203" pitchFamily="34" charset="0"/>
+              </a:rPr>
+              <a:t>(user);</a:t>
+            </a:r>
+          </a:p>
+          <a:p>
+            <a:r>
+              <a:rPr lang="en-US" sz="3200" dirty="0">
+                <a:latin typeface="Segoe UI Light" panose="020B0502040204020203" pitchFamily="34" charset="0"/>
+                <a:cs typeface="Segoe UI Light" panose="020B0502040204020203" pitchFamily="34" charset="0"/>
+              </a:rPr>
+              <a:t>    });</a:t>
+            </a:r>
+          </a:p>
+          <a:p>
+            <a:r>
+              <a:rPr lang="en-US" sz="3200" dirty="0">
+                <a:latin typeface="Segoe UI Light" panose="020B0502040204020203" pitchFamily="34" charset="0"/>
+                <a:cs typeface="Segoe UI Light" panose="020B0502040204020203" pitchFamily="34" charset="0"/>
+              </a:rPr>
+              <a:t>});</a:t>
+            </a:r>
           </a:p>
         </p:txBody>
       </p:sp>
@@ -26142,7 +26070,7 @@
     </p:spTree>
     <p:extLst>
       <p:ext uri="{BB962C8B-B14F-4D97-AF65-F5344CB8AC3E}">
-        <p14:creationId xmlns:p14="http://schemas.microsoft.com/office/powerpoint/2010/main" val="2048945466"/>
+        <p14:creationId xmlns:p14="http://schemas.microsoft.com/office/powerpoint/2010/main" val="884188157"/>
       </p:ext>
     </p:extLst>
   </p:cSld>
@@ -26178,25 +26106,113 @@
       </p:grpSpPr>
       <p:sp>
         <p:nvSpPr>
-          <p:cNvPr id="2" name="Title 1"/>
-          <p:cNvSpPr>
-            <a:spLocks noGrp="1"/>
-          </p:cNvSpPr>
-          <p:nvPr>
-            <p:ph type="title"/>
-          </p:nvPr>
-        </p:nvSpPr>
-        <p:spPr/>
-        <p:txBody>
-          <a:bodyPr anchor="ctr"/>
-          <a:lstStyle/>
-          <a:p>
-            <a:pPr algn="ctr"/>
-            <a:r>
-              <a:rPr lang="en-US" dirty="0" smtClean="0"/>
-              <a:t>modern</a:t>
-            </a:r>
-            <a:endParaRPr lang="en-US" dirty="0"/>
+          <p:cNvPr id="2" name="TextBox 1"/>
+          <p:cNvSpPr txBox="1"/>
+          <p:nvPr/>
+        </p:nvSpPr>
+        <p:spPr>
+          <a:xfrm>
+            <a:off x="792480" y="1905506"/>
+            <a:ext cx="8178842" cy="3046988"/>
+          </a:xfrm>
+          <a:prstGeom prst="rect">
+            <a:avLst/>
+          </a:prstGeom>
+          <a:noFill/>
+        </p:spPr>
+        <p:txBody>
+          <a:bodyPr wrap="none" rtlCol="0">
+            <a:spAutoFit/>
+          </a:bodyPr>
+          <a:lstStyle/>
+          <a:p>
+            <a:r>
+              <a:rPr lang="en-US" sz="3200" dirty="0" err="1">
+                <a:latin typeface="Segoe UI Light" panose="020B0502040204020203" pitchFamily="34" charset="0"/>
+                <a:cs typeface="Segoe UI Light" panose="020B0502040204020203" pitchFamily="34" charset="0"/>
+              </a:rPr>
+              <a:t>io.sockets.on</a:t>
+            </a:r>
+            <a:r>
+              <a:rPr lang="en-US" sz="3200" dirty="0">
+                <a:latin typeface="Segoe UI Light" panose="020B0502040204020203" pitchFamily="34" charset="0"/>
+                <a:cs typeface="Segoe UI Light" panose="020B0502040204020203" pitchFamily="34" charset="0"/>
+              </a:rPr>
+              <a:t>("connection", function (socket) {</a:t>
+            </a:r>
+          </a:p>
+          <a:p>
+            <a:r>
+              <a:rPr lang="en-US" sz="3200" dirty="0">
+                <a:latin typeface="Segoe UI Light" panose="020B0502040204020203" pitchFamily="34" charset="0"/>
+                <a:cs typeface="Segoe UI Light" panose="020B0502040204020203" pitchFamily="34" charset="0"/>
+              </a:rPr>
+              <a:t>    </a:t>
+            </a:r>
+            <a:r>
+              <a:rPr lang="en-US" sz="3200" dirty="0" err="1">
+                <a:latin typeface="Segoe UI Light" panose="020B0502040204020203" pitchFamily="34" charset="0"/>
+                <a:cs typeface="Segoe UI Light" panose="020B0502040204020203" pitchFamily="34" charset="0"/>
+              </a:rPr>
+              <a:t>socket.emit</a:t>
+            </a:r>
+            <a:r>
+              <a:rPr lang="en-US" sz="3200" dirty="0">
+                <a:latin typeface="Segoe UI Light" panose="020B0502040204020203" pitchFamily="34" charset="0"/>
+                <a:cs typeface="Segoe UI Light" panose="020B0502040204020203" pitchFamily="34" charset="0"/>
+              </a:rPr>
+              <a:t>("news", { hello: "world" });</a:t>
+            </a:r>
+          </a:p>
+          <a:p>
+            <a:r>
+              <a:rPr lang="en-US" sz="3200" dirty="0">
+                <a:latin typeface="Segoe UI Light" panose="020B0502040204020203" pitchFamily="34" charset="0"/>
+                <a:cs typeface="Segoe UI Light" panose="020B0502040204020203" pitchFamily="34" charset="0"/>
+              </a:rPr>
+              <a:t>    </a:t>
+            </a:r>
+            <a:r>
+              <a:rPr lang="en-US" sz="3200" dirty="0" err="1">
+                <a:latin typeface="Segoe UI Light" panose="020B0502040204020203" pitchFamily="34" charset="0"/>
+                <a:cs typeface="Segoe UI Light" panose="020B0502040204020203" pitchFamily="34" charset="0"/>
+              </a:rPr>
+              <a:t>socket.on</a:t>
+            </a:r>
+            <a:r>
+              <a:rPr lang="en-US" sz="3200" dirty="0">
+                <a:latin typeface="Segoe UI Light" panose="020B0502040204020203" pitchFamily="34" charset="0"/>
+                <a:cs typeface="Segoe UI Light" panose="020B0502040204020203" pitchFamily="34" charset="0"/>
+              </a:rPr>
+              <a:t>("my other event", function (data) {</a:t>
+            </a:r>
+          </a:p>
+          <a:p>
+            <a:r>
+              <a:rPr lang="en-US" sz="3200" dirty="0">
+                <a:latin typeface="Segoe UI Light" panose="020B0502040204020203" pitchFamily="34" charset="0"/>
+                <a:cs typeface="Segoe UI Light" panose="020B0502040204020203" pitchFamily="34" charset="0"/>
+              </a:rPr>
+              <a:t>      console.log(data);</a:t>
+            </a:r>
+          </a:p>
+          <a:p>
+            <a:r>
+              <a:rPr lang="en-US" sz="3200" dirty="0">
+                <a:latin typeface="Segoe UI Light" panose="020B0502040204020203" pitchFamily="34" charset="0"/>
+                <a:cs typeface="Segoe UI Light" panose="020B0502040204020203" pitchFamily="34" charset="0"/>
+              </a:rPr>
+              <a:t>    });</a:t>
+            </a:r>
+          </a:p>
+          <a:p>
+            <a:r>
+              <a:rPr lang="en-US" sz="3200" dirty="0">
+                <a:latin typeface="Segoe UI Light" panose="020B0502040204020203" pitchFamily="34" charset="0"/>
+                <a:cs typeface="Segoe UI Light" panose="020B0502040204020203" pitchFamily="34" charset="0"/>
+              </a:rPr>
+              <a:t>});</a:t>
+            </a:r>
           </a:p>
         </p:txBody>
       </p:sp>
@@ -26226,7 +26242,7 @@
     </p:spTree>
     <p:extLst>
       <p:ext uri="{BB962C8B-B14F-4D97-AF65-F5344CB8AC3E}">
-        <p14:creationId xmlns:p14="http://schemas.microsoft.com/office/powerpoint/2010/main" val="2880746265"/>
+        <p14:creationId xmlns:p14="http://schemas.microsoft.com/office/powerpoint/2010/main" val="3830480072"/>
       </p:ext>
     </p:extLst>
   </p:cSld>
@@ -26262,50 +26278,25 @@
       </p:grpSpPr>
       <p:sp>
         <p:nvSpPr>
-          <p:cNvPr id="2" name="TextBox 1"/>
-          <p:cNvSpPr txBox="1"/>
-          <p:nvPr/>
-        </p:nvSpPr>
-        <p:spPr>
-          <a:xfrm>
-            <a:off x="792480" y="2459504"/>
-            <a:ext cx="8620117" cy="1938992"/>
-          </a:xfrm>
-          <a:prstGeom prst="rect">
-            <a:avLst/>
-          </a:prstGeom>
-          <a:noFill/>
-        </p:spPr>
-        <p:txBody>
-          <a:bodyPr wrap="none" rtlCol="0">
-            <a:spAutoFit/>
-          </a:bodyPr>
-          <a:lstStyle/>
-          <a:p>
-            <a:r>
-              <a:rPr lang="en-US" sz="6000" dirty="0" smtClean="0">
-                <a:latin typeface="Segoe UI Light" panose="020B0502040204020203" pitchFamily="34" charset="0"/>
-                <a:cs typeface="Segoe UI Light" panose="020B0502040204020203" pitchFamily="34" charset="0"/>
-              </a:rPr>
-              <a:t>let’s look at the most-used</a:t>
-            </a:r>
-            <a:br>
-              <a:rPr lang="en-US" sz="6000" dirty="0" smtClean="0">
-                <a:latin typeface="Segoe UI Light" panose="020B0502040204020203" pitchFamily="34" charset="0"/>
-                <a:cs typeface="Segoe UI Light" panose="020B0502040204020203" pitchFamily="34" charset="0"/>
-              </a:rPr>
-            </a:br>
-            <a:r>
-              <a:rPr lang="en-US" sz="6000" dirty="0" smtClean="0">
-                <a:latin typeface="Segoe UI Light" panose="020B0502040204020203" pitchFamily="34" charset="0"/>
-                <a:cs typeface="Segoe UI Light" panose="020B0502040204020203" pitchFamily="34" charset="0"/>
-              </a:rPr>
-              <a:t>node.js packages.</a:t>
-            </a:r>
-            <a:endParaRPr lang="en-US" sz="6000" dirty="0">
-              <a:latin typeface="Segoe UI Light" panose="020B0502040204020203" pitchFamily="34" charset="0"/>
-              <a:cs typeface="Segoe UI Light" panose="020B0502040204020203" pitchFamily="34" charset="0"/>
-            </a:endParaRPr>
+          <p:cNvPr id="2" name="Title 1"/>
+          <p:cNvSpPr>
+            <a:spLocks noGrp="1"/>
+          </p:cNvSpPr>
+          <p:nvPr>
+            <p:ph type="title"/>
+          </p:nvPr>
+        </p:nvSpPr>
+        <p:spPr/>
+        <p:txBody>
+          <a:bodyPr anchor="ctr"/>
+          <a:lstStyle/>
+          <a:p>
+            <a:pPr algn="ctr"/>
+            <a:r>
+              <a:rPr lang="en-US" dirty="0" smtClean="0"/>
+              <a:t>low-level</a:t>
+            </a:r>
+            <a:endParaRPr lang="en-US" dirty="0"/>
           </a:p>
         </p:txBody>
       </p:sp>
@@ -26335,7 +26326,7 @@
     </p:spTree>
     <p:extLst>
       <p:ext uri="{BB962C8B-B14F-4D97-AF65-F5344CB8AC3E}">
-        <p14:creationId xmlns:p14="http://schemas.microsoft.com/office/powerpoint/2010/main" val="3051330541"/>
+        <p14:creationId xmlns:p14="http://schemas.microsoft.com/office/powerpoint/2010/main" val="1051053664"/>
       </p:ext>
     </p:extLst>
   </p:cSld>
@@ -26371,70 +26362,492 @@
       </p:grpSpPr>
       <p:sp>
         <p:nvSpPr>
-          <p:cNvPr id="3" name="Content Placeholder 2"/>
-          <p:cNvSpPr>
-            <a:spLocks noGrp="1"/>
-          </p:cNvSpPr>
-          <p:nvPr>
-            <p:ph idx="1"/>
-          </p:nvPr>
+          <p:cNvPr id="3" name="TextBox 2"/>
+          <p:cNvSpPr txBox="1"/>
+          <p:nvPr/>
         </p:nvSpPr>
         <p:spPr>
           <a:xfrm>
-            <a:off x="677334" y="2307115"/>
-            <a:ext cx="8596668" cy="2243771"/>
+            <a:off x="5304646" y="6111240"/>
+            <a:ext cx="3969356" cy="369332"/>
           </a:xfrm>
+          <a:prstGeom prst="rect">
+            <a:avLst/>
+          </a:prstGeom>
+          <a:noFill/>
         </p:spPr>
         <p:txBody>
-          <a:bodyPr>
-            <a:normAutofit/>
+          <a:bodyPr wrap="none" rtlCol="0">
+            <a:spAutoFit/>
           </a:bodyPr>
           <a:lstStyle/>
           <a:p>
-            <a:r>
-              <a:rPr lang="en-US" sz="2400" dirty="0" smtClean="0"/>
-              <a:t>socket.io: used by 306 other packages</a:t>
-            </a:r>
-          </a:p>
-          <a:p>
-            <a:r>
-              <a:rPr lang="en-US" sz="2400" dirty="0" err="1" smtClean="0"/>
-              <a:t>redis</a:t>
-            </a:r>
-            <a:r>
-              <a:rPr lang="en-US" sz="2400" dirty="0" smtClean="0"/>
-              <a:t>: 259 (</a:t>
-            </a:r>
-            <a:r>
-              <a:rPr lang="en-US" sz="2400" dirty="0" err="1" smtClean="0"/>
-              <a:t>hiredis</a:t>
-            </a:r>
-            <a:r>
-              <a:rPr lang="en-US" sz="2400" dirty="0" smtClean="0"/>
-              <a:t>: 70)</a:t>
-            </a:r>
-          </a:p>
-          <a:p>
-            <a:r>
-              <a:rPr lang="en-US" sz="2400" dirty="0" smtClean="0"/>
-              <a:t>stylus: 148 (less: 134)</a:t>
-            </a:r>
-          </a:p>
-          <a:p>
-            <a:r>
-              <a:rPr lang="en-US" sz="2400" dirty="0" err="1" smtClean="0"/>
-              <a:t>mongodb</a:t>
-            </a:r>
-            <a:r>
-              <a:rPr lang="en-US" sz="2400" dirty="0" smtClean="0"/>
-              <a:t>: 144 (mongoose: 135)</a:t>
-            </a:r>
-          </a:p>
-          <a:p>
-            <a:pPr marL="0" indent="0">
-              <a:buNone/>
-            </a:pPr>
-            <a:endParaRPr lang="en-US" sz="2400" dirty="0"/>
+            <a:pPr algn="r"/>
+            <a:r>
+              <a:rPr lang="en-US" dirty="0">
+                <a:hlinkClick r:id="rId3"/>
+              </a:rPr>
+              <a:t>http://nodejs.org/docs/latest/api</a:t>
+            </a:r>
+            <a:r>
+              <a:rPr lang="en-US" dirty="0" smtClean="0">
+                <a:hlinkClick r:id="rId3"/>
+              </a:rPr>
+              <a:t>/</a:t>
+            </a:r>
+            <a:endParaRPr lang="en-US" dirty="0"/>
+          </a:p>
+        </p:txBody>
+      </p:sp>
+      <p:sp>
+        <p:nvSpPr>
+          <p:cNvPr id="4" name="TextBox 3"/>
+          <p:cNvSpPr txBox="1"/>
+          <p:nvPr/>
+        </p:nvSpPr>
+        <p:spPr>
+          <a:xfrm>
+            <a:off x="434340" y="1028700"/>
+            <a:ext cx="9136380" cy="4031873"/>
+          </a:xfrm>
+          <a:prstGeom prst="rect">
+            <a:avLst/>
+          </a:prstGeom>
+          <a:noFill/>
+        </p:spPr>
+        <p:txBody>
+          <a:bodyPr wrap="square" rtlCol="0">
+            <a:spAutoFit/>
+          </a:bodyPr>
+          <a:lstStyle/>
+          <a:p>
+            <a:pPr algn="ctr"/>
+            <a:r>
+              <a:rPr lang="en-US" sz="3200" dirty="0" smtClean="0">
+                <a:solidFill>
+                  <a:schemeClr val="accent1"/>
+                </a:solidFill>
+                <a:latin typeface="Wingdings 3" panose="05040102010807070707" pitchFamily="18" charset="2"/>
+              </a:rPr>
+              <a:t>u</a:t>
+            </a:r>
+            <a:r>
+              <a:rPr lang="en-US" sz="3200" dirty="0" smtClean="0"/>
+              <a:t> STDIO </a:t>
+            </a:r>
+            <a:r>
+              <a:rPr lang="en-US" sz="3200" dirty="0" smtClean="0">
+                <a:solidFill>
+                  <a:schemeClr val="accent1"/>
+                </a:solidFill>
+                <a:latin typeface="Wingdings 3" panose="05040102010807070707" pitchFamily="18" charset="2"/>
+              </a:rPr>
+              <a:t>u</a:t>
+            </a:r>
+            <a:r>
+              <a:rPr lang="en-US" sz="3200" dirty="0" smtClean="0"/>
+              <a:t> Timers </a:t>
+            </a:r>
+            <a:r>
+              <a:rPr lang="en-US" sz="3200" dirty="0" smtClean="0">
+                <a:solidFill>
+                  <a:schemeClr val="accent1"/>
+                </a:solidFill>
+                <a:latin typeface="Wingdings 3" panose="05040102010807070707" pitchFamily="18" charset="2"/>
+              </a:rPr>
+              <a:t>u</a:t>
+            </a:r>
+            <a:r>
+              <a:rPr lang="en-US" sz="3200" dirty="0" smtClean="0"/>
+              <a:t> Process </a:t>
+            </a:r>
+            <a:r>
+              <a:rPr lang="en-US" sz="3200" dirty="0" smtClean="0">
+                <a:solidFill>
+                  <a:schemeClr val="accent1"/>
+                </a:solidFill>
+                <a:latin typeface="Wingdings 3" panose="05040102010807070707" pitchFamily="18" charset="2"/>
+              </a:rPr>
+              <a:t>u</a:t>
+            </a:r>
+            <a:r>
+              <a:rPr lang="en-US" sz="3200" dirty="0" smtClean="0"/>
+              <a:t> Utilities</a:t>
+            </a:r>
+            <a:br>
+              <a:rPr lang="en-US" sz="3200" dirty="0" smtClean="0"/>
+            </a:br>
+            <a:r>
+              <a:rPr lang="en-US" sz="3200" dirty="0" smtClean="0">
+                <a:solidFill>
+                  <a:schemeClr val="accent1"/>
+                </a:solidFill>
+                <a:latin typeface="Wingdings 3" panose="05040102010807070707" pitchFamily="18" charset="2"/>
+              </a:rPr>
+              <a:t>u</a:t>
+            </a:r>
+            <a:r>
+              <a:rPr lang="en-US" sz="3200" dirty="0"/>
+              <a:t> </a:t>
+            </a:r>
+            <a:r>
+              <a:rPr lang="en-US" sz="3200" dirty="0" smtClean="0"/>
+              <a:t>Events </a:t>
+            </a:r>
+            <a:r>
+              <a:rPr lang="en-US" sz="3200" dirty="0" smtClean="0">
+                <a:solidFill>
+                  <a:schemeClr val="accent1"/>
+                </a:solidFill>
+                <a:latin typeface="Wingdings 3" panose="05040102010807070707" pitchFamily="18" charset="2"/>
+              </a:rPr>
+              <a:t>u</a:t>
+            </a:r>
+            <a:r>
+              <a:rPr lang="en-US" sz="3200" dirty="0" smtClean="0"/>
+              <a:t> Domain </a:t>
+            </a:r>
+            <a:r>
+              <a:rPr lang="en-US" sz="3200" dirty="0" smtClean="0">
+                <a:solidFill>
+                  <a:schemeClr val="accent1"/>
+                </a:solidFill>
+                <a:latin typeface="Wingdings 3" panose="05040102010807070707" pitchFamily="18" charset="2"/>
+              </a:rPr>
+              <a:t>u</a:t>
+            </a:r>
+            <a:r>
+              <a:rPr lang="en-US" sz="3200" dirty="0" smtClean="0"/>
+              <a:t> Buffer </a:t>
+            </a:r>
+            <a:r>
+              <a:rPr lang="en-US" sz="3200" dirty="0" smtClean="0">
+                <a:solidFill>
+                  <a:schemeClr val="accent1"/>
+                </a:solidFill>
+                <a:latin typeface="Wingdings 3" panose="05040102010807070707" pitchFamily="18" charset="2"/>
+              </a:rPr>
+              <a:t>u</a:t>
+            </a:r>
+            <a:r>
+              <a:rPr lang="en-US" sz="3200" dirty="0" smtClean="0"/>
+              <a:t> Stream</a:t>
+            </a:r>
+            <a:br>
+              <a:rPr lang="en-US" sz="3200" dirty="0" smtClean="0"/>
+            </a:br>
+            <a:r>
+              <a:rPr lang="en-US" sz="3200" dirty="0" smtClean="0">
+                <a:solidFill>
+                  <a:schemeClr val="accent1"/>
+                </a:solidFill>
+                <a:latin typeface="Wingdings 3" panose="05040102010807070707" pitchFamily="18" charset="2"/>
+              </a:rPr>
+              <a:t>u</a:t>
+            </a:r>
+            <a:r>
+              <a:rPr lang="en-US" sz="3200" dirty="0" smtClean="0"/>
+              <a:t> Crypto </a:t>
+            </a:r>
+            <a:r>
+              <a:rPr lang="en-US" sz="3200" dirty="0" smtClean="0">
+                <a:solidFill>
+                  <a:schemeClr val="accent1"/>
+                </a:solidFill>
+                <a:latin typeface="Wingdings 3" panose="05040102010807070707" pitchFamily="18" charset="2"/>
+              </a:rPr>
+              <a:t>u</a:t>
+            </a:r>
+            <a:r>
+              <a:rPr lang="en-US" sz="3200" dirty="0" smtClean="0"/>
+              <a:t> TLS/SSL </a:t>
+            </a:r>
+            <a:r>
+              <a:rPr lang="en-US" sz="3200" dirty="0" smtClean="0">
+                <a:solidFill>
+                  <a:schemeClr val="accent1"/>
+                </a:solidFill>
+                <a:latin typeface="Wingdings 3" panose="05040102010807070707" pitchFamily="18" charset="2"/>
+              </a:rPr>
+              <a:t>u</a:t>
+            </a:r>
+            <a:r>
+              <a:rPr lang="en-US" sz="3200" dirty="0" smtClean="0"/>
+              <a:t> String Decoder</a:t>
+            </a:r>
+            <a:br>
+              <a:rPr lang="en-US" sz="3200" dirty="0" smtClean="0"/>
+            </a:br>
+            <a:r>
+              <a:rPr lang="en-US" sz="3200" dirty="0" smtClean="0">
+                <a:solidFill>
+                  <a:schemeClr val="accent1"/>
+                </a:solidFill>
+                <a:latin typeface="Wingdings 3" panose="05040102010807070707" pitchFamily="18" charset="2"/>
+              </a:rPr>
+              <a:t>u</a:t>
+            </a:r>
+            <a:r>
+              <a:rPr lang="en-US" sz="3200" dirty="0" smtClean="0"/>
+              <a:t> File System </a:t>
+            </a:r>
+            <a:r>
+              <a:rPr lang="en-US" sz="3200" dirty="0" smtClean="0">
+                <a:solidFill>
+                  <a:schemeClr val="accent1"/>
+                </a:solidFill>
+                <a:latin typeface="Wingdings 3" panose="05040102010807070707" pitchFamily="18" charset="2"/>
+              </a:rPr>
+              <a:t>u</a:t>
+            </a:r>
+            <a:r>
+              <a:rPr lang="en-US" sz="3200" dirty="0" smtClean="0"/>
+              <a:t> Path </a:t>
+            </a:r>
+            <a:r>
+              <a:rPr lang="en-US" sz="3200" dirty="0" smtClean="0">
+                <a:solidFill>
+                  <a:schemeClr val="accent1"/>
+                </a:solidFill>
+                <a:latin typeface="Wingdings 3" panose="05040102010807070707" pitchFamily="18" charset="2"/>
+              </a:rPr>
+              <a:t>u</a:t>
+            </a:r>
+            <a:r>
+              <a:rPr lang="en-US" sz="3200" dirty="0" smtClean="0"/>
+              <a:t> Net </a:t>
+            </a:r>
+            <a:r>
+              <a:rPr lang="en-US" sz="3200" dirty="0" smtClean="0">
+                <a:solidFill>
+                  <a:schemeClr val="accent1"/>
+                </a:solidFill>
+                <a:latin typeface="Wingdings 3" panose="05040102010807070707" pitchFamily="18" charset="2"/>
+              </a:rPr>
+              <a:t>u</a:t>
+            </a:r>
+            <a:r>
+              <a:rPr lang="en-US" sz="3200" dirty="0" smtClean="0"/>
+              <a:t> UDP/Datagram </a:t>
+            </a:r>
+            <a:r>
+              <a:rPr lang="en-US" sz="3200" dirty="0" smtClean="0">
+                <a:solidFill>
+                  <a:schemeClr val="accent1"/>
+                </a:solidFill>
+                <a:latin typeface="Wingdings 3" panose="05040102010807070707" pitchFamily="18" charset="2"/>
+              </a:rPr>
+              <a:t>u</a:t>
+            </a:r>
+            <a:r>
+              <a:rPr lang="en-US" sz="3200" dirty="0" smtClean="0"/>
+              <a:t> DNS </a:t>
+            </a:r>
+            <a:r>
+              <a:rPr lang="en-US" sz="3200" dirty="0" smtClean="0">
+                <a:solidFill>
+                  <a:schemeClr val="accent1"/>
+                </a:solidFill>
+                <a:latin typeface="Wingdings 3" panose="05040102010807070707" pitchFamily="18" charset="2"/>
+              </a:rPr>
+              <a:t>u</a:t>
+            </a:r>
+            <a:r>
+              <a:rPr lang="en-US" sz="3200" dirty="0" smtClean="0"/>
+              <a:t> HTTP </a:t>
+            </a:r>
+            <a:r>
+              <a:rPr lang="en-US" sz="3200" dirty="0" smtClean="0">
+                <a:solidFill>
+                  <a:schemeClr val="accent1"/>
+                </a:solidFill>
+                <a:latin typeface="Wingdings 3" panose="05040102010807070707" pitchFamily="18" charset="2"/>
+              </a:rPr>
+              <a:t>u</a:t>
+            </a:r>
+            <a:r>
+              <a:rPr lang="en-US" sz="3200" dirty="0" smtClean="0"/>
+              <a:t> HTTPS </a:t>
+            </a:r>
+            <a:r>
+              <a:rPr lang="en-US" sz="3200" dirty="0" smtClean="0">
+                <a:solidFill>
+                  <a:schemeClr val="accent1"/>
+                </a:solidFill>
+                <a:latin typeface="Wingdings 3" panose="05040102010807070707" pitchFamily="18" charset="2"/>
+              </a:rPr>
+              <a:t>u</a:t>
+            </a:r>
+            <a:r>
+              <a:rPr lang="en-US" sz="3200" dirty="0" smtClean="0"/>
+              <a:t> URL </a:t>
+            </a:r>
+            <a:r>
+              <a:rPr lang="en-US" sz="3200" dirty="0" smtClean="0">
+                <a:solidFill>
+                  <a:schemeClr val="accent1"/>
+                </a:solidFill>
+                <a:latin typeface="Wingdings 3" panose="05040102010807070707" pitchFamily="18" charset="2"/>
+              </a:rPr>
+              <a:t>u</a:t>
+            </a:r>
+            <a:r>
+              <a:rPr lang="en-US" sz="3200" dirty="0" smtClean="0"/>
+              <a:t> Query Strings </a:t>
+            </a:r>
+            <a:r>
+              <a:rPr lang="en-US" sz="3200" dirty="0" smtClean="0">
+                <a:solidFill>
+                  <a:schemeClr val="accent1"/>
+                </a:solidFill>
+                <a:latin typeface="Wingdings 3" panose="05040102010807070707" pitchFamily="18" charset="2"/>
+              </a:rPr>
+              <a:t>u</a:t>
+            </a:r>
+            <a:r>
+              <a:rPr lang="en-US" sz="3200" dirty="0" smtClean="0"/>
+              <a:t> </a:t>
+            </a:r>
+            <a:r>
+              <a:rPr lang="en-US" sz="3200" dirty="0" err="1" smtClean="0"/>
+              <a:t>Punycode</a:t>
+            </a:r>
+            <a:r>
+              <a:rPr lang="en-US" sz="3200" dirty="0" smtClean="0"/>
+              <a:t> </a:t>
+            </a:r>
+            <a:r>
+              <a:rPr lang="en-US" sz="3200" dirty="0" smtClean="0">
+                <a:solidFill>
+                  <a:schemeClr val="accent1"/>
+                </a:solidFill>
+                <a:latin typeface="Wingdings 3" panose="05040102010807070707" pitchFamily="18" charset="2"/>
+              </a:rPr>
+              <a:t>u</a:t>
+            </a:r>
+            <a:r>
+              <a:rPr lang="en-US" sz="3200" dirty="0" smtClean="0"/>
+              <a:t> </a:t>
+            </a:r>
+            <a:r>
+              <a:rPr lang="en-US" sz="3200" dirty="0" err="1" smtClean="0"/>
+              <a:t>Readline</a:t>
+            </a:r>
+            <a:r>
+              <a:rPr lang="en-US" sz="3200" dirty="0" smtClean="0"/>
+              <a:t> </a:t>
+            </a:r>
+            <a:r>
+              <a:rPr lang="en-US" sz="3200" dirty="0" smtClean="0">
+                <a:solidFill>
+                  <a:schemeClr val="accent1"/>
+                </a:solidFill>
+                <a:latin typeface="Wingdings 3" panose="05040102010807070707" pitchFamily="18" charset="2"/>
+              </a:rPr>
+              <a:t>u</a:t>
+            </a:r>
+            <a:r>
+              <a:rPr lang="en-US" sz="3200" dirty="0" smtClean="0"/>
+              <a:t> REPL </a:t>
+            </a:r>
+            <a:r>
+              <a:rPr lang="en-US" sz="3200" dirty="0" smtClean="0">
+                <a:solidFill>
+                  <a:schemeClr val="accent1"/>
+                </a:solidFill>
+                <a:latin typeface="Wingdings 3" panose="05040102010807070707" pitchFamily="18" charset="2"/>
+              </a:rPr>
+              <a:t>u</a:t>
+            </a:r>
+            <a:r>
+              <a:rPr lang="en-US" sz="3200" dirty="0" smtClean="0"/>
+              <a:t> VM</a:t>
+            </a:r>
+            <a:br>
+              <a:rPr lang="en-US" sz="3200" dirty="0" smtClean="0"/>
+            </a:br>
+            <a:r>
+              <a:rPr lang="en-US" sz="3200" dirty="0" smtClean="0">
+                <a:solidFill>
+                  <a:schemeClr val="accent1"/>
+                </a:solidFill>
+                <a:latin typeface="Wingdings 3" panose="05040102010807070707" pitchFamily="18" charset="2"/>
+              </a:rPr>
+              <a:t>u</a:t>
+            </a:r>
+            <a:r>
+              <a:rPr lang="en-US" sz="3200" dirty="0" smtClean="0"/>
+              <a:t> Child Processes </a:t>
+            </a:r>
+            <a:r>
+              <a:rPr lang="en-US" sz="3200" dirty="0" smtClean="0">
+                <a:solidFill>
+                  <a:schemeClr val="accent1"/>
+                </a:solidFill>
+                <a:latin typeface="Wingdings 3" panose="05040102010807070707" pitchFamily="18" charset="2"/>
+              </a:rPr>
+              <a:t>u</a:t>
+            </a:r>
+            <a:r>
+              <a:rPr lang="en-US" sz="3200" dirty="0" smtClean="0"/>
+              <a:t> Assertion Testing </a:t>
+            </a:r>
+            <a:r>
+              <a:rPr lang="en-US" sz="3200" dirty="0" smtClean="0">
+                <a:solidFill>
+                  <a:schemeClr val="accent1"/>
+                </a:solidFill>
+                <a:latin typeface="Wingdings 3" panose="05040102010807070707" pitchFamily="18" charset="2"/>
+              </a:rPr>
+              <a:t>u</a:t>
+            </a:r>
+            <a:r>
+              <a:rPr lang="en-US" sz="3200" dirty="0" smtClean="0"/>
+              <a:t> TTY</a:t>
+            </a:r>
+            <a:br>
+              <a:rPr lang="en-US" sz="3200" dirty="0" smtClean="0"/>
+            </a:br>
+            <a:r>
+              <a:rPr lang="en-US" sz="3200" dirty="0" smtClean="0">
+                <a:solidFill>
+                  <a:schemeClr val="accent1"/>
+                </a:solidFill>
+                <a:latin typeface="Wingdings 3" panose="05040102010807070707" pitchFamily="18" charset="2"/>
+              </a:rPr>
+              <a:t>u</a:t>
+            </a:r>
+            <a:r>
+              <a:rPr lang="en-US" sz="3200" dirty="0" smtClean="0"/>
+              <a:t> ZLIB </a:t>
+            </a:r>
+            <a:r>
+              <a:rPr lang="en-US" sz="3200" dirty="0" smtClean="0">
+                <a:solidFill>
+                  <a:schemeClr val="accent1"/>
+                </a:solidFill>
+                <a:latin typeface="Wingdings 3" panose="05040102010807070707" pitchFamily="18" charset="2"/>
+              </a:rPr>
+              <a:t>u</a:t>
+            </a:r>
+            <a:r>
+              <a:rPr lang="en-US" sz="3200" dirty="0" smtClean="0"/>
+              <a:t> OS </a:t>
+            </a:r>
+            <a:r>
+              <a:rPr lang="en-US" sz="3200" dirty="0" smtClean="0">
+                <a:solidFill>
+                  <a:schemeClr val="accent1"/>
+                </a:solidFill>
+                <a:latin typeface="Wingdings 3" panose="05040102010807070707" pitchFamily="18" charset="2"/>
+              </a:rPr>
+              <a:t>u</a:t>
+            </a:r>
+            <a:r>
+              <a:rPr lang="en-US" sz="3200" dirty="0" smtClean="0"/>
+              <a:t> Cluster</a:t>
+            </a:r>
+            <a:endParaRPr lang="en-US" sz="3200" dirty="0"/>
           </a:p>
         </p:txBody>
       </p:sp>
@@ -26464,7 +26877,7 @@
     </p:spTree>
     <p:extLst>
       <p:ext uri="{BB962C8B-B14F-4D97-AF65-F5344CB8AC3E}">
-        <p14:creationId xmlns:p14="http://schemas.microsoft.com/office/powerpoint/2010/main" val="3944070726"/>
+        <p14:creationId xmlns:p14="http://schemas.microsoft.com/office/powerpoint/2010/main" val="2142387426"/>
       </p:ext>
     </p:extLst>
   </p:cSld>
@@ -26615,8 +27028,8 @@
         </p:nvSpPr>
         <p:spPr>
           <a:xfrm>
-            <a:off x="792480" y="2921169"/>
-            <a:ext cx="5900974" cy="1015663"/>
+            <a:off x="792480" y="1813173"/>
+            <a:ext cx="5026441" cy="3139321"/>
           </a:xfrm>
           <a:prstGeom prst="rect">
             <a:avLst/>
@@ -26630,13 +27043,28 @@
           <a:lstStyle/>
           <a:p>
             <a:r>
-              <a:rPr lang="en-US" sz="6000" dirty="0" smtClean="0">
+              <a:rPr lang="en-US" sz="7200" dirty="0" smtClean="0">
                 <a:latin typeface="Segoe UI Light" panose="020B0502040204020203" pitchFamily="34" charset="0"/>
                 <a:cs typeface="Segoe UI Light" panose="020B0502040204020203" pitchFamily="34" charset="0"/>
               </a:rPr>
-              <a:t>who builds these?</a:t>
-            </a:r>
-            <a:endParaRPr lang="en-US" sz="6000" dirty="0">
+              <a:t>that’s it.</a:t>
+            </a:r>
+          </a:p>
+          <a:p>
+            <a:endParaRPr lang="en-US" sz="7200" dirty="0">
+              <a:latin typeface="Segoe UI Light" panose="020B0502040204020203" pitchFamily="34" charset="0"/>
+              <a:cs typeface="Segoe UI Light" panose="020B0502040204020203" pitchFamily="34" charset="0"/>
+            </a:endParaRPr>
+          </a:p>
+          <a:p>
+            <a:r>
+              <a:rPr lang="en-US" sz="5400" dirty="0" smtClean="0">
+                <a:latin typeface="Segoe UI Light" panose="020B0502040204020203" pitchFamily="34" charset="0"/>
+                <a:cs typeface="Segoe UI Light" panose="020B0502040204020203" pitchFamily="34" charset="0"/>
+              </a:rPr>
+              <a:t>that’s all you get.</a:t>
+            </a:r>
+            <a:endParaRPr lang="en-US" sz="5400" dirty="0">
               <a:latin typeface="Segoe UI Light" panose="020B0502040204020203" pitchFamily="34" charset="0"/>
               <a:cs typeface="Segoe UI Light" panose="020B0502040204020203" pitchFamily="34" charset="0"/>
             </a:endParaRPr>
@@ -26669,7 +27097,7 @@
     </p:spTree>
     <p:extLst>
       <p:ext uri="{BB962C8B-B14F-4D97-AF65-F5344CB8AC3E}">
-        <p14:creationId xmlns:p14="http://schemas.microsoft.com/office/powerpoint/2010/main" val="501429165"/>
+        <p14:creationId xmlns:p14="http://schemas.microsoft.com/office/powerpoint/2010/main" val="2048945466"/>
       </p:ext>
     </p:extLst>
   </p:cSld>
@@ -26796,7 +27224,7 @@
           <p:nvPr/>
         </p:nvPicPr>
         <p:blipFill>
-          <a:blip r:embed="rId2">
+          <a:blip r:embed="rId3">
             <a:extLst>
               <a:ext uri="{28A0092B-C50C-407E-A947-70E740481C1C}">
                 <a14:useLocalDpi xmlns:a14="http://schemas.microsoft.com/office/drawing/2010/main" val="0"/>
@@ -26837,7 +27265,7 @@
           <p:nvPr/>
         </p:nvPicPr>
         <p:blipFill>
-          <a:blip r:embed="rId3"/>
+          <a:blip r:embed="rId4"/>
           <a:stretch>
             <a:fillRect/>
           </a:stretch>
@@ -27184,7 +27612,7 @@
         <p:spPr/>
         <p:txBody>
           <a:bodyPr>
-            <a:normAutofit fontScale="77500" lnSpcReduction="20000"/>
+            <a:normAutofit fontScale="92500" lnSpcReduction="20000"/>
           </a:bodyPr>
           <a:lstStyle/>
           <a:p>
@@ -27209,12 +27637,6 @@
             <a:r>
               <a:rPr lang="en-US" sz="4800" dirty="0" smtClean="0"/>
               <a:t>low-level</a:t>
-            </a:r>
-          </a:p>
-          <a:p>
-            <a:r>
-              <a:rPr lang="en-US" sz="4800" dirty="0" smtClean="0"/>
-              <a:t>modern</a:t>
             </a:r>
           </a:p>
           <a:p>
@@ -27466,55 +27888,6 @@
                       </p:childTnLst>
                     </p:cTn>
                   </p:par>
-                  <p:par>
-                    <p:cTn id="19" fill="hold">
-                      <p:stCondLst>
-                        <p:cond delay="indefinite"/>
-                      </p:stCondLst>
-                      <p:childTnLst>
-                        <p:par>
-                          <p:cTn id="20" fill="hold">
-                            <p:stCondLst>
-                              <p:cond delay="0"/>
-                            </p:stCondLst>
-                            <p:childTnLst>
-                              <p:par>
-                                <p:cTn id="21" presetID="1" presetClass="entr" presetSubtype="0" fill="hold" nodeType="clickEffect">
-                                  <p:stCondLst>
-                                    <p:cond delay="0"/>
-                                  </p:stCondLst>
-                                  <p:childTnLst>
-                                    <p:set>
-                                      <p:cBhvr>
-                                        <p:cTn id="22" dur="1" fill="hold">
-                                          <p:stCondLst>
-                                            <p:cond delay="0"/>
-                                          </p:stCondLst>
-                                        </p:cTn>
-                                        <p:tgtEl>
-                                          <p:spTgt spid="6">
-                                            <p:txEl>
-                                              <p:pRg st="5" end="5"/>
-                                            </p:txEl>
-                                          </p:spTgt>
-                                        </p:tgtEl>
-                                        <p:attrNameLst>
-                                          <p:attrName>style.visibility</p:attrName>
-                                        </p:attrNameLst>
-                                      </p:cBhvr>
-                                      <p:to>
-                                        <p:strVal val="visible"/>
-                                      </p:to>
-                                    </p:set>
-                                  </p:childTnLst>
-                                </p:cTn>
-                              </p:par>
-                            </p:childTnLst>
-                          </p:cTn>
-                        </p:par>
-                      </p:childTnLst>
-                    </p:cTn>
-                  </p:par>
                 </p:childTnLst>
               </p:cTn>
               <p:prevCondLst>
@@ -27575,7 +27948,7 @@
             <a:pPr algn="ctr"/>
             <a:r>
               <a:rPr lang="en-US" dirty="0" smtClean="0"/>
-              <a:t>fast</a:t>
+              <a:t>new and shiny</a:t>
             </a:r>
             <a:endParaRPr lang="en-US" dirty="0"/>
           </a:p>
@@ -27607,7 +27980,7 @@
     </p:spTree>
     <p:extLst>
       <p:ext uri="{BB962C8B-B14F-4D97-AF65-F5344CB8AC3E}">
-        <p14:creationId xmlns:p14="http://schemas.microsoft.com/office/powerpoint/2010/main" val="2302292185"/>
+        <p14:creationId xmlns:p14="http://schemas.microsoft.com/office/powerpoint/2010/main" val="2607109103"/>
       </p:ext>
     </p:extLst>
   </p:cSld>
@@ -27641,50 +28014,58 @@
           <a:chExt cx="0" cy="0"/>
         </a:xfrm>
       </p:grpSpPr>
-      <p:pic>
-        <p:nvPicPr>
-          <p:cNvPr id="2052" name="Picture 4" descr="http://www.nikeride.com/images/2011-hyundai-equus-29.jpg"/>
-          <p:cNvPicPr>
-            <a:picLocks noChangeAspect="1" noChangeArrowheads="1"/>
-          </p:cNvPicPr>
+      <p:sp>
+        <p:nvSpPr>
+          <p:cNvPr id="2" name="TextBox 1"/>
+          <p:cNvSpPr txBox="1"/>
           <p:nvPr/>
-        </p:nvPicPr>
-        <p:blipFill>
-          <a:blip r:embed="rId2">
-            <a:extLst>
-              <a:ext uri="{28A0092B-C50C-407E-A947-70E740481C1C}">
-                <a14:useLocalDpi xmlns:a14="http://schemas.microsoft.com/office/drawing/2010/main" val="0"/>
-              </a:ext>
-            </a:extLst>
-          </a:blip>
-          <a:srcRect/>
-          <a:stretch>
-            <a:fillRect/>
-          </a:stretch>
-        </p:blipFill>
-        <p:spPr bwMode="auto">
+        </p:nvSpPr>
+        <p:spPr>
           <a:xfrm>
-            <a:off x="0" y="-647700"/>
-            <a:ext cx="12192000" cy="8096250"/>
+            <a:off x="792480" y="2459504"/>
+            <a:ext cx="8620117" cy="1938992"/>
           </a:xfrm>
           <a:prstGeom prst="rect">
             <a:avLst/>
           </a:prstGeom>
           <a:noFill/>
-          <a:extLst>
-            <a:ext uri="{909E8E84-426E-40DD-AFC4-6F175D3DCCD1}">
-              <a14:hiddenFill xmlns:a14="http://schemas.microsoft.com/office/drawing/2010/main">
-                <a:solidFill>
-                  <a:srgbClr val="FFFFFF"/>
-                </a:solidFill>
-              </a14:hiddenFill>
-            </a:ext>
-          </a:extLst>
         </p:spPr>
-      </p:pic>
-      <p:sp>
-        <p:nvSpPr>
-          <p:cNvPr id="2" name="Footer Placeholder 1"/>
+        <p:txBody>
+          <a:bodyPr wrap="none" rtlCol="0">
+            <a:spAutoFit/>
+          </a:bodyPr>
+          <a:lstStyle/>
+          <a:p>
+            <a:r>
+              <a:rPr lang="en-US" sz="6000" dirty="0" smtClean="0">
+                <a:latin typeface="Segoe UI Light" panose="020B0502040204020203" pitchFamily="34" charset="0"/>
+                <a:cs typeface="Segoe UI Light" panose="020B0502040204020203" pitchFamily="34" charset="0"/>
+              </a:rPr>
+              <a:t>let’s look at the most-used</a:t>
+            </a:r>
+            <a:br>
+              <a:rPr lang="en-US" sz="6000" dirty="0" smtClean="0">
+                <a:latin typeface="Segoe UI Light" panose="020B0502040204020203" pitchFamily="34" charset="0"/>
+                <a:cs typeface="Segoe UI Light" panose="020B0502040204020203" pitchFamily="34" charset="0"/>
+              </a:rPr>
+            </a:br>
+            <a:r>
+              <a:rPr lang="en-US" sz="6000" dirty="0" smtClean="0">
+                <a:latin typeface="Segoe UI Light" panose="020B0502040204020203" pitchFamily="34" charset="0"/>
+                <a:cs typeface="Segoe UI Light" panose="020B0502040204020203" pitchFamily="34" charset="0"/>
+              </a:rPr>
+              <a:t>node.js packages.</a:t>
+            </a:r>
+            <a:endParaRPr lang="en-US" sz="6000" dirty="0">
+              <a:latin typeface="Segoe UI Light" panose="020B0502040204020203" pitchFamily="34" charset="0"/>
+              <a:cs typeface="Segoe UI Light" panose="020B0502040204020203" pitchFamily="34" charset="0"/>
+            </a:endParaRPr>
+          </a:p>
+        </p:txBody>
+      </p:sp>
+      <p:sp>
+        <p:nvSpPr>
+          <p:cNvPr id="3" name="Footer Placeholder 2"/>
           <p:cNvSpPr>
             <a:spLocks noGrp="1"/>
           </p:cNvSpPr>
@@ -27708,7 +28089,7 @@
     </p:spTree>
     <p:extLst>
       <p:ext uri="{BB962C8B-B14F-4D97-AF65-F5344CB8AC3E}">
-        <p14:creationId xmlns:p14="http://schemas.microsoft.com/office/powerpoint/2010/main" val="2988641"/>
+        <p14:creationId xmlns:p14="http://schemas.microsoft.com/office/powerpoint/2010/main" val="2708132775"/>
       </p:ext>
     </p:extLst>
   </p:cSld>
@@ -27754,202 +28135,60 @@
         </p:nvSpPr>
         <p:spPr>
           <a:xfrm>
-            <a:off x="677334" y="1294575"/>
-            <a:ext cx="8596668" cy="4268850"/>
+            <a:off x="677334" y="2307115"/>
+            <a:ext cx="8596668" cy="2243771"/>
           </a:xfrm>
         </p:spPr>
         <p:txBody>
           <a:bodyPr>
-            <a:normAutofit lnSpcReduction="10000"/>
+            <a:normAutofit/>
           </a:bodyPr>
           <a:lstStyle/>
+          <a:p>
+            <a:r>
+              <a:rPr lang="en-US" sz="2400" dirty="0" smtClean="0"/>
+              <a:t>socket.io: used by 306 other packages</a:t>
+            </a:r>
+          </a:p>
+          <a:p>
+            <a:r>
+              <a:rPr lang="en-US" sz="2400" dirty="0" err="1" smtClean="0"/>
+              <a:t>redis</a:t>
+            </a:r>
+            <a:r>
+              <a:rPr lang="en-US" sz="2400" dirty="0" smtClean="0"/>
+              <a:t>: 259 (</a:t>
+            </a:r>
+            <a:r>
+              <a:rPr lang="en-US" sz="2400" dirty="0" err="1" smtClean="0"/>
+              <a:t>hiredis</a:t>
+            </a:r>
+            <a:r>
+              <a:rPr lang="en-US" sz="2400" dirty="0" smtClean="0"/>
+              <a:t>: 70)</a:t>
+            </a:r>
+          </a:p>
+          <a:p>
+            <a:r>
+              <a:rPr lang="en-US" sz="2400" dirty="0" smtClean="0"/>
+              <a:t>stylus: 148 (less: 134)</a:t>
+            </a:r>
+          </a:p>
+          <a:p>
+            <a:r>
+              <a:rPr lang="en-US" sz="2400" dirty="0" err="1" smtClean="0"/>
+              <a:t>mongodb</a:t>
+            </a:r>
+            <a:r>
+              <a:rPr lang="en-US" sz="2400" dirty="0" smtClean="0"/>
+              <a:t>: 144 (mongoose: 135)</a:t>
+            </a:r>
+          </a:p>
           <a:p>
             <a:pPr marL="0" indent="0">
               <a:buNone/>
             </a:pPr>
-            <a:r>
-              <a:rPr lang="en-US" b="1" dirty="0" smtClean="0"/>
-              <a:t>New </a:t>
-            </a:r>
-            <a:r>
-              <a:rPr lang="en-US" b="1" dirty="0"/>
-              <a:t>HTTP Parser </a:t>
-            </a:r>
-          </a:p>
-          <a:p>
-            <a:pPr marL="0" indent="0">
-              <a:buNone/>
-            </a:pPr>
-            <a:r>
-              <a:rPr lang="en-US" dirty="0"/>
-              <a:t>I've implemented a new HTTP/1.1 request and response parser by hand. (My previous parser was written with the help of </a:t>
-            </a:r>
-            <a:r>
-              <a:rPr lang="en-US" dirty="0" err="1"/>
-              <a:t>Ragel</a:t>
-            </a:r>
-            <a:r>
-              <a:rPr lang="en-US" dirty="0"/>
-              <a:t>.) It requires 124 bytes per HTTP connection, makes zero allocations, has no dependencies, is nearly optimal in its use of CPU instructions, interruptible on any character, has </a:t>
-            </a:r>
-            <a:r>
-              <a:rPr lang="en-US" dirty="0">
-                <a:hlinkClick r:id="rId2"/>
-              </a:rPr>
-              <a:t>extensive tests</a:t>
-            </a:r>
-            <a:r>
-              <a:rPr lang="en-US" dirty="0"/>
-              <a:t>, and is MIT licensed.</a:t>
-            </a:r>
-            <a:br>
-              <a:rPr lang="en-US" dirty="0"/>
-            </a:br>
-            <a:r>
-              <a:rPr lang="en-US" dirty="0"/>
-              <a:t/>
-            </a:r>
-            <a:br>
-              <a:rPr lang="en-US" dirty="0"/>
-            </a:br>
-            <a:r>
-              <a:rPr lang="en-US" dirty="0">
-                <a:hlinkClick r:id="rId3"/>
-              </a:rPr>
-              <a:t>README</a:t>
-            </a:r>
-            <a:r>
-              <a:rPr lang="en-US" dirty="0"/>
-              <a:t/>
-            </a:r>
-            <a:br>
-              <a:rPr lang="en-US" dirty="0"/>
-            </a:br>
-            <a:r>
-              <a:rPr lang="en-US" dirty="0"/>
-              <a:t/>
-            </a:r>
-            <a:br>
-              <a:rPr lang="en-US" dirty="0"/>
-            </a:br>
-            <a:r>
-              <a:rPr lang="en-US" dirty="0" err="1">
-                <a:hlinkClick r:id="rId4"/>
-              </a:rPr>
-              <a:t>http_parser.h</a:t>
-            </a:r>
-            <a:r>
-              <a:rPr lang="en-US" dirty="0"/>
-              <a:t/>
-            </a:r>
-            <a:br>
-              <a:rPr lang="en-US" dirty="0"/>
-            </a:br>
-            <a:r>
-              <a:rPr lang="en-US" dirty="0"/>
-              <a:t/>
-            </a:r>
-            <a:br>
-              <a:rPr lang="en-US" dirty="0"/>
-            </a:br>
-            <a:r>
-              <a:rPr lang="en-US" dirty="0" err="1">
-                <a:hlinkClick r:id="rId5"/>
-              </a:rPr>
-              <a:t>http_parser.c</a:t>
-            </a:r>
-            <a:r>
-              <a:rPr lang="en-US" dirty="0"/>
-              <a:t/>
-            </a:r>
-            <a:br>
-              <a:rPr lang="en-US" dirty="0"/>
-            </a:br>
-            <a:r>
-              <a:rPr lang="en-US" dirty="0"/>
-              <a:t/>
-            </a:r>
-            <a:br>
-              <a:rPr lang="en-US" dirty="0"/>
-            </a:br>
-            <a:r>
-              <a:rPr lang="en-US" dirty="0"/>
-              <a:t/>
-            </a:r>
-            <a:br>
-              <a:rPr lang="en-US" dirty="0"/>
-            </a:br>
-            <a:r>
-              <a:rPr lang="en-US" dirty="0"/>
-              <a:t/>
-            </a:r>
-            <a:br>
-              <a:rPr lang="en-US" dirty="0"/>
-            </a:br>
-            <a:r>
-              <a:rPr lang="en-US" dirty="0"/>
-              <a:t>(Only one user at the moment: </a:t>
-            </a:r>
-            <a:r>
-              <a:rPr lang="en-US" dirty="0">
-                <a:hlinkClick r:id="rId6"/>
-              </a:rPr>
-              <a:t>I've just merged it into Node.</a:t>
-            </a:r>
-            <a:r>
-              <a:rPr lang="en-US" dirty="0"/>
-              <a:t>) </a:t>
-            </a:r>
-          </a:p>
-          <a:p>
-            <a:pPr marL="0" indent="0">
-              <a:buNone/>
-            </a:pPr>
-            <a:endParaRPr lang="en-US" dirty="0"/>
-          </a:p>
-        </p:txBody>
-      </p:sp>
-      <p:sp>
-        <p:nvSpPr>
-          <p:cNvPr id="4" name="TextBox 3"/>
-          <p:cNvSpPr txBox="1"/>
-          <p:nvPr/>
-        </p:nvSpPr>
-        <p:spPr>
-          <a:xfrm>
-            <a:off x="4678192" y="6111240"/>
-            <a:ext cx="4595810" cy="369332"/>
-          </a:xfrm>
-          <a:prstGeom prst="rect">
-            <a:avLst/>
-          </a:prstGeom>
-          <a:noFill/>
-        </p:spPr>
-        <p:txBody>
-          <a:bodyPr wrap="none" rtlCol="0">
-            <a:spAutoFit/>
-          </a:bodyPr>
-          <a:lstStyle/>
-          <a:p>
-            <a:r>
-              <a:rPr lang="en-US" dirty="0" smtClean="0">
-                <a:hlinkClick r:id="rId7"/>
-              </a:rPr>
-              <a:t>http</a:t>
-            </a:r>
-            <a:r>
-              <a:rPr lang="en-US" dirty="0">
-                <a:hlinkClick r:id="rId7"/>
-              </a:rPr>
-              <a:t>://</a:t>
-            </a:r>
-            <a:r>
-              <a:rPr lang="en-US" dirty="0" smtClean="0">
-                <a:hlinkClick r:id="rId7"/>
-              </a:rPr>
-              <a:t>four.livejournal.com/1033160.html</a:t>
-            </a:r>
-            <a:endParaRPr lang="en-US" dirty="0"/>
+            <a:endParaRPr lang="en-US" sz="2400" dirty="0"/>
           </a:p>
         </p:txBody>
       </p:sp>
@@ -27979,7 +28218,7 @@
     </p:spTree>
     <p:extLst>
       <p:ext uri="{BB962C8B-B14F-4D97-AF65-F5344CB8AC3E}">
-        <p14:creationId xmlns:p14="http://schemas.microsoft.com/office/powerpoint/2010/main" val="2759161012"/>
+        <p14:creationId xmlns:p14="http://schemas.microsoft.com/office/powerpoint/2010/main" val="1697182109"/>
       </p:ext>
     </p:extLst>
   </p:cSld>

--- a/presentation.pptx
+++ b/presentation.pptx
@@ -5,52 +5,54 @@
     <p:sldMasterId id="2147483648" r:id="rId1"/>
   </p:sldMasterIdLst>
   <p:notesMasterIdLst>
-    <p:notesMasterId r:id="rId45"/>
+    <p:notesMasterId r:id="rId47"/>
   </p:notesMasterIdLst>
   <p:sldIdLst>
     <p:sldId id="256" r:id="rId2"/>
     <p:sldId id="257" r:id="rId3"/>
-    <p:sldId id="259" r:id="rId4"/>
-    <p:sldId id="260" r:id="rId5"/>
-    <p:sldId id="274" r:id="rId6"/>
-    <p:sldId id="258" r:id="rId7"/>
-    <p:sldId id="305" r:id="rId8"/>
-    <p:sldId id="306" r:id="rId9"/>
-    <p:sldId id="307" r:id="rId10"/>
-    <p:sldId id="308" r:id="rId11"/>
-    <p:sldId id="261" r:id="rId12"/>
-    <p:sldId id="262" r:id="rId13"/>
-    <p:sldId id="265" r:id="rId14"/>
-    <p:sldId id="267" r:id="rId15"/>
-    <p:sldId id="266" r:id="rId16"/>
-    <p:sldId id="268" r:id="rId17"/>
-    <p:sldId id="269" r:id="rId18"/>
-    <p:sldId id="270" r:id="rId19"/>
-    <p:sldId id="271" r:id="rId20"/>
-    <p:sldId id="272" r:id="rId21"/>
-    <p:sldId id="264" r:id="rId22"/>
-    <p:sldId id="276" r:id="rId23"/>
-    <p:sldId id="278" r:id="rId24"/>
-    <p:sldId id="275" r:id="rId25"/>
-    <p:sldId id="273" r:id="rId26"/>
-    <p:sldId id="279" r:id="rId27"/>
-    <p:sldId id="280" r:id="rId28"/>
-    <p:sldId id="281" r:id="rId29"/>
-    <p:sldId id="283" r:id="rId30"/>
-    <p:sldId id="285" r:id="rId31"/>
-    <p:sldId id="286" r:id="rId32"/>
-    <p:sldId id="287" r:id="rId33"/>
-    <p:sldId id="288" r:id="rId34"/>
-    <p:sldId id="289" r:id="rId35"/>
-    <p:sldId id="290" r:id="rId36"/>
-    <p:sldId id="291" r:id="rId37"/>
-    <p:sldId id="292" r:id="rId38"/>
-    <p:sldId id="293" r:id="rId39"/>
-    <p:sldId id="294" r:id="rId40"/>
-    <p:sldId id="297" r:id="rId41"/>
-    <p:sldId id="301" r:id="rId42"/>
-    <p:sldId id="302" r:id="rId43"/>
-    <p:sldId id="304" r:id="rId44"/>
+    <p:sldId id="309" r:id="rId4"/>
+    <p:sldId id="310" r:id="rId5"/>
+    <p:sldId id="259" r:id="rId6"/>
+    <p:sldId id="260" r:id="rId7"/>
+    <p:sldId id="274" r:id="rId8"/>
+    <p:sldId id="258" r:id="rId9"/>
+    <p:sldId id="305" r:id="rId10"/>
+    <p:sldId id="306" r:id="rId11"/>
+    <p:sldId id="307" r:id="rId12"/>
+    <p:sldId id="308" r:id="rId13"/>
+    <p:sldId id="261" r:id="rId14"/>
+    <p:sldId id="262" r:id="rId15"/>
+    <p:sldId id="265" r:id="rId16"/>
+    <p:sldId id="267" r:id="rId17"/>
+    <p:sldId id="266" r:id="rId18"/>
+    <p:sldId id="268" r:id="rId19"/>
+    <p:sldId id="269" r:id="rId20"/>
+    <p:sldId id="270" r:id="rId21"/>
+    <p:sldId id="271" r:id="rId22"/>
+    <p:sldId id="272" r:id="rId23"/>
+    <p:sldId id="264" r:id="rId24"/>
+    <p:sldId id="276" r:id="rId25"/>
+    <p:sldId id="278" r:id="rId26"/>
+    <p:sldId id="275" r:id="rId27"/>
+    <p:sldId id="273" r:id="rId28"/>
+    <p:sldId id="279" r:id="rId29"/>
+    <p:sldId id="280" r:id="rId30"/>
+    <p:sldId id="281" r:id="rId31"/>
+    <p:sldId id="283" r:id="rId32"/>
+    <p:sldId id="285" r:id="rId33"/>
+    <p:sldId id="286" r:id="rId34"/>
+    <p:sldId id="287" r:id="rId35"/>
+    <p:sldId id="288" r:id="rId36"/>
+    <p:sldId id="289" r:id="rId37"/>
+    <p:sldId id="290" r:id="rId38"/>
+    <p:sldId id="291" r:id="rId39"/>
+    <p:sldId id="292" r:id="rId40"/>
+    <p:sldId id="293" r:id="rId41"/>
+    <p:sldId id="294" r:id="rId42"/>
+    <p:sldId id="297" r:id="rId43"/>
+    <p:sldId id="301" r:id="rId44"/>
+    <p:sldId id="302" r:id="rId45"/>
+    <p:sldId id="304" r:id="rId46"/>
   </p:sldIdLst>
   <p:sldSz cx="12188825" cy="6858000"/>
   <p:notesSz cx="6858000" cy="9144000"/>
@@ -664,7 +666,7 @@
           <a:p>
             <a:fld id="{0CF201D2-22CE-4A5F-B071-75120FAE2428}" type="slidenum">
               <a:rPr lang="en-US" smtClean="0"/>
-              <a:t>26</a:t>
+              <a:t>28</a:t>
             </a:fld>
             <a:endParaRPr lang="en-US"/>
           </a:p>
@@ -756,7 +758,7 @@
           <a:p>
             <a:fld id="{0CF201D2-22CE-4A5F-B071-75120FAE2428}" type="slidenum">
               <a:rPr lang="en-US" smtClean="0"/>
-              <a:t>27</a:t>
+              <a:t>29</a:t>
             </a:fld>
             <a:endParaRPr lang="en-US"/>
           </a:p>
@@ -840,7 +842,7 @@
           <a:p>
             <a:fld id="{0CF201D2-22CE-4A5F-B071-75120FAE2428}" type="slidenum">
               <a:rPr lang="en-US" smtClean="0"/>
-              <a:t>31</a:t>
+              <a:t>33</a:t>
             </a:fld>
             <a:endParaRPr lang="en-US"/>
           </a:p>
@@ -924,7 +926,7 @@
           <a:p>
             <a:fld id="{0CF201D2-22CE-4A5F-B071-75120FAE2428}" type="slidenum">
               <a:rPr lang="en-US" smtClean="0"/>
-              <a:t>32</a:t>
+              <a:t>34</a:t>
             </a:fld>
             <a:endParaRPr lang="en-US"/>
           </a:p>
@@ -1008,7 +1010,7 @@
           <a:p>
             <a:fld id="{0CF201D2-22CE-4A5F-B071-75120FAE2428}" type="slidenum">
               <a:rPr lang="en-US" smtClean="0"/>
-              <a:t>34</a:t>
+              <a:t>36</a:t>
             </a:fld>
             <a:endParaRPr lang="en-US"/>
           </a:p>
@@ -1092,7 +1094,7 @@
           <a:p>
             <a:fld id="{0CF201D2-22CE-4A5F-B071-75120FAE2428}" type="slidenum">
               <a:rPr lang="en-US" smtClean="0"/>
-              <a:t>35</a:t>
+              <a:t>37</a:t>
             </a:fld>
             <a:endParaRPr lang="en-US"/>
           </a:p>
@@ -1176,7 +1178,7 @@
           <a:p>
             <a:fld id="{0CF201D2-22CE-4A5F-B071-75120FAE2428}" type="slidenum">
               <a:rPr lang="en-US" smtClean="0"/>
-              <a:t>36</a:t>
+              <a:t>38</a:t>
             </a:fld>
             <a:endParaRPr lang="en-US"/>
           </a:p>
@@ -1260,7 +1262,7 @@
           <a:p>
             <a:fld id="{0CF201D2-22CE-4A5F-B071-75120FAE2428}" type="slidenum">
               <a:rPr lang="en-US" smtClean="0"/>
-              <a:t>37</a:t>
+              <a:t>39</a:t>
             </a:fld>
             <a:endParaRPr lang="en-US"/>
           </a:p>
@@ -1344,7 +1346,7 @@
           <a:p>
             <a:fld id="{0CF201D2-22CE-4A5F-B071-75120FAE2428}" type="slidenum">
               <a:rPr lang="en-US" smtClean="0"/>
-              <a:t>39</a:t>
+              <a:t>41</a:t>
             </a:fld>
             <a:endParaRPr lang="en-US"/>
           </a:p>
@@ -1436,7 +1438,7 @@
           <a:p>
             <a:fld id="{0CF201D2-22CE-4A5F-B071-75120FAE2428}" type="slidenum">
               <a:rPr lang="en-US" smtClean="0"/>
-              <a:t>40</a:t>
+              <a:t>42</a:t>
             </a:fld>
             <a:endParaRPr lang="en-US"/>
           </a:p>
@@ -1528,7 +1530,7 @@
           <a:p>
             <a:fld id="{0CF201D2-22CE-4A5F-B071-75120FAE2428}" type="slidenum">
               <a:rPr lang="en-US" smtClean="0"/>
-              <a:t>6</a:t>
+              <a:t>8</a:t>
             </a:fld>
             <a:endParaRPr lang="en-US"/>
           </a:p>
@@ -1616,7 +1618,7 @@
           <a:p>
             <a:fld id="{0CF201D2-22CE-4A5F-B071-75120FAE2428}" type="slidenum">
               <a:rPr lang="en-US" smtClean="0"/>
-              <a:t>42</a:t>
+              <a:t>44</a:t>
             </a:fld>
             <a:endParaRPr lang="en-US"/>
           </a:p>
@@ -1704,7 +1706,7 @@
           <a:p>
             <a:fld id="{0CF201D2-22CE-4A5F-B071-75120FAE2428}" type="slidenum">
               <a:rPr lang="en-US" smtClean="0"/>
-              <a:t>7</a:t>
+              <a:t>9</a:t>
             </a:fld>
             <a:endParaRPr lang="en-US"/>
           </a:p>
@@ -1791,11 +1793,7 @@
             </a:br>
             <a:r>
               <a:rPr lang="en-US" baseline="0" dirty="0" smtClean="0"/>
-              <a:t>Lead in to next slide is “let’s look at some examples of this in our usual </a:t>
-            </a:r>
-            <a:r>
-              <a:rPr lang="en-US" baseline="0" smtClean="0"/>
-              <a:t>web frameworks”</a:t>
+              <a:t>Lead in to next slide is “let’s look at some examples of this in our usual web frameworks”</a:t>
             </a:r>
             <a:endParaRPr lang="en-US" dirty="0"/>
           </a:p>
@@ -1818,7 +1816,7 @@
           <a:p>
             <a:fld id="{0CF201D2-22CE-4A5F-B071-75120FAE2428}" type="slidenum">
               <a:rPr lang="en-US" smtClean="0"/>
-              <a:t>16</a:t>
+              <a:t>18</a:t>
             </a:fld>
             <a:endParaRPr lang="en-US"/>
           </a:p>
@@ -1902,7 +1900,7 @@
           <a:p>
             <a:fld id="{0CF201D2-22CE-4A5F-B071-75120FAE2428}" type="slidenum">
               <a:rPr lang="en-US" smtClean="0"/>
-              <a:t>17</a:t>
+              <a:t>19</a:t>
             </a:fld>
             <a:endParaRPr lang="en-US"/>
           </a:p>
@@ -1986,7 +1984,7 @@
           <a:p>
             <a:fld id="{0CF201D2-22CE-4A5F-B071-75120FAE2428}" type="slidenum">
               <a:rPr lang="en-US" smtClean="0"/>
-              <a:t>18</a:t>
+              <a:t>20</a:t>
             </a:fld>
             <a:endParaRPr lang="en-US"/>
           </a:p>
@@ -2070,7 +2068,7 @@
           <a:p>
             <a:fld id="{0CF201D2-22CE-4A5F-B071-75120FAE2428}" type="slidenum">
               <a:rPr lang="en-US" smtClean="0"/>
-              <a:t>19</a:t>
+              <a:t>21</a:t>
             </a:fld>
             <a:endParaRPr lang="en-US"/>
           </a:p>
@@ -2154,7 +2152,7 @@
           <a:p>
             <a:fld id="{0CF201D2-22CE-4A5F-B071-75120FAE2428}" type="slidenum">
               <a:rPr lang="en-US" smtClean="0"/>
-              <a:t>20</a:t>
+              <a:t>22</a:t>
             </a:fld>
             <a:endParaRPr lang="en-US"/>
           </a:p>
@@ -2246,7 +2244,7 @@
           <a:p>
             <a:fld id="{0CF201D2-22CE-4A5F-B071-75120FAE2428}" type="slidenum">
               <a:rPr lang="en-US" smtClean="0"/>
-              <a:t>23</a:t>
+              <a:t>25</a:t>
             </a:fld>
             <a:endParaRPr lang="en-US"/>
           </a:p>
@@ -21546,8 +21544,8 @@
         </p:nvSpPr>
         <p:spPr>
           <a:xfrm>
-            <a:off x="792480" y="2921169"/>
-            <a:ext cx="5900974" cy="1015663"/>
+            <a:off x="792480" y="2459504"/>
+            <a:ext cx="8620117" cy="1938992"/>
           </a:xfrm>
           <a:prstGeom prst="rect">
             <a:avLst/>
@@ -21565,7 +21563,20 @@
                 <a:latin typeface="Segoe UI Light" panose="020B0502040204020203" pitchFamily="34" charset="0"/>
                 <a:cs typeface="Segoe UI Light" panose="020B0502040204020203" pitchFamily="34" charset="0"/>
               </a:rPr>
-              <a:t>who builds these?</a:t>
+              <a:t>let’s look at the most-used</a:t>
+            </a:r>
+            <a:br>
+              <a:rPr lang="en-US" sz="6000" dirty="0" smtClean="0">
+                <a:latin typeface="Segoe UI Light" panose="020B0502040204020203" pitchFamily="34" charset="0"/>
+                <a:cs typeface="Segoe UI Light" panose="020B0502040204020203" pitchFamily="34" charset="0"/>
+              </a:rPr>
+            </a:br>
+            <a:r>
+              <a:rPr lang="en-US" sz="6000" dirty="0" smtClean="0">
+                <a:latin typeface="Segoe UI Light" panose="020B0502040204020203" pitchFamily="34" charset="0"/>
+                <a:cs typeface="Segoe UI Light" panose="020B0502040204020203" pitchFamily="34" charset="0"/>
+              </a:rPr>
+              <a:t>node.js packages.</a:t>
             </a:r>
             <a:endParaRPr lang="en-US" sz="6000" dirty="0">
               <a:latin typeface="Segoe UI Light" panose="020B0502040204020203" pitchFamily="34" charset="0"/>
@@ -21600,7 +21611,7 @@
     </p:spTree>
     <p:extLst>
       <p:ext uri="{BB962C8B-B14F-4D97-AF65-F5344CB8AC3E}">
-        <p14:creationId xmlns:p14="http://schemas.microsoft.com/office/powerpoint/2010/main" val="4147909208"/>
+        <p14:creationId xmlns:p14="http://schemas.microsoft.com/office/powerpoint/2010/main" val="2708132775"/>
       </p:ext>
     </p:extLst>
   </p:cSld>
@@ -21636,6 +21647,231 @@
       </p:grpSpPr>
       <p:sp>
         <p:nvSpPr>
+          <p:cNvPr id="3" name="Content Placeholder 2"/>
+          <p:cNvSpPr>
+            <a:spLocks noGrp="1"/>
+          </p:cNvSpPr>
+          <p:nvPr>
+            <p:ph idx="1"/>
+          </p:nvPr>
+        </p:nvSpPr>
+        <p:spPr>
+          <a:xfrm>
+            <a:off x="677334" y="2307115"/>
+            <a:ext cx="8596668" cy="2243771"/>
+          </a:xfrm>
+        </p:spPr>
+        <p:txBody>
+          <a:bodyPr>
+            <a:normAutofit/>
+          </a:bodyPr>
+          <a:lstStyle/>
+          <a:p>
+            <a:r>
+              <a:rPr lang="en-US" sz="2400" dirty="0" smtClean="0"/>
+              <a:t>socket.io: used by 306 other packages</a:t>
+            </a:r>
+          </a:p>
+          <a:p>
+            <a:r>
+              <a:rPr lang="en-US" sz="2400" dirty="0" err="1" smtClean="0"/>
+              <a:t>redis</a:t>
+            </a:r>
+            <a:r>
+              <a:rPr lang="en-US" sz="2400" dirty="0" smtClean="0"/>
+              <a:t>: 259 (</a:t>
+            </a:r>
+            <a:r>
+              <a:rPr lang="en-US" sz="2400" dirty="0" err="1" smtClean="0"/>
+              <a:t>hiredis</a:t>
+            </a:r>
+            <a:r>
+              <a:rPr lang="en-US" sz="2400" dirty="0" smtClean="0"/>
+              <a:t>: 70)</a:t>
+            </a:r>
+          </a:p>
+          <a:p>
+            <a:r>
+              <a:rPr lang="en-US" sz="2400" dirty="0" smtClean="0"/>
+              <a:t>stylus: 148 (less: 134)</a:t>
+            </a:r>
+          </a:p>
+          <a:p>
+            <a:r>
+              <a:rPr lang="en-US" sz="2400" dirty="0" err="1" smtClean="0"/>
+              <a:t>mongodb</a:t>
+            </a:r>
+            <a:r>
+              <a:rPr lang="en-US" sz="2400" dirty="0" smtClean="0"/>
+              <a:t>: 144 (mongoose: 135)</a:t>
+            </a:r>
+          </a:p>
+          <a:p>
+            <a:pPr marL="0" indent="0">
+              <a:buNone/>
+            </a:pPr>
+            <a:endParaRPr lang="en-US" sz="2400" dirty="0"/>
+          </a:p>
+        </p:txBody>
+      </p:sp>
+      <p:sp>
+        <p:nvSpPr>
+          <p:cNvPr id="2" name="Footer Placeholder 1"/>
+          <p:cNvSpPr>
+            <a:spLocks noGrp="1"/>
+          </p:cNvSpPr>
+          <p:nvPr>
+            <p:ph type="ftr" sz="quarter" idx="11"/>
+          </p:nvPr>
+        </p:nvSpPr>
+        <p:spPr/>
+        <p:txBody>
+          <a:bodyPr/>
+          <a:lstStyle/>
+          <a:p>
+            <a:r>
+              <a:rPr lang="en-US" smtClean="0"/>
+              <a:t>@domenic</a:t>
+            </a:r>
+            <a:endParaRPr lang="en-US"/>
+          </a:p>
+        </p:txBody>
+      </p:sp>
+    </p:spTree>
+    <p:extLst>
+      <p:ext uri="{BB962C8B-B14F-4D97-AF65-F5344CB8AC3E}">
+        <p14:creationId xmlns:p14="http://schemas.microsoft.com/office/powerpoint/2010/main" val="1697182109"/>
+      </p:ext>
+    </p:extLst>
+  </p:cSld>
+  <p:clrMapOvr>
+    <a:masterClrMapping/>
+  </p:clrMapOvr>
+  <p:timing>
+    <p:tnLst>
+      <p:par>
+        <p:cTn id="1" dur="indefinite" restart="never" nodeType="tmRoot"/>
+      </p:par>
+    </p:tnLst>
+  </p:timing>
+</p:sld>
+</file>
+
+<file path=ppt/slides/slide12.xml><?xml version="1.0" encoding="utf-8"?>
+<p:sld xmlns:a="http://schemas.openxmlformats.org/drawingml/2006/main" xmlns:r="http://schemas.openxmlformats.org/officeDocument/2006/relationships" xmlns:p="http://schemas.openxmlformats.org/presentationml/2006/main">
+  <p:cSld>
+    <p:spTree>
+      <p:nvGrpSpPr>
+        <p:cNvPr id="1" name=""/>
+        <p:cNvGrpSpPr/>
+        <p:nvPr/>
+      </p:nvGrpSpPr>
+      <p:grpSpPr>
+        <a:xfrm>
+          <a:off x="0" y="0"/>
+          <a:ext cx="0" cy="0"/>
+          <a:chOff x="0" y="0"/>
+          <a:chExt cx="0" cy="0"/>
+        </a:xfrm>
+      </p:grpSpPr>
+      <p:sp>
+        <p:nvSpPr>
+          <p:cNvPr id="2" name="TextBox 1"/>
+          <p:cNvSpPr txBox="1"/>
+          <p:nvPr/>
+        </p:nvSpPr>
+        <p:spPr>
+          <a:xfrm>
+            <a:off x="792480" y="2921169"/>
+            <a:ext cx="5900974" cy="1015663"/>
+          </a:xfrm>
+          <a:prstGeom prst="rect">
+            <a:avLst/>
+          </a:prstGeom>
+          <a:noFill/>
+        </p:spPr>
+        <p:txBody>
+          <a:bodyPr wrap="none" rtlCol="0">
+            <a:spAutoFit/>
+          </a:bodyPr>
+          <a:lstStyle/>
+          <a:p>
+            <a:r>
+              <a:rPr lang="en-US" sz="6000" dirty="0" smtClean="0">
+                <a:latin typeface="Segoe UI Light" panose="020B0502040204020203" pitchFamily="34" charset="0"/>
+                <a:cs typeface="Segoe UI Light" panose="020B0502040204020203" pitchFamily="34" charset="0"/>
+              </a:rPr>
+              <a:t>who builds these?</a:t>
+            </a:r>
+            <a:endParaRPr lang="en-US" sz="6000" dirty="0">
+              <a:latin typeface="Segoe UI Light" panose="020B0502040204020203" pitchFamily="34" charset="0"/>
+              <a:cs typeface="Segoe UI Light" panose="020B0502040204020203" pitchFamily="34" charset="0"/>
+            </a:endParaRPr>
+          </a:p>
+        </p:txBody>
+      </p:sp>
+      <p:sp>
+        <p:nvSpPr>
+          <p:cNvPr id="3" name="Footer Placeholder 2"/>
+          <p:cNvSpPr>
+            <a:spLocks noGrp="1"/>
+          </p:cNvSpPr>
+          <p:nvPr>
+            <p:ph type="ftr" sz="quarter" idx="11"/>
+          </p:nvPr>
+        </p:nvSpPr>
+        <p:spPr/>
+        <p:txBody>
+          <a:bodyPr/>
+          <a:lstStyle/>
+          <a:p>
+            <a:r>
+              <a:rPr lang="en-US" smtClean="0"/>
+              <a:t>@domenic</a:t>
+            </a:r>
+            <a:endParaRPr lang="en-US"/>
+          </a:p>
+        </p:txBody>
+      </p:sp>
+    </p:spTree>
+    <p:extLst>
+      <p:ext uri="{BB962C8B-B14F-4D97-AF65-F5344CB8AC3E}">
+        <p14:creationId xmlns:p14="http://schemas.microsoft.com/office/powerpoint/2010/main" val="4147909208"/>
+      </p:ext>
+    </p:extLst>
+  </p:cSld>
+  <p:clrMapOvr>
+    <a:masterClrMapping/>
+  </p:clrMapOvr>
+  <p:timing>
+    <p:tnLst>
+      <p:par>
+        <p:cTn id="1" dur="indefinite" restart="never" nodeType="tmRoot"/>
+      </p:par>
+    </p:tnLst>
+  </p:timing>
+</p:sld>
+</file>
+
+<file path=ppt/slides/slide13.xml><?xml version="1.0" encoding="utf-8"?>
+<p:sld xmlns:a="http://schemas.openxmlformats.org/drawingml/2006/main" xmlns:r="http://schemas.openxmlformats.org/officeDocument/2006/relationships" xmlns:p="http://schemas.openxmlformats.org/presentationml/2006/main">
+  <p:cSld>
+    <p:spTree>
+      <p:nvGrpSpPr>
+        <p:cNvPr id="1" name=""/>
+        <p:cNvGrpSpPr/>
+        <p:nvPr/>
+      </p:nvGrpSpPr>
+      <p:grpSpPr>
+        <a:xfrm>
+          <a:off x="0" y="0"/>
+          <a:ext cx="0" cy="0"/>
+          <a:chOff x="0" y="0"/>
+          <a:chExt cx="0" cy="0"/>
+        </a:xfrm>
+      </p:grpSpPr>
+      <p:sp>
+        <p:nvSpPr>
           <p:cNvPr id="2" name="Title 1"/>
           <p:cNvSpPr>
             <a:spLocks noGrp="1"/>
@@ -21701,7 +21937,7 @@
 </p:sld>
 </file>
 
-<file path=ppt/slides/slide12.xml><?xml version="1.0" encoding="utf-8"?>
+<file path=ppt/slides/slide14.xml><?xml version="1.0" encoding="utf-8"?>
 <p:sld xmlns:a="http://schemas.openxmlformats.org/drawingml/2006/main" xmlns:r="http://schemas.openxmlformats.org/officeDocument/2006/relationships" xmlns:p="http://schemas.openxmlformats.org/presentationml/2006/main">
   <p:cSld>
     <p:spTree>
@@ -21802,7 +22038,7 @@
 </p:sld>
 </file>
 
-<file path=ppt/slides/slide13.xml><?xml version="1.0" encoding="utf-8"?>
+<file path=ppt/slides/slide15.xml><?xml version="1.0" encoding="utf-8"?>
 <p:sld xmlns:a="http://schemas.openxmlformats.org/drawingml/2006/main" xmlns:r="http://schemas.openxmlformats.org/officeDocument/2006/relationships" xmlns:p="http://schemas.openxmlformats.org/presentationml/2006/main">
   <p:cSld>
     <p:spTree>
@@ -22073,7 +22309,7 @@
 </p:sld>
 </file>
 
-<file path=ppt/slides/slide14.xml><?xml version="1.0" encoding="utf-8"?>
+<file path=ppt/slides/slide16.xml><?xml version="1.0" encoding="utf-8"?>
 <p:sld xmlns:a="http://schemas.openxmlformats.org/drawingml/2006/main" xmlns:r="http://schemas.openxmlformats.org/officeDocument/2006/relationships" xmlns:p="http://schemas.openxmlformats.org/presentationml/2006/main">
   <p:cSld>
     <p:spTree>
@@ -22159,7 +22395,7 @@
 </p:sld>
 </file>
 
-<file path=ppt/slides/slide15.xml><?xml version="1.0" encoding="utf-8"?>
+<file path=ppt/slides/slide17.xml><?xml version="1.0" encoding="utf-8"?>
 <p:sld xmlns:a="http://schemas.openxmlformats.org/drawingml/2006/main" xmlns:r="http://schemas.openxmlformats.org/officeDocument/2006/relationships" xmlns:p="http://schemas.openxmlformats.org/presentationml/2006/main">
   <p:cSld>
     <p:spTree>
@@ -22243,7 +22479,7 @@
 </p:sld>
 </file>
 
-<file path=ppt/slides/slide16.xml><?xml version="1.0" encoding="utf-8"?>
+<file path=ppt/slides/slide18.xml><?xml version="1.0" encoding="utf-8"?>
 <p:sld xmlns:a="http://schemas.openxmlformats.org/drawingml/2006/main" xmlns:r="http://schemas.openxmlformats.org/officeDocument/2006/relationships" xmlns:p="http://schemas.openxmlformats.org/presentationml/2006/main">
   <p:cSld>
     <p:spTree>
@@ -22446,295 +22682,6 @@
 </p:sld>
 </file>
 
-<file path=ppt/slides/slide17.xml><?xml version="1.0" encoding="utf-8"?>
-<p:sld xmlns:a="http://schemas.openxmlformats.org/drawingml/2006/main" xmlns:r="http://schemas.openxmlformats.org/officeDocument/2006/relationships" xmlns:p="http://schemas.openxmlformats.org/presentationml/2006/main">
-  <p:cSld>
-    <p:spTree>
-      <p:nvGrpSpPr>
-        <p:cNvPr id="1" name=""/>
-        <p:cNvGrpSpPr/>
-        <p:nvPr/>
-      </p:nvGrpSpPr>
-      <p:grpSpPr>
-        <a:xfrm>
-          <a:off x="0" y="0"/>
-          <a:ext cx="0" cy="0"/>
-          <a:chOff x="0" y="0"/>
-          <a:chExt cx="0" cy="0"/>
-        </a:xfrm>
-      </p:grpSpPr>
-      <p:sp>
-        <p:nvSpPr>
-          <p:cNvPr id="2" name="TextBox 1"/>
-          <p:cNvSpPr txBox="1"/>
-          <p:nvPr/>
-        </p:nvSpPr>
-        <p:spPr>
-          <a:xfrm>
-            <a:off x="792480" y="3013502"/>
-            <a:ext cx="8207696" cy="830997"/>
-          </a:xfrm>
-          <a:prstGeom prst="rect">
-            <a:avLst/>
-          </a:prstGeom>
-          <a:noFill/>
-        </p:spPr>
-        <p:txBody>
-          <a:bodyPr wrap="none" rtlCol="0">
-            <a:spAutoFit/>
-          </a:bodyPr>
-          <a:lstStyle/>
-          <a:p>
-            <a:r>
-              <a:rPr lang="en-US" sz="4800" dirty="0" err="1" smtClean="0">
-                <a:latin typeface="Segoe UI Light" panose="020B0502040204020203" pitchFamily="34" charset="0"/>
-                <a:cs typeface="Segoe UI Light" panose="020B0502040204020203" pitchFamily="34" charset="0"/>
-              </a:rPr>
-              <a:t>Response.Write</a:t>
-            </a:r>
-            <a:r>
-              <a:rPr lang="en-US" sz="4800" dirty="0" smtClean="0">
-                <a:latin typeface="Segoe UI Light" panose="020B0502040204020203" pitchFamily="34" charset="0"/>
-                <a:cs typeface="Segoe UI Light" panose="020B0502040204020203" pitchFamily="34" charset="0"/>
-              </a:rPr>
-              <a:t>("hello, world!");</a:t>
-            </a:r>
-            <a:endParaRPr lang="en-US" sz="4800" dirty="0">
-              <a:latin typeface="Segoe UI Light" panose="020B0502040204020203" pitchFamily="34" charset="0"/>
-              <a:cs typeface="Segoe UI Light" panose="020B0502040204020203" pitchFamily="34" charset="0"/>
-            </a:endParaRPr>
-          </a:p>
-        </p:txBody>
-      </p:sp>
-      <p:sp>
-        <p:nvSpPr>
-          <p:cNvPr id="3" name="Footer Placeholder 2"/>
-          <p:cNvSpPr>
-            <a:spLocks noGrp="1"/>
-          </p:cNvSpPr>
-          <p:nvPr>
-            <p:ph type="ftr" sz="quarter" idx="11"/>
-          </p:nvPr>
-        </p:nvSpPr>
-        <p:spPr/>
-        <p:txBody>
-          <a:bodyPr/>
-          <a:lstStyle/>
-          <a:p>
-            <a:r>
-              <a:rPr lang="en-US" smtClean="0"/>
-              <a:t>@domenic</a:t>
-            </a:r>
-            <a:endParaRPr lang="en-US"/>
-          </a:p>
-        </p:txBody>
-      </p:sp>
-    </p:spTree>
-    <p:extLst>
-      <p:ext uri="{BB962C8B-B14F-4D97-AF65-F5344CB8AC3E}">
-        <p14:creationId xmlns:p14="http://schemas.microsoft.com/office/powerpoint/2010/main" val="4187753147"/>
-      </p:ext>
-    </p:extLst>
-  </p:cSld>
-  <p:clrMapOvr>
-    <a:masterClrMapping/>
-  </p:clrMapOvr>
-  <p:timing>
-    <p:tnLst>
-      <p:par>
-        <p:cTn id="1" dur="indefinite" restart="never" nodeType="tmRoot"/>
-      </p:par>
-    </p:tnLst>
-  </p:timing>
-</p:sld>
-</file>
-
-<file path=ppt/slides/slide18.xml><?xml version="1.0" encoding="utf-8"?>
-<p:sld xmlns:a="http://schemas.openxmlformats.org/drawingml/2006/main" xmlns:r="http://schemas.openxmlformats.org/officeDocument/2006/relationships" xmlns:p="http://schemas.openxmlformats.org/presentationml/2006/main">
-  <p:cSld>
-    <p:spTree>
-      <p:nvGrpSpPr>
-        <p:cNvPr id="1" name=""/>
-        <p:cNvGrpSpPr/>
-        <p:nvPr/>
-      </p:nvGrpSpPr>
-      <p:grpSpPr>
-        <a:xfrm>
-          <a:off x="0" y="0"/>
-          <a:ext cx="0" cy="0"/>
-          <a:chOff x="0" y="0"/>
-          <a:chExt cx="0" cy="0"/>
-        </a:xfrm>
-      </p:grpSpPr>
-      <p:sp>
-        <p:nvSpPr>
-          <p:cNvPr id="2" name="TextBox 1"/>
-          <p:cNvSpPr txBox="1"/>
-          <p:nvPr/>
-        </p:nvSpPr>
-        <p:spPr>
-          <a:xfrm>
-            <a:off x="792480" y="2397949"/>
-            <a:ext cx="8490594" cy="2062103"/>
-          </a:xfrm>
-          <a:prstGeom prst="rect">
-            <a:avLst/>
-          </a:prstGeom>
-          <a:noFill/>
-        </p:spPr>
-        <p:txBody>
-          <a:bodyPr wrap="none" rtlCol="0">
-            <a:spAutoFit/>
-          </a:bodyPr>
-          <a:lstStyle/>
-          <a:p>
-            <a:r>
-              <a:rPr lang="en-US" sz="3200" dirty="0" err="1">
-                <a:latin typeface="Segoe UI Light" panose="020B0502040204020203" pitchFamily="34" charset="0"/>
-                <a:cs typeface="Segoe UI Light" panose="020B0502040204020203" pitchFamily="34" charset="0"/>
-              </a:rPr>
-              <a:t>move_uploaded_file</a:t>
-            </a:r>
-            <a:r>
-              <a:rPr lang="en-US" sz="3200" dirty="0">
-                <a:latin typeface="Segoe UI Light" panose="020B0502040204020203" pitchFamily="34" charset="0"/>
-                <a:cs typeface="Segoe UI Light" panose="020B0502040204020203" pitchFamily="34" charset="0"/>
-              </a:rPr>
-              <a:t>(</a:t>
-            </a:r>
-          </a:p>
-          <a:p>
-            <a:r>
-              <a:rPr lang="en-US" sz="3200" dirty="0">
-                <a:latin typeface="Segoe UI Light" panose="020B0502040204020203" pitchFamily="34" charset="0"/>
-                <a:cs typeface="Segoe UI Light" panose="020B0502040204020203" pitchFamily="34" charset="0"/>
-              </a:rPr>
-              <a:t>    $_FILES['</a:t>
-            </a:r>
-            <a:r>
-              <a:rPr lang="en-US" sz="3200" dirty="0" err="1">
-                <a:latin typeface="Segoe UI Light" panose="020B0502040204020203" pitchFamily="34" charset="0"/>
-                <a:cs typeface="Segoe UI Light" panose="020B0502040204020203" pitchFamily="34" charset="0"/>
-              </a:rPr>
-              <a:t>userphoto</a:t>
-            </a:r>
-            <a:r>
-              <a:rPr lang="en-US" sz="3200" dirty="0">
-                <a:latin typeface="Segoe UI Light" panose="020B0502040204020203" pitchFamily="34" charset="0"/>
-                <a:cs typeface="Segoe UI Light" panose="020B0502040204020203" pitchFamily="34" charset="0"/>
-              </a:rPr>
-              <a:t>']['</a:t>
-            </a:r>
-            <a:r>
-              <a:rPr lang="en-US" sz="3200" dirty="0" err="1">
-                <a:latin typeface="Segoe UI Light" panose="020B0502040204020203" pitchFamily="34" charset="0"/>
-                <a:cs typeface="Segoe UI Light" panose="020B0502040204020203" pitchFamily="34" charset="0"/>
-              </a:rPr>
-              <a:t>tmp_name</a:t>
-            </a:r>
-            <a:r>
-              <a:rPr lang="en-US" sz="3200" dirty="0">
-                <a:latin typeface="Segoe UI Light" panose="020B0502040204020203" pitchFamily="34" charset="0"/>
-                <a:cs typeface="Segoe UI Light" panose="020B0502040204020203" pitchFamily="34" charset="0"/>
-              </a:rPr>
-              <a:t>'],</a:t>
-            </a:r>
-          </a:p>
-          <a:p>
-            <a:r>
-              <a:rPr lang="en-US" sz="3200" dirty="0">
-                <a:latin typeface="Segoe UI Light" panose="020B0502040204020203" pitchFamily="34" charset="0"/>
-                <a:cs typeface="Segoe UI Light" panose="020B0502040204020203" pitchFamily="34" charset="0"/>
-              </a:rPr>
-              <a:t>    "/</a:t>
-            </a:r>
-            <a:r>
-              <a:rPr lang="en-US" sz="3200" dirty="0" err="1">
-                <a:latin typeface="Segoe UI Light" panose="020B0502040204020203" pitchFamily="34" charset="0"/>
-                <a:cs typeface="Segoe UI Light" panose="020B0502040204020203" pitchFamily="34" charset="0"/>
-              </a:rPr>
-              <a:t>var</a:t>
-            </a:r>
-            <a:r>
-              <a:rPr lang="en-US" sz="3200" dirty="0">
-                <a:latin typeface="Segoe UI Light" panose="020B0502040204020203" pitchFamily="34" charset="0"/>
-                <a:cs typeface="Segoe UI Light" panose="020B0502040204020203" pitchFamily="34" charset="0"/>
-              </a:rPr>
-              <a:t>/www/</a:t>
-            </a:r>
-            <a:r>
-              <a:rPr lang="en-US" sz="3200" dirty="0" err="1">
-                <a:latin typeface="Segoe UI Light" panose="020B0502040204020203" pitchFamily="34" charset="0"/>
-                <a:cs typeface="Segoe UI Light" panose="020B0502040204020203" pitchFamily="34" charset="0"/>
-              </a:rPr>
-              <a:t>userphotos</a:t>
-            </a:r>
-            <a:r>
-              <a:rPr lang="en-US" sz="3200" dirty="0">
-                <a:latin typeface="Segoe UI Light" panose="020B0502040204020203" pitchFamily="34" charset="0"/>
-                <a:cs typeface="Segoe UI Light" panose="020B0502040204020203" pitchFamily="34" charset="0"/>
-              </a:rPr>
-              <a:t>/" . $_POST['username']</a:t>
-            </a:r>
-          </a:p>
-          <a:p>
-            <a:r>
-              <a:rPr lang="en-US" sz="3200" dirty="0">
-                <a:latin typeface="Segoe UI Light" panose="020B0502040204020203" pitchFamily="34" charset="0"/>
-                <a:cs typeface="Segoe UI Light" panose="020B0502040204020203" pitchFamily="34" charset="0"/>
-              </a:rPr>
-              <a:t>);</a:t>
-            </a:r>
-            <a:endParaRPr lang="en-US" sz="3200" dirty="0" smtClean="0">
-              <a:latin typeface="Segoe UI Light" panose="020B0502040204020203" pitchFamily="34" charset="0"/>
-              <a:cs typeface="Segoe UI Light" panose="020B0502040204020203" pitchFamily="34" charset="0"/>
-            </a:endParaRPr>
-          </a:p>
-        </p:txBody>
-      </p:sp>
-      <p:sp>
-        <p:nvSpPr>
-          <p:cNvPr id="3" name="Footer Placeholder 2"/>
-          <p:cNvSpPr>
-            <a:spLocks noGrp="1"/>
-          </p:cNvSpPr>
-          <p:nvPr>
-            <p:ph type="ftr" sz="quarter" idx="11"/>
-          </p:nvPr>
-        </p:nvSpPr>
-        <p:spPr/>
-        <p:txBody>
-          <a:bodyPr/>
-          <a:lstStyle/>
-          <a:p>
-            <a:r>
-              <a:rPr lang="en-US" smtClean="0"/>
-              <a:t>@domenic</a:t>
-            </a:r>
-            <a:endParaRPr lang="en-US"/>
-          </a:p>
-        </p:txBody>
-      </p:sp>
-    </p:spTree>
-    <p:extLst>
-      <p:ext uri="{BB962C8B-B14F-4D97-AF65-F5344CB8AC3E}">
-        <p14:creationId xmlns:p14="http://schemas.microsoft.com/office/powerpoint/2010/main" val="2329080430"/>
-      </p:ext>
-    </p:extLst>
-  </p:cSld>
-  <p:clrMapOvr>
-    <a:masterClrMapping/>
-  </p:clrMapOvr>
-  <p:timing>
-    <p:tnLst>
-      <p:par>
-        <p:cTn id="1" dur="indefinite" restart="never" nodeType="tmRoot"/>
-      </p:par>
-    </p:tnLst>
-  </p:timing>
-</p:sld>
-</file>
-
 <file path=ppt/slides/slide19.xml><?xml version="1.0" encoding="utf-8"?>
 <p:sld xmlns:a="http://schemas.openxmlformats.org/drawingml/2006/main" xmlns:r="http://schemas.openxmlformats.org/officeDocument/2006/relationships" xmlns:p="http://schemas.openxmlformats.org/presentationml/2006/main">
   <p:cSld>
@@ -22760,8 +22707,8 @@
         </p:nvSpPr>
         <p:spPr>
           <a:xfrm>
-            <a:off x="792480" y="1905506"/>
-            <a:ext cx="7064755" cy="3046988"/>
+            <a:off x="792480" y="3013502"/>
+            <a:ext cx="8207696" cy="830997"/>
           </a:xfrm>
           <a:prstGeom prst="rect">
             <a:avLst/>
@@ -22775,125 +22722,23 @@
           <a:lstStyle/>
           <a:p>
             <a:r>
-              <a:rPr lang="en-US" sz="3200" dirty="0">
+              <a:rPr lang="en-US" sz="4800" dirty="0" err="1" smtClean="0">
                 <a:latin typeface="Segoe UI Light" panose="020B0502040204020203" pitchFamily="34" charset="0"/>
                 <a:cs typeface="Segoe UI Light" panose="020B0502040204020203" pitchFamily="34" charset="0"/>
               </a:rPr>
-              <a:t>import </a:t>
-            </a:r>
-            <a:r>
-              <a:rPr lang="en-US" sz="3200" dirty="0" err="1">
+              <a:t>Response.Write</a:t>
+            </a:r>
+            <a:r>
+              <a:rPr lang="en-US" sz="4800" dirty="0" smtClean="0">
                 <a:latin typeface="Segoe UI Light" panose="020B0502040204020203" pitchFamily="34" charset="0"/>
                 <a:cs typeface="Segoe UI Light" panose="020B0502040204020203" pitchFamily="34" charset="0"/>
               </a:rPr>
-              <a:t>memcache</a:t>
-            </a:r>
-            <a:endParaRPr lang="en-US" sz="3200" dirty="0">
+              <a:t>("hello, world!");</a:t>
+            </a:r>
+            <a:endParaRPr lang="en-US" sz="4800" dirty="0">
               <a:latin typeface="Segoe UI Light" panose="020B0502040204020203" pitchFamily="34" charset="0"/>
               <a:cs typeface="Segoe UI Light" panose="020B0502040204020203" pitchFamily="34" charset="0"/>
             </a:endParaRPr>
-          </a:p>
-          <a:p>
-            <a:endParaRPr lang="en-US" sz="3200" dirty="0">
-              <a:latin typeface="Segoe UI Light" panose="020B0502040204020203" pitchFamily="34" charset="0"/>
-              <a:cs typeface="Segoe UI Light" panose="020B0502040204020203" pitchFamily="34" charset="0"/>
-            </a:endParaRPr>
-          </a:p>
-          <a:p>
-            <a:r>
-              <a:rPr lang="en-US" sz="3200" dirty="0">
-                <a:latin typeface="Segoe UI Light" panose="020B0502040204020203" pitchFamily="34" charset="0"/>
-                <a:cs typeface="Segoe UI Light" panose="020B0502040204020203" pitchFamily="34" charset="0"/>
-              </a:rPr>
-              <a:t>mc = </a:t>
-            </a:r>
-            <a:r>
-              <a:rPr lang="en-US" sz="3200" dirty="0" err="1">
-                <a:latin typeface="Segoe UI Light" panose="020B0502040204020203" pitchFamily="34" charset="0"/>
-                <a:cs typeface="Segoe UI Light" panose="020B0502040204020203" pitchFamily="34" charset="0"/>
-              </a:rPr>
-              <a:t>memcache.Client</a:t>
-            </a:r>
-            <a:r>
-              <a:rPr lang="en-US" sz="3200" dirty="0">
-                <a:latin typeface="Segoe UI Light" panose="020B0502040204020203" pitchFamily="34" charset="0"/>
-                <a:cs typeface="Segoe UI Light" panose="020B0502040204020203" pitchFamily="34" charset="0"/>
-              </a:rPr>
-              <a:t>(['127.0.0.1:11211'])</a:t>
-            </a:r>
-          </a:p>
-          <a:p>
-            <a:endParaRPr lang="en-US" sz="3200" dirty="0">
-              <a:latin typeface="Segoe UI Light" panose="020B0502040204020203" pitchFamily="34" charset="0"/>
-              <a:cs typeface="Segoe UI Light" panose="020B0502040204020203" pitchFamily="34" charset="0"/>
-            </a:endParaRPr>
-          </a:p>
-          <a:p>
-            <a:r>
-              <a:rPr lang="en-US" sz="3200" dirty="0" err="1">
-                <a:latin typeface="Segoe UI Light" panose="020B0502040204020203" pitchFamily="34" charset="0"/>
-                <a:cs typeface="Segoe UI Light" panose="020B0502040204020203" pitchFamily="34" charset="0"/>
-              </a:rPr>
-              <a:t>mc.set</a:t>
-            </a:r>
-            <a:r>
-              <a:rPr lang="en-US" sz="3200" dirty="0">
-                <a:latin typeface="Segoe UI Light" panose="020B0502040204020203" pitchFamily="34" charset="0"/>
-                <a:cs typeface="Segoe UI Light" panose="020B0502040204020203" pitchFamily="34" charset="0"/>
-              </a:rPr>
-              <a:t>("</a:t>
-            </a:r>
-            <a:r>
-              <a:rPr lang="en-US" sz="3200" dirty="0" err="1">
-                <a:latin typeface="Segoe UI Light" panose="020B0502040204020203" pitchFamily="34" charset="0"/>
-                <a:cs typeface="Segoe UI Light" panose="020B0502040204020203" pitchFamily="34" charset="0"/>
-              </a:rPr>
-              <a:t>heavily_used_data</a:t>
-            </a:r>
-            <a:r>
-              <a:rPr lang="en-US" sz="3200" dirty="0">
-                <a:latin typeface="Segoe UI Light" panose="020B0502040204020203" pitchFamily="34" charset="0"/>
-                <a:cs typeface="Segoe UI Light" panose="020B0502040204020203" pitchFamily="34" charset="0"/>
-              </a:rPr>
-              <a:t>", "data")</a:t>
-            </a:r>
-          </a:p>
-          <a:p>
-            <a:r>
-              <a:rPr lang="en-US" sz="3200" dirty="0">
-                <a:latin typeface="Segoe UI Light" panose="020B0502040204020203" pitchFamily="34" charset="0"/>
-                <a:cs typeface="Segoe UI Light" panose="020B0502040204020203" pitchFamily="34" charset="0"/>
-              </a:rPr>
-              <a:t>value = </a:t>
-            </a:r>
-            <a:r>
-              <a:rPr lang="en-US" sz="3200" dirty="0" err="1">
-                <a:latin typeface="Segoe UI Light" panose="020B0502040204020203" pitchFamily="34" charset="0"/>
-                <a:cs typeface="Segoe UI Light" panose="020B0502040204020203" pitchFamily="34" charset="0"/>
-              </a:rPr>
-              <a:t>mc.get</a:t>
-            </a:r>
-            <a:r>
-              <a:rPr lang="en-US" sz="3200" dirty="0">
-                <a:latin typeface="Segoe UI Light" panose="020B0502040204020203" pitchFamily="34" charset="0"/>
-                <a:cs typeface="Segoe UI Light" panose="020B0502040204020203" pitchFamily="34" charset="0"/>
-              </a:rPr>
-              <a:t>("</a:t>
-            </a:r>
-            <a:r>
-              <a:rPr lang="en-US" sz="3200" dirty="0" err="1">
-                <a:latin typeface="Segoe UI Light" panose="020B0502040204020203" pitchFamily="34" charset="0"/>
-                <a:cs typeface="Segoe UI Light" panose="020B0502040204020203" pitchFamily="34" charset="0"/>
-              </a:rPr>
-              <a:t>more_data</a:t>
-            </a:r>
-            <a:r>
-              <a:rPr lang="en-US" sz="3200" dirty="0">
-                <a:latin typeface="Segoe UI Light" panose="020B0502040204020203" pitchFamily="34" charset="0"/>
-                <a:cs typeface="Segoe UI Light" panose="020B0502040204020203" pitchFamily="34" charset="0"/>
-              </a:rPr>
-              <a:t>")</a:t>
-            </a:r>
           </a:p>
         </p:txBody>
       </p:sp>
@@ -22923,7 +22768,7 @@
     </p:spTree>
     <p:extLst>
       <p:ext uri="{BB962C8B-B14F-4D97-AF65-F5344CB8AC3E}">
-        <p14:creationId xmlns:p14="http://schemas.microsoft.com/office/powerpoint/2010/main" val="938901726"/>
+        <p14:creationId xmlns:p14="http://schemas.microsoft.com/office/powerpoint/2010/main" val="4187753147"/>
       </p:ext>
     </p:extLst>
   </p:cSld>
@@ -23176,8 +23021,8 @@
         </p:nvSpPr>
         <p:spPr>
           <a:xfrm>
-            <a:off x="792480" y="1905506"/>
-            <a:ext cx="6769802" cy="3046988"/>
+            <a:off x="792480" y="2397949"/>
+            <a:ext cx="8490594" cy="2062103"/>
           </a:xfrm>
           <a:prstGeom prst="rect">
             <a:avLst/>
@@ -23191,48 +23036,55 @@
           <a:lstStyle/>
           <a:p>
             <a:r>
+              <a:rPr lang="en-US" sz="3200" dirty="0" err="1">
+                <a:latin typeface="Segoe UI Light" panose="020B0502040204020203" pitchFamily="34" charset="0"/>
+                <a:cs typeface="Segoe UI Light" panose="020B0502040204020203" pitchFamily="34" charset="0"/>
+              </a:rPr>
+              <a:t>move_uploaded_file</a:t>
+            </a:r>
+            <a:r>
               <a:rPr lang="en-US" sz="3200" dirty="0">
                 <a:latin typeface="Segoe UI Light" panose="020B0502040204020203" pitchFamily="34" charset="0"/>
                 <a:cs typeface="Segoe UI Light" panose="020B0502040204020203" pitchFamily="34" charset="0"/>
               </a:rPr>
-              <a:t>class Post &lt; </a:t>
+              <a:t>(</a:t>
+            </a:r>
+          </a:p>
+          <a:p>
+            <a:r>
+              <a:rPr lang="en-US" sz="3200" dirty="0">
+                <a:latin typeface="Segoe UI Light" panose="020B0502040204020203" pitchFamily="34" charset="0"/>
+                <a:cs typeface="Segoe UI Light" panose="020B0502040204020203" pitchFamily="34" charset="0"/>
+              </a:rPr>
+              <a:t>    $_FILES['</a:t>
             </a:r>
             <a:r>
               <a:rPr lang="en-US" sz="3200" dirty="0" err="1">
                 <a:latin typeface="Segoe UI Light" panose="020B0502040204020203" pitchFamily="34" charset="0"/>
                 <a:cs typeface="Segoe UI Light" panose="020B0502040204020203" pitchFamily="34" charset="0"/>
               </a:rPr>
-              <a:t>ActiveRecord</a:t>
+              <a:t>userphoto</a:t>
             </a:r>
             <a:r>
               <a:rPr lang="en-US" sz="3200" dirty="0">
                 <a:latin typeface="Segoe UI Light" panose="020B0502040204020203" pitchFamily="34" charset="0"/>
                 <a:cs typeface="Segoe UI Light" panose="020B0502040204020203" pitchFamily="34" charset="0"/>
               </a:rPr>
-              <a:t>::Base</a:t>
-            </a:r>
-          </a:p>
-          <a:p>
-            <a:r>
-              <a:rPr lang="en-US" sz="3200" dirty="0" smtClean="0">
-                <a:latin typeface="Segoe UI Light" panose="020B0502040204020203" pitchFamily="34" charset="0"/>
-                <a:cs typeface="Segoe UI Light" panose="020B0502040204020203" pitchFamily="34" charset="0"/>
-              </a:rPr>
-              <a:t>    </a:t>
+              <a:t>']['</a:t>
             </a:r>
             <a:r>
               <a:rPr lang="en-US" sz="3200" dirty="0" err="1">
                 <a:latin typeface="Segoe UI Light" panose="020B0502040204020203" pitchFamily="34" charset="0"/>
                 <a:cs typeface="Segoe UI Light" panose="020B0502040204020203" pitchFamily="34" charset="0"/>
               </a:rPr>
-              <a:t>attr_accessible</a:t>
+              <a:t>tmp_name</a:t>
             </a:r>
             <a:r>
               <a:rPr lang="en-US" sz="3200" dirty="0">
                 <a:latin typeface="Segoe UI Light" panose="020B0502040204020203" pitchFamily="34" charset="0"/>
                 <a:cs typeface="Segoe UI Light" panose="020B0502040204020203" pitchFamily="34" charset="0"/>
               </a:rPr>
-              <a:t> :content, :name, :title</a:t>
+              <a:t>'],</a:t>
             </a:r>
           </a:p>
           <a:p>
@@ -23241,51 +23093,36 @@
                 <a:latin typeface="Segoe UI Light" panose="020B0502040204020203" pitchFamily="34" charset="0"/>
                 <a:cs typeface="Segoe UI Light" panose="020B0502040204020203" pitchFamily="34" charset="0"/>
               </a:rPr>
-              <a:t> </a:t>
-            </a:r>
-          </a:p>
-          <a:p>
-            <a:r>
-              <a:rPr lang="en-US" sz="3200" dirty="0" smtClean="0">
+              <a:t>    "/</a:t>
+            </a:r>
+            <a:r>
+              <a:rPr lang="en-US" sz="3200" dirty="0" err="1">
                 <a:latin typeface="Segoe UI Light" panose="020B0502040204020203" pitchFamily="34" charset="0"/>
                 <a:cs typeface="Segoe UI Light" panose="020B0502040204020203" pitchFamily="34" charset="0"/>
               </a:rPr>
-              <a:t>    </a:t>
+              <a:t>var</a:t>
             </a:r>
             <a:r>
               <a:rPr lang="en-US" sz="3200" dirty="0">
                 <a:latin typeface="Segoe UI Light" panose="020B0502040204020203" pitchFamily="34" charset="0"/>
                 <a:cs typeface="Segoe UI Light" panose="020B0502040204020203" pitchFamily="34" charset="0"/>
               </a:rPr>
-              <a:t>validates :name,  :presence =&gt; true</a:t>
-            </a:r>
-          </a:p>
-          <a:p>
-            <a:r>
-              <a:rPr lang="en-US" sz="3200" dirty="0" smtClean="0">
+              <a:t>/www/</a:t>
+            </a:r>
+            <a:r>
+              <a:rPr lang="en-US" sz="3200" dirty="0" err="1">
                 <a:latin typeface="Segoe UI Light" panose="020B0502040204020203" pitchFamily="34" charset="0"/>
                 <a:cs typeface="Segoe UI Light" panose="020B0502040204020203" pitchFamily="34" charset="0"/>
               </a:rPr>
-              <a:t>    </a:t>
+              <a:t>userphotos</a:t>
             </a:r>
             <a:r>
               <a:rPr lang="en-US" sz="3200" dirty="0">
                 <a:latin typeface="Segoe UI Light" panose="020B0502040204020203" pitchFamily="34" charset="0"/>
                 <a:cs typeface="Segoe UI Light" panose="020B0502040204020203" pitchFamily="34" charset="0"/>
               </a:rPr>
-              <a:t>validates :title, :presence =&gt; </a:t>
-            </a:r>
-            <a:r>
-              <a:rPr lang="en-US" sz="3200" dirty="0" smtClean="0">
-                <a:latin typeface="Segoe UI Light" panose="020B0502040204020203" pitchFamily="34" charset="0"/>
-                <a:cs typeface="Segoe UI Light" panose="020B0502040204020203" pitchFamily="34" charset="0"/>
-              </a:rPr>
-              <a:t>true</a:t>
-            </a:r>
-            <a:endParaRPr lang="en-US" sz="3200" dirty="0">
-              <a:latin typeface="Segoe UI Light" panose="020B0502040204020203" pitchFamily="34" charset="0"/>
-              <a:cs typeface="Segoe UI Light" panose="020B0502040204020203" pitchFamily="34" charset="0"/>
-            </a:endParaRPr>
+              <a:t>/" . $_POST['username']</a:t>
+            </a:r>
           </a:p>
           <a:p>
             <a:r>
@@ -23293,8 +23130,12 @@
                 <a:latin typeface="Segoe UI Light" panose="020B0502040204020203" pitchFamily="34" charset="0"/>
                 <a:cs typeface="Segoe UI Light" panose="020B0502040204020203" pitchFamily="34" charset="0"/>
               </a:rPr>
-              <a:t>end</a:t>
-            </a:r>
+              <a:t>);</a:t>
+            </a:r>
+            <a:endParaRPr lang="en-US" sz="3200" dirty="0" smtClean="0">
+              <a:latin typeface="Segoe UI Light" panose="020B0502040204020203" pitchFamily="34" charset="0"/>
+              <a:cs typeface="Segoe UI Light" panose="020B0502040204020203" pitchFamily="34" charset="0"/>
+            </a:endParaRPr>
           </a:p>
         </p:txBody>
       </p:sp>
@@ -23324,7 +23165,7 @@
     </p:spTree>
     <p:extLst>
       <p:ext uri="{BB962C8B-B14F-4D97-AF65-F5344CB8AC3E}">
-        <p14:creationId xmlns:p14="http://schemas.microsoft.com/office/powerpoint/2010/main" val="2160644089"/>
+        <p14:creationId xmlns:p14="http://schemas.microsoft.com/office/powerpoint/2010/main" val="2329080430"/>
       </p:ext>
     </p:extLst>
   </p:cSld>
@@ -23366,6 +23207,401 @@
         </p:nvSpPr>
         <p:spPr>
           <a:xfrm>
+            <a:off x="792480" y="1905506"/>
+            <a:ext cx="7064755" cy="3046988"/>
+          </a:xfrm>
+          <a:prstGeom prst="rect">
+            <a:avLst/>
+          </a:prstGeom>
+          <a:noFill/>
+        </p:spPr>
+        <p:txBody>
+          <a:bodyPr wrap="none" rtlCol="0">
+            <a:spAutoFit/>
+          </a:bodyPr>
+          <a:lstStyle/>
+          <a:p>
+            <a:r>
+              <a:rPr lang="en-US" sz="3200" dirty="0">
+                <a:latin typeface="Segoe UI Light" panose="020B0502040204020203" pitchFamily="34" charset="0"/>
+                <a:cs typeface="Segoe UI Light" panose="020B0502040204020203" pitchFamily="34" charset="0"/>
+              </a:rPr>
+              <a:t>import </a:t>
+            </a:r>
+            <a:r>
+              <a:rPr lang="en-US" sz="3200" dirty="0" err="1">
+                <a:latin typeface="Segoe UI Light" panose="020B0502040204020203" pitchFamily="34" charset="0"/>
+                <a:cs typeface="Segoe UI Light" panose="020B0502040204020203" pitchFamily="34" charset="0"/>
+              </a:rPr>
+              <a:t>memcache</a:t>
+            </a:r>
+            <a:endParaRPr lang="en-US" sz="3200" dirty="0">
+              <a:latin typeface="Segoe UI Light" panose="020B0502040204020203" pitchFamily="34" charset="0"/>
+              <a:cs typeface="Segoe UI Light" panose="020B0502040204020203" pitchFamily="34" charset="0"/>
+            </a:endParaRPr>
+          </a:p>
+          <a:p>
+            <a:endParaRPr lang="en-US" sz="3200" dirty="0">
+              <a:latin typeface="Segoe UI Light" panose="020B0502040204020203" pitchFamily="34" charset="0"/>
+              <a:cs typeface="Segoe UI Light" panose="020B0502040204020203" pitchFamily="34" charset="0"/>
+            </a:endParaRPr>
+          </a:p>
+          <a:p>
+            <a:r>
+              <a:rPr lang="en-US" sz="3200" dirty="0">
+                <a:latin typeface="Segoe UI Light" panose="020B0502040204020203" pitchFamily="34" charset="0"/>
+                <a:cs typeface="Segoe UI Light" panose="020B0502040204020203" pitchFamily="34" charset="0"/>
+              </a:rPr>
+              <a:t>mc = </a:t>
+            </a:r>
+            <a:r>
+              <a:rPr lang="en-US" sz="3200" dirty="0" err="1">
+                <a:latin typeface="Segoe UI Light" panose="020B0502040204020203" pitchFamily="34" charset="0"/>
+                <a:cs typeface="Segoe UI Light" panose="020B0502040204020203" pitchFamily="34" charset="0"/>
+              </a:rPr>
+              <a:t>memcache.Client</a:t>
+            </a:r>
+            <a:r>
+              <a:rPr lang="en-US" sz="3200" dirty="0">
+                <a:latin typeface="Segoe UI Light" panose="020B0502040204020203" pitchFamily="34" charset="0"/>
+                <a:cs typeface="Segoe UI Light" panose="020B0502040204020203" pitchFamily="34" charset="0"/>
+              </a:rPr>
+              <a:t>(['127.0.0.1:11211'])</a:t>
+            </a:r>
+          </a:p>
+          <a:p>
+            <a:endParaRPr lang="en-US" sz="3200" dirty="0">
+              <a:latin typeface="Segoe UI Light" panose="020B0502040204020203" pitchFamily="34" charset="0"/>
+              <a:cs typeface="Segoe UI Light" panose="020B0502040204020203" pitchFamily="34" charset="0"/>
+            </a:endParaRPr>
+          </a:p>
+          <a:p>
+            <a:r>
+              <a:rPr lang="en-US" sz="3200" dirty="0" err="1">
+                <a:latin typeface="Segoe UI Light" panose="020B0502040204020203" pitchFamily="34" charset="0"/>
+                <a:cs typeface="Segoe UI Light" panose="020B0502040204020203" pitchFamily="34" charset="0"/>
+              </a:rPr>
+              <a:t>mc.set</a:t>
+            </a:r>
+            <a:r>
+              <a:rPr lang="en-US" sz="3200" dirty="0">
+                <a:latin typeface="Segoe UI Light" panose="020B0502040204020203" pitchFamily="34" charset="0"/>
+                <a:cs typeface="Segoe UI Light" panose="020B0502040204020203" pitchFamily="34" charset="0"/>
+              </a:rPr>
+              <a:t>("</a:t>
+            </a:r>
+            <a:r>
+              <a:rPr lang="en-US" sz="3200" dirty="0" err="1">
+                <a:latin typeface="Segoe UI Light" panose="020B0502040204020203" pitchFamily="34" charset="0"/>
+                <a:cs typeface="Segoe UI Light" panose="020B0502040204020203" pitchFamily="34" charset="0"/>
+              </a:rPr>
+              <a:t>heavily_used_data</a:t>
+            </a:r>
+            <a:r>
+              <a:rPr lang="en-US" sz="3200" dirty="0">
+                <a:latin typeface="Segoe UI Light" panose="020B0502040204020203" pitchFamily="34" charset="0"/>
+                <a:cs typeface="Segoe UI Light" panose="020B0502040204020203" pitchFamily="34" charset="0"/>
+              </a:rPr>
+              <a:t>", "data")</a:t>
+            </a:r>
+          </a:p>
+          <a:p>
+            <a:r>
+              <a:rPr lang="en-US" sz="3200" dirty="0">
+                <a:latin typeface="Segoe UI Light" panose="020B0502040204020203" pitchFamily="34" charset="0"/>
+                <a:cs typeface="Segoe UI Light" panose="020B0502040204020203" pitchFamily="34" charset="0"/>
+              </a:rPr>
+              <a:t>value = </a:t>
+            </a:r>
+            <a:r>
+              <a:rPr lang="en-US" sz="3200" dirty="0" err="1">
+                <a:latin typeface="Segoe UI Light" panose="020B0502040204020203" pitchFamily="34" charset="0"/>
+                <a:cs typeface="Segoe UI Light" panose="020B0502040204020203" pitchFamily="34" charset="0"/>
+              </a:rPr>
+              <a:t>mc.get</a:t>
+            </a:r>
+            <a:r>
+              <a:rPr lang="en-US" sz="3200" dirty="0">
+                <a:latin typeface="Segoe UI Light" panose="020B0502040204020203" pitchFamily="34" charset="0"/>
+                <a:cs typeface="Segoe UI Light" panose="020B0502040204020203" pitchFamily="34" charset="0"/>
+              </a:rPr>
+              <a:t>("</a:t>
+            </a:r>
+            <a:r>
+              <a:rPr lang="en-US" sz="3200" dirty="0" err="1">
+                <a:latin typeface="Segoe UI Light" panose="020B0502040204020203" pitchFamily="34" charset="0"/>
+                <a:cs typeface="Segoe UI Light" panose="020B0502040204020203" pitchFamily="34" charset="0"/>
+              </a:rPr>
+              <a:t>more_data</a:t>
+            </a:r>
+            <a:r>
+              <a:rPr lang="en-US" sz="3200" dirty="0">
+                <a:latin typeface="Segoe UI Light" panose="020B0502040204020203" pitchFamily="34" charset="0"/>
+                <a:cs typeface="Segoe UI Light" panose="020B0502040204020203" pitchFamily="34" charset="0"/>
+              </a:rPr>
+              <a:t>")</a:t>
+            </a:r>
+          </a:p>
+        </p:txBody>
+      </p:sp>
+      <p:sp>
+        <p:nvSpPr>
+          <p:cNvPr id="3" name="Footer Placeholder 2"/>
+          <p:cNvSpPr>
+            <a:spLocks noGrp="1"/>
+          </p:cNvSpPr>
+          <p:nvPr>
+            <p:ph type="ftr" sz="quarter" idx="11"/>
+          </p:nvPr>
+        </p:nvSpPr>
+        <p:spPr/>
+        <p:txBody>
+          <a:bodyPr/>
+          <a:lstStyle/>
+          <a:p>
+            <a:r>
+              <a:rPr lang="en-US" smtClean="0"/>
+              <a:t>@domenic</a:t>
+            </a:r>
+            <a:endParaRPr lang="en-US"/>
+          </a:p>
+        </p:txBody>
+      </p:sp>
+    </p:spTree>
+    <p:extLst>
+      <p:ext uri="{BB962C8B-B14F-4D97-AF65-F5344CB8AC3E}">
+        <p14:creationId xmlns:p14="http://schemas.microsoft.com/office/powerpoint/2010/main" val="938901726"/>
+      </p:ext>
+    </p:extLst>
+  </p:cSld>
+  <p:clrMapOvr>
+    <a:masterClrMapping/>
+  </p:clrMapOvr>
+  <p:timing>
+    <p:tnLst>
+      <p:par>
+        <p:cTn id="1" dur="indefinite" restart="never" nodeType="tmRoot"/>
+      </p:par>
+    </p:tnLst>
+  </p:timing>
+</p:sld>
+</file>
+
+<file path=ppt/slides/slide22.xml><?xml version="1.0" encoding="utf-8"?>
+<p:sld xmlns:a="http://schemas.openxmlformats.org/drawingml/2006/main" xmlns:r="http://schemas.openxmlformats.org/officeDocument/2006/relationships" xmlns:p="http://schemas.openxmlformats.org/presentationml/2006/main">
+  <p:cSld>
+    <p:spTree>
+      <p:nvGrpSpPr>
+        <p:cNvPr id="1" name=""/>
+        <p:cNvGrpSpPr/>
+        <p:nvPr/>
+      </p:nvGrpSpPr>
+      <p:grpSpPr>
+        <a:xfrm>
+          <a:off x="0" y="0"/>
+          <a:ext cx="0" cy="0"/>
+          <a:chOff x="0" y="0"/>
+          <a:chExt cx="0" cy="0"/>
+        </a:xfrm>
+      </p:grpSpPr>
+      <p:sp>
+        <p:nvSpPr>
+          <p:cNvPr id="2" name="TextBox 1"/>
+          <p:cNvSpPr txBox="1"/>
+          <p:nvPr/>
+        </p:nvSpPr>
+        <p:spPr>
+          <a:xfrm>
+            <a:off x="792480" y="1905506"/>
+            <a:ext cx="6769802" cy="3046988"/>
+          </a:xfrm>
+          <a:prstGeom prst="rect">
+            <a:avLst/>
+          </a:prstGeom>
+          <a:noFill/>
+        </p:spPr>
+        <p:txBody>
+          <a:bodyPr wrap="none" rtlCol="0">
+            <a:spAutoFit/>
+          </a:bodyPr>
+          <a:lstStyle/>
+          <a:p>
+            <a:r>
+              <a:rPr lang="en-US" sz="3200" dirty="0">
+                <a:latin typeface="Segoe UI Light" panose="020B0502040204020203" pitchFamily="34" charset="0"/>
+                <a:cs typeface="Segoe UI Light" panose="020B0502040204020203" pitchFamily="34" charset="0"/>
+              </a:rPr>
+              <a:t>class Post &lt; </a:t>
+            </a:r>
+            <a:r>
+              <a:rPr lang="en-US" sz="3200" dirty="0" err="1">
+                <a:latin typeface="Segoe UI Light" panose="020B0502040204020203" pitchFamily="34" charset="0"/>
+                <a:cs typeface="Segoe UI Light" panose="020B0502040204020203" pitchFamily="34" charset="0"/>
+              </a:rPr>
+              <a:t>ActiveRecord</a:t>
+            </a:r>
+            <a:r>
+              <a:rPr lang="en-US" sz="3200" dirty="0">
+                <a:latin typeface="Segoe UI Light" panose="020B0502040204020203" pitchFamily="34" charset="0"/>
+                <a:cs typeface="Segoe UI Light" panose="020B0502040204020203" pitchFamily="34" charset="0"/>
+              </a:rPr>
+              <a:t>::Base</a:t>
+            </a:r>
+          </a:p>
+          <a:p>
+            <a:r>
+              <a:rPr lang="en-US" sz="3200" dirty="0" smtClean="0">
+                <a:latin typeface="Segoe UI Light" panose="020B0502040204020203" pitchFamily="34" charset="0"/>
+                <a:cs typeface="Segoe UI Light" panose="020B0502040204020203" pitchFamily="34" charset="0"/>
+              </a:rPr>
+              <a:t>    </a:t>
+            </a:r>
+            <a:r>
+              <a:rPr lang="en-US" sz="3200" dirty="0" err="1">
+                <a:latin typeface="Segoe UI Light" panose="020B0502040204020203" pitchFamily="34" charset="0"/>
+                <a:cs typeface="Segoe UI Light" panose="020B0502040204020203" pitchFamily="34" charset="0"/>
+              </a:rPr>
+              <a:t>attr_accessible</a:t>
+            </a:r>
+            <a:r>
+              <a:rPr lang="en-US" sz="3200" dirty="0">
+                <a:latin typeface="Segoe UI Light" panose="020B0502040204020203" pitchFamily="34" charset="0"/>
+                <a:cs typeface="Segoe UI Light" panose="020B0502040204020203" pitchFamily="34" charset="0"/>
+              </a:rPr>
+              <a:t> :content, :name, :title</a:t>
+            </a:r>
+          </a:p>
+          <a:p>
+            <a:r>
+              <a:rPr lang="en-US" sz="3200" dirty="0">
+                <a:latin typeface="Segoe UI Light" panose="020B0502040204020203" pitchFamily="34" charset="0"/>
+                <a:cs typeface="Segoe UI Light" panose="020B0502040204020203" pitchFamily="34" charset="0"/>
+              </a:rPr>
+              <a:t> </a:t>
+            </a:r>
+          </a:p>
+          <a:p>
+            <a:r>
+              <a:rPr lang="en-US" sz="3200" dirty="0" smtClean="0">
+                <a:latin typeface="Segoe UI Light" panose="020B0502040204020203" pitchFamily="34" charset="0"/>
+                <a:cs typeface="Segoe UI Light" panose="020B0502040204020203" pitchFamily="34" charset="0"/>
+              </a:rPr>
+              <a:t>    </a:t>
+            </a:r>
+            <a:r>
+              <a:rPr lang="en-US" sz="3200" dirty="0">
+                <a:latin typeface="Segoe UI Light" panose="020B0502040204020203" pitchFamily="34" charset="0"/>
+                <a:cs typeface="Segoe UI Light" panose="020B0502040204020203" pitchFamily="34" charset="0"/>
+              </a:rPr>
+              <a:t>validates :name,  :presence =&gt; true</a:t>
+            </a:r>
+          </a:p>
+          <a:p>
+            <a:r>
+              <a:rPr lang="en-US" sz="3200" dirty="0" smtClean="0">
+                <a:latin typeface="Segoe UI Light" panose="020B0502040204020203" pitchFamily="34" charset="0"/>
+                <a:cs typeface="Segoe UI Light" panose="020B0502040204020203" pitchFamily="34" charset="0"/>
+              </a:rPr>
+              <a:t>    </a:t>
+            </a:r>
+            <a:r>
+              <a:rPr lang="en-US" sz="3200" dirty="0">
+                <a:latin typeface="Segoe UI Light" panose="020B0502040204020203" pitchFamily="34" charset="0"/>
+                <a:cs typeface="Segoe UI Light" panose="020B0502040204020203" pitchFamily="34" charset="0"/>
+              </a:rPr>
+              <a:t>validates :title, :presence =&gt; </a:t>
+            </a:r>
+            <a:r>
+              <a:rPr lang="en-US" sz="3200" dirty="0" smtClean="0">
+                <a:latin typeface="Segoe UI Light" panose="020B0502040204020203" pitchFamily="34" charset="0"/>
+                <a:cs typeface="Segoe UI Light" panose="020B0502040204020203" pitchFamily="34" charset="0"/>
+              </a:rPr>
+              <a:t>true</a:t>
+            </a:r>
+            <a:endParaRPr lang="en-US" sz="3200" dirty="0">
+              <a:latin typeface="Segoe UI Light" panose="020B0502040204020203" pitchFamily="34" charset="0"/>
+              <a:cs typeface="Segoe UI Light" panose="020B0502040204020203" pitchFamily="34" charset="0"/>
+            </a:endParaRPr>
+          </a:p>
+          <a:p>
+            <a:r>
+              <a:rPr lang="en-US" sz="3200" dirty="0">
+                <a:latin typeface="Segoe UI Light" panose="020B0502040204020203" pitchFamily="34" charset="0"/>
+                <a:cs typeface="Segoe UI Light" panose="020B0502040204020203" pitchFamily="34" charset="0"/>
+              </a:rPr>
+              <a:t>end</a:t>
+            </a:r>
+          </a:p>
+        </p:txBody>
+      </p:sp>
+      <p:sp>
+        <p:nvSpPr>
+          <p:cNvPr id="3" name="Footer Placeholder 2"/>
+          <p:cNvSpPr>
+            <a:spLocks noGrp="1"/>
+          </p:cNvSpPr>
+          <p:nvPr>
+            <p:ph type="ftr" sz="quarter" idx="11"/>
+          </p:nvPr>
+        </p:nvSpPr>
+        <p:spPr/>
+        <p:txBody>
+          <a:bodyPr/>
+          <a:lstStyle/>
+          <a:p>
+            <a:r>
+              <a:rPr lang="en-US" smtClean="0"/>
+              <a:t>@domenic</a:t>
+            </a:r>
+            <a:endParaRPr lang="en-US"/>
+          </a:p>
+        </p:txBody>
+      </p:sp>
+    </p:spTree>
+    <p:extLst>
+      <p:ext uri="{BB962C8B-B14F-4D97-AF65-F5344CB8AC3E}">
+        <p14:creationId xmlns:p14="http://schemas.microsoft.com/office/powerpoint/2010/main" val="2160644089"/>
+      </p:ext>
+    </p:extLst>
+  </p:cSld>
+  <p:clrMapOvr>
+    <a:masterClrMapping/>
+  </p:clrMapOvr>
+  <p:timing>
+    <p:tnLst>
+      <p:par>
+        <p:cTn id="1" dur="indefinite" restart="never" nodeType="tmRoot"/>
+      </p:par>
+    </p:tnLst>
+  </p:timing>
+</p:sld>
+</file>
+
+<file path=ppt/slides/slide23.xml><?xml version="1.0" encoding="utf-8"?>
+<p:sld xmlns:a="http://schemas.openxmlformats.org/drawingml/2006/main" xmlns:r="http://schemas.openxmlformats.org/officeDocument/2006/relationships" xmlns:p="http://schemas.openxmlformats.org/presentationml/2006/main">
+  <p:cSld>
+    <p:spTree>
+      <p:nvGrpSpPr>
+        <p:cNvPr id="1" name=""/>
+        <p:cNvGrpSpPr/>
+        <p:nvPr/>
+      </p:nvGrpSpPr>
+      <p:grpSpPr>
+        <a:xfrm>
+          <a:off x="0" y="0"/>
+          <a:ext cx="0" cy="0"/>
+          <a:chOff x="0" y="0"/>
+          <a:chExt cx="0" cy="0"/>
+        </a:xfrm>
+      </p:grpSpPr>
+      <p:sp>
+        <p:nvSpPr>
+          <p:cNvPr id="2" name="TextBox 1"/>
+          <p:cNvSpPr txBox="1"/>
+          <p:nvPr/>
+        </p:nvSpPr>
+        <p:spPr>
+          <a:xfrm>
             <a:off x="792480" y="2875002"/>
             <a:ext cx="8566961" cy="1446550"/>
           </a:xfrm>
@@ -23450,7 +23686,7 @@
 </p:sld>
 </file>
 
-<file path=ppt/slides/slide22.xml><?xml version="1.0" encoding="utf-8"?>
+<file path=ppt/slides/slide24.xml><?xml version="1.0" encoding="utf-8"?>
 <p:sld xmlns:a="http://schemas.openxmlformats.org/drawingml/2006/main" xmlns:r="http://schemas.openxmlformats.org/officeDocument/2006/relationships" xmlns:p="http://schemas.openxmlformats.org/presentationml/2006/main">
   <p:cSld>
     <p:spTree>
@@ -23729,7 +23965,7 @@
 </p:sld>
 </file>
 
-<file path=ppt/slides/slide23.xml><?xml version="1.0" encoding="utf-8"?>
+<file path=ppt/slides/slide25.xml><?xml version="1.0" encoding="utf-8"?>
 <p:sld xmlns:a="http://schemas.openxmlformats.org/drawingml/2006/main" xmlns:r="http://schemas.openxmlformats.org/officeDocument/2006/relationships" xmlns:p="http://schemas.openxmlformats.org/presentationml/2006/main">
   <p:cSld>
     <p:spTree>
@@ -23945,7 +24181,7 @@
 </p:sld>
 </file>
 
-<file path=ppt/slides/slide24.xml><?xml version="1.0" encoding="utf-8"?>
+<file path=ppt/slides/slide26.xml><?xml version="1.0" encoding="utf-8"?>
 <p:sld xmlns:a="http://schemas.openxmlformats.org/drawingml/2006/main" xmlns:r="http://schemas.openxmlformats.org/officeDocument/2006/relationships" xmlns:p="http://schemas.openxmlformats.org/presentationml/2006/main">
   <p:cSld>
     <p:spTree>
@@ -24055,7 +24291,7 @@
 </p:sld>
 </file>
 
-<file path=ppt/slides/slide25.xml><?xml version="1.0" encoding="utf-8"?>
+<file path=ppt/slides/slide27.xml><?xml version="1.0" encoding="utf-8"?>
 <p:sld xmlns:a="http://schemas.openxmlformats.org/drawingml/2006/main" xmlns:r="http://schemas.openxmlformats.org/officeDocument/2006/relationships" xmlns:p="http://schemas.openxmlformats.org/presentationml/2006/main">
   <p:cSld>
     <p:spTree>
@@ -24166,7 +24402,7 @@
 </p:sld>
 </file>
 
-<file path=ppt/slides/slide26.xml><?xml version="1.0" encoding="utf-8"?>
+<file path=ppt/slides/slide28.xml><?xml version="1.0" encoding="utf-8"?>
 <p:sld xmlns:a="http://schemas.openxmlformats.org/drawingml/2006/main" xmlns:r="http://schemas.openxmlformats.org/officeDocument/2006/relationships" xmlns:p="http://schemas.openxmlformats.org/presentationml/2006/main">
   <p:cSld>
     <p:spTree>
@@ -24376,459 +24612,6 @@
 </p:sld>
 </file>
 
-<file path=ppt/slides/slide27.xml><?xml version="1.0" encoding="utf-8"?>
-<p:sld xmlns:a="http://schemas.openxmlformats.org/drawingml/2006/main" xmlns:r="http://schemas.openxmlformats.org/officeDocument/2006/relationships" xmlns:p="http://schemas.openxmlformats.org/presentationml/2006/main">
-  <p:cSld>
-    <p:spTree>
-      <p:nvGrpSpPr>
-        <p:cNvPr id="1" name=""/>
-        <p:cNvGrpSpPr/>
-        <p:nvPr/>
-      </p:nvGrpSpPr>
-      <p:grpSpPr>
-        <a:xfrm>
-          <a:off x="0" y="0"/>
-          <a:ext cx="0" cy="0"/>
-          <a:chOff x="0" y="0"/>
-          <a:chExt cx="0" cy="0"/>
-        </a:xfrm>
-      </p:grpSpPr>
-      <p:sp>
-        <p:nvSpPr>
-          <p:cNvPr id="3" name="Content Placeholder 2"/>
-          <p:cNvSpPr>
-            <a:spLocks noGrp="1"/>
-          </p:cNvSpPr>
-          <p:nvPr>
-            <p:ph idx="1"/>
-          </p:nvPr>
-        </p:nvSpPr>
-        <p:spPr>
-          <a:xfrm>
-            <a:off x="677334" y="1294575"/>
-            <a:ext cx="8596668" cy="4268850"/>
-          </a:xfrm>
-        </p:spPr>
-        <p:txBody>
-          <a:bodyPr>
-            <a:normAutofit fontScale="77500" lnSpcReduction="20000"/>
-          </a:bodyPr>
-          <a:lstStyle/>
-          <a:p>
-            <a:pPr marL="0" indent="0">
-              <a:buNone/>
-            </a:pPr>
-            <a:r>
-              <a:rPr lang="en-US" b="1" dirty="0"/>
-              <a:t>My next project </a:t>
-            </a:r>
-          </a:p>
-          <a:p>
-            <a:pPr marL="0" indent="0">
-              <a:buNone/>
-            </a:pPr>
-            <a:r>
-              <a:rPr lang="en-US" dirty="0"/>
-              <a:t>I'm going </a:t>
-            </a:r>
-            <a:r>
-              <a:rPr lang="en-US" dirty="0" smtClean="0"/>
-              <a:t>to write </a:t>
-            </a:r>
-            <a:r>
-              <a:rPr lang="en-US" dirty="0"/>
-              <a:t>a special thin web server tied to </a:t>
-            </a:r>
-            <a:r>
-              <a:rPr lang="en-US" dirty="0">
-                <a:hlinkClick r:id="rId3"/>
-              </a:rPr>
-              <a:t>the V8 </a:t>
-            </a:r>
-            <a:r>
-              <a:rPr lang="en-US" dirty="0" err="1">
-                <a:hlinkClick r:id="rId3"/>
-              </a:rPr>
-              <a:t>javascript</a:t>
-            </a:r>
-            <a:r>
-              <a:rPr lang="en-US" dirty="0">
-                <a:hlinkClick r:id="rId3"/>
-              </a:rPr>
-              <a:t> </a:t>
-            </a:r>
-            <a:r>
-              <a:rPr lang="en-US" dirty="0" smtClean="0">
-                <a:hlinkClick r:id="rId3"/>
-              </a:rPr>
-              <a:t>interpreter</a:t>
-            </a:r>
-            <a:endParaRPr lang="en-US" dirty="0"/>
-          </a:p>
-          <a:p>
-            <a:pPr marL="0" indent="0">
-              <a:buNone/>
-            </a:pPr>
-            <a:r>
-              <a:rPr lang="en-US" dirty="0" smtClean="0"/>
-              <a:t>The </a:t>
-            </a:r>
-            <a:r>
-              <a:rPr lang="en-US" dirty="0"/>
-              <a:t>web server will execute </a:t>
-            </a:r>
-            <a:r>
-              <a:rPr lang="en-US" dirty="0" err="1"/>
-              <a:t>javascripts</a:t>
-            </a:r>
-            <a:r>
-              <a:rPr lang="en-US" dirty="0"/>
-              <a:t> in response to requests in </a:t>
-            </a:r>
-            <a:r>
-              <a:rPr lang="en-US" dirty="0">
-                <a:hlinkClick r:id="rId4"/>
-              </a:rPr>
-              <a:t>real-time</a:t>
-            </a:r>
-            <a:r>
-              <a:rPr lang="en-US" dirty="0" smtClean="0"/>
-              <a:t>.</a:t>
-            </a:r>
-          </a:p>
-          <a:p>
-            <a:pPr marL="0" indent="0">
-              <a:buNone/>
-            </a:pPr>
-            <a:r>
-              <a:rPr lang="en-US" dirty="0" smtClean="0"/>
-              <a:t>The </a:t>
-            </a:r>
-            <a:r>
-              <a:rPr lang="en-US" dirty="0"/>
-              <a:t>beautiful thing about this is that I can lock the users in an evented box where they have no choice but to be fast. They cannot touch the </a:t>
-            </a:r>
-            <a:r>
-              <a:rPr lang="en-US" dirty="0" smtClean="0"/>
-              <a:t>disk. </a:t>
-            </a:r>
-            <a:r>
-              <a:rPr lang="en-US" dirty="0"/>
-              <a:t>They cannot access a database with some stupid library that blocks because they have no access to blocking I/O. They cannot resize an image by linking </a:t>
-            </a:r>
-            <a:r>
-              <a:rPr lang="en-US" dirty="0" err="1"/>
-              <a:t>imagemagick</a:t>
-            </a:r>
-            <a:r>
-              <a:rPr lang="en-US" dirty="0"/>
-              <a:t> into the web server process (and thus slowing down/blocking the entire thing). They cannot crash it because they are very limited in what they can do.</a:t>
-            </a:r>
-            <a:br>
-              <a:rPr lang="en-US" dirty="0"/>
-            </a:br>
-            <a:r>
-              <a:rPr lang="en-US" dirty="0"/>
-              <a:t/>
-            </a:r>
-            <a:br>
-              <a:rPr lang="en-US" dirty="0"/>
-            </a:br>
-            <a:r>
-              <a:rPr lang="en-US" dirty="0"/>
-              <a:t>Why </a:t>
-            </a:r>
-            <a:r>
-              <a:rPr lang="en-US" dirty="0" err="1" smtClean="0"/>
-              <a:t>javascript</a:t>
-            </a:r>
-            <a:r>
-              <a:rPr lang="en-US" dirty="0" smtClean="0"/>
-              <a:t>?</a:t>
-            </a:r>
-          </a:p>
-          <a:p>
-            <a:r>
-              <a:rPr lang="en-US" dirty="0" smtClean="0"/>
-              <a:t>because </a:t>
-            </a:r>
-            <a:r>
-              <a:rPr lang="en-US" dirty="0"/>
-              <a:t>its bare and does not come with I/O </a:t>
-            </a:r>
-            <a:r>
-              <a:rPr lang="en-US" dirty="0" smtClean="0"/>
-              <a:t>APIs</a:t>
-            </a:r>
-          </a:p>
-          <a:p>
-            <a:r>
-              <a:rPr lang="en-US" dirty="0" smtClean="0"/>
-              <a:t>web </a:t>
-            </a:r>
-            <a:r>
-              <a:rPr lang="en-US" dirty="0"/>
-              <a:t>developers use it </a:t>
-            </a:r>
-            <a:r>
-              <a:rPr lang="en-US" dirty="0" smtClean="0"/>
-              <a:t>already</a:t>
-            </a:r>
-            <a:endParaRPr lang="en-US" dirty="0"/>
-          </a:p>
-          <a:p>
-            <a:r>
-              <a:rPr lang="en-US" dirty="0"/>
-              <a:t>DOM API is event-based. Everyone is already used to running without threads and on an event loop already.</a:t>
-            </a:r>
-          </a:p>
-          <a:p>
-            <a:pPr marL="0" indent="0">
-              <a:buNone/>
-            </a:pPr>
-            <a:r>
-              <a:rPr lang="en-US" dirty="0"/>
-              <a:t>I think this design will be extremely efficient and support very high loads. Web requests are transformed into </a:t>
-            </a:r>
-            <a:r>
-              <a:rPr lang="en-US" dirty="0" err="1"/>
-              <a:t>mysql</a:t>
-            </a:r>
-            <a:r>
-              <a:rPr lang="en-US" dirty="0"/>
-              <a:t>, </a:t>
-            </a:r>
-            <a:r>
-              <a:rPr lang="en-US" dirty="0" err="1"/>
-              <a:t>memcached</a:t>
-            </a:r>
-            <a:r>
-              <a:rPr lang="en-US" dirty="0"/>
-              <a:t>, AMQP requests and then return to the event loop</a:t>
-            </a:r>
-            <a:r>
-              <a:rPr lang="en-US" dirty="0" smtClean="0"/>
-              <a:t>.</a:t>
-            </a:r>
-            <a:r>
-              <a:rPr lang="en-US" dirty="0"/>
-              <a:t/>
-            </a:r>
-            <a:br>
-              <a:rPr lang="en-US" dirty="0"/>
-            </a:br>
-            <a:r>
-              <a:rPr lang="en-US" dirty="0"/>
-              <a:t/>
-            </a:r>
-            <a:br>
-              <a:rPr lang="en-US" dirty="0"/>
-            </a:br>
-            <a:r>
-              <a:rPr lang="en-US" dirty="0"/>
-              <a:t>Web developers need this sort of environment where it is not possible for them to do stupid things. Ruby, python, C++, PHP are all terrible languages for web development because they allow too much freedom. </a:t>
-            </a:r>
-          </a:p>
-        </p:txBody>
-      </p:sp>
-      <p:sp>
-        <p:nvSpPr>
-          <p:cNvPr id="4" name="TextBox 3"/>
-          <p:cNvSpPr txBox="1"/>
-          <p:nvPr/>
-        </p:nvSpPr>
-        <p:spPr>
-          <a:xfrm>
-            <a:off x="4678192" y="6111240"/>
-            <a:ext cx="4595810" cy="369332"/>
-          </a:xfrm>
-          <a:prstGeom prst="rect">
-            <a:avLst/>
-          </a:prstGeom>
-          <a:noFill/>
-        </p:spPr>
-        <p:txBody>
-          <a:bodyPr wrap="none" rtlCol="0">
-            <a:spAutoFit/>
-          </a:bodyPr>
-          <a:lstStyle/>
-          <a:p>
-            <a:pPr algn="r"/>
-            <a:r>
-              <a:rPr lang="en-US" dirty="0">
-                <a:hlinkClick r:id="rId5"/>
-              </a:rPr>
-              <a:t>http://</a:t>
-            </a:r>
-            <a:r>
-              <a:rPr lang="en-US" dirty="0" smtClean="0">
-                <a:hlinkClick r:id="rId5"/>
-              </a:rPr>
-              <a:t>four.livejournal.com/963421.html</a:t>
-            </a:r>
-            <a:endParaRPr lang="en-US" dirty="0"/>
-          </a:p>
-        </p:txBody>
-      </p:sp>
-      <p:sp>
-        <p:nvSpPr>
-          <p:cNvPr id="2" name="Footer Placeholder 1"/>
-          <p:cNvSpPr>
-            <a:spLocks noGrp="1"/>
-          </p:cNvSpPr>
-          <p:nvPr>
-            <p:ph type="ftr" sz="quarter" idx="11"/>
-          </p:nvPr>
-        </p:nvSpPr>
-        <p:spPr/>
-        <p:txBody>
-          <a:bodyPr/>
-          <a:lstStyle/>
-          <a:p>
-            <a:r>
-              <a:rPr lang="en-US" smtClean="0"/>
-              <a:t>@domenic</a:t>
-            </a:r>
-            <a:endParaRPr lang="en-US"/>
-          </a:p>
-        </p:txBody>
-      </p:sp>
-    </p:spTree>
-    <p:extLst>
-      <p:ext uri="{BB962C8B-B14F-4D97-AF65-F5344CB8AC3E}">
-        <p14:creationId xmlns:p14="http://schemas.microsoft.com/office/powerpoint/2010/main" val="4250047389"/>
-      </p:ext>
-    </p:extLst>
-  </p:cSld>
-  <p:clrMapOvr>
-    <a:masterClrMapping/>
-  </p:clrMapOvr>
-  <p:timing>
-    <p:tnLst>
-      <p:par>
-        <p:cTn id="1" dur="indefinite" restart="never" nodeType="tmRoot"/>
-      </p:par>
-    </p:tnLst>
-  </p:timing>
-</p:sld>
-</file>
-
-<file path=ppt/slides/slide28.xml><?xml version="1.0" encoding="utf-8"?>
-<p:sld xmlns:a="http://schemas.openxmlformats.org/drawingml/2006/main" xmlns:r="http://schemas.openxmlformats.org/officeDocument/2006/relationships" xmlns:p="http://schemas.openxmlformats.org/presentationml/2006/main">
-  <p:cSld>
-    <p:spTree>
-      <p:nvGrpSpPr>
-        <p:cNvPr id="1" name=""/>
-        <p:cNvGrpSpPr/>
-        <p:nvPr/>
-      </p:nvGrpSpPr>
-      <p:grpSpPr>
-        <a:xfrm>
-          <a:off x="0" y="0"/>
-          <a:ext cx="0" cy="0"/>
-          <a:chOff x="0" y="0"/>
-          <a:chExt cx="0" cy="0"/>
-        </a:xfrm>
-      </p:grpSpPr>
-      <p:sp>
-        <p:nvSpPr>
-          <p:cNvPr id="2" name="TextBox 1"/>
-          <p:cNvSpPr txBox="1"/>
-          <p:nvPr/>
-        </p:nvSpPr>
-        <p:spPr>
-          <a:xfrm>
-            <a:off x="792480" y="2367171"/>
-            <a:ext cx="8675773" cy="2123658"/>
-          </a:xfrm>
-          <a:prstGeom prst="rect">
-            <a:avLst/>
-          </a:prstGeom>
-          <a:noFill/>
-        </p:spPr>
-        <p:txBody>
-          <a:bodyPr wrap="none" rtlCol="0">
-            <a:spAutoFit/>
-          </a:bodyPr>
-          <a:lstStyle/>
-          <a:p>
-            <a:r>
-              <a:rPr lang="en-US" sz="6600" dirty="0" err="1" smtClean="0">
-                <a:latin typeface="Segoe UI Light" panose="020B0502040204020203" pitchFamily="34" charset="0"/>
-                <a:cs typeface="Segoe UI Light" panose="020B0502040204020203" pitchFamily="34" charset="0"/>
-              </a:rPr>
-              <a:t>javascript</a:t>
-            </a:r>
-            <a:r>
-              <a:rPr lang="en-US" sz="6600" dirty="0" smtClean="0">
-                <a:latin typeface="Segoe UI Light" panose="020B0502040204020203" pitchFamily="34" charset="0"/>
-                <a:cs typeface="Segoe UI Light" panose="020B0502040204020203" pitchFamily="34" charset="0"/>
-              </a:rPr>
-              <a:t> has never had</a:t>
-            </a:r>
-            <a:br>
-              <a:rPr lang="en-US" sz="6600" dirty="0" smtClean="0">
-                <a:latin typeface="Segoe UI Light" panose="020B0502040204020203" pitchFamily="34" charset="0"/>
-                <a:cs typeface="Segoe UI Light" panose="020B0502040204020203" pitchFamily="34" charset="0"/>
-              </a:rPr>
-            </a:br>
-            <a:r>
-              <a:rPr lang="en-US" sz="6600" dirty="0" smtClean="0">
-                <a:latin typeface="Segoe UI Light" panose="020B0502040204020203" pitchFamily="34" charset="0"/>
-                <a:cs typeface="Segoe UI Light" panose="020B0502040204020203" pitchFamily="34" charset="0"/>
-              </a:rPr>
-              <a:t>blocking i/o</a:t>
-            </a:r>
-            <a:endParaRPr lang="en-US" sz="6600" dirty="0">
-              <a:latin typeface="Segoe UI Light" panose="020B0502040204020203" pitchFamily="34" charset="0"/>
-              <a:cs typeface="Segoe UI Light" panose="020B0502040204020203" pitchFamily="34" charset="0"/>
-            </a:endParaRPr>
-          </a:p>
-        </p:txBody>
-      </p:sp>
-      <p:sp>
-        <p:nvSpPr>
-          <p:cNvPr id="3" name="Footer Placeholder 2"/>
-          <p:cNvSpPr>
-            <a:spLocks noGrp="1"/>
-          </p:cNvSpPr>
-          <p:nvPr>
-            <p:ph type="ftr" sz="quarter" idx="11"/>
-          </p:nvPr>
-        </p:nvSpPr>
-        <p:spPr/>
-        <p:txBody>
-          <a:bodyPr/>
-          <a:lstStyle/>
-          <a:p>
-            <a:r>
-              <a:rPr lang="en-US" smtClean="0"/>
-              <a:t>@domenic</a:t>
-            </a:r>
-            <a:endParaRPr lang="en-US"/>
-          </a:p>
-        </p:txBody>
-      </p:sp>
-    </p:spTree>
-    <p:extLst>
-      <p:ext uri="{BB962C8B-B14F-4D97-AF65-F5344CB8AC3E}">
-        <p14:creationId xmlns:p14="http://schemas.microsoft.com/office/powerpoint/2010/main" val="3632899315"/>
-      </p:ext>
-    </p:extLst>
-  </p:cSld>
-  <p:clrMapOvr>
-    <a:masterClrMapping/>
-  </p:clrMapOvr>
-  <p:timing>
-    <p:tnLst>
-      <p:par>
-        <p:cTn id="1" dur="indefinite" restart="never" nodeType="tmRoot"/>
-      </p:par>
-    </p:tnLst>
-  </p:timing>
-</p:sld>
-</file>
-
 <file path=ppt/slides/slide29.xml><?xml version="1.0" encoding="utf-8"?>
 <p:sld xmlns:a="http://schemas.openxmlformats.org/drawingml/2006/main" xmlns:r="http://schemas.openxmlformats.org/officeDocument/2006/relationships" xmlns:p="http://schemas.openxmlformats.org/presentationml/2006/main">
   <p:cSld>
@@ -24848,14 +24631,252 @@
       </p:grpSpPr>
       <p:sp>
         <p:nvSpPr>
-          <p:cNvPr id="2" name="TextBox 1"/>
+          <p:cNvPr id="3" name="Content Placeholder 2"/>
+          <p:cNvSpPr>
+            <a:spLocks noGrp="1"/>
+          </p:cNvSpPr>
+          <p:nvPr>
+            <p:ph idx="1"/>
+          </p:nvPr>
+        </p:nvSpPr>
+        <p:spPr>
+          <a:xfrm>
+            <a:off x="677334" y="1294575"/>
+            <a:ext cx="8596668" cy="4268850"/>
+          </a:xfrm>
+        </p:spPr>
+        <p:txBody>
+          <a:bodyPr>
+            <a:normAutofit fontScale="77500" lnSpcReduction="20000"/>
+          </a:bodyPr>
+          <a:lstStyle/>
+          <a:p>
+            <a:pPr marL="0" indent="0">
+              <a:buNone/>
+            </a:pPr>
+            <a:r>
+              <a:rPr lang="en-US" b="1" dirty="0"/>
+              <a:t>My next project </a:t>
+            </a:r>
+          </a:p>
+          <a:p>
+            <a:pPr marL="0" indent="0">
+              <a:buNone/>
+            </a:pPr>
+            <a:r>
+              <a:rPr lang="en-US" dirty="0"/>
+              <a:t>I'm going </a:t>
+            </a:r>
+            <a:r>
+              <a:rPr lang="en-US" dirty="0" smtClean="0"/>
+              <a:t>to write </a:t>
+            </a:r>
+            <a:r>
+              <a:rPr lang="en-US" dirty="0"/>
+              <a:t>a special thin web server tied to </a:t>
+            </a:r>
+            <a:r>
+              <a:rPr lang="en-US" dirty="0">
+                <a:hlinkClick r:id="rId3"/>
+              </a:rPr>
+              <a:t>the V8 </a:t>
+            </a:r>
+            <a:r>
+              <a:rPr lang="en-US" dirty="0" err="1">
+                <a:hlinkClick r:id="rId3"/>
+              </a:rPr>
+              <a:t>javascript</a:t>
+            </a:r>
+            <a:r>
+              <a:rPr lang="en-US" dirty="0">
+                <a:hlinkClick r:id="rId3"/>
+              </a:rPr>
+              <a:t> </a:t>
+            </a:r>
+            <a:r>
+              <a:rPr lang="en-US" dirty="0" smtClean="0">
+                <a:hlinkClick r:id="rId3"/>
+              </a:rPr>
+              <a:t>interpreter</a:t>
+            </a:r>
+            <a:endParaRPr lang="en-US" dirty="0"/>
+          </a:p>
+          <a:p>
+            <a:pPr marL="0" indent="0">
+              <a:buNone/>
+            </a:pPr>
+            <a:r>
+              <a:rPr lang="en-US" dirty="0" smtClean="0"/>
+              <a:t>The </a:t>
+            </a:r>
+            <a:r>
+              <a:rPr lang="en-US" dirty="0"/>
+              <a:t>web server will execute </a:t>
+            </a:r>
+            <a:r>
+              <a:rPr lang="en-US" dirty="0" err="1"/>
+              <a:t>javascripts</a:t>
+            </a:r>
+            <a:r>
+              <a:rPr lang="en-US" dirty="0"/>
+              <a:t> in response to requests in </a:t>
+            </a:r>
+            <a:r>
+              <a:rPr lang="en-US" dirty="0">
+                <a:hlinkClick r:id="rId4"/>
+              </a:rPr>
+              <a:t>real-time</a:t>
+            </a:r>
+            <a:r>
+              <a:rPr lang="en-US" dirty="0" smtClean="0"/>
+              <a:t>.</a:t>
+            </a:r>
+          </a:p>
+          <a:p>
+            <a:pPr marL="0" indent="0">
+              <a:buNone/>
+            </a:pPr>
+            <a:r>
+              <a:rPr lang="en-US" dirty="0" smtClean="0"/>
+              <a:t>The </a:t>
+            </a:r>
+            <a:r>
+              <a:rPr lang="en-US" dirty="0"/>
+              <a:t>beautiful thing about this is that I can lock the users in an evented box where they have no choice but to be fast. They cannot touch the </a:t>
+            </a:r>
+            <a:r>
+              <a:rPr lang="en-US" dirty="0" smtClean="0"/>
+              <a:t>disk. </a:t>
+            </a:r>
+            <a:r>
+              <a:rPr lang="en-US" dirty="0"/>
+              <a:t>They cannot access a database with some stupid library that blocks because they have no access to blocking I/O. They cannot resize an image by linking </a:t>
+            </a:r>
+            <a:r>
+              <a:rPr lang="en-US" dirty="0" err="1"/>
+              <a:t>imagemagick</a:t>
+            </a:r>
+            <a:r>
+              <a:rPr lang="en-US" dirty="0"/>
+              <a:t> into the web server process (and thus slowing down/blocking the entire thing). They cannot crash it because they are very limited in what they can do.</a:t>
+            </a:r>
+            <a:br>
+              <a:rPr lang="en-US" dirty="0"/>
+            </a:br>
+            <a:r>
+              <a:rPr lang="en-US" dirty="0"/>
+              <a:t/>
+            </a:r>
+            <a:br>
+              <a:rPr lang="en-US" dirty="0"/>
+            </a:br>
+            <a:r>
+              <a:rPr lang="en-US" dirty="0"/>
+              <a:t>Why </a:t>
+            </a:r>
+            <a:r>
+              <a:rPr lang="en-US" dirty="0" err="1" smtClean="0"/>
+              <a:t>javascript</a:t>
+            </a:r>
+            <a:r>
+              <a:rPr lang="en-US" dirty="0" smtClean="0"/>
+              <a:t>?</a:t>
+            </a:r>
+          </a:p>
+          <a:p>
+            <a:r>
+              <a:rPr lang="en-US" dirty="0" smtClean="0"/>
+              <a:t>because </a:t>
+            </a:r>
+            <a:r>
+              <a:rPr lang="en-US" dirty="0"/>
+              <a:t>its bare and does not come with I/O </a:t>
+            </a:r>
+            <a:r>
+              <a:rPr lang="en-US" dirty="0" smtClean="0"/>
+              <a:t>APIs</a:t>
+            </a:r>
+          </a:p>
+          <a:p>
+            <a:r>
+              <a:rPr lang="en-US" dirty="0" smtClean="0"/>
+              <a:t>web </a:t>
+            </a:r>
+            <a:r>
+              <a:rPr lang="en-US" dirty="0"/>
+              <a:t>developers use it </a:t>
+            </a:r>
+            <a:r>
+              <a:rPr lang="en-US" dirty="0" smtClean="0"/>
+              <a:t>already</a:t>
+            </a:r>
+            <a:endParaRPr lang="en-US" dirty="0"/>
+          </a:p>
+          <a:p>
+            <a:r>
+              <a:rPr lang="en-US" dirty="0"/>
+              <a:t>DOM API is event-based. Everyone is already used to running without threads and on an event loop already.</a:t>
+            </a:r>
+          </a:p>
+          <a:p>
+            <a:pPr marL="0" indent="0">
+              <a:buNone/>
+            </a:pPr>
+            <a:r>
+              <a:rPr lang="en-US" dirty="0"/>
+              <a:t>I think this design will be extremely efficient and support very high loads. Web requests are transformed into </a:t>
+            </a:r>
+            <a:r>
+              <a:rPr lang="en-US" dirty="0" err="1"/>
+              <a:t>mysql</a:t>
+            </a:r>
+            <a:r>
+              <a:rPr lang="en-US" dirty="0"/>
+              <a:t>, </a:t>
+            </a:r>
+            <a:r>
+              <a:rPr lang="en-US" dirty="0" err="1"/>
+              <a:t>memcached</a:t>
+            </a:r>
+            <a:r>
+              <a:rPr lang="en-US" dirty="0"/>
+              <a:t>, AMQP requests and then return to the event loop</a:t>
+            </a:r>
+            <a:r>
+              <a:rPr lang="en-US" dirty="0" smtClean="0"/>
+              <a:t>.</a:t>
+            </a:r>
+            <a:r>
+              <a:rPr lang="en-US" dirty="0"/>
+              <a:t/>
+            </a:r>
+            <a:br>
+              <a:rPr lang="en-US" dirty="0"/>
+            </a:br>
+            <a:r>
+              <a:rPr lang="en-US" dirty="0"/>
+              <a:t/>
+            </a:r>
+            <a:br>
+              <a:rPr lang="en-US" dirty="0"/>
+            </a:br>
+            <a:r>
+              <a:rPr lang="en-US" dirty="0"/>
+              <a:t>Web developers need this sort of environment where it is not possible for them to do stupid things. Ruby, python, C++, PHP are all terrible languages for web development because they allow too much freedom. </a:t>
+            </a:r>
+          </a:p>
+        </p:txBody>
+      </p:sp>
+      <p:sp>
+        <p:nvSpPr>
+          <p:cNvPr id="4" name="TextBox 3"/>
           <p:cNvSpPr txBox="1"/>
           <p:nvPr/>
         </p:nvSpPr>
         <p:spPr>
           <a:xfrm>
-            <a:off x="792480" y="2367171"/>
-            <a:ext cx="8675773" cy="2123658"/>
+            <a:off x="4678192" y="6111240"/>
+            <a:ext cx="4595810" cy="369332"/>
           </a:xfrm>
           <a:prstGeom prst="rect">
             <a:avLst/>
@@ -24868,43 +24889,26 @@
           </a:bodyPr>
           <a:lstStyle/>
           <a:p>
-            <a:r>
-              <a:rPr lang="en-US" sz="6600" dirty="0" err="1" smtClean="0">
-                <a:latin typeface="Segoe UI Light" panose="020B0502040204020203" pitchFamily="34" charset="0"/>
-                <a:cs typeface="Segoe UI Light" panose="020B0502040204020203" pitchFamily="34" charset="0"/>
+            <a:pPr algn="r"/>
+            <a:r>
+              <a:rPr lang="en-US" dirty="0">
+                <a:hlinkClick r:id="rId5"/>
               </a:rPr>
-              <a:t>javascript</a:t>
-            </a:r>
-            <a:r>
-              <a:rPr lang="en-US" sz="6600" dirty="0" smtClean="0">
-                <a:latin typeface="Segoe UI Light" panose="020B0502040204020203" pitchFamily="34" charset="0"/>
-                <a:cs typeface="Segoe UI Light" panose="020B0502040204020203" pitchFamily="34" charset="0"/>
+              <a:t>http://</a:t>
+            </a:r>
+            <a:r>
+              <a:rPr lang="en-US" dirty="0" smtClean="0">
+                <a:hlinkClick r:id="rId5"/>
               </a:rPr>
-              <a:t> has never had</a:t>
-            </a:r>
-            <a:br>
-              <a:rPr lang="en-US" sz="6600" dirty="0" smtClean="0">
-                <a:latin typeface="Segoe UI Light" panose="020B0502040204020203" pitchFamily="34" charset="0"/>
-                <a:cs typeface="Segoe UI Light" panose="020B0502040204020203" pitchFamily="34" charset="0"/>
-              </a:rPr>
-            </a:br>
-            <a:r>
-              <a:rPr lang="en-US" sz="6600" dirty="0" smtClean="0">
-                <a:latin typeface="Segoe UI Light" panose="020B0502040204020203" pitchFamily="34" charset="0"/>
-                <a:cs typeface="Segoe UI Light" panose="020B0502040204020203" pitchFamily="34" charset="0"/>
-              </a:rPr>
-              <a:t>more than one thread</a:t>
-            </a:r>
-            <a:endParaRPr lang="en-US" sz="6600" dirty="0">
-              <a:latin typeface="Segoe UI Light" panose="020B0502040204020203" pitchFamily="34" charset="0"/>
-              <a:cs typeface="Segoe UI Light" panose="020B0502040204020203" pitchFamily="34" charset="0"/>
-            </a:endParaRPr>
-          </a:p>
-        </p:txBody>
-      </p:sp>
-      <p:sp>
-        <p:nvSpPr>
-          <p:cNvPr id="3" name="Footer Placeholder 2"/>
+              <a:t>four.livejournal.com/963421.html</a:t>
+            </a:r>
+            <a:endParaRPr lang="en-US" dirty="0"/>
+          </a:p>
+        </p:txBody>
+      </p:sp>
+      <p:sp>
+        <p:nvSpPr>
+          <p:cNvPr id="2" name="Footer Placeholder 1"/>
           <p:cNvSpPr>
             <a:spLocks noGrp="1"/>
           </p:cNvSpPr>
@@ -24928,7 +24932,7 @@
     </p:spTree>
     <p:extLst>
       <p:ext uri="{BB962C8B-B14F-4D97-AF65-F5344CB8AC3E}">
-        <p14:creationId xmlns:p14="http://schemas.microsoft.com/office/powerpoint/2010/main" val="2956307337"/>
+        <p14:creationId xmlns:p14="http://schemas.microsoft.com/office/powerpoint/2010/main" val="4250047389"/>
       </p:ext>
     </p:extLst>
   </p:cSld>
@@ -24964,93 +24968,203 @@
       </p:grpSpPr>
       <p:sp>
         <p:nvSpPr>
-          <p:cNvPr id="2" name="Title 1"/>
+          <p:cNvPr id="3" name="Title 2"/>
           <p:cNvSpPr>
             <a:spLocks noGrp="1"/>
           </p:cNvSpPr>
           <p:nvPr>
-            <p:ph type="title"/>
+            <p:ph type="ctrTitle"/>
           </p:nvPr>
         </p:nvSpPr>
-        <p:spPr/>
+        <p:spPr>
+          <a:xfrm>
+            <a:off x="1786467" y="2404340"/>
+            <a:ext cx="7766936" cy="1646302"/>
+          </a:xfrm>
+        </p:spPr>
         <p:txBody>
           <a:bodyPr/>
           <a:lstStyle/>
           <a:p>
             <a:r>
               <a:rPr lang="en-US" dirty="0" smtClean="0"/>
-              <a:t>how to node</a:t>
+              <a:t>Domenic Denicola</a:t>
             </a:r>
             <a:endParaRPr lang="en-US" dirty="0"/>
+          </a:p>
+        </p:txBody>
+      </p:sp>
+      <p:sp>
+        <p:nvSpPr>
+          <p:cNvPr id="4" name="Subtitle 3"/>
+          <p:cNvSpPr>
+            <a:spLocks noGrp="1"/>
+          </p:cNvSpPr>
+          <p:nvPr>
+            <p:ph type="subTitle" idx="1"/>
+          </p:nvPr>
+        </p:nvSpPr>
+        <p:spPr>
+          <a:xfrm>
+            <a:off x="1685448" y="4050642"/>
+            <a:ext cx="7766936" cy="1753258"/>
+          </a:xfrm>
+        </p:spPr>
+        <p:txBody>
+          <a:bodyPr>
+            <a:normAutofit/>
+          </a:bodyPr>
+          <a:lstStyle/>
+          <a:p>
+            <a:r>
+              <a:rPr lang="en-US" sz="2200" dirty="0"/>
+              <a:t>@</a:t>
+            </a:r>
+            <a:r>
+              <a:rPr lang="en-US" sz="2200" dirty="0" err="1"/>
+              <a:t>domenic</a:t>
+            </a:r>
+            <a:endParaRPr lang="en-US" sz="2200" dirty="0"/>
+          </a:p>
+          <a:p>
+            <a:r>
+              <a:rPr lang="en-US" sz="2200" dirty="0">
+                <a:hlinkClick r:id="rId2"/>
+              </a:rPr>
+              <a:t>https://npmjs.org/profile/domenicdenicola</a:t>
+            </a:r>
+            <a:r>
+              <a:rPr lang="en-US" sz="2200" dirty="0" smtClean="0">
+                <a:hlinkClick r:id="rId2"/>
+              </a:rPr>
+              <a:t/>
+            </a:r>
+            <a:br>
+              <a:rPr lang="en-US" sz="2200" dirty="0" smtClean="0">
+                <a:hlinkClick r:id="rId2"/>
+              </a:rPr>
+            </a:br>
+            <a:r>
+              <a:rPr lang="en-US" sz="2200" dirty="0" smtClean="0">
+                <a:hlinkClick r:id="rId2"/>
+              </a:rPr>
+              <a:t>http://github.com/domenic</a:t>
+            </a:r>
+            <a:r>
+              <a:rPr lang="en-US" sz="2200" dirty="0" smtClean="0"/>
+              <a:t/>
+            </a:r>
+            <a:br>
+              <a:rPr lang="en-US" sz="2200" dirty="0" smtClean="0"/>
+            </a:br>
+            <a:r>
+              <a:rPr lang="en-US" sz="2200" dirty="0" smtClean="0">
+                <a:hlinkClick r:id="rId3"/>
+              </a:rPr>
+              <a:t>http://github.com/NobleJS</a:t>
+            </a:r>
+            <a:endParaRPr lang="en-US" sz="2200" dirty="0"/>
+          </a:p>
+        </p:txBody>
+      </p:sp>
+      <p:sp>
+        <p:nvSpPr>
+          <p:cNvPr id="2" name="Footer Placeholder 1"/>
+          <p:cNvSpPr>
+            <a:spLocks noGrp="1"/>
+          </p:cNvSpPr>
+          <p:nvPr>
+            <p:ph type="ftr" sz="quarter" idx="4294967295"/>
+          </p:nvPr>
+        </p:nvSpPr>
+        <p:spPr>
+          <a:xfrm>
+            <a:off x="0" y="6484938"/>
+            <a:ext cx="6297613" cy="365125"/>
+          </a:xfrm>
+        </p:spPr>
+        <p:txBody>
+          <a:bodyPr/>
+          <a:lstStyle/>
+          <a:p>
+            <a:r>
+              <a:rPr lang="en-US" smtClean="0"/>
+              <a:t>@domenic</a:t>
+            </a:r>
+            <a:endParaRPr lang="en-US"/>
           </a:p>
         </p:txBody>
       </p:sp>
       <p:pic>
         <p:nvPicPr>
-          <p:cNvPr id="4" name="Content Placeholder 3"/>
+          <p:cNvPr id="1026" name="Picture 2" descr="http://domenicdenicola.com/Content/Images/Background.jpg"/>
           <p:cNvPicPr>
-            <a:picLocks noGrp="1" noChangeAspect="1"/>
+            <a:picLocks noChangeAspect="1" noChangeArrowheads="1"/>
           </p:cNvPicPr>
-          <p:nvPr>
-            <p:ph idx="1"/>
-          </p:nvPr>
+          <p:nvPr/>
         </p:nvPicPr>
         <p:blipFill>
-          <a:blip r:embed="rId2"/>
+          <a:blip r:embed="rId4">
+            <a:clrChange>
+              <a:clrFrom>
+                <a:srgbClr val="002542"/>
+              </a:clrFrom>
+              <a:clrTo>
+                <a:srgbClr val="002542">
+                  <a:alpha val="0"/>
+                </a:srgbClr>
+              </a:clrTo>
+            </a:clrChange>
+            <a:duotone>
+              <a:prstClr val="black"/>
+              <a:schemeClr val="accent2">
+                <a:lumMod val="60000"/>
+                <a:lumOff val="40000"/>
+                <a:tint val="45000"/>
+                <a:satMod val="400000"/>
+              </a:schemeClr>
+            </a:duotone>
+            <a:extLst>
+              <a:ext uri="{28A0092B-C50C-407E-A947-70E740481C1C}">
+                <a14:useLocalDpi xmlns:a14="http://schemas.microsoft.com/office/drawing/2010/main" val="0"/>
+              </a:ext>
+            </a:extLst>
+          </a:blip>
+          <a:srcRect/>
           <a:stretch>
             <a:fillRect/>
           </a:stretch>
         </p:blipFill>
-        <p:spPr>
+        <p:spPr bwMode="auto">
           <a:xfrm>
-            <a:off x="1155967" y="2160588"/>
-            <a:ext cx="7640103" cy="3881437"/>
+            <a:off x="0" y="0"/>
+            <a:ext cx="4840218" cy="6850254"/>
           </a:xfrm>
           <a:prstGeom prst="rect">
             <a:avLst/>
           </a:prstGeom>
+          <a:noFill/>
+          <a:extLst>
+            <a:ext uri="{909E8E84-426E-40DD-AFC4-6F175D3DCCD1}">
+              <a14:hiddenFill xmlns:a14="http://schemas.microsoft.com/office/drawing/2010/main">
+                <a:solidFill>
+                  <a:srgbClr val="FFFFFF"/>
+                </a:solidFill>
+              </a14:hiddenFill>
+            </a:ext>
+          </a:extLst>
         </p:spPr>
       </p:pic>
-      <p:sp>
-        <p:nvSpPr>
-          <p:cNvPr id="3" name="Footer Placeholder 2"/>
-          <p:cNvSpPr>
-            <a:spLocks noGrp="1"/>
-          </p:cNvSpPr>
-          <p:nvPr>
-            <p:ph type="ftr" sz="quarter" idx="11"/>
-          </p:nvPr>
-        </p:nvSpPr>
-        <p:spPr/>
-        <p:txBody>
-          <a:bodyPr/>
-          <a:lstStyle/>
-          <a:p>
-            <a:r>
-              <a:rPr lang="en-US" smtClean="0"/>
-              <a:t>@domenic</a:t>
-            </a:r>
-            <a:endParaRPr lang="en-US"/>
-          </a:p>
-        </p:txBody>
-      </p:sp>
     </p:spTree>
     <p:extLst>
       <p:ext uri="{BB962C8B-B14F-4D97-AF65-F5344CB8AC3E}">
-        <p14:creationId xmlns:p14="http://schemas.microsoft.com/office/powerpoint/2010/main" val="2124284050"/>
+        <p14:creationId xmlns:p14="http://schemas.microsoft.com/office/powerpoint/2010/main" val="3464998182"/>
       </p:ext>
     </p:extLst>
   </p:cSld>
   <p:clrMapOvr>
     <a:masterClrMapping/>
   </p:clrMapOvr>
-  <p:timing>
-    <p:tnLst>
-      <p:par>
-        <p:cTn id="1" dur="indefinite" restart="never" nodeType="tmRoot"/>
-      </p:par>
-    </p:tnLst>
-  </p:timing>
 </p:sld>
 </file>
 
@@ -25080,7 +25194,7 @@
         <p:spPr>
           <a:xfrm>
             <a:off x="792480" y="2367171"/>
-            <a:ext cx="8690199" cy="2123658"/>
+            <a:ext cx="8675773" cy="2123658"/>
           </a:xfrm>
           <a:prstGeom prst="rect">
             <a:avLst/>
@@ -25094,25 +25208,18 @@
           <a:lstStyle/>
           <a:p>
             <a:r>
+              <a:rPr lang="en-US" sz="6600" dirty="0" err="1" smtClean="0">
+                <a:latin typeface="Segoe UI Light" panose="020B0502040204020203" pitchFamily="34" charset="0"/>
+                <a:cs typeface="Segoe UI Light" panose="020B0502040204020203" pitchFamily="34" charset="0"/>
+              </a:rPr>
+              <a:t>javascript</a:t>
+            </a:r>
+            <a:r>
               <a:rPr lang="en-US" sz="6600" dirty="0" smtClean="0">
                 <a:latin typeface="Segoe UI Light" panose="020B0502040204020203" pitchFamily="34" charset="0"/>
                 <a:cs typeface="Segoe UI Light" panose="020B0502040204020203" pitchFamily="34" charset="0"/>
               </a:rPr>
-              <a:t>instead we use </a:t>
-            </a:r>
-            <a:r>
-              <a:rPr lang="en-US" sz="6600" i="1" dirty="0" smtClean="0">
-                <a:latin typeface="Segoe UI Light" panose="020B0502040204020203" pitchFamily="34" charset="0"/>
-                <a:cs typeface="Segoe UI Light" panose="020B0502040204020203" pitchFamily="34" charset="0"/>
-              </a:rPr>
-              <a:t>callbacks</a:t>
-            </a:r>
-            <a:r>
-              <a:rPr lang="en-US" sz="6600" dirty="0" smtClean="0">
-                <a:latin typeface="Segoe UI Light" panose="020B0502040204020203" pitchFamily="34" charset="0"/>
-                <a:cs typeface="Segoe UI Light" panose="020B0502040204020203" pitchFamily="34" charset="0"/>
-              </a:rPr>
-              <a:t/>
+              <a:t> has never had</a:t>
             </a:r>
             <a:br>
               <a:rPr lang="en-US" sz="6600" dirty="0" smtClean="0">
@@ -25125,16 +25232,9 @@
                 <a:latin typeface="Segoe UI Light" panose="020B0502040204020203" pitchFamily="34" charset="0"/>
                 <a:cs typeface="Segoe UI Light" panose="020B0502040204020203" pitchFamily="34" charset="0"/>
               </a:rPr>
-              <a:t>and </a:t>
-            </a:r>
-            <a:r>
-              <a:rPr lang="en-US" sz="6600" i="1" dirty="0" smtClean="0">
-                <a:latin typeface="Segoe UI Light" panose="020B0502040204020203" pitchFamily="34" charset="0"/>
-                <a:cs typeface="Segoe UI Light" panose="020B0502040204020203" pitchFamily="34" charset="0"/>
-              </a:rPr>
-              <a:t>events</a:t>
-            </a:r>
-            <a:endParaRPr lang="en-US" sz="6600" i="1" dirty="0">
+              <a:t>blocking i/o</a:t>
+            </a:r>
+            <a:endParaRPr lang="en-US" sz="6600" dirty="0">
               <a:latin typeface="Segoe UI Light" panose="020B0502040204020203" pitchFamily="34" charset="0"/>
               <a:cs typeface="Segoe UI Light" panose="020B0502040204020203" pitchFamily="34" charset="0"/>
             </a:endParaRPr>
@@ -25167,7 +25267,7 @@
     </p:spTree>
     <p:extLst>
       <p:ext uri="{BB962C8B-B14F-4D97-AF65-F5344CB8AC3E}">
-        <p14:creationId xmlns:p14="http://schemas.microsoft.com/office/powerpoint/2010/main" val="2041253986"/>
+        <p14:creationId xmlns:p14="http://schemas.microsoft.com/office/powerpoint/2010/main" val="3632899315"/>
       </p:ext>
     </p:extLst>
   </p:cSld>
@@ -25209,8 +25309,8 @@
         </p:nvSpPr>
         <p:spPr>
           <a:xfrm>
-            <a:off x="792480" y="2644170"/>
-            <a:ext cx="7256923" cy="1569660"/>
+            <a:off x="792480" y="2367171"/>
+            <a:ext cx="8675773" cy="2123658"/>
           </a:xfrm>
           <a:prstGeom prst="rect">
             <a:avLst/>
@@ -25224,44 +25324,36 @@
           <a:lstStyle/>
           <a:p>
             <a:r>
-              <a:rPr lang="en-US" sz="3200" dirty="0">
+              <a:rPr lang="en-US" sz="6600" dirty="0" err="1" smtClean="0">
                 <a:latin typeface="Segoe UI Light" panose="020B0502040204020203" pitchFamily="34" charset="0"/>
                 <a:cs typeface="Segoe UI Light" panose="020B0502040204020203" pitchFamily="34" charset="0"/>
               </a:rPr>
-              <a:t>$.get("http://nodejs.org", function (data) {</a:t>
-            </a:r>
-          </a:p>
-          <a:p>
-            <a:r>
-              <a:rPr lang="en-US" sz="3200" dirty="0">
+              <a:t>javascript</a:t>
+            </a:r>
+            <a:r>
+              <a:rPr lang="en-US" sz="6600" dirty="0" smtClean="0">
                 <a:latin typeface="Segoe UI Light" panose="020B0502040204020203" pitchFamily="34" charset="0"/>
                 <a:cs typeface="Segoe UI Light" panose="020B0502040204020203" pitchFamily="34" charset="0"/>
               </a:rPr>
-              <a:t>    </a:t>
-            </a:r>
-            <a:r>
-              <a:rPr lang="en-US" sz="3200" dirty="0" err="1">
+              <a:t> has never had</a:t>
+            </a:r>
+            <a:br>
+              <a:rPr lang="en-US" sz="6600" dirty="0" smtClean="0">
                 <a:latin typeface="Segoe UI Light" panose="020B0502040204020203" pitchFamily="34" charset="0"/>
                 <a:cs typeface="Segoe UI Light" panose="020B0502040204020203" pitchFamily="34" charset="0"/>
               </a:rPr>
-              <a:t>document.body.innerHTML</a:t>
-            </a:r>
-            <a:r>
-              <a:rPr lang="en-US" sz="3200" dirty="0">
+            </a:br>
+            <a:r>
+              <a:rPr lang="en-US" sz="6600" dirty="0" smtClean="0">
                 <a:latin typeface="Segoe UI Light" panose="020B0502040204020203" pitchFamily="34" charset="0"/>
                 <a:cs typeface="Segoe UI Light" panose="020B0502040204020203" pitchFamily="34" charset="0"/>
               </a:rPr>
-              <a:t> = data;</a:t>
-            </a:r>
-          </a:p>
-          <a:p>
-            <a:r>
-              <a:rPr lang="en-US" sz="3200" dirty="0">
-                <a:latin typeface="Segoe UI Light" panose="020B0502040204020203" pitchFamily="34" charset="0"/>
-                <a:cs typeface="Segoe UI Light" panose="020B0502040204020203" pitchFamily="34" charset="0"/>
-              </a:rPr>
-              <a:t>});</a:t>
-            </a:r>
+              <a:t>more than one thread</a:t>
+            </a:r>
+            <a:endParaRPr lang="en-US" sz="6600" dirty="0">
+              <a:latin typeface="Segoe UI Light" panose="020B0502040204020203" pitchFamily="34" charset="0"/>
+              <a:cs typeface="Segoe UI Light" panose="020B0502040204020203" pitchFamily="34" charset="0"/>
+            </a:endParaRPr>
           </a:p>
         </p:txBody>
       </p:sp>
@@ -25291,7 +25383,7 @@
     </p:spTree>
     <p:extLst>
       <p:ext uri="{BB962C8B-B14F-4D97-AF65-F5344CB8AC3E}">
-        <p14:creationId xmlns:p14="http://schemas.microsoft.com/office/powerpoint/2010/main" val="2368288680"/>
+        <p14:creationId xmlns:p14="http://schemas.microsoft.com/office/powerpoint/2010/main" val="2956307337"/>
       </p:ext>
     </p:extLst>
   </p:cSld>
@@ -25333,8 +25425,8 @@
         </p:nvSpPr>
         <p:spPr>
           <a:xfrm>
-            <a:off x="792480" y="2151728"/>
-            <a:ext cx="8128315" cy="2554545"/>
+            <a:off x="792480" y="2367171"/>
+            <a:ext cx="8690199" cy="2123658"/>
           </a:xfrm>
           <a:prstGeom prst="rect">
             <a:avLst/>
@@ -25348,129 +25440,50 @@
           <a:lstStyle/>
           <a:p>
             <a:r>
-              <a:rPr lang="en-US" sz="3200" dirty="0" err="1">
+              <a:rPr lang="en-US" sz="6600" dirty="0" smtClean="0">
                 <a:latin typeface="Segoe UI Light" panose="020B0502040204020203" pitchFamily="34" charset="0"/>
                 <a:cs typeface="Segoe UI Light" panose="020B0502040204020203" pitchFamily="34" charset="0"/>
               </a:rPr>
-              <a:t>var</a:t>
-            </a:r>
-            <a:r>
-              <a:rPr lang="en-US" sz="3200" dirty="0">
+              <a:t>instead we use </a:t>
+            </a:r>
+            <a:r>
+              <a:rPr lang="en-US" sz="6600" i="1" dirty="0" smtClean="0">
                 <a:latin typeface="Segoe UI Light" panose="020B0502040204020203" pitchFamily="34" charset="0"/>
                 <a:cs typeface="Segoe UI Light" panose="020B0502040204020203" pitchFamily="34" charset="0"/>
               </a:rPr>
-              <a:t> </a:t>
-            </a:r>
-            <a:r>
-              <a:rPr lang="en-US" sz="3200" dirty="0" err="1">
+              <a:t>callbacks</a:t>
+            </a:r>
+            <a:r>
+              <a:rPr lang="en-US" sz="6600" dirty="0" smtClean="0">
                 <a:latin typeface="Segoe UI Light" panose="020B0502040204020203" pitchFamily="34" charset="0"/>
                 <a:cs typeface="Segoe UI Light" panose="020B0502040204020203" pitchFamily="34" charset="0"/>
               </a:rPr>
-              <a:t>dbReq</a:t>
-            </a:r>
-            <a:r>
-              <a:rPr lang="en-US" sz="3200" dirty="0">
+              <a:t/>
+            </a:r>
+            <a:br>
+              <a:rPr lang="en-US" sz="6600" dirty="0" smtClean="0">
                 <a:latin typeface="Segoe UI Light" panose="020B0502040204020203" pitchFamily="34" charset="0"/>
                 <a:cs typeface="Segoe UI Light" panose="020B0502040204020203" pitchFamily="34" charset="0"/>
               </a:rPr>
-              <a:t> = </a:t>
-            </a:r>
-            <a:r>
-              <a:rPr lang="en-US" sz="3200" dirty="0" err="1">
+            </a:br>
+            <a:r>
+              <a:rPr lang="en-US" sz="6600" dirty="0" smtClean="0">
                 <a:latin typeface="Segoe UI Light" panose="020B0502040204020203" pitchFamily="34" charset="0"/>
                 <a:cs typeface="Segoe UI Light" panose="020B0502040204020203" pitchFamily="34" charset="0"/>
               </a:rPr>
-              <a:t>indexedDB.open</a:t>
-            </a:r>
-            <a:r>
-              <a:rPr lang="en-US" sz="3200" dirty="0">
+              <a:t>and </a:t>
+            </a:r>
+            <a:r>
+              <a:rPr lang="en-US" sz="6600" i="1" dirty="0" smtClean="0">
                 <a:latin typeface="Segoe UI Light" panose="020B0502040204020203" pitchFamily="34" charset="0"/>
                 <a:cs typeface="Segoe UI Light" panose="020B0502040204020203" pitchFamily="34" charset="0"/>
               </a:rPr>
-              <a:t>("my-database");</a:t>
-            </a:r>
-          </a:p>
-          <a:p>
-            <a:endParaRPr lang="en-US" sz="3200" dirty="0">
+              <a:t>events</a:t>
+            </a:r>
+            <a:endParaRPr lang="en-US" sz="6600" i="1" dirty="0">
               <a:latin typeface="Segoe UI Light" panose="020B0502040204020203" pitchFamily="34" charset="0"/>
               <a:cs typeface="Segoe UI Light" panose="020B0502040204020203" pitchFamily="34" charset="0"/>
             </a:endParaRPr>
-          </a:p>
-          <a:p>
-            <a:r>
-              <a:rPr lang="en-US" sz="3200" dirty="0" err="1">
-                <a:latin typeface="Segoe UI Light" panose="020B0502040204020203" pitchFamily="34" charset="0"/>
-                <a:cs typeface="Segoe UI Light" panose="020B0502040204020203" pitchFamily="34" charset="0"/>
-              </a:rPr>
-              <a:t>dbReq.addEventListener</a:t>
-            </a:r>
-            <a:r>
-              <a:rPr lang="en-US" sz="3200" dirty="0">
-                <a:latin typeface="Segoe UI Light" panose="020B0502040204020203" pitchFamily="34" charset="0"/>
-                <a:cs typeface="Segoe UI Light" panose="020B0502040204020203" pitchFamily="34" charset="0"/>
-              </a:rPr>
-              <a:t>("success", function () {</a:t>
-            </a:r>
-          </a:p>
-          <a:p>
-            <a:r>
-              <a:rPr lang="en-US" sz="3200" dirty="0" smtClean="0">
-                <a:latin typeface="Segoe UI Light" panose="020B0502040204020203" pitchFamily="34" charset="0"/>
-                <a:cs typeface="Segoe UI Light" panose="020B0502040204020203" pitchFamily="34" charset="0"/>
-              </a:rPr>
-              <a:t>    </a:t>
-            </a:r>
-            <a:r>
-              <a:rPr lang="en-US" sz="3200" dirty="0" err="1" smtClean="0">
-                <a:latin typeface="Segoe UI Light" panose="020B0502040204020203" pitchFamily="34" charset="0"/>
-                <a:cs typeface="Segoe UI Light" panose="020B0502040204020203" pitchFamily="34" charset="0"/>
-              </a:rPr>
-              <a:t>var</a:t>
-            </a:r>
-            <a:r>
-              <a:rPr lang="en-US" sz="3200" dirty="0" smtClean="0">
-                <a:latin typeface="Segoe UI Light" panose="020B0502040204020203" pitchFamily="34" charset="0"/>
-                <a:cs typeface="Segoe UI Light" panose="020B0502040204020203" pitchFamily="34" charset="0"/>
-              </a:rPr>
-              <a:t> </a:t>
-            </a:r>
-            <a:r>
-              <a:rPr lang="en-US" sz="3200" dirty="0" err="1">
-                <a:latin typeface="Segoe UI Light" panose="020B0502040204020203" pitchFamily="34" charset="0"/>
-                <a:cs typeface="Segoe UI Light" panose="020B0502040204020203" pitchFamily="34" charset="0"/>
-              </a:rPr>
-              <a:t>dbConnection</a:t>
-            </a:r>
-            <a:r>
-              <a:rPr lang="en-US" sz="3200" dirty="0">
-                <a:latin typeface="Segoe UI Light" panose="020B0502040204020203" pitchFamily="34" charset="0"/>
-                <a:cs typeface="Segoe UI Light" panose="020B0502040204020203" pitchFamily="34" charset="0"/>
-              </a:rPr>
-              <a:t> = </a:t>
-            </a:r>
-            <a:r>
-              <a:rPr lang="en-US" sz="3200" dirty="0" err="1">
-                <a:latin typeface="Segoe UI Light" panose="020B0502040204020203" pitchFamily="34" charset="0"/>
-                <a:cs typeface="Segoe UI Light" panose="020B0502040204020203" pitchFamily="34" charset="0"/>
-              </a:rPr>
-              <a:t>dbReq.result</a:t>
-            </a:r>
-            <a:r>
-              <a:rPr lang="en-US" sz="3200" dirty="0">
-                <a:latin typeface="Segoe UI Light" panose="020B0502040204020203" pitchFamily="34" charset="0"/>
-                <a:cs typeface="Segoe UI Light" panose="020B0502040204020203" pitchFamily="34" charset="0"/>
-              </a:rPr>
-              <a:t>;</a:t>
-            </a:r>
-          </a:p>
-          <a:p>
-            <a:r>
-              <a:rPr lang="en-US" sz="3200" dirty="0">
-                <a:latin typeface="Segoe UI Light" panose="020B0502040204020203" pitchFamily="34" charset="0"/>
-                <a:cs typeface="Segoe UI Light" panose="020B0502040204020203" pitchFamily="34" charset="0"/>
-              </a:rPr>
-              <a:t>});</a:t>
-            </a:r>
           </a:p>
         </p:txBody>
       </p:sp>
@@ -25500,7 +25513,7 @@
     </p:spTree>
     <p:extLst>
       <p:ext uri="{BB962C8B-B14F-4D97-AF65-F5344CB8AC3E}">
-        <p14:creationId xmlns:p14="http://schemas.microsoft.com/office/powerpoint/2010/main" val="1983756697"/>
+        <p14:creationId xmlns:p14="http://schemas.microsoft.com/office/powerpoint/2010/main" val="2041253986"/>
       </p:ext>
     </p:extLst>
   </p:cSld>
@@ -25542,8 +25555,8 @@
         </p:nvSpPr>
         <p:spPr>
           <a:xfrm>
-            <a:off x="792480" y="2875002"/>
-            <a:ext cx="7436844" cy="1107996"/>
+            <a:off x="792480" y="2644170"/>
+            <a:ext cx="7256923" cy="1569660"/>
           </a:xfrm>
           <a:prstGeom prst="rect">
             <a:avLst/>
@@ -25557,16 +25570,44 @@
           <a:lstStyle/>
           <a:p>
             <a:r>
-              <a:rPr lang="en-US" sz="6600" dirty="0" smtClean="0">
+              <a:rPr lang="en-US" sz="3200" dirty="0">
                 <a:latin typeface="Segoe UI Light" panose="020B0502040204020203" pitchFamily="34" charset="0"/>
                 <a:cs typeface="Segoe UI Light" panose="020B0502040204020203" pitchFamily="34" charset="0"/>
               </a:rPr>
-              <a:t>it’s the same in node</a:t>
-            </a:r>
-            <a:endParaRPr lang="en-US" sz="6600" i="1" dirty="0">
-              <a:latin typeface="Segoe UI Light" panose="020B0502040204020203" pitchFamily="34" charset="0"/>
-              <a:cs typeface="Segoe UI Light" panose="020B0502040204020203" pitchFamily="34" charset="0"/>
-            </a:endParaRPr>
+              <a:t>$.get("http://nodejs.org", function (data) {</a:t>
+            </a:r>
+          </a:p>
+          <a:p>
+            <a:r>
+              <a:rPr lang="en-US" sz="3200" dirty="0">
+                <a:latin typeface="Segoe UI Light" panose="020B0502040204020203" pitchFamily="34" charset="0"/>
+                <a:cs typeface="Segoe UI Light" panose="020B0502040204020203" pitchFamily="34" charset="0"/>
+              </a:rPr>
+              <a:t>    </a:t>
+            </a:r>
+            <a:r>
+              <a:rPr lang="en-US" sz="3200" dirty="0" err="1">
+                <a:latin typeface="Segoe UI Light" panose="020B0502040204020203" pitchFamily="34" charset="0"/>
+                <a:cs typeface="Segoe UI Light" panose="020B0502040204020203" pitchFamily="34" charset="0"/>
+              </a:rPr>
+              <a:t>document.body.innerHTML</a:t>
+            </a:r>
+            <a:r>
+              <a:rPr lang="en-US" sz="3200" dirty="0">
+                <a:latin typeface="Segoe UI Light" panose="020B0502040204020203" pitchFamily="34" charset="0"/>
+                <a:cs typeface="Segoe UI Light" panose="020B0502040204020203" pitchFamily="34" charset="0"/>
+              </a:rPr>
+              <a:t> = data;</a:t>
+            </a:r>
+          </a:p>
+          <a:p>
+            <a:r>
+              <a:rPr lang="en-US" sz="3200" dirty="0">
+                <a:latin typeface="Segoe UI Light" panose="020B0502040204020203" pitchFamily="34" charset="0"/>
+                <a:cs typeface="Segoe UI Light" panose="020B0502040204020203" pitchFamily="34" charset="0"/>
+              </a:rPr>
+              <a:t>});</a:t>
+            </a:r>
           </a:p>
         </p:txBody>
       </p:sp>
@@ -25596,7 +25637,7 @@
     </p:spTree>
     <p:extLst>
       <p:ext uri="{BB962C8B-B14F-4D97-AF65-F5344CB8AC3E}">
-        <p14:creationId xmlns:p14="http://schemas.microsoft.com/office/powerpoint/2010/main" val="2163900495"/>
+        <p14:creationId xmlns:p14="http://schemas.microsoft.com/office/powerpoint/2010/main" val="2368288680"/>
       </p:ext>
     </p:extLst>
   </p:cSld>
@@ -25638,8 +25679,8 @@
         </p:nvSpPr>
         <p:spPr>
           <a:xfrm>
-            <a:off x="792480" y="2644170"/>
-            <a:ext cx="7904536" cy="1569660"/>
+            <a:off x="792480" y="2151728"/>
+            <a:ext cx="8128315" cy="2554545"/>
           </a:xfrm>
           <a:prstGeom prst="rect">
             <a:avLst/>
@@ -25657,51 +25698,115 @@
                 <a:latin typeface="Segoe UI Light" panose="020B0502040204020203" pitchFamily="34" charset="0"/>
                 <a:cs typeface="Segoe UI Light" panose="020B0502040204020203" pitchFamily="34" charset="0"/>
               </a:rPr>
-              <a:t>fs.readFile</a:t>
+              <a:t>var</a:t>
             </a:r>
             <a:r>
               <a:rPr lang="en-US" sz="3200" dirty="0">
                 <a:latin typeface="Segoe UI Light" panose="020B0502040204020203" pitchFamily="34" charset="0"/>
                 <a:cs typeface="Segoe UI Light" panose="020B0502040204020203" pitchFamily="34" charset="0"/>
               </a:rPr>
-              <a:t>("/</a:t>
+              <a:t> </a:t>
             </a:r>
             <a:r>
               <a:rPr lang="en-US" sz="3200" dirty="0" err="1">
                 <a:latin typeface="Segoe UI Light" panose="020B0502040204020203" pitchFamily="34" charset="0"/>
                 <a:cs typeface="Segoe UI Light" panose="020B0502040204020203" pitchFamily="34" charset="0"/>
               </a:rPr>
-              <a:t>etc</a:t>
+              <a:t>dbReq</a:t>
             </a:r>
             <a:r>
               <a:rPr lang="en-US" sz="3200" dirty="0">
                 <a:latin typeface="Segoe UI Light" panose="020B0502040204020203" pitchFamily="34" charset="0"/>
                 <a:cs typeface="Segoe UI Light" panose="020B0502040204020203" pitchFamily="34" charset="0"/>
               </a:rPr>
-              <a:t>/</a:t>
+              <a:t> = </a:t>
             </a:r>
             <a:r>
               <a:rPr lang="en-US" sz="3200" dirty="0" err="1">
                 <a:latin typeface="Segoe UI Light" panose="020B0502040204020203" pitchFamily="34" charset="0"/>
                 <a:cs typeface="Segoe UI Light" panose="020B0502040204020203" pitchFamily="34" charset="0"/>
               </a:rPr>
-              <a:t>passwd</a:t>
+              <a:t>indexedDB.open</a:t>
             </a:r>
             <a:r>
               <a:rPr lang="en-US" sz="3200" dirty="0">
                 <a:latin typeface="Segoe UI Light" panose="020B0502040204020203" pitchFamily="34" charset="0"/>
                 <a:cs typeface="Segoe UI Light" panose="020B0502040204020203" pitchFamily="34" charset="0"/>
               </a:rPr>
-              <a:t>", function (err, data) {</a:t>
-            </a:r>
-          </a:p>
-          <a:p>
+              <a:t>("my-database");</a:t>
+            </a:r>
+          </a:p>
+          <a:p>
+            <a:endParaRPr lang="en-US" sz="3200" dirty="0">
+              <a:latin typeface="Segoe UI Light" panose="020B0502040204020203" pitchFamily="34" charset="0"/>
+              <a:cs typeface="Segoe UI Light" panose="020B0502040204020203" pitchFamily="34" charset="0"/>
+            </a:endParaRPr>
+          </a:p>
+          <a:p>
+            <a:r>
+              <a:rPr lang="en-US" sz="3200" dirty="0" err="1">
+                <a:latin typeface="Segoe UI Light" panose="020B0502040204020203" pitchFamily="34" charset="0"/>
+                <a:cs typeface="Segoe UI Light" panose="020B0502040204020203" pitchFamily="34" charset="0"/>
+              </a:rPr>
+              <a:t>dbReq.addEventListener</a:t>
+            </a:r>
             <a:r>
               <a:rPr lang="en-US" sz="3200" dirty="0">
                 <a:latin typeface="Segoe UI Light" panose="020B0502040204020203" pitchFamily="34" charset="0"/>
                 <a:cs typeface="Segoe UI Light" panose="020B0502040204020203" pitchFamily="34" charset="0"/>
               </a:rPr>
-              <a:t>    console.log(data);</a:t>
+              <a:t>("success", function () {</a:t>
+            </a:r>
+          </a:p>
+          <a:p>
+            <a:r>
+              <a:rPr lang="en-US" sz="3200" dirty="0" smtClean="0">
+                <a:latin typeface="Segoe UI Light" panose="020B0502040204020203" pitchFamily="34" charset="0"/>
+                <a:cs typeface="Segoe UI Light" panose="020B0502040204020203" pitchFamily="34" charset="0"/>
+              </a:rPr>
+              <a:t>    </a:t>
+            </a:r>
+            <a:r>
+              <a:rPr lang="en-US" sz="3200" dirty="0" err="1" smtClean="0">
+                <a:latin typeface="Segoe UI Light" panose="020B0502040204020203" pitchFamily="34" charset="0"/>
+                <a:cs typeface="Segoe UI Light" panose="020B0502040204020203" pitchFamily="34" charset="0"/>
+              </a:rPr>
+              <a:t>var</a:t>
+            </a:r>
+            <a:r>
+              <a:rPr lang="en-US" sz="3200" dirty="0" smtClean="0">
+                <a:latin typeface="Segoe UI Light" panose="020B0502040204020203" pitchFamily="34" charset="0"/>
+                <a:cs typeface="Segoe UI Light" panose="020B0502040204020203" pitchFamily="34" charset="0"/>
+              </a:rPr>
+              <a:t> </a:t>
+            </a:r>
+            <a:r>
+              <a:rPr lang="en-US" sz="3200" dirty="0" err="1">
+                <a:latin typeface="Segoe UI Light" panose="020B0502040204020203" pitchFamily="34" charset="0"/>
+                <a:cs typeface="Segoe UI Light" panose="020B0502040204020203" pitchFamily="34" charset="0"/>
+              </a:rPr>
+              <a:t>dbConnection</a:t>
+            </a:r>
+            <a:r>
+              <a:rPr lang="en-US" sz="3200" dirty="0">
+                <a:latin typeface="Segoe UI Light" panose="020B0502040204020203" pitchFamily="34" charset="0"/>
+                <a:cs typeface="Segoe UI Light" panose="020B0502040204020203" pitchFamily="34" charset="0"/>
+              </a:rPr>
+              <a:t> = </a:t>
+            </a:r>
+            <a:r>
+              <a:rPr lang="en-US" sz="3200" dirty="0" err="1">
+                <a:latin typeface="Segoe UI Light" panose="020B0502040204020203" pitchFamily="34" charset="0"/>
+                <a:cs typeface="Segoe UI Light" panose="020B0502040204020203" pitchFamily="34" charset="0"/>
+              </a:rPr>
+              <a:t>dbReq.result</a:t>
+            </a:r>
+            <a:r>
+              <a:rPr lang="en-US" sz="3200" dirty="0">
+                <a:latin typeface="Segoe UI Light" panose="020B0502040204020203" pitchFamily="34" charset="0"/>
+                <a:cs typeface="Segoe UI Light" panose="020B0502040204020203" pitchFamily="34" charset="0"/>
+              </a:rPr>
+              <a:t>;</a:t>
             </a:r>
           </a:p>
           <a:p>
@@ -25741,7 +25846,7 @@
     </p:spTree>
     <p:extLst>
       <p:ext uri="{BB962C8B-B14F-4D97-AF65-F5344CB8AC3E}">
-        <p14:creationId xmlns:p14="http://schemas.microsoft.com/office/powerpoint/2010/main" val="1176271575"/>
+        <p14:creationId xmlns:p14="http://schemas.microsoft.com/office/powerpoint/2010/main" val="1983756697"/>
       </p:ext>
     </p:extLst>
   </p:cSld>
@@ -25783,8 +25888,8 @@
         </p:nvSpPr>
         <p:spPr>
           <a:xfrm>
-            <a:off x="792480" y="2644170"/>
-            <a:ext cx="6338402" cy="1569660"/>
+            <a:off x="792480" y="2875002"/>
+            <a:ext cx="7436844" cy="1107996"/>
           </a:xfrm>
           <a:prstGeom prst="rect">
             <a:avLst/>
@@ -25798,51 +25903,16 @@
           <a:lstStyle/>
           <a:p>
             <a:r>
-              <a:rPr lang="en-US" sz="3200" dirty="0" err="1">
+              <a:rPr lang="en-US" sz="6600" dirty="0" smtClean="0">
                 <a:latin typeface="Segoe UI Light" panose="020B0502040204020203" pitchFamily="34" charset="0"/>
                 <a:cs typeface="Segoe UI Light" panose="020B0502040204020203" pitchFamily="34" charset="0"/>
               </a:rPr>
-              <a:t>request.on</a:t>
-            </a:r>
-            <a:r>
-              <a:rPr lang="en-US" sz="3200" dirty="0">
-                <a:latin typeface="Segoe UI Light" panose="020B0502040204020203" pitchFamily="34" charset="0"/>
-                <a:cs typeface="Segoe UI Light" panose="020B0502040204020203" pitchFamily="34" charset="0"/>
-              </a:rPr>
-              <a:t>("data", function (chunk) {</a:t>
-            </a:r>
-          </a:p>
-          <a:p>
-            <a:r>
-              <a:rPr lang="en-US" sz="3200" dirty="0">
-                <a:latin typeface="Segoe UI Light" panose="020B0502040204020203" pitchFamily="34" charset="0"/>
-                <a:cs typeface="Segoe UI Light" panose="020B0502040204020203" pitchFamily="34" charset="0"/>
-              </a:rPr>
-              <a:t>    </a:t>
-            </a:r>
-            <a:r>
-              <a:rPr lang="en-US" sz="3200" dirty="0" err="1">
-                <a:latin typeface="Segoe UI Light" panose="020B0502040204020203" pitchFamily="34" charset="0"/>
-                <a:cs typeface="Segoe UI Light" panose="020B0502040204020203" pitchFamily="34" charset="0"/>
-              </a:rPr>
-              <a:t>response.write</a:t>
-            </a:r>
-            <a:r>
-              <a:rPr lang="en-US" sz="3200" dirty="0">
-                <a:latin typeface="Segoe UI Light" panose="020B0502040204020203" pitchFamily="34" charset="0"/>
-                <a:cs typeface="Segoe UI Light" panose="020B0502040204020203" pitchFamily="34" charset="0"/>
-              </a:rPr>
-              <a:t>(chunk);</a:t>
-            </a:r>
-          </a:p>
-          <a:p>
-            <a:r>
-              <a:rPr lang="en-US" sz="3200" dirty="0">
-                <a:latin typeface="Segoe UI Light" panose="020B0502040204020203" pitchFamily="34" charset="0"/>
-                <a:cs typeface="Segoe UI Light" panose="020B0502040204020203" pitchFamily="34" charset="0"/>
-              </a:rPr>
-              <a:t>});</a:t>
-            </a:r>
+              <a:t>it’s the same in node</a:t>
+            </a:r>
+            <a:endParaRPr lang="en-US" sz="6600" i="1" dirty="0">
+              <a:latin typeface="Segoe UI Light" panose="020B0502040204020203" pitchFamily="34" charset="0"/>
+              <a:cs typeface="Segoe UI Light" panose="020B0502040204020203" pitchFamily="34" charset="0"/>
+            </a:endParaRPr>
           </a:p>
         </p:txBody>
       </p:sp>
@@ -25872,7 +25942,7 @@
     </p:spTree>
     <p:extLst>
       <p:ext uri="{BB962C8B-B14F-4D97-AF65-F5344CB8AC3E}">
-        <p14:creationId xmlns:p14="http://schemas.microsoft.com/office/powerpoint/2010/main" val="1353126993"/>
+        <p14:creationId xmlns:p14="http://schemas.microsoft.com/office/powerpoint/2010/main" val="2163900495"/>
       </p:ext>
     </p:extLst>
   </p:cSld>
@@ -25914,8 +25984,8 @@
         </p:nvSpPr>
         <p:spPr>
           <a:xfrm>
-            <a:off x="792480" y="2151728"/>
-            <a:ext cx="9551076" cy="2554545"/>
+            <a:off x="792480" y="2644170"/>
+            <a:ext cx="7904536" cy="1569660"/>
           </a:xfrm>
           <a:prstGeom prst="rect">
             <a:avLst/>
@@ -25933,49 +26003,42 @@
                 <a:latin typeface="Segoe UI Light" panose="020B0502040204020203" pitchFamily="34" charset="0"/>
                 <a:cs typeface="Segoe UI Light" panose="020B0502040204020203" pitchFamily="34" charset="0"/>
               </a:rPr>
-              <a:t>db.users.find</a:t>
+              <a:t>fs.readFile</a:t>
             </a:r>
             <a:r>
               <a:rPr lang="en-US" sz="3200" dirty="0">
                 <a:latin typeface="Segoe UI Light" panose="020B0502040204020203" pitchFamily="34" charset="0"/>
                 <a:cs typeface="Segoe UI Light" panose="020B0502040204020203" pitchFamily="34" charset="0"/>
               </a:rPr>
-              <a:t>({ name: "</a:t>
+              <a:t>("/</a:t>
             </a:r>
             <a:r>
               <a:rPr lang="en-US" sz="3200" dirty="0" err="1">
                 <a:latin typeface="Segoe UI Light" panose="020B0502040204020203" pitchFamily="34" charset="0"/>
                 <a:cs typeface="Segoe UI Light" panose="020B0502040204020203" pitchFamily="34" charset="0"/>
               </a:rPr>
-              <a:t>domenic</a:t>
+              <a:t>etc</a:t>
             </a:r>
             <a:r>
               <a:rPr lang="en-US" sz="3200" dirty="0">
                 <a:latin typeface="Segoe UI Light" panose="020B0502040204020203" pitchFamily="34" charset="0"/>
                 <a:cs typeface="Segoe UI Light" panose="020B0502040204020203" pitchFamily="34" charset="0"/>
               </a:rPr>
-              <a:t>" </a:t>
-            </a:r>
-            <a:r>
-              <a:rPr lang="en-US" sz="3200">
+              <a:t>/</a:t>
+            </a:r>
+            <a:r>
+              <a:rPr lang="en-US" sz="3200" dirty="0" err="1">
                 <a:latin typeface="Segoe UI Light" panose="020B0502040204020203" pitchFamily="34" charset="0"/>
                 <a:cs typeface="Segoe UI Light" panose="020B0502040204020203" pitchFamily="34" charset="0"/>
               </a:rPr>
-              <a:t>}, </a:t>
-            </a:r>
-            <a:r>
-              <a:rPr lang="en-US" sz="3200" smtClean="0">
-                <a:latin typeface="Segoe UI Light" panose="020B0502040204020203" pitchFamily="34" charset="0"/>
-                <a:cs typeface="Segoe UI Light" panose="020B0502040204020203" pitchFamily="34" charset="0"/>
-              </a:rPr>
-              <a:t>function (</a:t>
+              <a:t>passwd</a:t>
             </a:r>
             <a:r>
               <a:rPr lang="en-US" sz="3200" dirty="0">
                 <a:latin typeface="Segoe UI Light" panose="020B0502040204020203" pitchFamily="34" charset="0"/>
                 <a:cs typeface="Segoe UI Light" panose="020B0502040204020203" pitchFamily="34" charset="0"/>
               </a:rPr>
-              <a:t>err, users) {</a:t>
+              <a:t>", function (err, data) {</a:t>
             </a:r>
           </a:p>
           <a:p>
@@ -25984,53 +26047,7 @@
                 <a:latin typeface="Segoe UI Light" panose="020B0502040204020203" pitchFamily="34" charset="0"/>
                 <a:cs typeface="Segoe UI Light" panose="020B0502040204020203" pitchFamily="34" charset="0"/>
               </a:rPr>
-              <a:t>    </a:t>
-            </a:r>
-            <a:r>
-              <a:rPr lang="en-US" sz="3200" dirty="0" err="1">
-                <a:latin typeface="Segoe UI Light" panose="020B0502040204020203" pitchFamily="34" charset="0"/>
-                <a:cs typeface="Segoe UI Light" panose="020B0502040204020203" pitchFamily="34" charset="0"/>
-              </a:rPr>
-              <a:t>users.forEach</a:t>
-            </a:r>
-            <a:r>
-              <a:rPr lang="en-US" sz="3200" dirty="0">
-                <a:latin typeface="Segoe UI Light" panose="020B0502040204020203" pitchFamily="34" charset="0"/>
-                <a:cs typeface="Segoe UI Light" panose="020B0502040204020203" pitchFamily="34" charset="0"/>
-              </a:rPr>
-              <a:t>(function (user) {</a:t>
-            </a:r>
-          </a:p>
-          <a:p>
-            <a:r>
-              <a:rPr lang="en-US" sz="3200" dirty="0">
-                <a:latin typeface="Segoe UI Light" panose="020B0502040204020203" pitchFamily="34" charset="0"/>
-                <a:cs typeface="Segoe UI Light" panose="020B0502040204020203" pitchFamily="34" charset="0"/>
-              </a:rPr>
-              <a:t>       </a:t>
-            </a:r>
-            <a:r>
-              <a:rPr lang="en-US" sz="3200" dirty="0" err="1">
-                <a:latin typeface="Segoe UI Light" panose="020B0502040204020203" pitchFamily="34" charset="0"/>
-                <a:cs typeface="Segoe UI Light" panose="020B0502040204020203" pitchFamily="34" charset="0"/>
-              </a:rPr>
-              <a:t>response.write</a:t>
-            </a:r>
-            <a:r>
-              <a:rPr lang="en-US" sz="3200" dirty="0">
-                <a:latin typeface="Segoe UI Light" panose="020B0502040204020203" pitchFamily="34" charset="0"/>
-                <a:cs typeface="Segoe UI Light" panose="020B0502040204020203" pitchFamily="34" charset="0"/>
-              </a:rPr>
-              <a:t>(user);</a:t>
-            </a:r>
-          </a:p>
-          <a:p>
-            <a:r>
-              <a:rPr lang="en-US" sz="3200" dirty="0">
-                <a:latin typeface="Segoe UI Light" panose="020B0502040204020203" pitchFamily="34" charset="0"/>
-                <a:cs typeface="Segoe UI Light" panose="020B0502040204020203" pitchFamily="34" charset="0"/>
-              </a:rPr>
-              <a:t>    });</a:t>
+              <a:t>    console.log(data);</a:t>
             </a:r>
           </a:p>
           <a:p>
@@ -26070,7 +26087,7 @@
     </p:spTree>
     <p:extLst>
       <p:ext uri="{BB962C8B-B14F-4D97-AF65-F5344CB8AC3E}">
-        <p14:creationId xmlns:p14="http://schemas.microsoft.com/office/powerpoint/2010/main" val="884188157"/>
+        <p14:creationId xmlns:p14="http://schemas.microsoft.com/office/powerpoint/2010/main" val="1176271575"/>
       </p:ext>
     </p:extLst>
   </p:cSld>
@@ -26112,8 +26129,8 @@
         </p:nvSpPr>
         <p:spPr>
           <a:xfrm>
-            <a:off x="792480" y="1905506"/>
-            <a:ext cx="8178842" cy="3046988"/>
+            <a:off x="792480" y="2644170"/>
+            <a:ext cx="6338402" cy="1569660"/>
           </a:xfrm>
           <a:prstGeom prst="rect">
             <a:avLst/>
@@ -26131,14 +26148,14 @@
                 <a:latin typeface="Segoe UI Light" panose="020B0502040204020203" pitchFamily="34" charset="0"/>
                 <a:cs typeface="Segoe UI Light" panose="020B0502040204020203" pitchFamily="34" charset="0"/>
               </a:rPr>
-              <a:t>io.sockets.on</a:t>
+              <a:t>request.on</a:t>
             </a:r>
             <a:r>
               <a:rPr lang="en-US" sz="3200" dirty="0">
                 <a:latin typeface="Segoe UI Light" panose="020B0502040204020203" pitchFamily="34" charset="0"/>
                 <a:cs typeface="Segoe UI Light" panose="020B0502040204020203" pitchFamily="34" charset="0"/>
               </a:rPr>
-              <a:t>("connection", function (socket) {</a:t>
+              <a:t>("data", function (chunk) {</a:t>
             </a:r>
           </a:p>
           <a:p>
@@ -26154,55 +26171,14 @@
                 <a:latin typeface="Segoe UI Light" panose="020B0502040204020203" pitchFamily="34" charset="0"/>
                 <a:cs typeface="Segoe UI Light" panose="020B0502040204020203" pitchFamily="34" charset="0"/>
               </a:rPr>
-              <a:t>socket.emit</a:t>
+              <a:t>response.write</a:t>
             </a:r>
             <a:r>
               <a:rPr lang="en-US" sz="3200" dirty="0">
                 <a:latin typeface="Segoe UI Light" panose="020B0502040204020203" pitchFamily="34" charset="0"/>
                 <a:cs typeface="Segoe UI Light" panose="020B0502040204020203" pitchFamily="34" charset="0"/>
               </a:rPr>
-              <a:t>("news", { hello: "world" });</a:t>
-            </a:r>
-          </a:p>
-          <a:p>
-            <a:r>
-              <a:rPr lang="en-US" sz="3200" dirty="0">
-                <a:latin typeface="Segoe UI Light" panose="020B0502040204020203" pitchFamily="34" charset="0"/>
-                <a:cs typeface="Segoe UI Light" panose="020B0502040204020203" pitchFamily="34" charset="0"/>
-              </a:rPr>
-              <a:t>    </a:t>
-            </a:r>
-            <a:r>
-              <a:rPr lang="en-US" sz="3200" dirty="0" err="1">
-                <a:latin typeface="Segoe UI Light" panose="020B0502040204020203" pitchFamily="34" charset="0"/>
-                <a:cs typeface="Segoe UI Light" panose="020B0502040204020203" pitchFamily="34" charset="0"/>
-              </a:rPr>
-              <a:t>socket.on</a:t>
-            </a:r>
-            <a:r>
-              <a:rPr lang="en-US" sz="3200" dirty="0">
-                <a:latin typeface="Segoe UI Light" panose="020B0502040204020203" pitchFamily="34" charset="0"/>
-                <a:cs typeface="Segoe UI Light" panose="020B0502040204020203" pitchFamily="34" charset="0"/>
-              </a:rPr>
-              <a:t>("my other event", function (data) {</a:t>
-            </a:r>
-          </a:p>
-          <a:p>
-            <a:r>
-              <a:rPr lang="en-US" sz="3200" dirty="0">
-                <a:latin typeface="Segoe UI Light" panose="020B0502040204020203" pitchFamily="34" charset="0"/>
-                <a:cs typeface="Segoe UI Light" panose="020B0502040204020203" pitchFamily="34" charset="0"/>
-              </a:rPr>
-              <a:t>      console.log(data);</a:t>
-            </a:r>
-          </a:p>
-          <a:p>
-            <a:r>
-              <a:rPr lang="en-US" sz="3200" dirty="0">
-                <a:latin typeface="Segoe UI Light" panose="020B0502040204020203" pitchFamily="34" charset="0"/>
-                <a:cs typeface="Segoe UI Light" panose="020B0502040204020203" pitchFamily="34" charset="0"/>
-              </a:rPr>
-              <a:t>    });</a:t>
+              <a:t>(chunk);</a:t>
             </a:r>
           </a:p>
           <a:p>
@@ -26242,7 +26218,7 @@
     </p:spTree>
     <p:extLst>
       <p:ext uri="{BB962C8B-B14F-4D97-AF65-F5344CB8AC3E}">
-        <p14:creationId xmlns:p14="http://schemas.microsoft.com/office/powerpoint/2010/main" val="3830480072"/>
+        <p14:creationId xmlns:p14="http://schemas.microsoft.com/office/powerpoint/2010/main" val="1353126993"/>
       </p:ext>
     </p:extLst>
   </p:cSld>
@@ -26278,25 +26254,139 @@
       </p:grpSpPr>
       <p:sp>
         <p:nvSpPr>
-          <p:cNvPr id="2" name="Title 1"/>
-          <p:cNvSpPr>
-            <a:spLocks noGrp="1"/>
-          </p:cNvSpPr>
-          <p:nvPr>
-            <p:ph type="title"/>
-          </p:nvPr>
-        </p:nvSpPr>
-        <p:spPr/>
-        <p:txBody>
-          <a:bodyPr anchor="ctr"/>
-          <a:lstStyle/>
-          <a:p>
-            <a:pPr algn="ctr"/>
-            <a:r>
-              <a:rPr lang="en-US" dirty="0" smtClean="0"/>
-              <a:t>low-level</a:t>
-            </a:r>
-            <a:endParaRPr lang="en-US" dirty="0"/>
+          <p:cNvPr id="2" name="TextBox 1"/>
+          <p:cNvSpPr txBox="1"/>
+          <p:nvPr/>
+        </p:nvSpPr>
+        <p:spPr>
+          <a:xfrm>
+            <a:off x="792480" y="2151728"/>
+            <a:ext cx="9551076" cy="2554545"/>
+          </a:xfrm>
+          <a:prstGeom prst="rect">
+            <a:avLst/>
+          </a:prstGeom>
+          <a:noFill/>
+        </p:spPr>
+        <p:txBody>
+          <a:bodyPr wrap="none" rtlCol="0">
+            <a:spAutoFit/>
+          </a:bodyPr>
+          <a:lstStyle/>
+          <a:p>
+            <a:r>
+              <a:rPr lang="en-US" sz="3200" dirty="0" err="1">
+                <a:latin typeface="Segoe UI Light" panose="020B0502040204020203" pitchFamily="34" charset="0"/>
+                <a:cs typeface="Segoe UI Light" panose="020B0502040204020203" pitchFamily="34" charset="0"/>
+              </a:rPr>
+              <a:t>db.users.find</a:t>
+            </a:r>
+            <a:r>
+              <a:rPr lang="en-US" sz="3200" dirty="0">
+                <a:latin typeface="Segoe UI Light" panose="020B0502040204020203" pitchFamily="34" charset="0"/>
+                <a:cs typeface="Segoe UI Light" panose="020B0502040204020203" pitchFamily="34" charset="0"/>
+              </a:rPr>
+              <a:t>({ name: "</a:t>
+            </a:r>
+            <a:r>
+              <a:rPr lang="en-US" sz="3200" dirty="0" err="1">
+                <a:latin typeface="Segoe UI Light" panose="020B0502040204020203" pitchFamily="34" charset="0"/>
+                <a:cs typeface="Segoe UI Light" panose="020B0502040204020203" pitchFamily="34" charset="0"/>
+              </a:rPr>
+              <a:t>domenic</a:t>
+            </a:r>
+            <a:r>
+              <a:rPr lang="en-US" sz="3200" dirty="0">
+                <a:latin typeface="Segoe UI Light" panose="020B0502040204020203" pitchFamily="34" charset="0"/>
+                <a:cs typeface="Segoe UI Light" panose="020B0502040204020203" pitchFamily="34" charset="0"/>
+              </a:rPr>
+              <a:t>" </a:t>
+            </a:r>
+            <a:r>
+              <a:rPr lang="en-US" sz="3200">
+                <a:latin typeface="Segoe UI Light" panose="020B0502040204020203" pitchFamily="34" charset="0"/>
+                <a:cs typeface="Segoe UI Light" panose="020B0502040204020203" pitchFamily="34" charset="0"/>
+              </a:rPr>
+              <a:t>}, </a:t>
+            </a:r>
+            <a:r>
+              <a:rPr lang="en-US" sz="3200" smtClean="0">
+                <a:latin typeface="Segoe UI Light" panose="020B0502040204020203" pitchFamily="34" charset="0"/>
+                <a:cs typeface="Segoe UI Light" panose="020B0502040204020203" pitchFamily="34" charset="0"/>
+              </a:rPr>
+              <a:t>function (</a:t>
+            </a:r>
+            <a:r>
+              <a:rPr lang="en-US" sz="3200" dirty="0">
+                <a:latin typeface="Segoe UI Light" panose="020B0502040204020203" pitchFamily="34" charset="0"/>
+                <a:cs typeface="Segoe UI Light" panose="020B0502040204020203" pitchFamily="34" charset="0"/>
+              </a:rPr>
+              <a:t>err, users) {</a:t>
+            </a:r>
+          </a:p>
+          <a:p>
+            <a:r>
+              <a:rPr lang="en-US" sz="3200" dirty="0">
+                <a:latin typeface="Segoe UI Light" panose="020B0502040204020203" pitchFamily="34" charset="0"/>
+                <a:cs typeface="Segoe UI Light" panose="020B0502040204020203" pitchFamily="34" charset="0"/>
+              </a:rPr>
+              <a:t>    </a:t>
+            </a:r>
+            <a:r>
+              <a:rPr lang="en-US" sz="3200" dirty="0" err="1">
+                <a:latin typeface="Segoe UI Light" panose="020B0502040204020203" pitchFamily="34" charset="0"/>
+                <a:cs typeface="Segoe UI Light" panose="020B0502040204020203" pitchFamily="34" charset="0"/>
+              </a:rPr>
+              <a:t>users.forEach</a:t>
+            </a:r>
+            <a:r>
+              <a:rPr lang="en-US" sz="3200" dirty="0">
+                <a:latin typeface="Segoe UI Light" panose="020B0502040204020203" pitchFamily="34" charset="0"/>
+                <a:cs typeface="Segoe UI Light" panose="020B0502040204020203" pitchFamily="34" charset="0"/>
+              </a:rPr>
+              <a:t>(function (user) {</a:t>
+            </a:r>
+          </a:p>
+          <a:p>
+            <a:r>
+              <a:rPr lang="en-US" sz="3200" dirty="0">
+                <a:latin typeface="Segoe UI Light" panose="020B0502040204020203" pitchFamily="34" charset="0"/>
+                <a:cs typeface="Segoe UI Light" panose="020B0502040204020203" pitchFamily="34" charset="0"/>
+              </a:rPr>
+              <a:t>       </a:t>
+            </a:r>
+            <a:r>
+              <a:rPr lang="en-US" sz="3200" dirty="0" err="1">
+                <a:latin typeface="Segoe UI Light" panose="020B0502040204020203" pitchFamily="34" charset="0"/>
+                <a:cs typeface="Segoe UI Light" panose="020B0502040204020203" pitchFamily="34" charset="0"/>
+              </a:rPr>
+              <a:t>response.write</a:t>
+            </a:r>
+            <a:r>
+              <a:rPr lang="en-US" sz="3200" dirty="0">
+                <a:latin typeface="Segoe UI Light" panose="020B0502040204020203" pitchFamily="34" charset="0"/>
+                <a:cs typeface="Segoe UI Light" panose="020B0502040204020203" pitchFamily="34" charset="0"/>
+              </a:rPr>
+              <a:t>(user);</a:t>
+            </a:r>
+          </a:p>
+          <a:p>
+            <a:r>
+              <a:rPr lang="en-US" sz="3200" dirty="0">
+                <a:latin typeface="Segoe UI Light" panose="020B0502040204020203" pitchFamily="34" charset="0"/>
+                <a:cs typeface="Segoe UI Light" panose="020B0502040204020203" pitchFamily="34" charset="0"/>
+              </a:rPr>
+              <a:t>    });</a:t>
+            </a:r>
+          </a:p>
+          <a:p>
+            <a:r>
+              <a:rPr lang="en-US" sz="3200" dirty="0">
+                <a:latin typeface="Segoe UI Light" panose="020B0502040204020203" pitchFamily="34" charset="0"/>
+                <a:cs typeface="Segoe UI Light" panose="020B0502040204020203" pitchFamily="34" charset="0"/>
+              </a:rPr>
+              <a:t>});</a:t>
+            </a:r>
           </a:p>
         </p:txBody>
       </p:sp>
@@ -26326,7 +26416,7 @@
     </p:spTree>
     <p:extLst>
       <p:ext uri="{BB962C8B-B14F-4D97-AF65-F5344CB8AC3E}">
-        <p14:creationId xmlns:p14="http://schemas.microsoft.com/office/powerpoint/2010/main" val="1051053664"/>
+        <p14:creationId xmlns:p14="http://schemas.microsoft.com/office/powerpoint/2010/main" val="884188157"/>
       </p:ext>
     </p:extLst>
   </p:cSld>
@@ -26362,14 +26452,14 @@
       </p:grpSpPr>
       <p:sp>
         <p:nvSpPr>
-          <p:cNvPr id="3" name="TextBox 2"/>
+          <p:cNvPr id="2" name="TextBox 1"/>
           <p:cNvSpPr txBox="1"/>
           <p:nvPr/>
         </p:nvSpPr>
         <p:spPr>
           <a:xfrm>
-            <a:off x="5304646" y="6111240"/>
-            <a:ext cx="3969356" cy="369332"/>
+            <a:off x="792480" y="1905506"/>
+            <a:ext cx="8178842" cy="3046988"/>
           </a:xfrm>
           <a:prstGeom prst="rect">
             <a:avLst/>
@@ -26382,478 +26472,99 @@
           </a:bodyPr>
           <a:lstStyle/>
           <a:p>
-            <a:pPr algn="r"/>
-            <a:r>
-              <a:rPr lang="en-US" dirty="0">
-                <a:hlinkClick r:id="rId3"/>
+            <a:r>
+              <a:rPr lang="en-US" sz="3200" dirty="0" err="1">
+                <a:latin typeface="Segoe UI Light" panose="020B0502040204020203" pitchFamily="34" charset="0"/>
+                <a:cs typeface="Segoe UI Light" panose="020B0502040204020203" pitchFamily="34" charset="0"/>
               </a:rPr>
-              <a:t>http://nodejs.org/docs/latest/api</a:t>
-            </a:r>
-            <a:r>
-              <a:rPr lang="en-US" dirty="0" smtClean="0">
-                <a:hlinkClick r:id="rId3"/>
+              <a:t>io.sockets.on</a:t>
+            </a:r>
+            <a:r>
+              <a:rPr lang="en-US" sz="3200" dirty="0">
+                <a:latin typeface="Segoe UI Light" panose="020B0502040204020203" pitchFamily="34" charset="0"/>
+                <a:cs typeface="Segoe UI Light" panose="020B0502040204020203" pitchFamily="34" charset="0"/>
               </a:rPr>
-              <a:t>/</a:t>
-            </a:r>
-            <a:endParaRPr lang="en-US" dirty="0"/>
-          </a:p>
-        </p:txBody>
-      </p:sp>
-      <p:sp>
-        <p:nvSpPr>
-          <p:cNvPr id="4" name="TextBox 3"/>
-          <p:cNvSpPr txBox="1"/>
-          <p:nvPr/>
-        </p:nvSpPr>
-        <p:spPr>
-          <a:xfrm>
-            <a:off x="434340" y="1028700"/>
-            <a:ext cx="9136380" cy="4031873"/>
-          </a:xfrm>
-          <a:prstGeom prst="rect">
-            <a:avLst/>
-          </a:prstGeom>
-          <a:noFill/>
-        </p:spPr>
-        <p:txBody>
-          <a:bodyPr wrap="square" rtlCol="0">
-            <a:spAutoFit/>
-          </a:bodyPr>
-          <a:lstStyle/>
-          <a:p>
-            <a:pPr algn="ctr"/>
-            <a:r>
-              <a:rPr lang="en-US" sz="3200" dirty="0" smtClean="0">
-                <a:solidFill>
-                  <a:schemeClr val="accent1"/>
-                </a:solidFill>
-                <a:latin typeface="Wingdings 3" panose="05040102010807070707" pitchFamily="18" charset="2"/>
+              <a:t>("connection", function (socket) {</a:t>
+            </a:r>
+          </a:p>
+          <a:p>
+            <a:r>
+              <a:rPr lang="en-US" sz="3200" dirty="0">
+                <a:latin typeface="Segoe UI Light" panose="020B0502040204020203" pitchFamily="34" charset="0"/>
+                <a:cs typeface="Segoe UI Light" panose="020B0502040204020203" pitchFamily="34" charset="0"/>
               </a:rPr>
-              <a:t>u</a:t>
-            </a:r>
-            <a:r>
-              <a:rPr lang="en-US" sz="3200" dirty="0" smtClean="0"/>
-              <a:t> STDIO </a:t>
-            </a:r>
-            <a:r>
-              <a:rPr lang="en-US" sz="3200" dirty="0" smtClean="0">
-                <a:solidFill>
-                  <a:schemeClr val="accent1"/>
-                </a:solidFill>
-                <a:latin typeface="Wingdings 3" panose="05040102010807070707" pitchFamily="18" charset="2"/>
+              <a:t>    </a:t>
+            </a:r>
+            <a:r>
+              <a:rPr lang="en-US" sz="3200" dirty="0" err="1">
+                <a:latin typeface="Segoe UI Light" panose="020B0502040204020203" pitchFamily="34" charset="0"/>
+                <a:cs typeface="Segoe UI Light" panose="020B0502040204020203" pitchFamily="34" charset="0"/>
               </a:rPr>
-              <a:t>u</a:t>
-            </a:r>
-            <a:r>
-              <a:rPr lang="en-US" sz="3200" dirty="0" smtClean="0"/>
-              <a:t> Timers </a:t>
-            </a:r>
-            <a:r>
-              <a:rPr lang="en-US" sz="3200" dirty="0" smtClean="0">
-                <a:solidFill>
-                  <a:schemeClr val="accent1"/>
-                </a:solidFill>
-                <a:latin typeface="Wingdings 3" panose="05040102010807070707" pitchFamily="18" charset="2"/>
+              <a:t>socket.emit</a:t>
+            </a:r>
+            <a:r>
+              <a:rPr lang="en-US" sz="3200" dirty="0">
+                <a:latin typeface="Segoe UI Light" panose="020B0502040204020203" pitchFamily="34" charset="0"/>
+                <a:cs typeface="Segoe UI Light" panose="020B0502040204020203" pitchFamily="34" charset="0"/>
               </a:rPr>
-              <a:t>u</a:t>
-            </a:r>
-            <a:r>
-              <a:rPr lang="en-US" sz="3200" dirty="0" smtClean="0"/>
-              <a:t> Process </a:t>
-            </a:r>
-            <a:r>
-              <a:rPr lang="en-US" sz="3200" dirty="0" smtClean="0">
-                <a:solidFill>
-                  <a:schemeClr val="accent1"/>
-                </a:solidFill>
-                <a:latin typeface="Wingdings 3" panose="05040102010807070707" pitchFamily="18" charset="2"/>
+              <a:t>("news", { hello: "world" });</a:t>
+            </a:r>
+          </a:p>
+          <a:p>
+            <a:r>
+              <a:rPr lang="en-US" sz="3200" dirty="0">
+                <a:latin typeface="Segoe UI Light" panose="020B0502040204020203" pitchFamily="34" charset="0"/>
+                <a:cs typeface="Segoe UI Light" panose="020B0502040204020203" pitchFamily="34" charset="0"/>
               </a:rPr>
-              <a:t>u</a:t>
-            </a:r>
-            <a:r>
-              <a:rPr lang="en-US" sz="3200" dirty="0" smtClean="0"/>
-              <a:t> Utilities</a:t>
-            </a:r>
-            <a:br>
-              <a:rPr lang="en-US" sz="3200" dirty="0" smtClean="0"/>
-            </a:br>
-            <a:r>
-              <a:rPr lang="en-US" sz="3200" dirty="0" smtClean="0">
-                <a:solidFill>
-                  <a:schemeClr val="accent1"/>
-                </a:solidFill>
-                <a:latin typeface="Wingdings 3" panose="05040102010807070707" pitchFamily="18" charset="2"/>
+              <a:t>    </a:t>
+            </a:r>
+            <a:r>
+              <a:rPr lang="en-US" sz="3200" dirty="0" err="1">
+                <a:latin typeface="Segoe UI Light" panose="020B0502040204020203" pitchFamily="34" charset="0"/>
+                <a:cs typeface="Segoe UI Light" panose="020B0502040204020203" pitchFamily="34" charset="0"/>
               </a:rPr>
-              <a:t>u</a:t>
-            </a:r>
-            <a:r>
-              <a:rPr lang="en-US" sz="3200" dirty="0"/>
-              <a:t> </a:t>
-            </a:r>
-            <a:r>
-              <a:rPr lang="en-US" sz="3200" dirty="0" smtClean="0"/>
-              <a:t>Events </a:t>
-            </a:r>
-            <a:r>
-              <a:rPr lang="en-US" sz="3200" dirty="0" smtClean="0">
-                <a:solidFill>
-                  <a:schemeClr val="accent1"/>
-                </a:solidFill>
-                <a:latin typeface="Wingdings 3" panose="05040102010807070707" pitchFamily="18" charset="2"/>
+              <a:t>socket.on</a:t>
+            </a:r>
+            <a:r>
+              <a:rPr lang="en-US" sz="3200" dirty="0">
+                <a:latin typeface="Segoe UI Light" panose="020B0502040204020203" pitchFamily="34" charset="0"/>
+                <a:cs typeface="Segoe UI Light" panose="020B0502040204020203" pitchFamily="34" charset="0"/>
               </a:rPr>
-              <a:t>u</a:t>
-            </a:r>
-            <a:r>
-              <a:rPr lang="en-US" sz="3200" dirty="0" smtClean="0"/>
-              <a:t> Domain </a:t>
-            </a:r>
-            <a:r>
-              <a:rPr lang="en-US" sz="3200" dirty="0" smtClean="0">
-                <a:solidFill>
-                  <a:schemeClr val="accent1"/>
-                </a:solidFill>
-                <a:latin typeface="Wingdings 3" panose="05040102010807070707" pitchFamily="18" charset="2"/>
+              <a:t>("my other event", function (data) {</a:t>
+            </a:r>
+          </a:p>
+          <a:p>
+            <a:r>
+              <a:rPr lang="en-US" sz="3200" dirty="0">
+                <a:latin typeface="Segoe UI Light" panose="020B0502040204020203" pitchFamily="34" charset="0"/>
+                <a:cs typeface="Segoe UI Light" panose="020B0502040204020203" pitchFamily="34" charset="0"/>
               </a:rPr>
-              <a:t>u</a:t>
-            </a:r>
-            <a:r>
-              <a:rPr lang="en-US" sz="3200" dirty="0" smtClean="0"/>
-              <a:t> Buffer </a:t>
-            </a:r>
-            <a:r>
-              <a:rPr lang="en-US" sz="3200" dirty="0" smtClean="0">
-                <a:solidFill>
-                  <a:schemeClr val="accent1"/>
-                </a:solidFill>
-                <a:latin typeface="Wingdings 3" panose="05040102010807070707" pitchFamily="18" charset="2"/>
+              <a:t>      console.log(data);</a:t>
+            </a:r>
+          </a:p>
+          <a:p>
+            <a:r>
+              <a:rPr lang="en-US" sz="3200" dirty="0">
+                <a:latin typeface="Segoe UI Light" panose="020B0502040204020203" pitchFamily="34" charset="0"/>
+                <a:cs typeface="Segoe UI Light" panose="020B0502040204020203" pitchFamily="34" charset="0"/>
               </a:rPr>
-              <a:t>u</a:t>
-            </a:r>
-            <a:r>
-              <a:rPr lang="en-US" sz="3200" dirty="0" smtClean="0"/>
-              <a:t> Stream</a:t>
-            </a:r>
-            <a:br>
-              <a:rPr lang="en-US" sz="3200" dirty="0" smtClean="0"/>
-            </a:br>
-            <a:r>
-              <a:rPr lang="en-US" sz="3200" dirty="0" smtClean="0">
-                <a:solidFill>
-                  <a:schemeClr val="accent1"/>
-                </a:solidFill>
-                <a:latin typeface="Wingdings 3" panose="05040102010807070707" pitchFamily="18" charset="2"/>
+              <a:t>    });</a:t>
+            </a:r>
+          </a:p>
+          <a:p>
+            <a:r>
+              <a:rPr lang="en-US" sz="3200" dirty="0">
+                <a:latin typeface="Segoe UI Light" panose="020B0502040204020203" pitchFamily="34" charset="0"/>
+                <a:cs typeface="Segoe UI Light" panose="020B0502040204020203" pitchFamily="34" charset="0"/>
               </a:rPr>
-              <a:t>u</a:t>
-            </a:r>
-            <a:r>
-              <a:rPr lang="en-US" sz="3200" dirty="0" smtClean="0"/>
-              <a:t> Crypto </a:t>
-            </a:r>
-            <a:r>
-              <a:rPr lang="en-US" sz="3200" dirty="0" smtClean="0">
-                <a:solidFill>
-                  <a:schemeClr val="accent1"/>
-                </a:solidFill>
-                <a:latin typeface="Wingdings 3" panose="05040102010807070707" pitchFamily="18" charset="2"/>
-              </a:rPr>
-              <a:t>u</a:t>
-            </a:r>
-            <a:r>
-              <a:rPr lang="en-US" sz="3200" dirty="0" smtClean="0"/>
-              <a:t> TLS/SSL </a:t>
-            </a:r>
-            <a:r>
-              <a:rPr lang="en-US" sz="3200" dirty="0" smtClean="0">
-                <a:solidFill>
-                  <a:schemeClr val="accent1"/>
-                </a:solidFill>
-                <a:latin typeface="Wingdings 3" panose="05040102010807070707" pitchFamily="18" charset="2"/>
-              </a:rPr>
-              <a:t>u</a:t>
-            </a:r>
-            <a:r>
-              <a:rPr lang="en-US" sz="3200" dirty="0" smtClean="0"/>
-              <a:t> String Decoder</a:t>
-            </a:r>
-            <a:br>
-              <a:rPr lang="en-US" sz="3200" dirty="0" smtClean="0"/>
-            </a:br>
-            <a:r>
-              <a:rPr lang="en-US" sz="3200" dirty="0" smtClean="0">
-                <a:solidFill>
-                  <a:schemeClr val="accent1"/>
-                </a:solidFill>
-                <a:latin typeface="Wingdings 3" panose="05040102010807070707" pitchFamily="18" charset="2"/>
-              </a:rPr>
-              <a:t>u</a:t>
-            </a:r>
-            <a:r>
-              <a:rPr lang="en-US" sz="3200" dirty="0" smtClean="0"/>
-              <a:t> File System </a:t>
-            </a:r>
-            <a:r>
-              <a:rPr lang="en-US" sz="3200" dirty="0" smtClean="0">
-                <a:solidFill>
-                  <a:schemeClr val="accent1"/>
-                </a:solidFill>
-                <a:latin typeface="Wingdings 3" panose="05040102010807070707" pitchFamily="18" charset="2"/>
-              </a:rPr>
-              <a:t>u</a:t>
-            </a:r>
-            <a:r>
-              <a:rPr lang="en-US" sz="3200" dirty="0" smtClean="0"/>
-              <a:t> Path </a:t>
-            </a:r>
-            <a:r>
-              <a:rPr lang="en-US" sz="3200" dirty="0" smtClean="0">
-                <a:solidFill>
-                  <a:schemeClr val="accent1"/>
-                </a:solidFill>
-                <a:latin typeface="Wingdings 3" panose="05040102010807070707" pitchFamily="18" charset="2"/>
-              </a:rPr>
-              <a:t>u</a:t>
-            </a:r>
-            <a:r>
-              <a:rPr lang="en-US" sz="3200" dirty="0" smtClean="0"/>
-              <a:t> Net </a:t>
-            </a:r>
-            <a:r>
-              <a:rPr lang="en-US" sz="3200" dirty="0" smtClean="0">
-                <a:solidFill>
-                  <a:schemeClr val="accent1"/>
-                </a:solidFill>
-                <a:latin typeface="Wingdings 3" panose="05040102010807070707" pitchFamily="18" charset="2"/>
-              </a:rPr>
-              <a:t>u</a:t>
-            </a:r>
-            <a:r>
-              <a:rPr lang="en-US" sz="3200" dirty="0" smtClean="0"/>
-              <a:t> UDP/Datagram </a:t>
-            </a:r>
-            <a:r>
-              <a:rPr lang="en-US" sz="3200" dirty="0" smtClean="0">
-                <a:solidFill>
-                  <a:schemeClr val="accent1"/>
-                </a:solidFill>
-                <a:latin typeface="Wingdings 3" panose="05040102010807070707" pitchFamily="18" charset="2"/>
-              </a:rPr>
-              <a:t>u</a:t>
-            </a:r>
-            <a:r>
-              <a:rPr lang="en-US" sz="3200" dirty="0" smtClean="0"/>
-              <a:t> DNS </a:t>
-            </a:r>
-            <a:r>
-              <a:rPr lang="en-US" sz="3200" dirty="0" smtClean="0">
-                <a:solidFill>
-                  <a:schemeClr val="accent1"/>
-                </a:solidFill>
-                <a:latin typeface="Wingdings 3" panose="05040102010807070707" pitchFamily="18" charset="2"/>
-              </a:rPr>
-              <a:t>u</a:t>
-            </a:r>
-            <a:r>
-              <a:rPr lang="en-US" sz="3200" dirty="0" smtClean="0"/>
-              <a:t> HTTP </a:t>
-            </a:r>
-            <a:r>
-              <a:rPr lang="en-US" sz="3200" dirty="0" smtClean="0">
-                <a:solidFill>
-                  <a:schemeClr val="accent1"/>
-                </a:solidFill>
-                <a:latin typeface="Wingdings 3" panose="05040102010807070707" pitchFamily="18" charset="2"/>
-              </a:rPr>
-              <a:t>u</a:t>
-            </a:r>
-            <a:r>
-              <a:rPr lang="en-US" sz="3200" dirty="0" smtClean="0"/>
-              <a:t> HTTPS </a:t>
-            </a:r>
-            <a:r>
-              <a:rPr lang="en-US" sz="3200" dirty="0" smtClean="0">
-                <a:solidFill>
-                  <a:schemeClr val="accent1"/>
-                </a:solidFill>
-                <a:latin typeface="Wingdings 3" panose="05040102010807070707" pitchFamily="18" charset="2"/>
-              </a:rPr>
-              <a:t>u</a:t>
-            </a:r>
-            <a:r>
-              <a:rPr lang="en-US" sz="3200" dirty="0" smtClean="0"/>
-              <a:t> URL </a:t>
-            </a:r>
-            <a:r>
-              <a:rPr lang="en-US" sz="3200" dirty="0" smtClean="0">
-                <a:solidFill>
-                  <a:schemeClr val="accent1"/>
-                </a:solidFill>
-                <a:latin typeface="Wingdings 3" panose="05040102010807070707" pitchFamily="18" charset="2"/>
-              </a:rPr>
-              <a:t>u</a:t>
-            </a:r>
-            <a:r>
-              <a:rPr lang="en-US" sz="3200" dirty="0" smtClean="0"/>
-              <a:t> Query Strings </a:t>
-            </a:r>
-            <a:r>
-              <a:rPr lang="en-US" sz="3200" dirty="0" smtClean="0">
-                <a:solidFill>
-                  <a:schemeClr val="accent1"/>
-                </a:solidFill>
-                <a:latin typeface="Wingdings 3" panose="05040102010807070707" pitchFamily="18" charset="2"/>
-              </a:rPr>
-              <a:t>u</a:t>
-            </a:r>
-            <a:r>
-              <a:rPr lang="en-US" sz="3200" dirty="0" smtClean="0"/>
-              <a:t> </a:t>
-            </a:r>
-            <a:r>
-              <a:rPr lang="en-US" sz="3200" dirty="0" err="1" smtClean="0"/>
-              <a:t>Punycode</a:t>
-            </a:r>
-            <a:r>
-              <a:rPr lang="en-US" sz="3200" dirty="0" smtClean="0"/>
-              <a:t> </a:t>
-            </a:r>
-            <a:r>
-              <a:rPr lang="en-US" sz="3200" dirty="0" smtClean="0">
-                <a:solidFill>
-                  <a:schemeClr val="accent1"/>
-                </a:solidFill>
-                <a:latin typeface="Wingdings 3" panose="05040102010807070707" pitchFamily="18" charset="2"/>
-              </a:rPr>
-              <a:t>u</a:t>
-            </a:r>
-            <a:r>
-              <a:rPr lang="en-US" sz="3200" dirty="0" smtClean="0"/>
-              <a:t> </a:t>
-            </a:r>
-            <a:r>
-              <a:rPr lang="en-US" sz="3200" dirty="0" err="1" smtClean="0"/>
-              <a:t>Readline</a:t>
-            </a:r>
-            <a:r>
-              <a:rPr lang="en-US" sz="3200" dirty="0" smtClean="0"/>
-              <a:t> </a:t>
-            </a:r>
-            <a:r>
-              <a:rPr lang="en-US" sz="3200" dirty="0" smtClean="0">
-                <a:solidFill>
-                  <a:schemeClr val="accent1"/>
-                </a:solidFill>
-                <a:latin typeface="Wingdings 3" panose="05040102010807070707" pitchFamily="18" charset="2"/>
-              </a:rPr>
-              <a:t>u</a:t>
-            </a:r>
-            <a:r>
-              <a:rPr lang="en-US" sz="3200" dirty="0" smtClean="0"/>
-              <a:t> REPL </a:t>
-            </a:r>
-            <a:r>
-              <a:rPr lang="en-US" sz="3200" dirty="0" smtClean="0">
-                <a:solidFill>
-                  <a:schemeClr val="accent1"/>
-                </a:solidFill>
-                <a:latin typeface="Wingdings 3" panose="05040102010807070707" pitchFamily="18" charset="2"/>
-              </a:rPr>
-              <a:t>u</a:t>
-            </a:r>
-            <a:r>
-              <a:rPr lang="en-US" sz="3200" dirty="0" smtClean="0"/>
-              <a:t> VM</a:t>
-            </a:r>
-            <a:br>
-              <a:rPr lang="en-US" sz="3200" dirty="0" smtClean="0"/>
-            </a:br>
-            <a:r>
-              <a:rPr lang="en-US" sz="3200" dirty="0" smtClean="0">
-                <a:solidFill>
-                  <a:schemeClr val="accent1"/>
-                </a:solidFill>
-                <a:latin typeface="Wingdings 3" panose="05040102010807070707" pitchFamily="18" charset="2"/>
-              </a:rPr>
-              <a:t>u</a:t>
-            </a:r>
-            <a:r>
-              <a:rPr lang="en-US" sz="3200" dirty="0" smtClean="0"/>
-              <a:t> Child Processes </a:t>
-            </a:r>
-            <a:r>
-              <a:rPr lang="en-US" sz="3200" dirty="0" smtClean="0">
-                <a:solidFill>
-                  <a:schemeClr val="accent1"/>
-                </a:solidFill>
-                <a:latin typeface="Wingdings 3" panose="05040102010807070707" pitchFamily="18" charset="2"/>
-              </a:rPr>
-              <a:t>u</a:t>
-            </a:r>
-            <a:r>
-              <a:rPr lang="en-US" sz="3200" dirty="0" smtClean="0"/>
-              <a:t> Assertion Testing </a:t>
-            </a:r>
-            <a:r>
-              <a:rPr lang="en-US" sz="3200" dirty="0" smtClean="0">
-                <a:solidFill>
-                  <a:schemeClr val="accent1"/>
-                </a:solidFill>
-                <a:latin typeface="Wingdings 3" panose="05040102010807070707" pitchFamily="18" charset="2"/>
-              </a:rPr>
-              <a:t>u</a:t>
-            </a:r>
-            <a:r>
-              <a:rPr lang="en-US" sz="3200" dirty="0" smtClean="0"/>
-              <a:t> TTY</a:t>
-            </a:r>
-            <a:br>
-              <a:rPr lang="en-US" sz="3200" dirty="0" smtClean="0"/>
-            </a:br>
-            <a:r>
-              <a:rPr lang="en-US" sz="3200" dirty="0" smtClean="0">
-                <a:solidFill>
-                  <a:schemeClr val="accent1"/>
-                </a:solidFill>
-                <a:latin typeface="Wingdings 3" panose="05040102010807070707" pitchFamily="18" charset="2"/>
-              </a:rPr>
-              <a:t>u</a:t>
-            </a:r>
-            <a:r>
-              <a:rPr lang="en-US" sz="3200" dirty="0" smtClean="0"/>
-              <a:t> ZLIB </a:t>
-            </a:r>
-            <a:r>
-              <a:rPr lang="en-US" sz="3200" dirty="0" smtClean="0">
-                <a:solidFill>
-                  <a:schemeClr val="accent1"/>
-                </a:solidFill>
-                <a:latin typeface="Wingdings 3" panose="05040102010807070707" pitchFamily="18" charset="2"/>
-              </a:rPr>
-              <a:t>u</a:t>
-            </a:r>
-            <a:r>
-              <a:rPr lang="en-US" sz="3200" dirty="0" smtClean="0"/>
-              <a:t> OS </a:t>
-            </a:r>
-            <a:r>
-              <a:rPr lang="en-US" sz="3200" dirty="0" smtClean="0">
-                <a:solidFill>
-                  <a:schemeClr val="accent1"/>
-                </a:solidFill>
-                <a:latin typeface="Wingdings 3" panose="05040102010807070707" pitchFamily="18" charset="2"/>
-              </a:rPr>
-              <a:t>u</a:t>
-            </a:r>
-            <a:r>
-              <a:rPr lang="en-US" sz="3200" dirty="0" smtClean="0"/>
-              <a:t> Cluster</a:t>
-            </a:r>
-            <a:endParaRPr lang="en-US" sz="3200" dirty="0"/>
-          </a:p>
-        </p:txBody>
-      </p:sp>
-      <p:sp>
-        <p:nvSpPr>
-          <p:cNvPr id="2" name="Footer Placeholder 1"/>
+              <a:t>});</a:t>
+            </a:r>
+          </a:p>
+        </p:txBody>
+      </p:sp>
+      <p:sp>
+        <p:nvSpPr>
+          <p:cNvPr id="3" name="Footer Placeholder 2"/>
           <p:cNvSpPr>
             <a:spLocks noGrp="1"/>
           </p:cNvSpPr>
@@ -26877,7 +26588,7 @@
     </p:spTree>
     <p:extLst>
       <p:ext uri="{BB962C8B-B14F-4D97-AF65-F5344CB8AC3E}">
-        <p14:creationId xmlns:p14="http://schemas.microsoft.com/office/powerpoint/2010/main" val="2142387426"/>
+        <p14:creationId xmlns:p14="http://schemas.microsoft.com/office/powerpoint/2010/main" val="3830480072"/>
       </p:ext>
     </p:extLst>
   </p:cSld>
@@ -26928,41 +26639,52 @@
           <a:p>
             <a:r>
               <a:rPr lang="en-US" dirty="0" smtClean="0"/>
-              <a:t>how to node</a:t>
+              <a:t>agenda</a:t>
             </a:r>
             <a:endParaRPr lang="en-US" dirty="0"/>
           </a:p>
         </p:txBody>
       </p:sp>
-      <p:pic>
-        <p:nvPicPr>
-          <p:cNvPr id="7" name="Content Placeholder 6"/>
-          <p:cNvPicPr>
-            <a:picLocks noGrp="1" noChangeAspect="1"/>
-          </p:cNvPicPr>
+      <p:sp>
+        <p:nvSpPr>
+          <p:cNvPr id="3" name="Content Placeholder 2"/>
+          <p:cNvSpPr>
+            <a:spLocks noGrp="1"/>
+          </p:cNvSpPr>
           <p:nvPr>
             <p:ph idx="1"/>
           </p:nvPr>
-        </p:nvPicPr>
-        <p:blipFill>
-          <a:blip r:embed="rId2"/>
-          <a:stretch>
-            <a:fillRect/>
-          </a:stretch>
-        </p:blipFill>
-        <p:spPr>
-          <a:xfrm>
-            <a:off x="1155967" y="2160588"/>
-            <a:ext cx="7640103" cy="3881437"/>
-          </a:xfrm>
-          <a:prstGeom prst="rect">
-            <a:avLst/>
-          </a:prstGeom>
-        </p:spPr>
-      </p:pic>
-      <p:sp>
-        <p:nvSpPr>
-          <p:cNvPr id="3" name="Footer Placeholder 2"/>
+        </p:nvSpPr>
+        <p:spPr/>
+        <p:txBody>
+          <a:bodyPr>
+            <a:normAutofit/>
+          </a:bodyPr>
+          <a:lstStyle/>
+          <a:p>
+            <a:r>
+              <a:rPr lang="en-US" sz="4000" dirty="0" smtClean="0"/>
+              <a:t>how to node</a:t>
+            </a:r>
+          </a:p>
+          <a:p>
+            <a:r>
+              <a:rPr lang="en-US" sz="4000" dirty="0" smtClean="0"/>
+              <a:t>why to node</a:t>
+            </a:r>
+          </a:p>
+          <a:p>
+            <a:r>
+              <a:rPr lang="en-US" sz="4000" dirty="0" smtClean="0"/>
+              <a:t>coding time</a:t>
+            </a:r>
+            <a:endParaRPr lang="en-US" sz="4000" dirty="0"/>
+          </a:p>
+        </p:txBody>
+      </p:sp>
+      <p:sp>
+        <p:nvSpPr>
+          <p:cNvPr id="4" name="Footer Placeholder 3"/>
           <p:cNvSpPr>
             <a:spLocks noGrp="1"/>
           </p:cNvSpPr>
@@ -26986,20 +26708,13 @@
     </p:spTree>
     <p:extLst>
       <p:ext uri="{BB962C8B-B14F-4D97-AF65-F5344CB8AC3E}">
-        <p14:creationId xmlns:p14="http://schemas.microsoft.com/office/powerpoint/2010/main" val="4168259440"/>
+        <p14:creationId xmlns:p14="http://schemas.microsoft.com/office/powerpoint/2010/main" val="3348074063"/>
       </p:ext>
     </p:extLst>
   </p:cSld>
   <p:clrMapOvr>
     <a:masterClrMapping/>
   </p:clrMapOvr>
-  <p:timing>
-    <p:tnLst>
-      <p:par>
-        <p:cTn id="1" dur="indefinite" restart="never" nodeType="tmRoot"/>
-      </p:par>
-    </p:tnLst>
-  </p:timing>
 </p:sld>
 </file>
 
@@ -27022,52 +26737,25 @@
       </p:grpSpPr>
       <p:sp>
         <p:nvSpPr>
-          <p:cNvPr id="2" name="TextBox 1"/>
-          <p:cNvSpPr txBox="1"/>
-          <p:nvPr/>
-        </p:nvSpPr>
-        <p:spPr>
-          <a:xfrm>
-            <a:off x="792480" y="1813173"/>
-            <a:ext cx="5026441" cy="3139321"/>
-          </a:xfrm>
-          <a:prstGeom prst="rect">
-            <a:avLst/>
-          </a:prstGeom>
-          <a:noFill/>
-        </p:spPr>
-        <p:txBody>
-          <a:bodyPr wrap="none" rtlCol="0">
-            <a:spAutoFit/>
-          </a:bodyPr>
-          <a:lstStyle/>
-          <a:p>
-            <a:r>
-              <a:rPr lang="en-US" sz="7200" dirty="0" smtClean="0">
-                <a:latin typeface="Segoe UI Light" panose="020B0502040204020203" pitchFamily="34" charset="0"/>
-                <a:cs typeface="Segoe UI Light" panose="020B0502040204020203" pitchFamily="34" charset="0"/>
-              </a:rPr>
-              <a:t>that’s it.</a:t>
-            </a:r>
-          </a:p>
-          <a:p>
-            <a:endParaRPr lang="en-US" sz="7200" dirty="0">
-              <a:latin typeface="Segoe UI Light" panose="020B0502040204020203" pitchFamily="34" charset="0"/>
-              <a:cs typeface="Segoe UI Light" panose="020B0502040204020203" pitchFamily="34" charset="0"/>
-            </a:endParaRPr>
-          </a:p>
-          <a:p>
-            <a:r>
-              <a:rPr lang="en-US" sz="5400" dirty="0" smtClean="0">
-                <a:latin typeface="Segoe UI Light" panose="020B0502040204020203" pitchFamily="34" charset="0"/>
-                <a:cs typeface="Segoe UI Light" panose="020B0502040204020203" pitchFamily="34" charset="0"/>
-              </a:rPr>
-              <a:t>that’s all you get.</a:t>
-            </a:r>
-            <a:endParaRPr lang="en-US" sz="5400" dirty="0">
-              <a:latin typeface="Segoe UI Light" panose="020B0502040204020203" pitchFamily="34" charset="0"/>
-              <a:cs typeface="Segoe UI Light" panose="020B0502040204020203" pitchFamily="34" charset="0"/>
-            </a:endParaRPr>
+          <p:cNvPr id="2" name="Title 1"/>
+          <p:cNvSpPr>
+            <a:spLocks noGrp="1"/>
+          </p:cNvSpPr>
+          <p:nvPr>
+            <p:ph type="title"/>
+          </p:nvPr>
+        </p:nvSpPr>
+        <p:spPr/>
+        <p:txBody>
+          <a:bodyPr anchor="ctr"/>
+          <a:lstStyle/>
+          <a:p>
+            <a:pPr algn="ctr"/>
+            <a:r>
+              <a:rPr lang="en-US" dirty="0" smtClean="0"/>
+              <a:t>low-level</a:t>
+            </a:r>
+            <a:endParaRPr lang="en-US" dirty="0"/>
           </a:p>
         </p:txBody>
       </p:sp>
@@ -27097,7 +26785,7 @@
     </p:spTree>
     <p:extLst>
       <p:ext uri="{BB962C8B-B14F-4D97-AF65-F5344CB8AC3E}">
-        <p14:creationId xmlns:p14="http://schemas.microsoft.com/office/powerpoint/2010/main" val="2048945466"/>
+        <p14:creationId xmlns:p14="http://schemas.microsoft.com/office/powerpoint/2010/main" val="1051053664"/>
       </p:ext>
     </p:extLst>
   </p:cSld>
@@ -27133,6 +26821,668 @@
       </p:grpSpPr>
       <p:sp>
         <p:nvSpPr>
+          <p:cNvPr id="3" name="TextBox 2"/>
+          <p:cNvSpPr txBox="1"/>
+          <p:nvPr/>
+        </p:nvSpPr>
+        <p:spPr>
+          <a:xfrm>
+            <a:off x="5304646" y="6111240"/>
+            <a:ext cx="3969356" cy="369332"/>
+          </a:xfrm>
+          <a:prstGeom prst="rect">
+            <a:avLst/>
+          </a:prstGeom>
+          <a:noFill/>
+        </p:spPr>
+        <p:txBody>
+          <a:bodyPr wrap="none" rtlCol="0">
+            <a:spAutoFit/>
+          </a:bodyPr>
+          <a:lstStyle/>
+          <a:p>
+            <a:pPr algn="r"/>
+            <a:r>
+              <a:rPr lang="en-US" dirty="0">
+                <a:hlinkClick r:id="rId3"/>
+              </a:rPr>
+              <a:t>http://nodejs.org/docs/latest/api</a:t>
+            </a:r>
+            <a:r>
+              <a:rPr lang="en-US" dirty="0" smtClean="0">
+                <a:hlinkClick r:id="rId3"/>
+              </a:rPr>
+              <a:t>/</a:t>
+            </a:r>
+            <a:endParaRPr lang="en-US" dirty="0"/>
+          </a:p>
+        </p:txBody>
+      </p:sp>
+      <p:sp>
+        <p:nvSpPr>
+          <p:cNvPr id="4" name="TextBox 3"/>
+          <p:cNvSpPr txBox="1"/>
+          <p:nvPr/>
+        </p:nvSpPr>
+        <p:spPr>
+          <a:xfrm>
+            <a:off x="434340" y="1028700"/>
+            <a:ext cx="9136380" cy="4031873"/>
+          </a:xfrm>
+          <a:prstGeom prst="rect">
+            <a:avLst/>
+          </a:prstGeom>
+          <a:noFill/>
+        </p:spPr>
+        <p:txBody>
+          <a:bodyPr wrap="square" rtlCol="0">
+            <a:spAutoFit/>
+          </a:bodyPr>
+          <a:lstStyle/>
+          <a:p>
+            <a:pPr algn="ctr"/>
+            <a:r>
+              <a:rPr lang="en-US" sz="3200" dirty="0" smtClean="0">
+                <a:solidFill>
+                  <a:schemeClr val="accent1"/>
+                </a:solidFill>
+                <a:latin typeface="Wingdings 3" panose="05040102010807070707" pitchFamily="18" charset="2"/>
+              </a:rPr>
+              <a:t>u</a:t>
+            </a:r>
+            <a:r>
+              <a:rPr lang="en-US" sz="3200" dirty="0" smtClean="0"/>
+              <a:t> STDIO </a:t>
+            </a:r>
+            <a:r>
+              <a:rPr lang="en-US" sz="3200" dirty="0" smtClean="0">
+                <a:solidFill>
+                  <a:schemeClr val="accent1"/>
+                </a:solidFill>
+                <a:latin typeface="Wingdings 3" panose="05040102010807070707" pitchFamily="18" charset="2"/>
+              </a:rPr>
+              <a:t>u</a:t>
+            </a:r>
+            <a:r>
+              <a:rPr lang="en-US" sz="3200" dirty="0" smtClean="0"/>
+              <a:t> Timers </a:t>
+            </a:r>
+            <a:r>
+              <a:rPr lang="en-US" sz="3200" dirty="0" smtClean="0">
+                <a:solidFill>
+                  <a:schemeClr val="accent1"/>
+                </a:solidFill>
+                <a:latin typeface="Wingdings 3" panose="05040102010807070707" pitchFamily="18" charset="2"/>
+              </a:rPr>
+              <a:t>u</a:t>
+            </a:r>
+            <a:r>
+              <a:rPr lang="en-US" sz="3200" dirty="0" smtClean="0"/>
+              <a:t> Process </a:t>
+            </a:r>
+            <a:r>
+              <a:rPr lang="en-US" sz="3200" dirty="0" smtClean="0">
+                <a:solidFill>
+                  <a:schemeClr val="accent1"/>
+                </a:solidFill>
+                <a:latin typeface="Wingdings 3" panose="05040102010807070707" pitchFamily="18" charset="2"/>
+              </a:rPr>
+              <a:t>u</a:t>
+            </a:r>
+            <a:r>
+              <a:rPr lang="en-US" sz="3200" dirty="0" smtClean="0"/>
+              <a:t> Utilities</a:t>
+            </a:r>
+            <a:br>
+              <a:rPr lang="en-US" sz="3200" dirty="0" smtClean="0"/>
+            </a:br>
+            <a:r>
+              <a:rPr lang="en-US" sz="3200" dirty="0" smtClean="0">
+                <a:solidFill>
+                  <a:schemeClr val="accent1"/>
+                </a:solidFill>
+                <a:latin typeface="Wingdings 3" panose="05040102010807070707" pitchFamily="18" charset="2"/>
+              </a:rPr>
+              <a:t>u</a:t>
+            </a:r>
+            <a:r>
+              <a:rPr lang="en-US" sz="3200" dirty="0"/>
+              <a:t> </a:t>
+            </a:r>
+            <a:r>
+              <a:rPr lang="en-US" sz="3200" dirty="0" smtClean="0"/>
+              <a:t>Events </a:t>
+            </a:r>
+            <a:r>
+              <a:rPr lang="en-US" sz="3200" dirty="0" smtClean="0">
+                <a:solidFill>
+                  <a:schemeClr val="accent1"/>
+                </a:solidFill>
+                <a:latin typeface="Wingdings 3" panose="05040102010807070707" pitchFamily="18" charset="2"/>
+              </a:rPr>
+              <a:t>u</a:t>
+            </a:r>
+            <a:r>
+              <a:rPr lang="en-US" sz="3200" dirty="0" smtClean="0"/>
+              <a:t> Domain </a:t>
+            </a:r>
+            <a:r>
+              <a:rPr lang="en-US" sz="3200" dirty="0" smtClean="0">
+                <a:solidFill>
+                  <a:schemeClr val="accent1"/>
+                </a:solidFill>
+                <a:latin typeface="Wingdings 3" panose="05040102010807070707" pitchFamily="18" charset="2"/>
+              </a:rPr>
+              <a:t>u</a:t>
+            </a:r>
+            <a:r>
+              <a:rPr lang="en-US" sz="3200" dirty="0" smtClean="0"/>
+              <a:t> Buffer </a:t>
+            </a:r>
+            <a:r>
+              <a:rPr lang="en-US" sz="3200" dirty="0" smtClean="0">
+                <a:solidFill>
+                  <a:schemeClr val="accent1"/>
+                </a:solidFill>
+                <a:latin typeface="Wingdings 3" panose="05040102010807070707" pitchFamily="18" charset="2"/>
+              </a:rPr>
+              <a:t>u</a:t>
+            </a:r>
+            <a:r>
+              <a:rPr lang="en-US" sz="3200" dirty="0" smtClean="0"/>
+              <a:t> Stream</a:t>
+            </a:r>
+            <a:br>
+              <a:rPr lang="en-US" sz="3200" dirty="0" smtClean="0"/>
+            </a:br>
+            <a:r>
+              <a:rPr lang="en-US" sz="3200" dirty="0" smtClean="0">
+                <a:solidFill>
+                  <a:schemeClr val="accent1"/>
+                </a:solidFill>
+                <a:latin typeface="Wingdings 3" panose="05040102010807070707" pitchFamily="18" charset="2"/>
+              </a:rPr>
+              <a:t>u</a:t>
+            </a:r>
+            <a:r>
+              <a:rPr lang="en-US" sz="3200" dirty="0" smtClean="0"/>
+              <a:t> Crypto </a:t>
+            </a:r>
+            <a:r>
+              <a:rPr lang="en-US" sz="3200" dirty="0" smtClean="0">
+                <a:solidFill>
+                  <a:schemeClr val="accent1"/>
+                </a:solidFill>
+                <a:latin typeface="Wingdings 3" panose="05040102010807070707" pitchFamily="18" charset="2"/>
+              </a:rPr>
+              <a:t>u</a:t>
+            </a:r>
+            <a:r>
+              <a:rPr lang="en-US" sz="3200" dirty="0" smtClean="0"/>
+              <a:t> TLS/SSL </a:t>
+            </a:r>
+            <a:r>
+              <a:rPr lang="en-US" sz="3200" dirty="0" smtClean="0">
+                <a:solidFill>
+                  <a:schemeClr val="accent1"/>
+                </a:solidFill>
+                <a:latin typeface="Wingdings 3" panose="05040102010807070707" pitchFamily="18" charset="2"/>
+              </a:rPr>
+              <a:t>u</a:t>
+            </a:r>
+            <a:r>
+              <a:rPr lang="en-US" sz="3200" dirty="0" smtClean="0"/>
+              <a:t> String Decoder</a:t>
+            </a:r>
+            <a:br>
+              <a:rPr lang="en-US" sz="3200" dirty="0" smtClean="0"/>
+            </a:br>
+            <a:r>
+              <a:rPr lang="en-US" sz="3200" dirty="0" smtClean="0">
+                <a:solidFill>
+                  <a:schemeClr val="accent1"/>
+                </a:solidFill>
+                <a:latin typeface="Wingdings 3" panose="05040102010807070707" pitchFamily="18" charset="2"/>
+              </a:rPr>
+              <a:t>u</a:t>
+            </a:r>
+            <a:r>
+              <a:rPr lang="en-US" sz="3200" dirty="0" smtClean="0"/>
+              <a:t> File System </a:t>
+            </a:r>
+            <a:r>
+              <a:rPr lang="en-US" sz="3200" dirty="0" smtClean="0">
+                <a:solidFill>
+                  <a:schemeClr val="accent1"/>
+                </a:solidFill>
+                <a:latin typeface="Wingdings 3" panose="05040102010807070707" pitchFamily="18" charset="2"/>
+              </a:rPr>
+              <a:t>u</a:t>
+            </a:r>
+            <a:r>
+              <a:rPr lang="en-US" sz="3200" dirty="0" smtClean="0"/>
+              <a:t> Path </a:t>
+            </a:r>
+            <a:r>
+              <a:rPr lang="en-US" sz="3200" dirty="0" smtClean="0">
+                <a:solidFill>
+                  <a:schemeClr val="accent1"/>
+                </a:solidFill>
+                <a:latin typeface="Wingdings 3" panose="05040102010807070707" pitchFamily="18" charset="2"/>
+              </a:rPr>
+              <a:t>u</a:t>
+            </a:r>
+            <a:r>
+              <a:rPr lang="en-US" sz="3200" dirty="0" smtClean="0"/>
+              <a:t> Net </a:t>
+            </a:r>
+            <a:r>
+              <a:rPr lang="en-US" sz="3200" dirty="0" smtClean="0">
+                <a:solidFill>
+                  <a:schemeClr val="accent1"/>
+                </a:solidFill>
+                <a:latin typeface="Wingdings 3" panose="05040102010807070707" pitchFamily="18" charset="2"/>
+              </a:rPr>
+              <a:t>u</a:t>
+            </a:r>
+            <a:r>
+              <a:rPr lang="en-US" sz="3200" dirty="0" smtClean="0"/>
+              <a:t> UDP/Datagram </a:t>
+            </a:r>
+            <a:r>
+              <a:rPr lang="en-US" sz="3200" dirty="0" smtClean="0">
+                <a:solidFill>
+                  <a:schemeClr val="accent1"/>
+                </a:solidFill>
+                <a:latin typeface="Wingdings 3" panose="05040102010807070707" pitchFamily="18" charset="2"/>
+              </a:rPr>
+              <a:t>u</a:t>
+            </a:r>
+            <a:r>
+              <a:rPr lang="en-US" sz="3200" dirty="0" smtClean="0"/>
+              <a:t> DNS </a:t>
+            </a:r>
+            <a:r>
+              <a:rPr lang="en-US" sz="3200" dirty="0" smtClean="0">
+                <a:solidFill>
+                  <a:schemeClr val="accent1"/>
+                </a:solidFill>
+                <a:latin typeface="Wingdings 3" panose="05040102010807070707" pitchFamily="18" charset="2"/>
+              </a:rPr>
+              <a:t>u</a:t>
+            </a:r>
+            <a:r>
+              <a:rPr lang="en-US" sz="3200" dirty="0" smtClean="0"/>
+              <a:t> HTTP </a:t>
+            </a:r>
+            <a:r>
+              <a:rPr lang="en-US" sz="3200" dirty="0" smtClean="0">
+                <a:solidFill>
+                  <a:schemeClr val="accent1"/>
+                </a:solidFill>
+                <a:latin typeface="Wingdings 3" panose="05040102010807070707" pitchFamily="18" charset="2"/>
+              </a:rPr>
+              <a:t>u</a:t>
+            </a:r>
+            <a:r>
+              <a:rPr lang="en-US" sz="3200" dirty="0" smtClean="0"/>
+              <a:t> HTTPS </a:t>
+            </a:r>
+            <a:r>
+              <a:rPr lang="en-US" sz="3200" dirty="0" smtClean="0">
+                <a:solidFill>
+                  <a:schemeClr val="accent1"/>
+                </a:solidFill>
+                <a:latin typeface="Wingdings 3" panose="05040102010807070707" pitchFamily="18" charset="2"/>
+              </a:rPr>
+              <a:t>u</a:t>
+            </a:r>
+            <a:r>
+              <a:rPr lang="en-US" sz="3200" dirty="0" smtClean="0"/>
+              <a:t> URL </a:t>
+            </a:r>
+            <a:r>
+              <a:rPr lang="en-US" sz="3200" dirty="0" smtClean="0">
+                <a:solidFill>
+                  <a:schemeClr val="accent1"/>
+                </a:solidFill>
+                <a:latin typeface="Wingdings 3" panose="05040102010807070707" pitchFamily="18" charset="2"/>
+              </a:rPr>
+              <a:t>u</a:t>
+            </a:r>
+            <a:r>
+              <a:rPr lang="en-US" sz="3200" dirty="0" smtClean="0"/>
+              <a:t> Query Strings </a:t>
+            </a:r>
+            <a:r>
+              <a:rPr lang="en-US" sz="3200" dirty="0" smtClean="0">
+                <a:solidFill>
+                  <a:schemeClr val="accent1"/>
+                </a:solidFill>
+                <a:latin typeface="Wingdings 3" panose="05040102010807070707" pitchFamily="18" charset="2"/>
+              </a:rPr>
+              <a:t>u</a:t>
+            </a:r>
+            <a:r>
+              <a:rPr lang="en-US" sz="3200" dirty="0" smtClean="0"/>
+              <a:t> </a:t>
+            </a:r>
+            <a:r>
+              <a:rPr lang="en-US" sz="3200" dirty="0" err="1" smtClean="0"/>
+              <a:t>Punycode</a:t>
+            </a:r>
+            <a:r>
+              <a:rPr lang="en-US" sz="3200" dirty="0" smtClean="0"/>
+              <a:t> </a:t>
+            </a:r>
+            <a:r>
+              <a:rPr lang="en-US" sz="3200" dirty="0" smtClean="0">
+                <a:solidFill>
+                  <a:schemeClr val="accent1"/>
+                </a:solidFill>
+                <a:latin typeface="Wingdings 3" panose="05040102010807070707" pitchFamily="18" charset="2"/>
+              </a:rPr>
+              <a:t>u</a:t>
+            </a:r>
+            <a:r>
+              <a:rPr lang="en-US" sz="3200" dirty="0" smtClean="0"/>
+              <a:t> </a:t>
+            </a:r>
+            <a:r>
+              <a:rPr lang="en-US" sz="3200" dirty="0" err="1" smtClean="0"/>
+              <a:t>Readline</a:t>
+            </a:r>
+            <a:r>
+              <a:rPr lang="en-US" sz="3200" dirty="0" smtClean="0"/>
+              <a:t> </a:t>
+            </a:r>
+            <a:r>
+              <a:rPr lang="en-US" sz="3200" dirty="0" smtClean="0">
+                <a:solidFill>
+                  <a:schemeClr val="accent1"/>
+                </a:solidFill>
+                <a:latin typeface="Wingdings 3" panose="05040102010807070707" pitchFamily="18" charset="2"/>
+              </a:rPr>
+              <a:t>u</a:t>
+            </a:r>
+            <a:r>
+              <a:rPr lang="en-US" sz="3200" dirty="0" smtClean="0"/>
+              <a:t> REPL </a:t>
+            </a:r>
+            <a:r>
+              <a:rPr lang="en-US" sz="3200" dirty="0" smtClean="0">
+                <a:solidFill>
+                  <a:schemeClr val="accent1"/>
+                </a:solidFill>
+                <a:latin typeface="Wingdings 3" panose="05040102010807070707" pitchFamily="18" charset="2"/>
+              </a:rPr>
+              <a:t>u</a:t>
+            </a:r>
+            <a:r>
+              <a:rPr lang="en-US" sz="3200" dirty="0" smtClean="0"/>
+              <a:t> VM</a:t>
+            </a:r>
+            <a:br>
+              <a:rPr lang="en-US" sz="3200" dirty="0" smtClean="0"/>
+            </a:br>
+            <a:r>
+              <a:rPr lang="en-US" sz="3200" dirty="0" smtClean="0">
+                <a:solidFill>
+                  <a:schemeClr val="accent1"/>
+                </a:solidFill>
+                <a:latin typeface="Wingdings 3" panose="05040102010807070707" pitchFamily="18" charset="2"/>
+              </a:rPr>
+              <a:t>u</a:t>
+            </a:r>
+            <a:r>
+              <a:rPr lang="en-US" sz="3200" dirty="0" smtClean="0"/>
+              <a:t> Child Processes </a:t>
+            </a:r>
+            <a:r>
+              <a:rPr lang="en-US" sz="3200" dirty="0" smtClean="0">
+                <a:solidFill>
+                  <a:schemeClr val="accent1"/>
+                </a:solidFill>
+                <a:latin typeface="Wingdings 3" panose="05040102010807070707" pitchFamily="18" charset="2"/>
+              </a:rPr>
+              <a:t>u</a:t>
+            </a:r>
+            <a:r>
+              <a:rPr lang="en-US" sz="3200" dirty="0" smtClean="0"/>
+              <a:t> Assertion Testing </a:t>
+            </a:r>
+            <a:r>
+              <a:rPr lang="en-US" sz="3200" dirty="0" smtClean="0">
+                <a:solidFill>
+                  <a:schemeClr val="accent1"/>
+                </a:solidFill>
+                <a:latin typeface="Wingdings 3" panose="05040102010807070707" pitchFamily="18" charset="2"/>
+              </a:rPr>
+              <a:t>u</a:t>
+            </a:r>
+            <a:r>
+              <a:rPr lang="en-US" sz="3200" dirty="0" smtClean="0"/>
+              <a:t> TTY</a:t>
+            </a:r>
+            <a:br>
+              <a:rPr lang="en-US" sz="3200" dirty="0" smtClean="0"/>
+            </a:br>
+            <a:r>
+              <a:rPr lang="en-US" sz="3200" dirty="0" smtClean="0">
+                <a:solidFill>
+                  <a:schemeClr val="accent1"/>
+                </a:solidFill>
+                <a:latin typeface="Wingdings 3" panose="05040102010807070707" pitchFamily="18" charset="2"/>
+              </a:rPr>
+              <a:t>u</a:t>
+            </a:r>
+            <a:r>
+              <a:rPr lang="en-US" sz="3200" dirty="0" smtClean="0"/>
+              <a:t> ZLIB </a:t>
+            </a:r>
+            <a:r>
+              <a:rPr lang="en-US" sz="3200" dirty="0" smtClean="0">
+                <a:solidFill>
+                  <a:schemeClr val="accent1"/>
+                </a:solidFill>
+                <a:latin typeface="Wingdings 3" panose="05040102010807070707" pitchFamily="18" charset="2"/>
+              </a:rPr>
+              <a:t>u</a:t>
+            </a:r>
+            <a:r>
+              <a:rPr lang="en-US" sz="3200" dirty="0" smtClean="0"/>
+              <a:t> OS </a:t>
+            </a:r>
+            <a:r>
+              <a:rPr lang="en-US" sz="3200" dirty="0" smtClean="0">
+                <a:solidFill>
+                  <a:schemeClr val="accent1"/>
+                </a:solidFill>
+                <a:latin typeface="Wingdings 3" panose="05040102010807070707" pitchFamily="18" charset="2"/>
+              </a:rPr>
+              <a:t>u</a:t>
+            </a:r>
+            <a:r>
+              <a:rPr lang="en-US" sz="3200" dirty="0" smtClean="0"/>
+              <a:t> Cluster</a:t>
+            </a:r>
+            <a:endParaRPr lang="en-US" sz="3200" dirty="0"/>
+          </a:p>
+        </p:txBody>
+      </p:sp>
+      <p:sp>
+        <p:nvSpPr>
+          <p:cNvPr id="2" name="Footer Placeholder 1"/>
+          <p:cNvSpPr>
+            <a:spLocks noGrp="1"/>
+          </p:cNvSpPr>
+          <p:nvPr>
+            <p:ph type="ftr" sz="quarter" idx="11"/>
+          </p:nvPr>
+        </p:nvSpPr>
+        <p:spPr/>
+        <p:txBody>
+          <a:bodyPr/>
+          <a:lstStyle/>
+          <a:p>
+            <a:r>
+              <a:rPr lang="en-US" smtClean="0"/>
+              <a:t>@domenic</a:t>
+            </a:r>
+            <a:endParaRPr lang="en-US"/>
+          </a:p>
+        </p:txBody>
+      </p:sp>
+    </p:spTree>
+    <p:extLst>
+      <p:ext uri="{BB962C8B-B14F-4D97-AF65-F5344CB8AC3E}">
+        <p14:creationId xmlns:p14="http://schemas.microsoft.com/office/powerpoint/2010/main" val="2142387426"/>
+      </p:ext>
+    </p:extLst>
+  </p:cSld>
+  <p:clrMapOvr>
+    <a:masterClrMapping/>
+  </p:clrMapOvr>
+  <p:timing>
+    <p:tnLst>
+      <p:par>
+        <p:cTn id="1" dur="indefinite" restart="never" nodeType="tmRoot"/>
+      </p:par>
+    </p:tnLst>
+  </p:timing>
+</p:sld>
+</file>
+
+<file path=ppt/slides/slide42.xml><?xml version="1.0" encoding="utf-8"?>
+<p:sld xmlns:a="http://schemas.openxmlformats.org/drawingml/2006/main" xmlns:r="http://schemas.openxmlformats.org/officeDocument/2006/relationships" xmlns:p="http://schemas.openxmlformats.org/presentationml/2006/main">
+  <p:cSld>
+    <p:spTree>
+      <p:nvGrpSpPr>
+        <p:cNvPr id="1" name=""/>
+        <p:cNvGrpSpPr/>
+        <p:nvPr/>
+      </p:nvGrpSpPr>
+      <p:grpSpPr>
+        <a:xfrm>
+          <a:off x="0" y="0"/>
+          <a:ext cx="0" cy="0"/>
+          <a:chOff x="0" y="0"/>
+          <a:chExt cx="0" cy="0"/>
+        </a:xfrm>
+      </p:grpSpPr>
+      <p:sp>
+        <p:nvSpPr>
+          <p:cNvPr id="2" name="TextBox 1"/>
+          <p:cNvSpPr txBox="1"/>
+          <p:nvPr/>
+        </p:nvSpPr>
+        <p:spPr>
+          <a:xfrm>
+            <a:off x="792480" y="1813173"/>
+            <a:ext cx="5026441" cy="3139321"/>
+          </a:xfrm>
+          <a:prstGeom prst="rect">
+            <a:avLst/>
+          </a:prstGeom>
+          <a:noFill/>
+        </p:spPr>
+        <p:txBody>
+          <a:bodyPr wrap="none" rtlCol="0">
+            <a:spAutoFit/>
+          </a:bodyPr>
+          <a:lstStyle/>
+          <a:p>
+            <a:r>
+              <a:rPr lang="en-US" sz="7200" dirty="0" smtClean="0">
+                <a:latin typeface="Segoe UI Light" panose="020B0502040204020203" pitchFamily="34" charset="0"/>
+                <a:cs typeface="Segoe UI Light" panose="020B0502040204020203" pitchFamily="34" charset="0"/>
+              </a:rPr>
+              <a:t>that’s it.</a:t>
+            </a:r>
+          </a:p>
+          <a:p>
+            <a:endParaRPr lang="en-US" sz="7200" dirty="0">
+              <a:latin typeface="Segoe UI Light" panose="020B0502040204020203" pitchFamily="34" charset="0"/>
+              <a:cs typeface="Segoe UI Light" panose="020B0502040204020203" pitchFamily="34" charset="0"/>
+            </a:endParaRPr>
+          </a:p>
+          <a:p>
+            <a:r>
+              <a:rPr lang="en-US" sz="5400" dirty="0" smtClean="0">
+                <a:latin typeface="Segoe UI Light" panose="020B0502040204020203" pitchFamily="34" charset="0"/>
+                <a:cs typeface="Segoe UI Light" panose="020B0502040204020203" pitchFamily="34" charset="0"/>
+              </a:rPr>
+              <a:t>that’s all you get.</a:t>
+            </a:r>
+            <a:endParaRPr lang="en-US" sz="5400" dirty="0">
+              <a:latin typeface="Segoe UI Light" panose="020B0502040204020203" pitchFamily="34" charset="0"/>
+              <a:cs typeface="Segoe UI Light" panose="020B0502040204020203" pitchFamily="34" charset="0"/>
+            </a:endParaRPr>
+          </a:p>
+        </p:txBody>
+      </p:sp>
+      <p:sp>
+        <p:nvSpPr>
+          <p:cNvPr id="3" name="Footer Placeholder 2"/>
+          <p:cNvSpPr>
+            <a:spLocks noGrp="1"/>
+          </p:cNvSpPr>
+          <p:nvPr>
+            <p:ph type="ftr" sz="quarter" idx="11"/>
+          </p:nvPr>
+        </p:nvSpPr>
+        <p:spPr/>
+        <p:txBody>
+          <a:bodyPr/>
+          <a:lstStyle/>
+          <a:p>
+            <a:r>
+              <a:rPr lang="en-US" smtClean="0"/>
+              <a:t>@domenic</a:t>
+            </a:r>
+            <a:endParaRPr lang="en-US"/>
+          </a:p>
+        </p:txBody>
+      </p:sp>
+    </p:spTree>
+    <p:extLst>
+      <p:ext uri="{BB962C8B-B14F-4D97-AF65-F5344CB8AC3E}">
+        <p14:creationId xmlns:p14="http://schemas.microsoft.com/office/powerpoint/2010/main" val="2048945466"/>
+      </p:ext>
+    </p:extLst>
+  </p:cSld>
+  <p:clrMapOvr>
+    <a:masterClrMapping/>
+  </p:clrMapOvr>
+  <p:timing>
+    <p:tnLst>
+      <p:par>
+        <p:cTn id="1" dur="indefinite" restart="never" nodeType="tmRoot"/>
+      </p:par>
+    </p:tnLst>
+  </p:timing>
+</p:sld>
+</file>
+
+<file path=ppt/slides/slide43.xml><?xml version="1.0" encoding="utf-8"?>
+<p:sld xmlns:a="http://schemas.openxmlformats.org/drawingml/2006/main" xmlns:r="http://schemas.openxmlformats.org/officeDocument/2006/relationships" xmlns:p="http://schemas.openxmlformats.org/presentationml/2006/main">
+  <p:cSld>
+    <p:spTree>
+      <p:nvGrpSpPr>
+        <p:cNvPr id="1" name=""/>
+        <p:cNvGrpSpPr/>
+        <p:nvPr/>
+      </p:nvGrpSpPr>
+      <p:grpSpPr>
+        <a:xfrm>
+          <a:off x="0" y="0"/>
+          <a:ext cx="0" cy="0"/>
+          <a:chOff x="0" y="0"/>
+          <a:chExt cx="0" cy="0"/>
+        </a:xfrm>
+      </p:grpSpPr>
+      <p:sp>
+        <p:nvSpPr>
           <p:cNvPr id="2" name="Title 1"/>
           <p:cNvSpPr>
             <a:spLocks noGrp="1"/>
@@ -27198,7 +27548,7 @@
 </p:sld>
 </file>
 
-<file path=ppt/slides/slide42.xml><?xml version="1.0" encoding="utf-8"?>
+<file path=ppt/slides/slide44.xml><?xml version="1.0" encoding="utf-8"?>
 <p:sld xmlns:a="http://schemas.openxmlformats.org/drawingml/2006/main" xmlns:r="http://schemas.openxmlformats.org/officeDocument/2006/relationships" xmlns:p="http://schemas.openxmlformats.org/presentationml/2006/main">
   <p:cSld>
     <p:spTree>
@@ -27323,7 +27673,7 @@
 </p:sld>
 </file>
 
-<file path=ppt/slides/slide43.xml><?xml version="1.0" encoding="utf-8"?>
+<file path=ppt/slides/slide45.xml><?xml version="1.0" encoding="utf-8"?>
 <p:sld xmlns:a="http://schemas.openxmlformats.org/drawingml/2006/main" xmlns:r="http://schemas.openxmlformats.org/officeDocument/2006/relationships" xmlns:p="http://schemas.openxmlformats.org/presentationml/2006/main">
   <p:cSld>
     <p:spTree>
@@ -27492,6 +27842,224 @@
       </p:sp>
       <p:pic>
         <p:nvPicPr>
+          <p:cNvPr id="4" name="Content Placeholder 3"/>
+          <p:cNvPicPr>
+            <a:picLocks noGrp="1" noChangeAspect="1"/>
+          </p:cNvPicPr>
+          <p:nvPr>
+            <p:ph idx="1"/>
+          </p:nvPr>
+        </p:nvPicPr>
+        <p:blipFill>
+          <a:blip r:embed="rId2"/>
+          <a:stretch>
+            <a:fillRect/>
+          </a:stretch>
+        </p:blipFill>
+        <p:spPr>
+          <a:xfrm>
+            <a:off x="1155967" y="2160588"/>
+            <a:ext cx="7640103" cy="3881437"/>
+          </a:xfrm>
+          <a:prstGeom prst="rect">
+            <a:avLst/>
+          </a:prstGeom>
+        </p:spPr>
+      </p:pic>
+      <p:sp>
+        <p:nvSpPr>
+          <p:cNvPr id="3" name="Footer Placeholder 2"/>
+          <p:cNvSpPr>
+            <a:spLocks noGrp="1"/>
+          </p:cNvSpPr>
+          <p:nvPr>
+            <p:ph type="ftr" sz="quarter" idx="11"/>
+          </p:nvPr>
+        </p:nvSpPr>
+        <p:spPr/>
+        <p:txBody>
+          <a:bodyPr/>
+          <a:lstStyle/>
+          <a:p>
+            <a:r>
+              <a:rPr lang="en-US" smtClean="0"/>
+              <a:t>@domenic</a:t>
+            </a:r>
+            <a:endParaRPr lang="en-US"/>
+          </a:p>
+        </p:txBody>
+      </p:sp>
+    </p:spTree>
+    <p:extLst>
+      <p:ext uri="{BB962C8B-B14F-4D97-AF65-F5344CB8AC3E}">
+        <p14:creationId xmlns:p14="http://schemas.microsoft.com/office/powerpoint/2010/main" val="2124284050"/>
+      </p:ext>
+    </p:extLst>
+  </p:cSld>
+  <p:clrMapOvr>
+    <a:masterClrMapping/>
+  </p:clrMapOvr>
+  <p:timing>
+    <p:tnLst>
+      <p:par>
+        <p:cTn id="1" dur="indefinite" restart="never" nodeType="tmRoot"/>
+      </p:par>
+    </p:tnLst>
+  </p:timing>
+</p:sld>
+</file>
+
+<file path=ppt/slides/slide6.xml><?xml version="1.0" encoding="utf-8"?>
+<p:sld xmlns:a="http://schemas.openxmlformats.org/drawingml/2006/main" xmlns:r="http://schemas.openxmlformats.org/officeDocument/2006/relationships" xmlns:p="http://schemas.openxmlformats.org/presentationml/2006/main">
+  <p:cSld>
+    <p:spTree>
+      <p:nvGrpSpPr>
+        <p:cNvPr id="1" name=""/>
+        <p:cNvGrpSpPr/>
+        <p:nvPr/>
+      </p:nvGrpSpPr>
+      <p:grpSpPr>
+        <a:xfrm>
+          <a:off x="0" y="0"/>
+          <a:ext cx="0" cy="0"/>
+          <a:chOff x="0" y="0"/>
+          <a:chExt cx="0" cy="0"/>
+        </a:xfrm>
+      </p:grpSpPr>
+      <p:sp>
+        <p:nvSpPr>
+          <p:cNvPr id="2" name="Title 1"/>
+          <p:cNvSpPr>
+            <a:spLocks noGrp="1"/>
+          </p:cNvSpPr>
+          <p:nvPr>
+            <p:ph type="title"/>
+          </p:nvPr>
+        </p:nvSpPr>
+        <p:spPr/>
+        <p:txBody>
+          <a:bodyPr/>
+          <a:lstStyle/>
+          <a:p>
+            <a:r>
+              <a:rPr lang="en-US" dirty="0" smtClean="0"/>
+              <a:t>how to node</a:t>
+            </a:r>
+            <a:endParaRPr lang="en-US" dirty="0"/>
+          </a:p>
+        </p:txBody>
+      </p:sp>
+      <p:pic>
+        <p:nvPicPr>
+          <p:cNvPr id="7" name="Content Placeholder 6"/>
+          <p:cNvPicPr>
+            <a:picLocks noGrp="1" noChangeAspect="1"/>
+          </p:cNvPicPr>
+          <p:nvPr>
+            <p:ph idx="1"/>
+          </p:nvPr>
+        </p:nvPicPr>
+        <p:blipFill>
+          <a:blip r:embed="rId2"/>
+          <a:stretch>
+            <a:fillRect/>
+          </a:stretch>
+        </p:blipFill>
+        <p:spPr>
+          <a:xfrm>
+            <a:off x="1155967" y="2160588"/>
+            <a:ext cx="7640103" cy="3881437"/>
+          </a:xfrm>
+          <a:prstGeom prst="rect">
+            <a:avLst/>
+          </a:prstGeom>
+        </p:spPr>
+      </p:pic>
+      <p:sp>
+        <p:nvSpPr>
+          <p:cNvPr id="3" name="Footer Placeholder 2"/>
+          <p:cNvSpPr>
+            <a:spLocks noGrp="1"/>
+          </p:cNvSpPr>
+          <p:nvPr>
+            <p:ph type="ftr" sz="quarter" idx="11"/>
+          </p:nvPr>
+        </p:nvSpPr>
+        <p:spPr/>
+        <p:txBody>
+          <a:bodyPr/>
+          <a:lstStyle/>
+          <a:p>
+            <a:r>
+              <a:rPr lang="en-US" smtClean="0"/>
+              <a:t>@domenic</a:t>
+            </a:r>
+            <a:endParaRPr lang="en-US"/>
+          </a:p>
+        </p:txBody>
+      </p:sp>
+    </p:spTree>
+    <p:extLst>
+      <p:ext uri="{BB962C8B-B14F-4D97-AF65-F5344CB8AC3E}">
+        <p14:creationId xmlns:p14="http://schemas.microsoft.com/office/powerpoint/2010/main" val="4168259440"/>
+      </p:ext>
+    </p:extLst>
+  </p:cSld>
+  <p:clrMapOvr>
+    <a:masterClrMapping/>
+  </p:clrMapOvr>
+  <p:timing>
+    <p:tnLst>
+      <p:par>
+        <p:cTn id="1" dur="indefinite" restart="never" nodeType="tmRoot"/>
+      </p:par>
+    </p:tnLst>
+  </p:timing>
+</p:sld>
+</file>
+
+<file path=ppt/slides/slide7.xml><?xml version="1.0" encoding="utf-8"?>
+<p:sld xmlns:a="http://schemas.openxmlformats.org/drawingml/2006/main" xmlns:r="http://schemas.openxmlformats.org/officeDocument/2006/relationships" xmlns:p="http://schemas.openxmlformats.org/presentationml/2006/main">
+  <p:cSld>
+    <p:spTree>
+      <p:nvGrpSpPr>
+        <p:cNvPr id="1" name=""/>
+        <p:cNvGrpSpPr/>
+        <p:nvPr/>
+      </p:nvGrpSpPr>
+      <p:grpSpPr>
+        <a:xfrm>
+          <a:off x="0" y="0"/>
+          <a:ext cx="0" cy="0"/>
+          <a:chOff x="0" y="0"/>
+          <a:chExt cx="0" cy="0"/>
+        </a:xfrm>
+      </p:grpSpPr>
+      <p:sp>
+        <p:nvSpPr>
+          <p:cNvPr id="2" name="Title 1"/>
+          <p:cNvSpPr>
+            <a:spLocks noGrp="1"/>
+          </p:cNvSpPr>
+          <p:nvPr>
+            <p:ph type="title"/>
+          </p:nvPr>
+        </p:nvSpPr>
+        <p:spPr/>
+        <p:txBody>
+          <a:bodyPr/>
+          <a:lstStyle/>
+          <a:p>
+            <a:r>
+              <a:rPr lang="en-US" dirty="0" smtClean="0"/>
+              <a:t>how to node</a:t>
+            </a:r>
+            <a:endParaRPr lang="en-US" dirty="0"/>
+          </a:p>
+        </p:txBody>
+      </p:sp>
+      <p:pic>
+        <p:nvPicPr>
           <p:cNvPr id="5" name="Content Placeholder 4"/>
           <p:cNvPicPr>
             <a:picLocks noGrp="1" noChangeAspect="1"/>
@@ -27559,7 +28127,7 @@
 </p:sld>
 </file>
 
-<file path=ppt/slides/slide6.xml><?xml version="1.0" encoding="utf-8"?>
+<file path=ppt/slides/slide8.xml><?xml version="1.0" encoding="utf-8"?>
 <p:sld xmlns:a="http://schemas.openxmlformats.org/drawingml/2006/main" xmlns:r="http://schemas.openxmlformats.org/officeDocument/2006/relationships" xmlns:p="http://schemas.openxmlformats.org/presentationml/2006/main">
   <p:cSld>
     <p:spTree>
@@ -27913,199 +28481,6 @@
 </p:sld>
 </file>
 
-<file path=ppt/slides/slide7.xml><?xml version="1.0" encoding="utf-8"?>
-<p:sld xmlns:a="http://schemas.openxmlformats.org/drawingml/2006/main" xmlns:r="http://schemas.openxmlformats.org/officeDocument/2006/relationships" xmlns:p="http://schemas.openxmlformats.org/presentationml/2006/main">
-  <p:cSld>
-    <p:spTree>
-      <p:nvGrpSpPr>
-        <p:cNvPr id="1" name=""/>
-        <p:cNvGrpSpPr/>
-        <p:nvPr/>
-      </p:nvGrpSpPr>
-      <p:grpSpPr>
-        <a:xfrm>
-          <a:off x="0" y="0"/>
-          <a:ext cx="0" cy="0"/>
-          <a:chOff x="0" y="0"/>
-          <a:chExt cx="0" cy="0"/>
-        </a:xfrm>
-      </p:grpSpPr>
-      <p:sp>
-        <p:nvSpPr>
-          <p:cNvPr id="2" name="Title 1"/>
-          <p:cNvSpPr>
-            <a:spLocks noGrp="1"/>
-          </p:cNvSpPr>
-          <p:nvPr>
-            <p:ph type="title"/>
-          </p:nvPr>
-        </p:nvSpPr>
-        <p:spPr/>
-        <p:txBody>
-          <a:bodyPr anchor="ctr"/>
-          <a:lstStyle/>
-          <a:p>
-            <a:pPr algn="ctr"/>
-            <a:r>
-              <a:rPr lang="en-US" dirty="0" smtClean="0"/>
-              <a:t>new and shiny</a:t>
-            </a:r>
-            <a:endParaRPr lang="en-US" dirty="0"/>
-          </a:p>
-        </p:txBody>
-      </p:sp>
-      <p:sp>
-        <p:nvSpPr>
-          <p:cNvPr id="3" name="Footer Placeholder 2"/>
-          <p:cNvSpPr>
-            <a:spLocks noGrp="1"/>
-          </p:cNvSpPr>
-          <p:nvPr>
-            <p:ph type="ftr" sz="quarter" idx="11"/>
-          </p:nvPr>
-        </p:nvSpPr>
-        <p:spPr/>
-        <p:txBody>
-          <a:bodyPr/>
-          <a:lstStyle/>
-          <a:p>
-            <a:r>
-              <a:rPr lang="en-US" smtClean="0"/>
-              <a:t>@domenic</a:t>
-            </a:r>
-            <a:endParaRPr lang="en-US"/>
-          </a:p>
-        </p:txBody>
-      </p:sp>
-    </p:spTree>
-    <p:extLst>
-      <p:ext uri="{BB962C8B-B14F-4D97-AF65-F5344CB8AC3E}">
-        <p14:creationId xmlns:p14="http://schemas.microsoft.com/office/powerpoint/2010/main" val="2607109103"/>
-      </p:ext>
-    </p:extLst>
-  </p:cSld>
-  <p:clrMapOvr>
-    <a:masterClrMapping/>
-  </p:clrMapOvr>
-  <p:timing>
-    <p:tnLst>
-      <p:par>
-        <p:cTn id="1" dur="indefinite" restart="never" nodeType="tmRoot"/>
-      </p:par>
-    </p:tnLst>
-  </p:timing>
-</p:sld>
-</file>
-
-<file path=ppt/slides/slide8.xml><?xml version="1.0" encoding="utf-8"?>
-<p:sld xmlns:a="http://schemas.openxmlformats.org/drawingml/2006/main" xmlns:r="http://schemas.openxmlformats.org/officeDocument/2006/relationships" xmlns:p="http://schemas.openxmlformats.org/presentationml/2006/main">
-  <p:cSld>
-    <p:spTree>
-      <p:nvGrpSpPr>
-        <p:cNvPr id="1" name=""/>
-        <p:cNvGrpSpPr/>
-        <p:nvPr/>
-      </p:nvGrpSpPr>
-      <p:grpSpPr>
-        <a:xfrm>
-          <a:off x="0" y="0"/>
-          <a:ext cx="0" cy="0"/>
-          <a:chOff x="0" y="0"/>
-          <a:chExt cx="0" cy="0"/>
-        </a:xfrm>
-      </p:grpSpPr>
-      <p:sp>
-        <p:nvSpPr>
-          <p:cNvPr id="2" name="TextBox 1"/>
-          <p:cNvSpPr txBox="1"/>
-          <p:nvPr/>
-        </p:nvSpPr>
-        <p:spPr>
-          <a:xfrm>
-            <a:off x="792480" y="2459504"/>
-            <a:ext cx="8620117" cy="1938992"/>
-          </a:xfrm>
-          <a:prstGeom prst="rect">
-            <a:avLst/>
-          </a:prstGeom>
-          <a:noFill/>
-        </p:spPr>
-        <p:txBody>
-          <a:bodyPr wrap="none" rtlCol="0">
-            <a:spAutoFit/>
-          </a:bodyPr>
-          <a:lstStyle/>
-          <a:p>
-            <a:r>
-              <a:rPr lang="en-US" sz="6000" dirty="0" smtClean="0">
-                <a:latin typeface="Segoe UI Light" panose="020B0502040204020203" pitchFamily="34" charset="0"/>
-                <a:cs typeface="Segoe UI Light" panose="020B0502040204020203" pitchFamily="34" charset="0"/>
-              </a:rPr>
-              <a:t>let’s look at the most-used</a:t>
-            </a:r>
-            <a:br>
-              <a:rPr lang="en-US" sz="6000" dirty="0" smtClean="0">
-                <a:latin typeface="Segoe UI Light" panose="020B0502040204020203" pitchFamily="34" charset="0"/>
-                <a:cs typeface="Segoe UI Light" panose="020B0502040204020203" pitchFamily="34" charset="0"/>
-              </a:rPr>
-            </a:br>
-            <a:r>
-              <a:rPr lang="en-US" sz="6000" dirty="0" smtClean="0">
-                <a:latin typeface="Segoe UI Light" panose="020B0502040204020203" pitchFamily="34" charset="0"/>
-                <a:cs typeface="Segoe UI Light" panose="020B0502040204020203" pitchFamily="34" charset="0"/>
-              </a:rPr>
-              <a:t>node.js packages.</a:t>
-            </a:r>
-            <a:endParaRPr lang="en-US" sz="6000" dirty="0">
-              <a:latin typeface="Segoe UI Light" panose="020B0502040204020203" pitchFamily="34" charset="0"/>
-              <a:cs typeface="Segoe UI Light" panose="020B0502040204020203" pitchFamily="34" charset="0"/>
-            </a:endParaRPr>
-          </a:p>
-        </p:txBody>
-      </p:sp>
-      <p:sp>
-        <p:nvSpPr>
-          <p:cNvPr id="3" name="Footer Placeholder 2"/>
-          <p:cNvSpPr>
-            <a:spLocks noGrp="1"/>
-          </p:cNvSpPr>
-          <p:nvPr>
-            <p:ph type="ftr" sz="quarter" idx="11"/>
-          </p:nvPr>
-        </p:nvSpPr>
-        <p:spPr/>
-        <p:txBody>
-          <a:bodyPr/>
-          <a:lstStyle/>
-          <a:p>
-            <a:r>
-              <a:rPr lang="en-US" smtClean="0"/>
-              <a:t>@domenic</a:t>
-            </a:r>
-            <a:endParaRPr lang="en-US"/>
-          </a:p>
-        </p:txBody>
-      </p:sp>
-    </p:spTree>
-    <p:extLst>
-      <p:ext uri="{BB962C8B-B14F-4D97-AF65-F5344CB8AC3E}">
-        <p14:creationId xmlns:p14="http://schemas.microsoft.com/office/powerpoint/2010/main" val="2708132775"/>
-      </p:ext>
-    </p:extLst>
-  </p:cSld>
-  <p:clrMapOvr>
-    <a:masterClrMapping/>
-  </p:clrMapOvr>
-  <p:timing>
-    <p:tnLst>
-      <p:par>
-        <p:cTn id="1" dur="indefinite" restart="never" nodeType="tmRoot"/>
-      </p:par>
-    </p:tnLst>
-  </p:timing>
-</p:sld>
-</file>
-
 <file path=ppt/slides/slide9.xml><?xml version="1.0" encoding="utf-8"?>
 <p:sld xmlns:a="http://schemas.openxmlformats.org/drawingml/2006/main" xmlns:r="http://schemas.openxmlformats.org/officeDocument/2006/relationships" xmlns:p="http://schemas.openxmlformats.org/presentationml/2006/main">
   <p:cSld>
@@ -28125,76 +28500,31 @@
       </p:grpSpPr>
       <p:sp>
         <p:nvSpPr>
-          <p:cNvPr id="3" name="Content Placeholder 2"/>
+          <p:cNvPr id="2" name="Title 1"/>
           <p:cNvSpPr>
             <a:spLocks noGrp="1"/>
           </p:cNvSpPr>
           <p:nvPr>
-            <p:ph idx="1"/>
+            <p:ph type="title"/>
           </p:nvPr>
         </p:nvSpPr>
-        <p:spPr>
-          <a:xfrm>
-            <a:off x="677334" y="2307115"/>
-            <a:ext cx="8596668" cy="2243771"/>
-          </a:xfrm>
-        </p:spPr>
-        <p:txBody>
-          <a:bodyPr>
-            <a:normAutofit/>
-          </a:bodyPr>
-          <a:lstStyle/>
-          <a:p>
-            <a:r>
-              <a:rPr lang="en-US" sz="2400" dirty="0" smtClean="0"/>
-              <a:t>socket.io: used by 306 other packages</a:t>
-            </a:r>
-          </a:p>
-          <a:p>
-            <a:r>
-              <a:rPr lang="en-US" sz="2400" dirty="0" err="1" smtClean="0"/>
-              <a:t>redis</a:t>
-            </a:r>
-            <a:r>
-              <a:rPr lang="en-US" sz="2400" dirty="0" smtClean="0"/>
-              <a:t>: 259 (</a:t>
-            </a:r>
-            <a:r>
-              <a:rPr lang="en-US" sz="2400" dirty="0" err="1" smtClean="0"/>
-              <a:t>hiredis</a:t>
-            </a:r>
-            <a:r>
-              <a:rPr lang="en-US" sz="2400" dirty="0" smtClean="0"/>
-              <a:t>: 70)</a:t>
-            </a:r>
-          </a:p>
-          <a:p>
-            <a:r>
-              <a:rPr lang="en-US" sz="2400" dirty="0" smtClean="0"/>
-              <a:t>stylus: 148 (less: 134)</a:t>
-            </a:r>
-          </a:p>
-          <a:p>
-            <a:r>
-              <a:rPr lang="en-US" sz="2400" dirty="0" err="1" smtClean="0"/>
-              <a:t>mongodb</a:t>
-            </a:r>
-            <a:r>
-              <a:rPr lang="en-US" sz="2400" dirty="0" smtClean="0"/>
-              <a:t>: 144 (mongoose: 135)</a:t>
-            </a:r>
-          </a:p>
-          <a:p>
-            <a:pPr marL="0" indent="0">
-              <a:buNone/>
-            </a:pPr>
-            <a:endParaRPr lang="en-US" sz="2400" dirty="0"/>
-          </a:p>
-        </p:txBody>
-      </p:sp>
-      <p:sp>
-        <p:nvSpPr>
-          <p:cNvPr id="2" name="Footer Placeholder 1"/>
+        <p:spPr/>
+        <p:txBody>
+          <a:bodyPr anchor="ctr"/>
+          <a:lstStyle/>
+          <a:p>
+            <a:pPr algn="ctr"/>
+            <a:r>
+              <a:rPr lang="en-US" dirty="0" smtClean="0"/>
+              <a:t>new and shiny</a:t>
+            </a:r>
+            <a:endParaRPr lang="en-US" dirty="0"/>
+          </a:p>
+        </p:txBody>
+      </p:sp>
+      <p:sp>
+        <p:nvSpPr>
+          <p:cNvPr id="3" name="Footer Placeholder 2"/>
           <p:cNvSpPr>
             <a:spLocks noGrp="1"/>
           </p:cNvSpPr>
@@ -28218,7 +28548,7 @@
     </p:spTree>
     <p:extLst>
       <p:ext uri="{BB962C8B-B14F-4D97-AF65-F5344CB8AC3E}">
-        <p14:creationId xmlns:p14="http://schemas.microsoft.com/office/powerpoint/2010/main" val="1697182109"/>
+        <p14:creationId xmlns:p14="http://schemas.microsoft.com/office/powerpoint/2010/main" val="2607109103"/>
       </p:ext>
     </p:extLst>
   </p:cSld>

--- a/presentation.pptx
+++ b/presentation.pptx
@@ -5,7 +5,7 @@
     <p:sldMasterId id="2147483648" r:id="rId1"/>
   </p:sldMasterIdLst>
   <p:notesMasterIdLst>
-    <p:notesMasterId r:id="rId47"/>
+    <p:notesMasterId r:id="rId46"/>
   </p:notesMasterIdLst>
   <p:sldIdLst>
     <p:sldId id="256" r:id="rId2"/>
@@ -19,40 +19,39 @@
     <p:sldId id="305" r:id="rId10"/>
     <p:sldId id="306" r:id="rId11"/>
     <p:sldId id="307" r:id="rId12"/>
-    <p:sldId id="308" r:id="rId13"/>
-    <p:sldId id="261" r:id="rId14"/>
-    <p:sldId id="262" r:id="rId15"/>
-    <p:sldId id="265" r:id="rId16"/>
-    <p:sldId id="267" r:id="rId17"/>
-    <p:sldId id="266" r:id="rId18"/>
-    <p:sldId id="268" r:id="rId19"/>
-    <p:sldId id="269" r:id="rId20"/>
-    <p:sldId id="270" r:id="rId21"/>
-    <p:sldId id="271" r:id="rId22"/>
-    <p:sldId id="272" r:id="rId23"/>
-    <p:sldId id="264" r:id="rId24"/>
-    <p:sldId id="276" r:id="rId25"/>
-    <p:sldId id="278" r:id="rId26"/>
-    <p:sldId id="275" r:id="rId27"/>
-    <p:sldId id="273" r:id="rId28"/>
-    <p:sldId id="279" r:id="rId29"/>
-    <p:sldId id="280" r:id="rId30"/>
-    <p:sldId id="281" r:id="rId31"/>
-    <p:sldId id="283" r:id="rId32"/>
-    <p:sldId id="285" r:id="rId33"/>
-    <p:sldId id="286" r:id="rId34"/>
-    <p:sldId id="287" r:id="rId35"/>
-    <p:sldId id="288" r:id="rId36"/>
-    <p:sldId id="289" r:id="rId37"/>
-    <p:sldId id="290" r:id="rId38"/>
-    <p:sldId id="291" r:id="rId39"/>
-    <p:sldId id="292" r:id="rId40"/>
-    <p:sldId id="293" r:id="rId41"/>
-    <p:sldId id="294" r:id="rId42"/>
-    <p:sldId id="297" r:id="rId43"/>
-    <p:sldId id="301" r:id="rId44"/>
-    <p:sldId id="302" r:id="rId45"/>
-    <p:sldId id="304" r:id="rId46"/>
+    <p:sldId id="261" r:id="rId13"/>
+    <p:sldId id="262" r:id="rId14"/>
+    <p:sldId id="265" r:id="rId15"/>
+    <p:sldId id="267" r:id="rId16"/>
+    <p:sldId id="266" r:id="rId17"/>
+    <p:sldId id="268" r:id="rId18"/>
+    <p:sldId id="269" r:id="rId19"/>
+    <p:sldId id="270" r:id="rId20"/>
+    <p:sldId id="271" r:id="rId21"/>
+    <p:sldId id="272" r:id="rId22"/>
+    <p:sldId id="264" r:id="rId23"/>
+    <p:sldId id="276" r:id="rId24"/>
+    <p:sldId id="278" r:id="rId25"/>
+    <p:sldId id="275" r:id="rId26"/>
+    <p:sldId id="273" r:id="rId27"/>
+    <p:sldId id="279" r:id="rId28"/>
+    <p:sldId id="280" r:id="rId29"/>
+    <p:sldId id="281" r:id="rId30"/>
+    <p:sldId id="283" r:id="rId31"/>
+    <p:sldId id="285" r:id="rId32"/>
+    <p:sldId id="286" r:id="rId33"/>
+    <p:sldId id="287" r:id="rId34"/>
+    <p:sldId id="288" r:id="rId35"/>
+    <p:sldId id="289" r:id="rId36"/>
+    <p:sldId id="290" r:id="rId37"/>
+    <p:sldId id="291" r:id="rId38"/>
+    <p:sldId id="292" r:id="rId39"/>
+    <p:sldId id="293" r:id="rId40"/>
+    <p:sldId id="294" r:id="rId41"/>
+    <p:sldId id="297" r:id="rId42"/>
+    <p:sldId id="301" r:id="rId43"/>
+    <p:sldId id="302" r:id="rId44"/>
+    <p:sldId id="304" r:id="rId45"/>
   </p:sldIdLst>
   <p:sldSz cx="12188825" cy="6858000"/>
   <p:notesSz cx="6858000" cy="9144000"/>
@@ -666,7 +665,7 @@
           <a:p>
             <a:fld id="{0CF201D2-22CE-4A5F-B071-75120FAE2428}" type="slidenum">
               <a:rPr lang="en-US" smtClean="0"/>
-              <a:t>28</a:t>
+              <a:t>27</a:t>
             </a:fld>
             <a:endParaRPr lang="en-US"/>
           </a:p>
@@ -758,7 +757,7 @@
           <a:p>
             <a:fld id="{0CF201D2-22CE-4A5F-B071-75120FAE2428}" type="slidenum">
               <a:rPr lang="en-US" smtClean="0"/>
-              <a:t>29</a:t>
+              <a:t>28</a:t>
             </a:fld>
             <a:endParaRPr lang="en-US"/>
           </a:p>
@@ -842,7 +841,7 @@
           <a:p>
             <a:fld id="{0CF201D2-22CE-4A5F-B071-75120FAE2428}" type="slidenum">
               <a:rPr lang="en-US" smtClean="0"/>
-              <a:t>33</a:t>
+              <a:t>32</a:t>
             </a:fld>
             <a:endParaRPr lang="en-US"/>
           </a:p>
@@ -926,7 +925,7 @@
           <a:p>
             <a:fld id="{0CF201D2-22CE-4A5F-B071-75120FAE2428}" type="slidenum">
               <a:rPr lang="en-US" smtClean="0"/>
-              <a:t>34</a:t>
+              <a:t>33</a:t>
             </a:fld>
             <a:endParaRPr lang="en-US"/>
           </a:p>
@@ -1010,7 +1009,7 @@
           <a:p>
             <a:fld id="{0CF201D2-22CE-4A5F-B071-75120FAE2428}" type="slidenum">
               <a:rPr lang="en-US" smtClean="0"/>
-              <a:t>36</a:t>
+              <a:t>35</a:t>
             </a:fld>
             <a:endParaRPr lang="en-US"/>
           </a:p>
@@ -1094,7 +1093,7 @@
           <a:p>
             <a:fld id="{0CF201D2-22CE-4A5F-B071-75120FAE2428}" type="slidenum">
               <a:rPr lang="en-US" smtClean="0"/>
-              <a:t>37</a:t>
+              <a:t>36</a:t>
             </a:fld>
             <a:endParaRPr lang="en-US"/>
           </a:p>
@@ -1178,7 +1177,7 @@
           <a:p>
             <a:fld id="{0CF201D2-22CE-4A5F-B071-75120FAE2428}" type="slidenum">
               <a:rPr lang="en-US" smtClean="0"/>
-              <a:t>38</a:t>
+              <a:t>37</a:t>
             </a:fld>
             <a:endParaRPr lang="en-US"/>
           </a:p>
@@ -1262,7 +1261,7 @@
           <a:p>
             <a:fld id="{0CF201D2-22CE-4A5F-B071-75120FAE2428}" type="slidenum">
               <a:rPr lang="en-US" smtClean="0"/>
-              <a:t>39</a:t>
+              <a:t>38</a:t>
             </a:fld>
             <a:endParaRPr lang="en-US"/>
           </a:p>
@@ -1346,7 +1345,7 @@
           <a:p>
             <a:fld id="{0CF201D2-22CE-4A5F-B071-75120FAE2428}" type="slidenum">
               <a:rPr lang="en-US" smtClean="0"/>
-              <a:t>41</a:t>
+              <a:t>40</a:t>
             </a:fld>
             <a:endParaRPr lang="en-US"/>
           </a:p>
@@ -1438,7 +1437,7 @@
           <a:p>
             <a:fld id="{0CF201D2-22CE-4A5F-B071-75120FAE2428}" type="slidenum">
               <a:rPr lang="en-US" smtClean="0"/>
-              <a:t>42</a:t>
+              <a:t>41</a:t>
             </a:fld>
             <a:endParaRPr lang="en-US"/>
           </a:p>
@@ -1618,7 +1617,7 @@
           <a:p>
             <a:fld id="{0CF201D2-22CE-4A5F-B071-75120FAE2428}" type="slidenum">
               <a:rPr lang="en-US" smtClean="0"/>
-              <a:t>44</a:t>
+              <a:t>43</a:t>
             </a:fld>
             <a:endParaRPr lang="en-US"/>
           </a:p>
@@ -1775,11 +1774,7 @@
             </a:r>
             <a:r>
               <a:rPr lang="en-US" baseline="0" dirty="0" smtClean="0"/>
-              <a:t> the audience what their webservers </a:t>
-            </a:r>
-            <a:r>
-              <a:rPr lang="en-US" baseline="0" dirty="0" smtClean="0"/>
-              <a:t>do</a:t>
+              <a:t> the audience what their webservers do</a:t>
             </a:r>
             <a:br>
               <a:rPr lang="en-US" baseline="0" dirty="0" smtClean="0"/>
@@ -1816,7 +1811,7 @@
           <a:p>
             <a:fld id="{0CF201D2-22CE-4A5F-B071-75120FAE2428}" type="slidenum">
               <a:rPr lang="en-US" smtClean="0"/>
-              <a:t>18</a:t>
+              <a:t>17</a:t>
             </a:fld>
             <a:endParaRPr lang="en-US"/>
           </a:p>
@@ -1900,7 +1895,7 @@
           <a:p>
             <a:fld id="{0CF201D2-22CE-4A5F-B071-75120FAE2428}" type="slidenum">
               <a:rPr lang="en-US" smtClean="0"/>
-              <a:t>19</a:t>
+              <a:t>18</a:t>
             </a:fld>
             <a:endParaRPr lang="en-US"/>
           </a:p>
@@ -1984,7 +1979,7 @@
           <a:p>
             <a:fld id="{0CF201D2-22CE-4A5F-B071-75120FAE2428}" type="slidenum">
               <a:rPr lang="en-US" smtClean="0"/>
-              <a:t>20</a:t>
+              <a:t>19</a:t>
             </a:fld>
             <a:endParaRPr lang="en-US"/>
           </a:p>
@@ -2068,7 +2063,7 @@
           <a:p>
             <a:fld id="{0CF201D2-22CE-4A5F-B071-75120FAE2428}" type="slidenum">
               <a:rPr lang="en-US" smtClean="0"/>
-              <a:t>21</a:t>
+              <a:t>20</a:t>
             </a:fld>
             <a:endParaRPr lang="en-US"/>
           </a:p>
@@ -2152,7 +2147,7 @@
           <a:p>
             <a:fld id="{0CF201D2-22CE-4A5F-B071-75120FAE2428}" type="slidenum">
               <a:rPr lang="en-US" smtClean="0"/>
-              <a:t>22</a:t>
+              <a:t>21</a:t>
             </a:fld>
             <a:endParaRPr lang="en-US"/>
           </a:p>
@@ -2244,7 +2239,7 @@
           <a:p>
             <a:fld id="{0CF201D2-22CE-4A5F-B071-75120FAE2428}" type="slidenum">
               <a:rPr lang="en-US" smtClean="0"/>
-              <a:t>25</a:t>
+              <a:t>24</a:t>
             </a:fld>
             <a:endParaRPr lang="en-US"/>
           </a:p>
@@ -21776,102 +21771,6 @@
       </p:grpSpPr>
       <p:sp>
         <p:nvSpPr>
-          <p:cNvPr id="2" name="TextBox 1"/>
-          <p:cNvSpPr txBox="1"/>
-          <p:nvPr/>
-        </p:nvSpPr>
-        <p:spPr>
-          <a:xfrm>
-            <a:off x="792480" y="2921169"/>
-            <a:ext cx="5900974" cy="1015663"/>
-          </a:xfrm>
-          <a:prstGeom prst="rect">
-            <a:avLst/>
-          </a:prstGeom>
-          <a:noFill/>
-        </p:spPr>
-        <p:txBody>
-          <a:bodyPr wrap="none" rtlCol="0">
-            <a:spAutoFit/>
-          </a:bodyPr>
-          <a:lstStyle/>
-          <a:p>
-            <a:r>
-              <a:rPr lang="en-US" sz="6000" dirty="0" smtClean="0">
-                <a:latin typeface="Segoe UI Light" panose="020B0502040204020203" pitchFamily="34" charset="0"/>
-                <a:cs typeface="Segoe UI Light" panose="020B0502040204020203" pitchFamily="34" charset="0"/>
-              </a:rPr>
-              <a:t>who builds these?</a:t>
-            </a:r>
-            <a:endParaRPr lang="en-US" sz="6000" dirty="0">
-              <a:latin typeface="Segoe UI Light" panose="020B0502040204020203" pitchFamily="34" charset="0"/>
-              <a:cs typeface="Segoe UI Light" panose="020B0502040204020203" pitchFamily="34" charset="0"/>
-            </a:endParaRPr>
-          </a:p>
-        </p:txBody>
-      </p:sp>
-      <p:sp>
-        <p:nvSpPr>
-          <p:cNvPr id="3" name="Footer Placeholder 2"/>
-          <p:cNvSpPr>
-            <a:spLocks noGrp="1"/>
-          </p:cNvSpPr>
-          <p:nvPr>
-            <p:ph type="ftr" sz="quarter" idx="11"/>
-          </p:nvPr>
-        </p:nvSpPr>
-        <p:spPr/>
-        <p:txBody>
-          <a:bodyPr/>
-          <a:lstStyle/>
-          <a:p>
-            <a:r>
-              <a:rPr lang="en-US" smtClean="0"/>
-              <a:t>@domenic</a:t>
-            </a:r>
-            <a:endParaRPr lang="en-US"/>
-          </a:p>
-        </p:txBody>
-      </p:sp>
-    </p:spTree>
-    <p:extLst>
-      <p:ext uri="{BB962C8B-B14F-4D97-AF65-F5344CB8AC3E}">
-        <p14:creationId xmlns:p14="http://schemas.microsoft.com/office/powerpoint/2010/main" val="4147909208"/>
-      </p:ext>
-    </p:extLst>
-  </p:cSld>
-  <p:clrMapOvr>
-    <a:masterClrMapping/>
-  </p:clrMapOvr>
-  <p:timing>
-    <p:tnLst>
-      <p:par>
-        <p:cTn id="1" dur="indefinite" restart="never" nodeType="tmRoot"/>
-      </p:par>
-    </p:tnLst>
-  </p:timing>
-</p:sld>
-</file>
-
-<file path=ppt/slides/slide13.xml><?xml version="1.0" encoding="utf-8"?>
-<p:sld xmlns:a="http://schemas.openxmlformats.org/drawingml/2006/main" xmlns:r="http://schemas.openxmlformats.org/officeDocument/2006/relationships" xmlns:p="http://schemas.openxmlformats.org/presentationml/2006/main">
-  <p:cSld>
-    <p:spTree>
-      <p:nvGrpSpPr>
-        <p:cNvPr id="1" name=""/>
-        <p:cNvGrpSpPr/>
-        <p:nvPr/>
-      </p:nvGrpSpPr>
-      <p:grpSpPr>
-        <a:xfrm>
-          <a:off x="0" y="0"/>
-          <a:ext cx="0" cy="0"/>
-          <a:chOff x="0" y="0"/>
-          <a:chExt cx="0" cy="0"/>
-        </a:xfrm>
-      </p:grpSpPr>
-      <p:sp>
-        <p:nvSpPr>
           <p:cNvPr id="2" name="Title 1"/>
           <p:cNvSpPr>
             <a:spLocks noGrp="1"/>
@@ -21937,7 +21836,7 @@
 </p:sld>
 </file>
 
-<file path=ppt/slides/slide14.xml><?xml version="1.0" encoding="utf-8"?>
+<file path=ppt/slides/slide13.xml><?xml version="1.0" encoding="utf-8"?>
 <p:sld xmlns:a="http://schemas.openxmlformats.org/drawingml/2006/main" xmlns:r="http://schemas.openxmlformats.org/officeDocument/2006/relationships" xmlns:p="http://schemas.openxmlformats.org/presentationml/2006/main">
   <p:cSld>
     <p:spTree>
@@ -22038,7 +21937,7 @@
 </p:sld>
 </file>
 
-<file path=ppt/slides/slide15.xml><?xml version="1.0" encoding="utf-8"?>
+<file path=ppt/slides/slide14.xml><?xml version="1.0" encoding="utf-8"?>
 <p:sld xmlns:a="http://schemas.openxmlformats.org/drawingml/2006/main" xmlns:r="http://schemas.openxmlformats.org/officeDocument/2006/relationships" xmlns:p="http://schemas.openxmlformats.org/presentationml/2006/main">
   <p:cSld>
     <p:spTree>
@@ -22309,7 +22208,7 @@
 </p:sld>
 </file>
 
-<file path=ppt/slides/slide16.xml><?xml version="1.0" encoding="utf-8"?>
+<file path=ppt/slides/slide15.xml><?xml version="1.0" encoding="utf-8"?>
 <p:sld xmlns:a="http://schemas.openxmlformats.org/drawingml/2006/main" xmlns:r="http://schemas.openxmlformats.org/officeDocument/2006/relationships" xmlns:p="http://schemas.openxmlformats.org/presentationml/2006/main">
   <p:cSld>
     <p:spTree>
@@ -22395,7 +22294,7 @@
 </p:sld>
 </file>
 
-<file path=ppt/slides/slide17.xml><?xml version="1.0" encoding="utf-8"?>
+<file path=ppt/slides/slide16.xml><?xml version="1.0" encoding="utf-8"?>
 <p:sld xmlns:a="http://schemas.openxmlformats.org/drawingml/2006/main" xmlns:r="http://schemas.openxmlformats.org/officeDocument/2006/relationships" xmlns:p="http://schemas.openxmlformats.org/presentationml/2006/main">
   <p:cSld>
     <p:spTree>
@@ -22479,7 +22378,7 @@
 </p:sld>
 </file>
 
-<file path=ppt/slides/slide18.xml><?xml version="1.0" encoding="utf-8"?>
+<file path=ppt/slides/slide17.xml><?xml version="1.0" encoding="utf-8"?>
 <p:sld xmlns:a="http://schemas.openxmlformats.org/drawingml/2006/main" xmlns:r="http://schemas.openxmlformats.org/officeDocument/2006/relationships" xmlns:p="http://schemas.openxmlformats.org/presentationml/2006/main">
   <p:cSld>
     <p:spTree>
@@ -22682,6 +22581,109 @@
 </p:sld>
 </file>
 
+<file path=ppt/slides/slide18.xml><?xml version="1.0" encoding="utf-8"?>
+<p:sld xmlns:a="http://schemas.openxmlformats.org/drawingml/2006/main" xmlns:r="http://schemas.openxmlformats.org/officeDocument/2006/relationships" xmlns:p="http://schemas.openxmlformats.org/presentationml/2006/main">
+  <p:cSld>
+    <p:spTree>
+      <p:nvGrpSpPr>
+        <p:cNvPr id="1" name=""/>
+        <p:cNvGrpSpPr/>
+        <p:nvPr/>
+      </p:nvGrpSpPr>
+      <p:grpSpPr>
+        <a:xfrm>
+          <a:off x="0" y="0"/>
+          <a:ext cx="0" cy="0"/>
+          <a:chOff x="0" y="0"/>
+          <a:chExt cx="0" cy="0"/>
+        </a:xfrm>
+      </p:grpSpPr>
+      <p:sp>
+        <p:nvSpPr>
+          <p:cNvPr id="2" name="TextBox 1"/>
+          <p:cNvSpPr txBox="1"/>
+          <p:nvPr/>
+        </p:nvSpPr>
+        <p:spPr>
+          <a:xfrm>
+            <a:off x="792480" y="3013502"/>
+            <a:ext cx="8207696" cy="830997"/>
+          </a:xfrm>
+          <a:prstGeom prst="rect">
+            <a:avLst/>
+          </a:prstGeom>
+          <a:noFill/>
+        </p:spPr>
+        <p:txBody>
+          <a:bodyPr wrap="none" rtlCol="0">
+            <a:spAutoFit/>
+          </a:bodyPr>
+          <a:lstStyle/>
+          <a:p>
+            <a:r>
+              <a:rPr lang="en-US" sz="4800" dirty="0" err="1" smtClean="0">
+                <a:latin typeface="Segoe UI Light" panose="020B0502040204020203" pitchFamily="34" charset="0"/>
+                <a:cs typeface="Segoe UI Light" panose="020B0502040204020203" pitchFamily="34" charset="0"/>
+              </a:rPr>
+              <a:t>Response.Write</a:t>
+            </a:r>
+            <a:r>
+              <a:rPr lang="en-US" sz="4800" dirty="0" smtClean="0">
+                <a:latin typeface="Segoe UI Light" panose="020B0502040204020203" pitchFamily="34" charset="0"/>
+                <a:cs typeface="Segoe UI Light" panose="020B0502040204020203" pitchFamily="34" charset="0"/>
+              </a:rPr>
+              <a:t>("hello, world!");</a:t>
+            </a:r>
+            <a:endParaRPr lang="en-US" sz="4800" dirty="0">
+              <a:latin typeface="Segoe UI Light" panose="020B0502040204020203" pitchFamily="34" charset="0"/>
+              <a:cs typeface="Segoe UI Light" panose="020B0502040204020203" pitchFamily="34" charset="0"/>
+            </a:endParaRPr>
+          </a:p>
+        </p:txBody>
+      </p:sp>
+      <p:sp>
+        <p:nvSpPr>
+          <p:cNvPr id="3" name="Footer Placeholder 2"/>
+          <p:cNvSpPr>
+            <a:spLocks noGrp="1"/>
+          </p:cNvSpPr>
+          <p:nvPr>
+            <p:ph type="ftr" sz="quarter" idx="11"/>
+          </p:nvPr>
+        </p:nvSpPr>
+        <p:spPr/>
+        <p:txBody>
+          <a:bodyPr/>
+          <a:lstStyle/>
+          <a:p>
+            <a:r>
+              <a:rPr lang="en-US" smtClean="0"/>
+              <a:t>@domenic</a:t>
+            </a:r>
+            <a:endParaRPr lang="en-US"/>
+          </a:p>
+        </p:txBody>
+      </p:sp>
+    </p:spTree>
+    <p:extLst>
+      <p:ext uri="{BB962C8B-B14F-4D97-AF65-F5344CB8AC3E}">
+        <p14:creationId xmlns:p14="http://schemas.microsoft.com/office/powerpoint/2010/main" val="4187753147"/>
+      </p:ext>
+    </p:extLst>
+  </p:cSld>
+  <p:clrMapOvr>
+    <a:masterClrMapping/>
+  </p:clrMapOvr>
+  <p:timing>
+    <p:tnLst>
+      <p:par>
+        <p:cTn id="1" dur="indefinite" restart="never" nodeType="tmRoot"/>
+      </p:par>
+    </p:tnLst>
+  </p:timing>
+</p:sld>
+</file>
+
 <file path=ppt/slides/slide19.xml><?xml version="1.0" encoding="utf-8"?>
 <p:sld xmlns:a="http://schemas.openxmlformats.org/drawingml/2006/main" xmlns:r="http://schemas.openxmlformats.org/officeDocument/2006/relationships" xmlns:p="http://schemas.openxmlformats.org/presentationml/2006/main">
   <p:cSld>
@@ -22707,8 +22709,8 @@
         </p:nvSpPr>
         <p:spPr>
           <a:xfrm>
-            <a:off x="792480" y="3013502"/>
-            <a:ext cx="8207696" cy="830997"/>
+            <a:off x="792480" y="2397949"/>
+            <a:ext cx="8490594" cy="2062103"/>
           </a:xfrm>
           <a:prstGeom prst="rect">
             <a:avLst/>
@@ -22722,20 +22724,103 @@
           <a:lstStyle/>
           <a:p>
             <a:r>
-              <a:rPr lang="en-US" sz="4800" dirty="0" err="1" smtClean="0">
+              <a:rPr lang="en-US" sz="3200" dirty="0" err="1">
                 <a:latin typeface="Segoe UI Light" panose="020B0502040204020203" pitchFamily="34" charset="0"/>
                 <a:cs typeface="Segoe UI Light" panose="020B0502040204020203" pitchFamily="34" charset="0"/>
               </a:rPr>
-              <a:t>Response.Write</a:t>
-            </a:r>
-            <a:r>
-              <a:rPr lang="en-US" sz="4800" dirty="0" smtClean="0">
+              <a:t>move_uploaded_file</a:t>
+            </a:r>
+            <a:r>
+              <a:rPr lang="en-US" sz="3200" dirty="0">
                 <a:latin typeface="Segoe UI Light" panose="020B0502040204020203" pitchFamily="34" charset="0"/>
                 <a:cs typeface="Segoe UI Light" panose="020B0502040204020203" pitchFamily="34" charset="0"/>
               </a:rPr>
-              <a:t>("hello, world!");</a:t>
-            </a:r>
-            <a:endParaRPr lang="en-US" sz="4800" dirty="0">
+              <a:t>(</a:t>
+            </a:r>
+          </a:p>
+          <a:p>
+            <a:r>
+              <a:rPr lang="en-US" sz="3200" dirty="0">
+                <a:latin typeface="Segoe UI Light" panose="020B0502040204020203" pitchFamily="34" charset="0"/>
+                <a:cs typeface="Segoe UI Light" panose="020B0502040204020203" pitchFamily="34" charset="0"/>
+              </a:rPr>
+              <a:t>    $_FILES['</a:t>
+            </a:r>
+            <a:r>
+              <a:rPr lang="en-US" sz="3200" dirty="0" err="1">
+                <a:latin typeface="Segoe UI Light" panose="020B0502040204020203" pitchFamily="34" charset="0"/>
+                <a:cs typeface="Segoe UI Light" panose="020B0502040204020203" pitchFamily="34" charset="0"/>
+              </a:rPr>
+              <a:t>userphoto</a:t>
+            </a:r>
+            <a:r>
+              <a:rPr lang="en-US" sz="3200" dirty="0">
+                <a:latin typeface="Segoe UI Light" panose="020B0502040204020203" pitchFamily="34" charset="0"/>
+                <a:cs typeface="Segoe UI Light" panose="020B0502040204020203" pitchFamily="34" charset="0"/>
+              </a:rPr>
+              <a:t>']['</a:t>
+            </a:r>
+            <a:r>
+              <a:rPr lang="en-US" sz="3200" dirty="0" err="1">
+                <a:latin typeface="Segoe UI Light" panose="020B0502040204020203" pitchFamily="34" charset="0"/>
+                <a:cs typeface="Segoe UI Light" panose="020B0502040204020203" pitchFamily="34" charset="0"/>
+              </a:rPr>
+              <a:t>tmp_name</a:t>
+            </a:r>
+            <a:r>
+              <a:rPr lang="en-US" sz="3200" dirty="0">
+                <a:latin typeface="Segoe UI Light" panose="020B0502040204020203" pitchFamily="34" charset="0"/>
+                <a:cs typeface="Segoe UI Light" panose="020B0502040204020203" pitchFamily="34" charset="0"/>
+              </a:rPr>
+              <a:t>'],</a:t>
+            </a:r>
+          </a:p>
+          <a:p>
+            <a:r>
+              <a:rPr lang="en-US" sz="3200" dirty="0">
+                <a:latin typeface="Segoe UI Light" panose="020B0502040204020203" pitchFamily="34" charset="0"/>
+                <a:cs typeface="Segoe UI Light" panose="020B0502040204020203" pitchFamily="34" charset="0"/>
+              </a:rPr>
+              <a:t>    "/</a:t>
+            </a:r>
+            <a:r>
+              <a:rPr lang="en-US" sz="3200" dirty="0" err="1">
+                <a:latin typeface="Segoe UI Light" panose="020B0502040204020203" pitchFamily="34" charset="0"/>
+                <a:cs typeface="Segoe UI Light" panose="020B0502040204020203" pitchFamily="34" charset="0"/>
+              </a:rPr>
+              <a:t>var</a:t>
+            </a:r>
+            <a:r>
+              <a:rPr lang="en-US" sz="3200" dirty="0">
+                <a:latin typeface="Segoe UI Light" panose="020B0502040204020203" pitchFamily="34" charset="0"/>
+                <a:cs typeface="Segoe UI Light" panose="020B0502040204020203" pitchFamily="34" charset="0"/>
+              </a:rPr>
+              <a:t>/www/</a:t>
+            </a:r>
+            <a:r>
+              <a:rPr lang="en-US" sz="3200" dirty="0" err="1">
+                <a:latin typeface="Segoe UI Light" panose="020B0502040204020203" pitchFamily="34" charset="0"/>
+                <a:cs typeface="Segoe UI Light" panose="020B0502040204020203" pitchFamily="34" charset="0"/>
+              </a:rPr>
+              <a:t>userphotos</a:t>
+            </a:r>
+            <a:r>
+              <a:rPr lang="en-US" sz="3200" dirty="0">
+                <a:latin typeface="Segoe UI Light" panose="020B0502040204020203" pitchFamily="34" charset="0"/>
+                <a:cs typeface="Segoe UI Light" panose="020B0502040204020203" pitchFamily="34" charset="0"/>
+              </a:rPr>
+              <a:t>/" . $_POST['username']</a:t>
+            </a:r>
+          </a:p>
+          <a:p>
+            <a:r>
+              <a:rPr lang="en-US" sz="3200" dirty="0">
+                <a:latin typeface="Segoe UI Light" panose="020B0502040204020203" pitchFamily="34" charset="0"/>
+                <a:cs typeface="Segoe UI Light" panose="020B0502040204020203" pitchFamily="34" charset="0"/>
+              </a:rPr>
+              <a:t>);</a:t>
+            </a:r>
+            <a:endParaRPr lang="en-US" sz="3200" dirty="0" smtClean="0">
               <a:latin typeface="Segoe UI Light" panose="020B0502040204020203" pitchFamily="34" charset="0"/>
               <a:cs typeface="Segoe UI Light" panose="020B0502040204020203" pitchFamily="34" charset="0"/>
             </a:endParaRPr>
@@ -22768,7 +22853,7 @@
     </p:spTree>
     <p:extLst>
       <p:ext uri="{BB962C8B-B14F-4D97-AF65-F5344CB8AC3E}">
-        <p14:creationId xmlns:p14="http://schemas.microsoft.com/office/powerpoint/2010/main" val="4187753147"/>
+        <p14:creationId xmlns:p14="http://schemas.microsoft.com/office/powerpoint/2010/main" val="2329080430"/>
       </p:ext>
     </p:extLst>
   </p:cSld>
@@ -23021,8 +23106,8 @@
         </p:nvSpPr>
         <p:spPr>
           <a:xfrm>
-            <a:off x="792480" y="2397949"/>
-            <a:ext cx="8490594" cy="2062103"/>
+            <a:off x="792480" y="1905506"/>
+            <a:ext cx="7064755" cy="3046988"/>
           </a:xfrm>
           <a:prstGeom prst="rect">
             <a:avLst/>
@@ -23036,55 +23121,87 @@
           <a:lstStyle/>
           <a:p>
             <a:r>
+              <a:rPr lang="en-US" sz="3200" dirty="0">
+                <a:latin typeface="Segoe UI Light" panose="020B0502040204020203" pitchFamily="34" charset="0"/>
+                <a:cs typeface="Segoe UI Light" panose="020B0502040204020203" pitchFamily="34" charset="0"/>
+              </a:rPr>
+              <a:t>import </a:t>
+            </a:r>
+            <a:r>
               <a:rPr lang="en-US" sz="3200" dirty="0" err="1">
                 <a:latin typeface="Segoe UI Light" panose="020B0502040204020203" pitchFamily="34" charset="0"/>
                 <a:cs typeface="Segoe UI Light" panose="020B0502040204020203" pitchFamily="34" charset="0"/>
               </a:rPr>
-              <a:t>move_uploaded_file</a:t>
-            </a:r>
+              <a:t>memcache</a:t>
+            </a:r>
+            <a:endParaRPr lang="en-US" sz="3200" dirty="0">
+              <a:latin typeface="Segoe UI Light" panose="020B0502040204020203" pitchFamily="34" charset="0"/>
+              <a:cs typeface="Segoe UI Light" panose="020B0502040204020203" pitchFamily="34" charset="0"/>
+            </a:endParaRPr>
+          </a:p>
+          <a:p>
+            <a:endParaRPr lang="en-US" sz="3200" dirty="0">
+              <a:latin typeface="Segoe UI Light" panose="020B0502040204020203" pitchFamily="34" charset="0"/>
+              <a:cs typeface="Segoe UI Light" panose="020B0502040204020203" pitchFamily="34" charset="0"/>
+            </a:endParaRPr>
+          </a:p>
+          <a:p>
             <a:r>
               <a:rPr lang="en-US" sz="3200" dirty="0">
                 <a:latin typeface="Segoe UI Light" panose="020B0502040204020203" pitchFamily="34" charset="0"/>
                 <a:cs typeface="Segoe UI Light" panose="020B0502040204020203" pitchFamily="34" charset="0"/>
               </a:rPr>
-              <a:t>(</a:t>
-            </a:r>
-          </a:p>
-          <a:p>
+              <a:t>mc = </a:t>
+            </a:r>
+            <a:r>
+              <a:rPr lang="en-US" sz="3200" dirty="0" err="1">
+                <a:latin typeface="Segoe UI Light" panose="020B0502040204020203" pitchFamily="34" charset="0"/>
+                <a:cs typeface="Segoe UI Light" panose="020B0502040204020203" pitchFamily="34" charset="0"/>
+              </a:rPr>
+              <a:t>memcache.Client</a:t>
+            </a:r>
             <a:r>
               <a:rPr lang="en-US" sz="3200" dirty="0">
                 <a:latin typeface="Segoe UI Light" panose="020B0502040204020203" pitchFamily="34" charset="0"/>
                 <a:cs typeface="Segoe UI Light" panose="020B0502040204020203" pitchFamily="34" charset="0"/>
               </a:rPr>
-              <a:t>    $_FILES['</a:t>
-            </a:r>
+              <a:t>(['127.0.0.1:11211'])</a:t>
+            </a:r>
+          </a:p>
+          <a:p>
+            <a:endParaRPr lang="en-US" sz="3200" dirty="0">
+              <a:latin typeface="Segoe UI Light" panose="020B0502040204020203" pitchFamily="34" charset="0"/>
+              <a:cs typeface="Segoe UI Light" panose="020B0502040204020203" pitchFamily="34" charset="0"/>
+            </a:endParaRPr>
+          </a:p>
+          <a:p>
             <a:r>
               <a:rPr lang="en-US" sz="3200" dirty="0" err="1">
                 <a:latin typeface="Segoe UI Light" panose="020B0502040204020203" pitchFamily="34" charset="0"/>
                 <a:cs typeface="Segoe UI Light" panose="020B0502040204020203" pitchFamily="34" charset="0"/>
               </a:rPr>
-              <a:t>userphoto</a:t>
+              <a:t>mc.set</a:t>
             </a:r>
             <a:r>
               <a:rPr lang="en-US" sz="3200" dirty="0">
                 <a:latin typeface="Segoe UI Light" panose="020B0502040204020203" pitchFamily="34" charset="0"/>
                 <a:cs typeface="Segoe UI Light" panose="020B0502040204020203" pitchFamily="34" charset="0"/>
               </a:rPr>
-              <a:t>']['</a:t>
+              <a:t>("</a:t>
             </a:r>
             <a:r>
               <a:rPr lang="en-US" sz="3200" dirty="0" err="1">
                 <a:latin typeface="Segoe UI Light" panose="020B0502040204020203" pitchFamily="34" charset="0"/>
                 <a:cs typeface="Segoe UI Light" panose="020B0502040204020203" pitchFamily="34" charset="0"/>
               </a:rPr>
-              <a:t>tmp_name</a:t>
+              <a:t>heavily_used_data</a:t>
             </a:r>
             <a:r>
               <a:rPr lang="en-US" sz="3200" dirty="0">
                 <a:latin typeface="Segoe UI Light" panose="020B0502040204020203" pitchFamily="34" charset="0"/>
                 <a:cs typeface="Segoe UI Light" panose="020B0502040204020203" pitchFamily="34" charset="0"/>
               </a:rPr>
-              <a:t>'],</a:t>
+              <a:t>", "data")</a:t>
             </a:r>
           </a:p>
           <a:p>
@@ -23093,49 +23210,36 @@
                 <a:latin typeface="Segoe UI Light" panose="020B0502040204020203" pitchFamily="34" charset="0"/>
                 <a:cs typeface="Segoe UI Light" panose="020B0502040204020203" pitchFamily="34" charset="0"/>
               </a:rPr>
-              <a:t>    "/</a:t>
+              <a:t>value = </a:t>
             </a:r>
             <a:r>
               <a:rPr lang="en-US" sz="3200" dirty="0" err="1">
                 <a:latin typeface="Segoe UI Light" panose="020B0502040204020203" pitchFamily="34" charset="0"/>
                 <a:cs typeface="Segoe UI Light" panose="020B0502040204020203" pitchFamily="34" charset="0"/>
               </a:rPr>
-              <a:t>var</a:t>
+              <a:t>mc.get</a:t>
             </a:r>
             <a:r>
               <a:rPr lang="en-US" sz="3200" dirty="0">
                 <a:latin typeface="Segoe UI Light" panose="020B0502040204020203" pitchFamily="34" charset="0"/>
                 <a:cs typeface="Segoe UI Light" panose="020B0502040204020203" pitchFamily="34" charset="0"/>
               </a:rPr>
-              <a:t>/www/</a:t>
+              <a:t>("</a:t>
             </a:r>
             <a:r>
               <a:rPr lang="en-US" sz="3200" dirty="0" err="1">
                 <a:latin typeface="Segoe UI Light" panose="020B0502040204020203" pitchFamily="34" charset="0"/>
                 <a:cs typeface="Segoe UI Light" panose="020B0502040204020203" pitchFamily="34" charset="0"/>
               </a:rPr>
-              <a:t>userphotos</a:t>
+              <a:t>more_data</a:t>
             </a:r>
             <a:r>
               <a:rPr lang="en-US" sz="3200" dirty="0">
                 <a:latin typeface="Segoe UI Light" panose="020B0502040204020203" pitchFamily="34" charset="0"/>
                 <a:cs typeface="Segoe UI Light" panose="020B0502040204020203" pitchFamily="34" charset="0"/>
               </a:rPr>
-              <a:t>/" . $_POST['username']</a:t>
-            </a:r>
-          </a:p>
-          <a:p>
-            <a:r>
-              <a:rPr lang="en-US" sz="3200" dirty="0">
-                <a:latin typeface="Segoe UI Light" panose="020B0502040204020203" pitchFamily="34" charset="0"/>
-                <a:cs typeface="Segoe UI Light" panose="020B0502040204020203" pitchFamily="34" charset="0"/>
-              </a:rPr>
-              <a:t>);</a:t>
-            </a:r>
-            <a:endParaRPr lang="en-US" sz="3200" dirty="0" smtClean="0">
-              <a:latin typeface="Segoe UI Light" panose="020B0502040204020203" pitchFamily="34" charset="0"/>
-              <a:cs typeface="Segoe UI Light" panose="020B0502040204020203" pitchFamily="34" charset="0"/>
-            </a:endParaRPr>
+              <a:t>")</a:t>
+            </a:r>
           </a:p>
         </p:txBody>
       </p:sp>
@@ -23165,7 +23269,7 @@
     </p:spTree>
     <p:extLst>
       <p:ext uri="{BB962C8B-B14F-4D97-AF65-F5344CB8AC3E}">
-        <p14:creationId xmlns:p14="http://schemas.microsoft.com/office/powerpoint/2010/main" val="2329080430"/>
+        <p14:creationId xmlns:p14="http://schemas.microsoft.com/office/powerpoint/2010/main" val="938901726"/>
       </p:ext>
     </p:extLst>
   </p:cSld>
@@ -23208,7 +23312,7 @@
         <p:spPr>
           <a:xfrm>
             <a:off x="792480" y="1905506"/>
-            <a:ext cx="7064755" cy="3046988"/>
+            <a:ext cx="6769802" cy="3046988"/>
           </a:xfrm>
           <a:prstGeom prst="rect">
             <a:avLst/>
@@ -23226,14 +23330,92 @@
                 <a:latin typeface="Segoe UI Light" panose="020B0502040204020203" pitchFamily="34" charset="0"/>
                 <a:cs typeface="Segoe UI Light" panose="020B0502040204020203" pitchFamily="34" charset="0"/>
               </a:rPr>
-              <a:t>import </a:t>
+              <a:t>class Post &lt; </a:t>
             </a:r>
             <a:r>
               <a:rPr lang="en-US" sz="3200" dirty="0" err="1">
                 <a:latin typeface="Segoe UI Light" panose="020B0502040204020203" pitchFamily="34" charset="0"/>
                 <a:cs typeface="Segoe UI Light" panose="020B0502040204020203" pitchFamily="34" charset="0"/>
               </a:rPr>
-              <a:t>memcache</a:t>
+              <a:t>ActiveRecord</a:t>
+            </a:r>
+            <a:r>
+              <a:rPr lang="en-US" sz="3200" dirty="0">
+                <a:latin typeface="Segoe UI Light" panose="020B0502040204020203" pitchFamily="34" charset="0"/>
+                <a:cs typeface="Segoe UI Light" panose="020B0502040204020203" pitchFamily="34" charset="0"/>
+              </a:rPr>
+              <a:t>::Base</a:t>
+            </a:r>
+          </a:p>
+          <a:p>
+            <a:r>
+              <a:rPr lang="en-US" sz="3200" dirty="0" smtClean="0">
+                <a:latin typeface="Segoe UI Light" panose="020B0502040204020203" pitchFamily="34" charset="0"/>
+                <a:cs typeface="Segoe UI Light" panose="020B0502040204020203" pitchFamily="34" charset="0"/>
+              </a:rPr>
+              <a:t>    </a:t>
+            </a:r>
+            <a:r>
+              <a:rPr lang="en-US" sz="3200" dirty="0" err="1">
+                <a:latin typeface="Segoe UI Light" panose="020B0502040204020203" pitchFamily="34" charset="0"/>
+                <a:cs typeface="Segoe UI Light" panose="020B0502040204020203" pitchFamily="34" charset="0"/>
+              </a:rPr>
+              <a:t>attr_accessible</a:t>
+            </a:r>
+            <a:r>
+              <a:rPr lang="en-US" sz="3200" dirty="0">
+                <a:latin typeface="Segoe UI Light" panose="020B0502040204020203" pitchFamily="34" charset="0"/>
+                <a:cs typeface="Segoe UI Light" panose="020B0502040204020203" pitchFamily="34" charset="0"/>
+              </a:rPr>
+              <a:t> :content, :name, :title</a:t>
+            </a:r>
+          </a:p>
+          <a:p>
+            <a:r>
+              <a:rPr lang="en-US" sz="3200" dirty="0">
+                <a:latin typeface="Segoe UI Light" panose="020B0502040204020203" pitchFamily="34" charset="0"/>
+                <a:cs typeface="Segoe UI Light" panose="020B0502040204020203" pitchFamily="34" charset="0"/>
+              </a:rPr>
+              <a:t> </a:t>
+            </a:r>
+          </a:p>
+          <a:p>
+            <a:r>
+              <a:rPr lang="en-US" sz="3200" dirty="0" smtClean="0">
+                <a:latin typeface="Segoe UI Light" panose="020B0502040204020203" pitchFamily="34" charset="0"/>
+                <a:cs typeface="Segoe UI Light" panose="020B0502040204020203" pitchFamily="34" charset="0"/>
+              </a:rPr>
+              <a:t>    </a:t>
+            </a:r>
+            <a:r>
+              <a:rPr lang="en-US" sz="3200" dirty="0">
+                <a:latin typeface="Segoe UI Light" panose="020B0502040204020203" pitchFamily="34" charset="0"/>
+                <a:cs typeface="Segoe UI Light" panose="020B0502040204020203" pitchFamily="34" charset="0"/>
+              </a:rPr>
+              <a:t>validates :name,  :presence =&gt; true</a:t>
+            </a:r>
+          </a:p>
+          <a:p>
+            <a:r>
+              <a:rPr lang="en-US" sz="3200" dirty="0" smtClean="0">
+                <a:latin typeface="Segoe UI Light" panose="020B0502040204020203" pitchFamily="34" charset="0"/>
+                <a:cs typeface="Segoe UI Light" panose="020B0502040204020203" pitchFamily="34" charset="0"/>
+              </a:rPr>
+              <a:t>    </a:t>
+            </a:r>
+            <a:r>
+              <a:rPr lang="en-US" sz="3200" dirty="0">
+                <a:latin typeface="Segoe UI Light" panose="020B0502040204020203" pitchFamily="34" charset="0"/>
+                <a:cs typeface="Segoe UI Light" panose="020B0502040204020203" pitchFamily="34" charset="0"/>
+              </a:rPr>
+              <a:t>validates :title, :presence =&gt; </a:t>
+            </a:r>
+            <a:r>
+              <a:rPr lang="en-US" sz="3200" dirty="0" smtClean="0">
+                <a:latin typeface="Segoe UI Light" panose="020B0502040204020203" pitchFamily="34" charset="0"/>
+                <a:cs typeface="Segoe UI Light" panose="020B0502040204020203" pitchFamily="34" charset="0"/>
+              </a:rPr>
+              <a:t>true</a:t>
             </a:r>
             <a:endParaRPr lang="en-US" sz="3200" dirty="0">
               <a:latin typeface="Segoe UI Light" panose="020B0502040204020203" pitchFamily="34" charset="0"/>
@@ -23241,105 +23423,12 @@
             </a:endParaRPr>
           </a:p>
           <a:p>
-            <a:endParaRPr lang="en-US" sz="3200" dirty="0">
-              <a:latin typeface="Segoe UI Light" panose="020B0502040204020203" pitchFamily="34" charset="0"/>
-              <a:cs typeface="Segoe UI Light" panose="020B0502040204020203" pitchFamily="34" charset="0"/>
-            </a:endParaRPr>
-          </a:p>
-          <a:p>
             <a:r>
               <a:rPr lang="en-US" sz="3200" dirty="0">
                 <a:latin typeface="Segoe UI Light" panose="020B0502040204020203" pitchFamily="34" charset="0"/>
                 <a:cs typeface="Segoe UI Light" panose="020B0502040204020203" pitchFamily="34" charset="0"/>
               </a:rPr>
-              <a:t>mc = </a:t>
-            </a:r>
-            <a:r>
-              <a:rPr lang="en-US" sz="3200" dirty="0" err="1">
-                <a:latin typeface="Segoe UI Light" panose="020B0502040204020203" pitchFamily="34" charset="0"/>
-                <a:cs typeface="Segoe UI Light" panose="020B0502040204020203" pitchFamily="34" charset="0"/>
-              </a:rPr>
-              <a:t>memcache.Client</a:t>
-            </a:r>
-            <a:r>
-              <a:rPr lang="en-US" sz="3200" dirty="0">
-                <a:latin typeface="Segoe UI Light" panose="020B0502040204020203" pitchFamily="34" charset="0"/>
-                <a:cs typeface="Segoe UI Light" panose="020B0502040204020203" pitchFamily="34" charset="0"/>
-              </a:rPr>
-              <a:t>(['127.0.0.1:11211'])</a:t>
-            </a:r>
-          </a:p>
-          <a:p>
-            <a:endParaRPr lang="en-US" sz="3200" dirty="0">
-              <a:latin typeface="Segoe UI Light" panose="020B0502040204020203" pitchFamily="34" charset="0"/>
-              <a:cs typeface="Segoe UI Light" panose="020B0502040204020203" pitchFamily="34" charset="0"/>
-            </a:endParaRPr>
-          </a:p>
-          <a:p>
-            <a:r>
-              <a:rPr lang="en-US" sz="3200" dirty="0" err="1">
-                <a:latin typeface="Segoe UI Light" panose="020B0502040204020203" pitchFamily="34" charset="0"/>
-                <a:cs typeface="Segoe UI Light" panose="020B0502040204020203" pitchFamily="34" charset="0"/>
-              </a:rPr>
-              <a:t>mc.set</a:t>
-            </a:r>
-            <a:r>
-              <a:rPr lang="en-US" sz="3200" dirty="0">
-                <a:latin typeface="Segoe UI Light" panose="020B0502040204020203" pitchFamily="34" charset="0"/>
-                <a:cs typeface="Segoe UI Light" panose="020B0502040204020203" pitchFamily="34" charset="0"/>
-              </a:rPr>
-              <a:t>("</a:t>
-            </a:r>
-            <a:r>
-              <a:rPr lang="en-US" sz="3200" dirty="0" err="1">
-                <a:latin typeface="Segoe UI Light" panose="020B0502040204020203" pitchFamily="34" charset="0"/>
-                <a:cs typeface="Segoe UI Light" panose="020B0502040204020203" pitchFamily="34" charset="0"/>
-              </a:rPr>
-              <a:t>heavily_used_data</a:t>
-            </a:r>
-            <a:r>
-              <a:rPr lang="en-US" sz="3200" dirty="0">
-                <a:latin typeface="Segoe UI Light" panose="020B0502040204020203" pitchFamily="34" charset="0"/>
-                <a:cs typeface="Segoe UI Light" panose="020B0502040204020203" pitchFamily="34" charset="0"/>
-              </a:rPr>
-              <a:t>", "data")</a:t>
-            </a:r>
-          </a:p>
-          <a:p>
-            <a:r>
-              <a:rPr lang="en-US" sz="3200" dirty="0">
-                <a:latin typeface="Segoe UI Light" panose="020B0502040204020203" pitchFamily="34" charset="0"/>
-                <a:cs typeface="Segoe UI Light" panose="020B0502040204020203" pitchFamily="34" charset="0"/>
-              </a:rPr>
-              <a:t>value = </a:t>
-            </a:r>
-            <a:r>
-              <a:rPr lang="en-US" sz="3200" dirty="0" err="1">
-                <a:latin typeface="Segoe UI Light" panose="020B0502040204020203" pitchFamily="34" charset="0"/>
-                <a:cs typeface="Segoe UI Light" panose="020B0502040204020203" pitchFamily="34" charset="0"/>
-              </a:rPr>
-              <a:t>mc.get</a:t>
-            </a:r>
-            <a:r>
-              <a:rPr lang="en-US" sz="3200" dirty="0">
-                <a:latin typeface="Segoe UI Light" panose="020B0502040204020203" pitchFamily="34" charset="0"/>
-                <a:cs typeface="Segoe UI Light" panose="020B0502040204020203" pitchFamily="34" charset="0"/>
-              </a:rPr>
-              <a:t>("</a:t>
-            </a:r>
-            <a:r>
-              <a:rPr lang="en-US" sz="3200" dirty="0" err="1">
-                <a:latin typeface="Segoe UI Light" panose="020B0502040204020203" pitchFamily="34" charset="0"/>
-                <a:cs typeface="Segoe UI Light" panose="020B0502040204020203" pitchFamily="34" charset="0"/>
-              </a:rPr>
-              <a:t>more_data</a:t>
-            </a:r>
-            <a:r>
-              <a:rPr lang="en-US" sz="3200" dirty="0">
-                <a:latin typeface="Segoe UI Light" panose="020B0502040204020203" pitchFamily="34" charset="0"/>
-                <a:cs typeface="Segoe UI Light" panose="020B0502040204020203" pitchFamily="34" charset="0"/>
-              </a:rPr>
-              <a:t>")</a:t>
+              <a:t>end</a:t>
             </a:r>
           </a:p>
         </p:txBody>
@@ -23370,7 +23459,7 @@
     </p:spTree>
     <p:extLst>
       <p:ext uri="{BB962C8B-B14F-4D97-AF65-F5344CB8AC3E}">
-        <p14:creationId xmlns:p14="http://schemas.microsoft.com/office/powerpoint/2010/main" val="938901726"/>
+        <p14:creationId xmlns:p14="http://schemas.microsoft.com/office/powerpoint/2010/main" val="2160644089"/>
       </p:ext>
     </p:extLst>
   </p:cSld>
@@ -23412,196 +23501,6 @@
         </p:nvSpPr>
         <p:spPr>
           <a:xfrm>
-            <a:off x="792480" y="1905506"/>
-            <a:ext cx="6769802" cy="3046988"/>
-          </a:xfrm>
-          <a:prstGeom prst="rect">
-            <a:avLst/>
-          </a:prstGeom>
-          <a:noFill/>
-        </p:spPr>
-        <p:txBody>
-          <a:bodyPr wrap="none" rtlCol="0">
-            <a:spAutoFit/>
-          </a:bodyPr>
-          <a:lstStyle/>
-          <a:p>
-            <a:r>
-              <a:rPr lang="en-US" sz="3200" dirty="0">
-                <a:latin typeface="Segoe UI Light" panose="020B0502040204020203" pitchFamily="34" charset="0"/>
-                <a:cs typeface="Segoe UI Light" panose="020B0502040204020203" pitchFamily="34" charset="0"/>
-              </a:rPr>
-              <a:t>class Post &lt; </a:t>
-            </a:r>
-            <a:r>
-              <a:rPr lang="en-US" sz="3200" dirty="0" err="1">
-                <a:latin typeface="Segoe UI Light" panose="020B0502040204020203" pitchFamily="34" charset="0"/>
-                <a:cs typeface="Segoe UI Light" panose="020B0502040204020203" pitchFamily="34" charset="0"/>
-              </a:rPr>
-              <a:t>ActiveRecord</a:t>
-            </a:r>
-            <a:r>
-              <a:rPr lang="en-US" sz="3200" dirty="0">
-                <a:latin typeface="Segoe UI Light" panose="020B0502040204020203" pitchFamily="34" charset="0"/>
-                <a:cs typeface="Segoe UI Light" panose="020B0502040204020203" pitchFamily="34" charset="0"/>
-              </a:rPr>
-              <a:t>::Base</a:t>
-            </a:r>
-          </a:p>
-          <a:p>
-            <a:r>
-              <a:rPr lang="en-US" sz="3200" dirty="0" smtClean="0">
-                <a:latin typeface="Segoe UI Light" panose="020B0502040204020203" pitchFamily="34" charset="0"/>
-                <a:cs typeface="Segoe UI Light" panose="020B0502040204020203" pitchFamily="34" charset="0"/>
-              </a:rPr>
-              <a:t>    </a:t>
-            </a:r>
-            <a:r>
-              <a:rPr lang="en-US" sz="3200" dirty="0" err="1">
-                <a:latin typeface="Segoe UI Light" panose="020B0502040204020203" pitchFamily="34" charset="0"/>
-                <a:cs typeface="Segoe UI Light" panose="020B0502040204020203" pitchFamily="34" charset="0"/>
-              </a:rPr>
-              <a:t>attr_accessible</a:t>
-            </a:r>
-            <a:r>
-              <a:rPr lang="en-US" sz="3200" dirty="0">
-                <a:latin typeface="Segoe UI Light" panose="020B0502040204020203" pitchFamily="34" charset="0"/>
-                <a:cs typeface="Segoe UI Light" panose="020B0502040204020203" pitchFamily="34" charset="0"/>
-              </a:rPr>
-              <a:t> :content, :name, :title</a:t>
-            </a:r>
-          </a:p>
-          <a:p>
-            <a:r>
-              <a:rPr lang="en-US" sz="3200" dirty="0">
-                <a:latin typeface="Segoe UI Light" panose="020B0502040204020203" pitchFamily="34" charset="0"/>
-                <a:cs typeface="Segoe UI Light" panose="020B0502040204020203" pitchFamily="34" charset="0"/>
-              </a:rPr>
-              <a:t> </a:t>
-            </a:r>
-          </a:p>
-          <a:p>
-            <a:r>
-              <a:rPr lang="en-US" sz="3200" dirty="0" smtClean="0">
-                <a:latin typeface="Segoe UI Light" panose="020B0502040204020203" pitchFamily="34" charset="0"/>
-                <a:cs typeface="Segoe UI Light" panose="020B0502040204020203" pitchFamily="34" charset="0"/>
-              </a:rPr>
-              <a:t>    </a:t>
-            </a:r>
-            <a:r>
-              <a:rPr lang="en-US" sz="3200" dirty="0">
-                <a:latin typeface="Segoe UI Light" panose="020B0502040204020203" pitchFamily="34" charset="0"/>
-                <a:cs typeface="Segoe UI Light" panose="020B0502040204020203" pitchFamily="34" charset="0"/>
-              </a:rPr>
-              <a:t>validates :name,  :presence =&gt; true</a:t>
-            </a:r>
-          </a:p>
-          <a:p>
-            <a:r>
-              <a:rPr lang="en-US" sz="3200" dirty="0" smtClean="0">
-                <a:latin typeface="Segoe UI Light" panose="020B0502040204020203" pitchFamily="34" charset="0"/>
-                <a:cs typeface="Segoe UI Light" panose="020B0502040204020203" pitchFamily="34" charset="0"/>
-              </a:rPr>
-              <a:t>    </a:t>
-            </a:r>
-            <a:r>
-              <a:rPr lang="en-US" sz="3200" dirty="0">
-                <a:latin typeface="Segoe UI Light" panose="020B0502040204020203" pitchFamily="34" charset="0"/>
-                <a:cs typeface="Segoe UI Light" panose="020B0502040204020203" pitchFamily="34" charset="0"/>
-              </a:rPr>
-              <a:t>validates :title, :presence =&gt; </a:t>
-            </a:r>
-            <a:r>
-              <a:rPr lang="en-US" sz="3200" dirty="0" smtClean="0">
-                <a:latin typeface="Segoe UI Light" panose="020B0502040204020203" pitchFamily="34" charset="0"/>
-                <a:cs typeface="Segoe UI Light" panose="020B0502040204020203" pitchFamily="34" charset="0"/>
-              </a:rPr>
-              <a:t>true</a:t>
-            </a:r>
-            <a:endParaRPr lang="en-US" sz="3200" dirty="0">
-              <a:latin typeface="Segoe UI Light" panose="020B0502040204020203" pitchFamily="34" charset="0"/>
-              <a:cs typeface="Segoe UI Light" panose="020B0502040204020203" pitchFamily="34" charset="0"/>
-            </a:endParaRPr>
-          </a:p>
-          <a:p>
-            <a:r>
-              <a:rPr lang="en-US" sz="3200" dirty="0">
-                <a:latin typeface="Segoe UI Light" panose="020B0502040204020203" pitchFamily="34" charset="0"/>
-                <a:cs typeface="Segoe UI Light" panose="020B0502040204020203" pitchFamily="34" charset="0"/>
-              </a:rPr>
-              <a:t>end</a:t>
-            </a:r>
-          </a:p>
-        </p:txBody>
-      </p:sp>
-      <p:sp>
-        <p:nvSpPr>
-          <p:cNvPr id="3" name="Footer Placeholder 2"/>
-          <p:cNvSpPr>
-            <a:spLocks noGrp="1"/>
-          </p:cNvSpPr>
-          <p:nvPr>
-            <p:ph type="ftr" sz="quarter" idx="11"/>
-          </p:nvPr>
-        </p:nvSpPr>
-        <p:spPr/>
-        <p:txBody>
-          <a:bodyPr/>
-          <a:lstStyle/>
-          <a:p>
-            <a:r>
-              <a:rPr lang="en-US" smtClean="0"/>
-              <a:t>@domenic</a:t>
-            </a:r>
-            <a:endParaRPr lang="en-US"/>
-          </a:p>
-        </p:txBody>
-      </p:sp>
-    </p:spTree>
-    <p:extLst>
-      <p:ext uri="{BB962C8B-B14F-4D97-AF65-F5344CB8AC3E}">
-        <p14:creationId xmlns:p14="http://schemas.microsoft.com/office/powerpoint/2010/main" val="2160644089"/>
-      </p:ext>
-    </p:extLst>
-  </p:cSld>
-  <p:clrMapOvr>
-    <a:masterClrMapping/>
-  </p:clrMapOvr>
-  <p:timing>
-    <p:tnLst>
-      <p:par>
-        <p:cTn id="1" dur="indefinite" restart="never" nodeType="tmRoot"/>
-      </p:par>
-    </p:tnLst>
-  </p:timing>
-</p:sld>
-</file>
-
-<file path=ppt/slides/slide23.xml><?xml version="1.0" encoding="utf-8"?>
-<p:sld xmlns:a="http://schemas.openxmlformats.org/drawingml/2006/main" xmlns:r="http://schemas.openxmlformats.org/officeDocument/2006/relationships" xmlns:p="http://schemas.openxmlformats.org/presentationml/2006/main">
-  <p:cSld>
-    <p:spTree>
-      <p:nvGrpSpPr>
-        <p:cNvPr id="1" name=""/>
-        <p:cNvGrpSpPr/>
-        <p:nvPr/>
-      </p:nvGrpSpPr>
-      <p:grpSpPr>
-        <a:xfrm>
-          <a:off x="0" y="0"/>
-          <a:ext cx="0" cy="0"/>
-          <a:chOff x="0" y="0"/>
-          <a:chExt cx="0" cy="0"/>
-        </a:xfrm>
-      </p:grpSpPr>
-      <p:sp>
-        <p:nvSpPr>
-          <p:cNvPr id="2" name="TextBox 1"/>
-          <p:cNvSpPr txBox="1"/>
-          <p:nvPr/>
-        </p:nvSpPr>
-        <p:spPr>
-          <a:xfrm>
             <a:off x="792480" y="2875002"/>
             <a:ext cx="8566961" cy="1446550"/>
           </a:xfrm>
@@ -23686,7 +23585,7 @@
 </p:sld>
 </file>
 
-<file path=ppt/slides/slide24.xml><?xml version="1.0" encoding="utf-8"?>
+<file path=ppt/slides/slide23.xml><?xml version="1.0" encoding="utf-8"?>
 <p:sld xmlns:a="http://schemas.openxmlformats.org/drawingml/2006/main" xmlns:r="http://schemas.openxmlformats.org/officeDocument/2006/relationships" xmlns:p="http://schemas.openxmlformats.org/presentationml/2006/main">
   <p:cSld>
     <p:spTree>
@@ -23965,7 +23864,7 @@
 </p:sld>
 </file>
 
-<file path=ppt/slides/slide25.xml><?xml version="1.0" encoding="utf-8"?>
+<file path=ppt/slides/slide24.xml><?xml version="1.0" encoding="utf-8"?>
 <p:sld xmlns:a="http://schemas.openxmlformats.org/drawingml/2006/main" xmlns:r="http://schemas.openxmlformats.org/officeDocument/2006/relationships" xmlns:p="http://schemas.openxmlformats.org/presentationml/2006/main">
   <p:cSld>
     <p:spTree>
@@ -24181,7 +24080,7 @@
 </p:sld>
 </file>
 
-<file path=ppt/slides/slide26.xml><?xml version="1.0" encoding="utf-8"?>
+<file path=ppt/slides/slide25.xml><?xml version="1.0" encoding="utf-8"?>
 <p:sld xmlns:a="http://schemas.openxmlformats.org/drawingml/2006/main" xmlns:r="http://schemas.openxmlformats.org/officeDocument/2006/relationships" xmlns:p="http://schemas.openxmlformats.org/presentationml/2006/main">
   <p:cSld>
     <p:spTree>
@@ -24291,7 +24190,7 @@
 </p:sld>
 </file>
 
-<file path=ppt/slides/slide27.xml><?xml version="1.0" encoding="utf-8"?>
+<file path=ppt/slides/slide26.xml><?xml version="1.0" encoding="utf-8"?>
 <p:sld xmlns:a="http://schemas.openxmlformats.org/drawingml/2006/main" xmlns:r="http://schemas.openxmlformats.org/officeDocument/2006/relationships" xmlns:p="http://schemas.openxmlformats.org/presentationml/2006/main">
   <p:cSld>
     <p:spTree>
@@ -24402,7 +24301,7 @@
 </p:sld>
 </file>
 
-<file path=ppt/slides/slide28.xml><?xml version="1.0" encoding="utf-8"?>
+<file path=ppt/slides/slide27.xml><?xml version="1.0" encoding="utf-8"?>
 <p:sld xmlns:a="http://schemas.openxmlformats.org/drawingml/2006/main" xmlns:r="http://schemas.openxmlformats.org/officeDocument/2006/relationships" xmlns:p="http://schemas.openxmlformats.org/presentationml/2006/main">
   <p:cSld>
     <p:spTree>
@@ -24612,6 +24511,343 @@
 </p:sld>
 </file>
 
+<file path=ppt/slides/slide28.xml><?xml version="1.0" encoding="utf-8"?>
+<p:sld xmlns:a="http://schemas.openxmlformats.org/drawingml/2006/main" xmlns:r="http://schemas.openxmlformats.org/officeDocument/2006/relationships" xmlns:p="http://schemas.openxmlformats.org/presentationml/2006/main">
+  <p:cSld>
+    <p:spTree>
+      <p:nvGrpSpPr>
+        <p:cNvPr id="1" name=""/>
+        <p:cNvGrpSpPr/>
+        <p:nvPr/>
+      </p:nvGrpSpPr>
+      <p:grpSpPr>
+        <a:xfrm>
+          <a:off x="0" y="0"/>
+          <a:ext cx="0" cy="0"/>
+          <a:chOff x="0" y="0"/>
+          <a:chExt cx="0" cy="0"/>
+        </a:xfrm>
+      </p:grpSpPr>
+      <p:sp>
+        <p:nvSpPr>
+          <p:cNvPr id="3" name="Content Placeholder 2"/>
+          <p:cNvSpPr>
+            <a:spLocks noGrp="1"/>
+          </p:cNvSpPr>
+          <p:nvPr>
+            <p:ph idx="1"/>
+          </p:nvPr>
+        </p:nvSpPr>
+        <p:spPr>
+          <a:xfrm>
+            <a:off x="677334" y="1294575"/>
+            <a:ext cx="8596668" cy="4268850"/>
+          </a:xfrm>
+        </p:spPr>
+        <p:txBody>
+          <a:bodyPr>
+            <a:normAutofit fontScale="77500" lnSpcReduction="20000"/>
+          </a:bodyPr>
+          <a:lstStyle/>
+          <a:p>
+            <a:pPr marL="0" indent="0">
+              <a:buNone/>
+            </a:pPr>
+            <a:r>
+              <a:rPr lang="en-US" b="1" dirty="0"/>
+              <a:t>My next project </a:t>
+            </a:r>
+          </a:p>
+          <a:p>
+            <a:pPr marL="0" indent="0">
+              <a:buNone/>
+            </a:pPr>
+            <a:r>
+              <a:rPr lang="en-US" dirty="0"/>
+              <a:t>I'm going </a:t>
+            </a:r>
+            <a:r>
+              <a:rPr lang="en-US" dirty="0" smtClean="0"/>
+              <a:t>to write </a:t>
+            </a:r>
+            <a:r>
+              <a:rPr lang="en-US" dirty="0"/>
+              <a:t>a special thin web server tied to </a:t>
+            </a:r>
+            <a:r>
+              <a:rPr lang="en-US" dirty="0">
+                <a:hlinkClick r:id="rId3"/>
+              </a:rPr>
+              <a:t>the V8 </a:t>
+            </a:r>
+            <a:r>
+              <a:rPr lang="en-US" dirty="0" err="1">
+                <a:hlinkClick r:id="rId3"/>
+              </a:rPr>
+              <a:t>javascript</a:t>
+            </a:r>
+            <a:r>
+              <a:rPr lang="en-US" dirty="0">
+                <a:hlinkClick r:id="rId3"/>
+              </a:rPr>
+              <a:t> </a:t>
+            </a:r>
+            <a:r>
+              <a:rPr lang="en-US" dirty="0" smtClean="0">
+                <a:hlinkClick r:id="rId3"/>
+              </a:rPr>
+              <a:t>interpreter</a:t>
+            </a:r>
+            <a:endParaRPr lang="en-US" dirty="0"/>
+          </a:p>
+          <a:p>
+            <a:pPr marL="0" indent="0">
+              <a:buNone/>
+            </a:pPr>
+            <a:r>
+              <a:rPr lang="en-US" dirty="0" smtClean="0"/>
+              <a:t>The </a:t>
+            </a:r>
+            <a:r>
+              <a:rPr lang="en-US" dirty="0"/>
+              <a:t>web server will execute </a:t>
+            </a:r>
+            <a:r>
+              <a:rPr lang="en-US" dirty="0" err="1"/>
+              <a:t>javascripts</a:t>
+            </a:r>
+            <a:r>
+              <a:rPr lang="en-US" dirty="0"/>
+              <a:t> in response to requests in </a:t>
+            </a:r>
+            <a:r>
+              <a:rPr lang="en-US" dirty="0">
+                <a:hlinkClick r:id="rId4"/>
+              </a:rPr>
+              <a:t>real-time</a:t>
+            </a:r>
+            <a:r>
+              <a:rPr lang="en-US" dirty="0" smtClean="0"/>
+              <a:t>.</a:t>
+            </a:r>
+          </a:p>
+          <a:p>
+            <a:pPr marL="0" indent="0">
+              <a:buNone/>
+            </a:pPr>
+            <a:r>
+              <a:rPr lang="en-US" dirty="0" smtClean="0"/>
+              <a:t>The </a:t>
+            </a:r>
+            <a:r>
+              <a:rPr lang="en-US" dirty="0"/>
+              <a:t>beautiful thing about this is that I can lock the users in an evented box where they have no choice but to be fast. They cannot touch the </a:t>
+            </a:r>
+            <a:r>
+              <a:rPr lang="en-US" dirty="0" smtClean="0"/>
+              <a:t>disk. </a:t>
+            </a:r>
+            <a:r>
+              <a:rPr lang="en-US" dirty="0"/>
+              <a:t>They cannot access a database with some stupid library that blocks because they have no access to blocking I/O. They cannot resize an image by linking </a:t>
+            </a:r>
+            <a:r>
+              <a:rPr lang="en-US" dirty="0" err="1"/>
+              <a:t>imagemagick</a:t>
+            </a:r>
+            <a:r>
+              <a:rPr lang="en-US" dirty="0"/>
+              <a:t> into the web server process (and thus slowing down/blocking the entire thing). They cannot crash it because they are very limited in what they can do.</a:t>
+            </a:r>
+            <a:br>
+              <a:rPr lang="en-US" dirty="0"/>
+            </a:br>
+            <a:r>
+              <a:rPr lang="en-US" dirty="0"/>
+              <a:t/>
+            </a:r>
+            <a:br>
+              <a:rPr lang="en-US" dirty="0"/>
+            </a:br>
+            <a:r>
+              <a:rPr lang="en-US" dirty="0"/>
+              <a:t>Why </a:t>
+            </a:r>
+            <a:r>
+              <a:rPr lang="en-US" dirty="0" err="1" smtClean="0"/>
+              <a:t>javascript</a:t>
+            </a:r>
+            <a:r>
+              <a:rPr lang="en-US" dirty="0" smtClean="0"/>
+              <a:t>?</a:t>
+            </a:r>
+          </a:p>
+          <a:p>
+            <a:r>
+              <a:rPr lang="en-US" dirty="0" smtClean="0"/>
+              <a:t>because </a:t>
+            </a:r>
+            <a:r>
+              <a:rPr lang="en-US" dirty="0"/>
+              <a:t>its bare and does not come with I/O </a:t>
+            </a:r>
+            <a:r>
+              <a:rPr lang="en-US" dirty="0" smtClean="0"/>
+              <a:t>APIs</a:t>
+            </a:r>
+          </a:p>
+          <a:p>
+            <a:r>
+              <a:rPr lang="en-US" dirty="0" smtClean="0"/>
+              <a:t>web </a:t>
+            </a:r>
+            <a:r>
+              <a:rPr lang="en-US" dirty="0"/>
+              <a:t>developers use it </a:t>
+            </a:r>
+            <a:r>
+              <a:rPr lang="en-US" dirty="0" smtClean="0"/>
+              <a:t>already</a:t>
+            </a:r>
+            <a:endParaRPr lang="en-US" dirty="0"/>
+          </a:p>
+          <a:p>
+            <a:r>
+              <a:rPr lang="en-US" dirty="0"/>
+              <a:t>DOM API is event-based. Everyone is already used to running without threads and on an event loop already.</a:t>
+            </a:r>
+          </a:p>
+          <a:p>
+            <a:pPr marL="0" indent="0">
+              <a:buNone/>
+            </a:pPr>
+            <a:r>
+              <a:rPr lang="en-US" dirty="0"/>
+              <a:t>I think this design will be extremely efficient and support very high loads. Web requests are transformed into </a:t>
+            </a:r>
+            <a:r>
+              <a:rPr lang="en-US" dirty="0" err="1"/>
+              <a:t>mysql</a:t>
+            </a:r>
+            <a:r>
+              <a:rPr lang="en-US" dirty="0"/>
+              <a:t>, </a:t>
+            </a:r>
+            <a:r>
+              <a:rPr lang="en-US" dirty="0" err="1"/>
+              <a:t>memcached</a:t>
+            </a:r>
+            <a:r>
+              <a:rPr lang="en-US" dirty="0"/>
+              <a:t>, AMQP requests and then return to the event loop</a:t>
+            </a:r>
+            <a:r>
+              <a:rPr lang="en-US" dirty="0" smtClean="0"/>
+              <a:t>.</a:t>
+            </a:r>
+            <a:r>
+              <a:rPr lang="en-US" dirty="0"/>
+              <a:t/>
+            </a:r>
+            <a:br>
+              <a:rPr lang="en-US" dirty="0"/>
+            </a:br>
+            <a:r>
+              <a:rPr lang="en-US" dirty="0"/>
+              <a:t/>
+            </a:r>
+            <a:br>
+              <a:rPr lang="en-US" dirty="0"/>
+            </a:br>
+            <a:r>
+              <a:rPr lang="en-US" dirty="0"/>
+              <a:t>Web developers need this sort of environment where it is not possible for them to do stupid things. Ruby, python, C++, PHP are all terrible languages for web development because they allow too much freedom. </a:t>
+            </a:r>
+          </a:p>
+        </p:txBody>
+      </p:sp>
+      <p:sp>
+        <p:nvSpPr>
+          <p:cNvPr id="4" name="TextBox 3"/>
+          <p:cNvSpPr txBox="1"/>
+          <p:nvPr/>
+        </p:nvSpPr>
+        <p:spPr>
+          <a:xfrm>
+            <a:off x="4678192" y="6111240"/>
+            <a:ext cx="4595810" cy="369332"/>
+          </a:xfrm>
+          <a:prstGeom prst="rect">
+            <a:avLst/>
+          </a:prstGeom>
+          <a:noFill/>
+        </p:spPr>
+        <p:txBody>
+          <a:bodyPr wrap="none" rtlCol="0">
+            <a:spAutoFit/>
+          </a:bodyPr>
+          <a:lstStyle/>
+          <a:p>
+            <a:pPr algn="r"/>
+            <a:r>
+              <a:rPr lang="en-US" dirty="0">
+                <a:hlinkClick r:id="rId5"/>
+              </a:rPr>
+              <a:t>http://</a:t>
+            </a:r>
+            <a:r>
+              <a:rPr lang="en-US" dirty="0" smtClean="0">
+                <a:hlinkClick r:id="rId5"/>
+              </a:rPr>
+              <a:t>four.livejournal.com/963421.html</a:t>
+            </a:r>
+            <a:endParaRPr lang="en-US" dirty="0"/>
+          </a:p>
+        </p:txBody>
+      </p:sp>
+      <p:sp>
+        <p:nvSpPr>
+          <p:cNvPr id="2" name="Footer Placeholder 1"/>
+          <p:cNvSpPr>
+            <a:spLocks noGrp="1"/>
+          </p:cNvSpPr>
+          <p:nvPr>
+            <p:ph type="ftr" sz="quarter" idx="11"/>
+          </p:nvPr>
+        </p:nvSpPr>
+        <p:spPr/>
+        <p:txBody>
+          <a:bodyPr/>
+          <a:lstStyle/>
+          <a:p>
+            <a:r>
+              <a:rPr lang="en-US" smtClean="0"/>
+              <a:t>@domenic</a:t>
+            </a:r>
+            <a:endParaRPr lang="en-US"/>
+          </a:p>
+        </p:txBody>
+      </p:sp>
+    </p:spTree>
+    <p:extLst>
+      <p:ext uri="{BB962C8B-B14F-4D97-AF65-F5344CB8AC3E}">
+        <p14:creationId xmlns:p14="http://schemas.microsoft.com/office/powerpoint/2010/main" val="4250047389"/>
+      </p:ext>
+    </p:extLst>
+  </p:cSld>
+  <p:clrMapOvr>
+    <a:masterClrMapping/>
+  </p:clrMapOvr>
+  <p:timing>
+    <p:tnLst>
+      <p:par>
+        <p:cTn id="1" dur="indefinite" restart="never" nodeType="tmRoot"/>
+      </p:par>
+    </p:tnLst>
+  </p:timing>
+</p:sld>
+</file>
+
 <file path=ppt/slides/slide29.xml><?xml version="1.0" encoding="utf-8"?>
 <p:sld xmlns:a="http://schemas.openxmlformats.org/drawingml/2006/main" xmlns:r="http://schemas.openxmlformats.org/officeDocument/2006/relationships" xmlns:p="http://schemas.openxmlformats.org/presentationml/2006/main">
   <p:cSld>
@@ -24631,252 +24867,14 @@
       </p:grpSpPr>
       <p:sp>
         <p:nvSpPr>
-          <p:cNvPr id="3" name="Content Placeholder 2"/>
-          <p:cNvSpPr>
-            <a:spLocks noGrp="1"/>
-          </p:cNvSpPr>
-          <p:nvPr>
-            <p:ph idx="1"/>
-          </p:nvPr>
+          <p:cNvPr id="2" name="TextBox 1"/>
+          <p:cNvSpPr txBox="1"/>
+          <p:nvPr/>
         </p:nvSpPr>
         <p:spPr>
           <a:xfrm>
-            <a:off x="677334" y="1294575"/>
-            <a:ext cx="8596668" cy="4268850"/>
-          </a:xfrm>
-        </p:spPr>
-        <p:txBody>
-          <a:bodyPr>
-            <a:normAutofit fontScale="77500" lnSpcReduction="20000"/>
-          </a:bodyPr>
-          <a:lstStyle/>
-          <a:p>
-            <a:pPr marL="0" indent="0">
-              <a:buNone/>
-            </a:pPr>
-            <a:r>
-              <a:rPr lang="en-US" b="1" dirty="0"/>
-              <a:t>My next project </a:t>
-            </a:r>
-          </a:p>
-          <a:p>
-            <a:pPr marL="0" indent="0">
-              <a:buNone/>
-            </a:pPr>
-            <a:r>
-              <a:rPr lang="en-US" dirty="0"/>
-              <a:t>I'm going </a:t>
-            </a:r>
-            <a:r>
-              <a:rPr lang="en-US" dirty="0" smtClean="0"/>
-              <a:t>to write </a:t>
-            </a:r>
-            <a:r>
-              <a:rPr lang="en-US" dirty="0"/>
-              <a:t>a special thin web server tied to </a:t>
-            </a:r>
-            <a:r>
-              <a:rPr lang="en-US" dirty="0">
-                <a:hlinkClick r:id="rId3"/>
-              </a:rPr>
-              <a:t>the V8 </a:t>
-            </a:r>
-            <a:r>
-              <a:rPr lang="en-US" dirty="0" err="1">
-                <a:hlinkClick r:id="rId3"/>
-              </a:rPr>
-              <a:t>javascript</a:t>
-            </a:r>
-            <a:r>
-              <a:rPr lang="en-US" dirty="0">
-                <a:hlinkClick r:id="rId3"/>
-              </a:rPr>
-              <a:t> </a:t>
-            </a:r>
-            <a:r>
-              <a:rPr lang="en-US" dirty="0" smtClean="0">
-                <a:hlinkClick r:id="rId3"/>
-              </a:rPr>
-              <a:t>interpreter</a:t>
-            </a:r>
-            <a:endParaRPr lang="en-US" dirty="0"/>
-          </a:p>
-          <a:p>
-            <a:pPr marL="0" indent="0">
-              <a:buNone/>
-            </a:pPr>
-            <a:r>
-              <a:rPr lang="en-US" dirty="0" smtClean="0"/>
-              <a:t>The </a:t>
-            </a:r>
-            <a:r>
-              <a:rPr lang="en-US" dirty="0"/>
-              <a:t>web server will execute </a:t>
-            </a:r>
-            <a:r>
-              <a:rPr lang="en-US" dirty="0" err="1"/>
-              <a:t>javascripts</a:t>
-            </a:r>
-            <a:r>
-              <a:rPr lang="en-US" dirty="0"/>
-              <a:t> in response to requests in </a:t>
-            </a:r>
-            <a:r>
-              <a:rPr lang="en-US" dirty="0">
-                <a:hlinkClick r:id="rId4"/>
-              </a:rPr>
-              <a:t>real-time</a:t>
-            </a:r>
-            <a:r>
-              <a:rPr lang="en-US" dirty="0" smtClean="0"/>
-              <a:t>.</a:t>
-            </a:r>
-          </a:p>
-          <a:p>
-            <a:pPr marL="0" indent="0">
-              <a:buNone/>
-            </a:pPr>
-            <a:r>
-              <a:rPr lang="en-US" dirty="0" smtClean="0"/>
-              <a:t>The </a:t>
-            </a:r>
-            <a:r>
-              <a:rPr lang="en-US" dirty="0"/>
-              <a:t>beautiful thing about this is that I can lock the users in an evented box where they have no choice but to be fast. They cannot touch the </a:t>
-            </a:r>
-            <a:r>
-              <a:rPr lang="en-US" dirty="0" smtClean="0"/>
-              <a:t>disk. </a:t>
-            </a:r>
-            <a:r>
-              <a:rPr lang="en-US" dirty="0"/>
-              <a:t>They cannot access a database with some stupid library that blocks because they have no access to blocking I/O. They cannot resize an image by linking </a:t>
-            </a:r>
-            <a:r>
-              <a:rPr lang="en-US" dirty="0" err="1"/>
-              <a:t>imagemagick</a:t>
-            </a:r>
-            <a:r>
-              <a:rPr lang="en-US" dirty="0"/>
-              <a:t> into the web server process (and thus slowing down/blocking the entire thing). They cannot crash it because they are very limited in what they can do.</a:t>
-            </a:r>
-            <a:br>
-              <a:rPr lang="en-US" dirty="0"/>
-            </a:br>
-            <a:r>
-              <a:rPr lang="en-US" dirty="0"/>
-              <a:t/>
-            </a:r>
-            <a:br>
-              <a:rPr lang="en-US" dirty="0"/>
-            </a:br>
-            <a:r>
-              <a:rPr lang="en-US" dirty="0"/>
-              <a:t>Why </a:t>
-            </a:r>
-            <a:r>
-              <a:rPr lang="en-US" dirty="0" err="1" smtClean="0"/>
-              <a:t>javascript</a:t>
-            </a:r>
-            <a:r>
-              <a:rPr lang="en-US" dirty="0" smtClean="0"/>
-              <a:t>?</a:t>
-            </a:r>
-          </a:p>
-          <a:p>
-            <a:r>
-              <a:rPr lang="en-US" dirty="0" smtClean="0"/>
-              <a:t>because </a:t>
-            </a:r>
-            <a:r>
-              <a:rPr lang="en-US" dirty="0"/>
-              <a:t>its bare and does not come with I/O </a:t>
-            </a:r>
-            <a:r>
-              <a:rPr lang="en-US" dirty="0" smtClean="0"/>
-              <a:t>APIs</a:t>
-            </a:r>
-          </a:p>
-          <a:p>
-            <a:r>
-              <a:rPr lang="en-US" dirty="0" smtClean="0"/>
-              <a:t>web </a:t>
-            </a:r>
-            <a:r>
-              <a:rPr lang="en-US" dirty="0"/>
-              <a:t>developers use it </a:t>
-            </a:r>
-            <a:r>
-              <a:rPr lang="en-US" dirty="0" smtClean="0"/>
-              <a:t>already</a:t>
-            </a:r>
-            <a:endParaRPr lang="en-US" dirty="0"/>
-          </a:p>
-          <a:p>
-            <a:r>
-              <a:rPr lang="en-US" dirty="0"/>
-              <a:t>DOM API is event-based. Everyone is already used to running without threads and on an event loop already.</a:t>
-            </a:r>
-          </a:p>
-          <a:p>
-            <a:pPr marL="0" indent="0">
-              <a:buNone/>
-            </a:pPr>
-            <a:r>
-              <a:rPr lang="en-US" dirty="0"/>
-              <a:t>I think this design will be extremely efficient and support very high loads. Web requests are transformed into </a:t>
-            </a:r>
-            <a:r>
-              <a:rPr lang="en-US" dirty="0" err="1"/>
-              <a:t>mysql</a:t>
-            </a:r>
-            <a:r>
-              <a:rPr lang="en-US" dirty="0"/>
-              <a:t>, </a:t>
-            </a:r>
-            <a:r>
-              <a:rPr lang="en-US" dirty="0" err="1"/>
-              <a:t>memcached</a:t>
-            </a:r>
-            <a:r>
-              <a:rPr lang="en-US" dirty="0"/>
-              <a:t>, AMQP requests and then return to the event loop</a:t>
-            </a:r>
-            <a:r>
-              <a:rPr lang="en-US" dirty="0" smtClean="0"/>
-              <a:t>.</a:t>
-            </a:r>
-            <a:r>
-              <a:rPr lang="en-US" dirty="0"/>
-              <a:t/>
-            </a:r>
-            <a:br>
-              <a:rPr lang="en-US" dirty="0"/>
-            </a:br>
-            <a:r>
-              <a:rPr lang="en-US" dirty="0"/>
-              <a:t/>
-            </a:r>
-            <a:br>
-              <a:rPr lang="en-US" dirty="0"/>
-            </a:br>
-            <a:r>
-              <a:rPr lang="en-US" dirty="0"/>
-              <a:t>Web developers need this sort of environment where it is not possible for them to do stupid things. Ruby, python, C++, PHP are all terrible languages for web development because they allow too much freedom. </a:t>
-            </a:r>
-          </a:p>
-        </p:txBody>
-      </p:sp>
-      <p:sp>
-        <p:nvSpPr>
-          <p:cNvPr id="4" name="TextBox 3"/>
-          <p:cNvSpPr txBox="1"/>
-          <p:nvPr/>
-        </p:nvSpPr>
-        <p:spPr>
-          <a:xfrm>
-            <a:off x="4678192" y="6111240"/>
-            <a:ext cx="4595810" cy="369332"/>
+            <a:off x="792480" y="2367171"/>
+            <a:ext cx="8675773" cy="2123658"/>
           </a:xfrm>
           <a:prstGeom prst="rect">
             <a:avLst/>
@@ -24889,26 +24887,43 @@
           </a:bodyPr>
           <a:lstStyle/>
           <a:p>
-            <a:pPr algn="r"/>
-            <a:r>
-              <a:rPr lang="en-US" dirty="0">
-                <a:hlinkClick r:id="rId5"/>
+            <a:r>
+              <a:rPr lang="en-US" sz="6600" dirty="0" err="1" smtClean="0">
+                <a:latin typeface="Segoe UI Light" panose="020B0502040204020203" pitchFamily="34" charset="0"/>
+                <a:cs typeface="Segoe UI Light" panose="020B0502040204020203" pitchFamily="34" charset="0"/>
               </a:rPr>
-              <a:t>http://</a:t>
-            </a:r>
-            <a:r>
-              <a:rPr lang="en-US" dirty="0" smtClean="0">
-                <a:hlinkClick r:id="rId5"/>
+              <a:t>javascript</a:t>
+            </a:r>
+            <a:r>
+              <a:rPr lang="en-US" sz="6600" dirty="0" smtClean="0">
+                <a:latin typeface="Segoe UI Light" panose="020B0502040204020203" pitchFamily="34" charset="0"/>
+                <a:cs typeface="Segoe UI Light" panose="020B0502040204020203" pitchFamily="34" charset="0"/>
               </a:rPr>
-              <a:t>four.livejournal.com/963421.html</a:t>
-            </a:r>
-            <a:endParaRPr lang="en-US" dirty="0"/>
-          </a:p>
-        </p:txBody>
-      </p:sp>
-      <p:sp>
-        <p:nvSpPr>
-          <p:cNvPr id="2" name="Footer Placeholder 1"/>
+              <a:t> has never had</a:t>
+            </a:r>
+            <a:br>
+              <a:rPr lang="en-US" sz="6600" dirty="0" smtClean="0">
+                <a:latin typeface="Segoe UI Light" panose="020B0502040204020203" pitchFamily="34" charset="0"/>
+                <a:cs typeface="Segoe UI Light" panose="020B0502040204020203" pitchFamily="34" charset="0"/>
+              </a:rPr>
+            </a:br>
+            <a:r>
+              <a:rPr lang="en-US" sz="6600" dirty="0" smtClean="0">
+                <a:latin typeface="Segoe UI Light" panose="020B0502040204020203" pitchFamily="34" charset="0"/>
+                <a:cs typeface="Segoe UI Light" panose="020B0502040204020203" pitchFamily="34" charset="0"/>
+              </a:rPr>
+              <a:t>blocking i/o</a:t>
+            </a:r>
+            <a:endParaRPr lang="en-US" sz="6600" dirty="0">
+              <a:latin typeface="Segoe UI Light" panose="020B0502040204020203" pitchFamily="34" charset="0"/>
+              <a:cs typeface="Segoe UI Light" panose="020B0502040204020203" pitchFamily="34" charset="0"/>
+            </a:endParaRPr>
+          </a:p>
+        </p:txBody>
+      </p:sp>
+      <p:sp>
+        <p:nvSpPr>
+          <p:cNvPr id="3" name="Footer Placeholder 2"/>
           <p:cNvSpPr>
             <a:spLocks noGrp="1"/>
           </p:cNvSpPr>
@@ -24932,7 +24947,7 @@
     </p:spTree>
     <p:extLst>
       <p:ext uri="{BB962C8B-B14F-4D97-AF65-F5344CB8AC3E}">
-        <p14:creationId xmlns:p14="http://schemas.microsoft.com/office/powerpoint/2010/main" val="4250047389"/>
+        <p14:creationId xmlns:p14="http://schemas.microsoft.com/office/powerpoint/2010/main" val="3632899315"/>
       </p:ext>
     </p:extLst>
   </p:cSld>
@@ -25232,7 +25247,7 @@
                 <a:latin typeface="Segoe UI Light" panose="020B0502040204020203" pitchFamily="34" charset="0"/>
                 <a:cs typeface="Segoe UI Light" panose="020B0502040204020203" pitchFamily="34" charset="0"/>
               </a:rPr>
-              <a:t>blocking i/o</a:t>
+              <a:t>more than one thread</a:t>
             </a:r>
             <a:endParaRPr lang="en-US" sz="6600" dirty="0">
               <a:latin typeface="Segoe UI Light" panose="020B0502040204020203" pitchFamily="34" charset="0"/>
@@ -25267,7 +25282,7 @@
     </p:spTree>
     <p:extLst>
       <p:ext uri="{BB962C8B-B14F-4D97-AF65-F5344CB8AC3E}">
-        <p14:creationId xmlns:p14="http://schemas.microsoft.com/office/powerpoint/2010/main" val="3632899315"/>
+        <p14:creationId xmlns:p14="http://schemas.microsoft.com/office/powerpoint/2010/main" val="2956307337"/>
       </p:ext>
     </p:extLst>
   </p:cSld>
@@ -25310,7 +25325,7 @@
         <p:spPr>
           <a:xfrm>
             <a:off x="792480" y="2367171"/>
-            <a:ext cx="8675773" cy="2123658"/>
+            <a:ext cx="8690199" cy="2123658"/>
           </a:xfrm>
           <a:prstGeom prst="rect">
             <a:avLst/>
@@ -25324,18 +25339,25 @@
           <a:lstStyle/>
           <a:p>
             <a:r>
-              <a:rPr lang="en-US" sz="6600" dirty="0" err="1" smtClean="0">
-                <a:latin typeface="Segoe UI Light" panose="020B0502040204020203" pitchFamily="34" charset="0"/>
-                <a:cs typeface="Segoe UI Light" panose="020B0502040204020203" pitchFamily="34" charset="0"/>
-              </a:rPr>
-              <a:t>javascript</a:t>
-            </a:r>
-            <a:r>
               <a:rPr lang="en-US" sz="6600" dirty="0" smtClean="0">
                 <a:latin typeface="Segoe UI Light" panose="020B0502040204020203" pitchFamily="34" charset="0"/>
                 <a:cs typeface="Segoe UI Light" panose="020B0502040204020203" pitchFamily="34" charset="0"/>
               </a:rPr>
-              <a:t> has never had</a:t>
+              <a:t>instead we use </a:t>
+            </a:r>
+            <a:r>
+              <a:rPr lang="en-US" sz="6600" i="1" dirty="0" smtClean="0">
+                <a:latin typeface="Segoe UI Light" panose="020B0502040204020203" pitchFamily="34" charset="0"/>
+                <a:cs typeface="Segoe UI Light" panose="020B0502040204020203" pitchFamily="34" charset="0"/>
+              </a:rPr>
+              <a:t>callbacks</a:t>
+            </a:r>
+            <a:r>
+              <a:rPr lang="en-US" sz="6600" dirty="0" smtClean="0">
+                <a:latin typeface="Segoe UI Light" panose="020B0502040204020203" pitchFamily="34" charset="0"/>
+                <a:cs typeface="Segoe UI Light" panose="020B0502040204020203" pitchFamily="34" charset="0"/>
+              </a:rPr>
+              <a:t/>
             </a:r>
             <a:br>
               <a:rPr lang="en-US" sz="6600" dirty="0" smtClean="0">
@@ -25348,9 +25370,16 @@
                 <a:latin typeface="Segoe UI Light" panose="020B0502040204020203" pitchFamily="34" charset="0"/>
                 <a:cs typeface="Segoe UI Light" panose="020B0502040204020203" pitchFamily="34" charset="0"/>
               </a:rPr>
-              <a:t>more than one thread</a:t>
-            </a:r>
-            <a:endParaRPr lang="en-US" sz="6600" dirty="0">
+              <a:t>and </a:t>
+            </a:r>
+            <a:r>
+              <a:rPr lang="en-US" sz="6600" i="1" dirty="0" smtClean="0">
+                <a:latin typeface="Segoe UI Light" panose="020B0502040204020203" pitchFamily="34" charset="0"/>
+                <a:cs typeface="Segoe UI Light" panose="020B0502040204020203" pitchFamily="34" charset="0"/>
+              </a:rPr>
+              <a:t>events</a:t>
+            </a:r>
+            <a:endParaRPr lang="en-US" sz="6600" i="1" dirty="0">
               <a:latin typeface="Segoe UI Light" panose="020B0502040204020203" pitchFamily="34" charset="0"/>
               <a:cs typeface="Segoe UI Light" panose="020B0502040204020203" pitchFamily="34" charset="0"/>
             </a:endParaRPr>
@@ -25383,7 +25412,7 @@
     </p:spTree>
     <p:extLst>
       <p:ext uri="{BB962C8B-B14F-4D97-AF65-F5344CB8AC3E}">
-        <p14:creationId xmlns:p14="http://schemas.microsoft.com/office/powerpoint/2010/main" val="2956307337"/>
+        <p14:creationId xmlns:p14="http://schemas.microsoft.com/office/powerpoint/2010/main" val="2041253986"/>
       </p:ext>
     </p:extLst>
   </p:cSld>
@@ -25425,8 +25454,8 @@
         </p:nvSpPr>
         <p:spPr>
           <a:xfrm>
-            <a:off x="792480" y="2367171"/>
-            <a:ext cx="8690199" cy="2123658"/>
+            <a:off x="792480" y="2644170"/>
+            <a:ext cx="7256923" cy="1569660"/>
           </a:xfrm>
           <a:prstGeom prst="rect">
             <a:avLst/>
@@ -25440,50 +25469,44 @@
           <a:lstStyle/>
           <a:p>
             <a:r>
-              <a:rPr lang="en-US" sz="6600" dirty="0" smtClean="0">
+              <a:rPr lang="en-US" sz="3200" dirty="0">
                 <a:latin typeface="Segoe UI Light" panose="020B0502040204020203" pitchFamily="34" charset="0"/>
                 <a:cs typeface="Segoe UI Light" panose="020B0502040204020203" pitchFamily="34" charset="0"/>
               </a:rPr>
-              <a:t>instead we use </a:t>
-            </a:r>
-            <a:r>
-              <a:rPr lang="en-US" sz="6600" i="1" dirty="0" smtClean="0">
+              <a:t>$.get("http://nodejs.org", function (data) {</a:t>
+            </a:r>
+          </a:p>
+          <a:p>
+            <a:r>
+              <a:rPr lang="en-US" sz="3200" dirty="0">
                 <a:latin typeface="Segoe UI Light" panose="020B0502040204020203" pitchFamily="34" charset="0"/>
                 <a:cs typeface="Segoe UI Light" panose="020B0502040204020203" pitchFamily="34" charset="0"/>
               </a:rPr>
-              <a:t>callbacks</a:t>
-            </a:r>
-            <a:r>
-              <a:rPr lang="en-US" sz="6600" dirty="0" smtClean="0">
+              <a:t>    </a:t>
+            </a:r>
+            <a:r>
+              <a:rPr lang="en-US" sz="3200" dirty="0" err="1">
                 <a:latin typeface="Segoe UI Light" panose="020B0502040204020203" pitchFamily="34" charset="0"/>
                 <a:cs typeface="Segoe UI Light" panose="020B0502040204020203" pitchFamily="34" charset="0"/>
               </a:rPr>
-              <a:t/>
-            </a:r>
-            <a:br>
-              <a:rPr lang="en-US" sz="6600" dirty="0" smtClean="0">
+              <a:t>document.body.innerHTML</a:t>
+            </a:r>
+            <a:r>
+              <a:rPr lang="en-US" sz="3200" dirty="0">
                 <a:latin typeface="Segoe UI Light" panose="020B0502040204020203" pitchFamily="34" charset="0"/>
                 <a:cs typeface="Segoe UI Light" panose="020B0502040204020203" pitchFamily="34" charset="0"/>
               </a:rPr>
-            </a:br>
-            <a:r>
-              <a:rPr lang="en-US" sz="6600" dirty="0" smtClean="0">
+              <a:t> = data;</a:t>
+            </a:r>
+          </a:p>
+          <a:p>
+            <a:r>
+              <a:rPr lang="en-US" sz="3200" dirty="0">
                 <a:latin typeface="Segoe UI Light" panose="020B0502040204020203" pitchFamily="34" charset="0"/>
                 <a:cs typeface="Segoe UI Light" panose="020B0502040204020203" pitchFamily="34" charset="0"/>
               </a:rPr>
-              <a:t>and </a:t>
-            </a:r>
-            <a:r>
-              <a:rPr lang="en-US" sz="6600" i="1" dirty="0" smtClean="0">
-                <a:latin typeface="Segoe UI Light" panose="020B0502040204020203" pitchFamily="34" charset="0"/>
-                <a:cs typeface="Segoe UI Light" panose="020B0502040204020203" pitchFamily="34" charset="0"/>
-              </a:rPr>
-              <a:t>events</a:t>
-            </a:r>
-            <a:endParaRPr lang="en-US" sz="6600" i="1" dirty="0">
-              <a:latin typeface="Segoe UI Light" panose="020B0502040204020203" pitchFamily="34" charset="0"/>
-              <a:cs typeface="Segoe UI Light" panose="020B0502040204020203" pitchFamily="34" charset="0"/>
-            </a:endParaRPr>
+              <a:t>});</a:t>
+            </a:r>
           </a:p>
         </p:txBody>
       </p:sp>
@@ -25513,7 +25536,7 @@
     </p:spTree>
     <p:extLst>
       <p:ext uri="{BB962C8B-B14F-4D97-AF65-F5344CB8AC3E}">
-        <p14:creationId xmlns:p14="http://schemas.microsoft.com/office/powerpoint/2010/main" val="2041253986"/>
+        <p14:creationId xmlns:p14="http://schemas.microsoft.com/office/powerpoint/2010/main" val="2368288680"/>
       </p:ext>
     </p:extLst>
   </p:cSld>
@@ -25555,8 +25578,8 @@
         </p:nvSpPr>
         <p:spPr>
           <a:xfrm>
-            <a:off x="792480" y="2644170"/>
-            <a:ext cx="7256923" cy="1569660"/>
+            <a:off x="792480" y="2151728"/>
+            <a:ext cx="8128315" cy="2554545"/>
           </a:xfrm>
           <a:prstGeom prst="rect">
             <a:avLst/>
@@ -25570,34 +25593,119 @@
           <a:lstStyle/>
           <a:p>
             <a:r>
+              <a:rPr lang="en-US" sz="3200" dirty="0" err="1">
+                <a:latin typeface="Segoe UI Light" panose="020B0502040204020203" pitchFamily="34" charset="0"/>
+                <a:cs typeface="Segoe UI Light" panose="020B0502040204020203" pitchFamily="34" charset="0"/>
+              </a:rPr>
+              <a:t>var</a:t>
+            </a:r>
+            <a:r>
               <a:rPr lang="en-US" sz="3200" dirty="0">
                 <a:latin typeface="Segoe UI Light" panose="020B0502040204020203" pitchFamily="34" charset="0"/>
                 <a:cs typeface="Segoe UI Light" panose="020B0502040204020203" pitchFamily="34" charset="0"/>
               </a:rPr>
-              <a:t>$.get("http://nodejs.org", function (data) {</a:t>
-            </a:r>
-          </a:p>
-          <a:p>
+              <a:t> </a:t>
+            </a:r>
+            <a:r>
+              <a:rPr lang="en-US" sz="3200" dirty="0" err="1">
+                <a:latin typeface="Segoe UI Light" panose="020B0502040204020203" pitchFamily="34" charset="0"/>
+                <a:cs typeface="Segoe UI Light" panose="020B0502040204020203" pitchFamily="34" charset="0"/>
+              </a:rPr>
+              <a:t>dbReq</a:t>
+            </a:r>
             <a:r>
               <a:rPr lang="en-US" sz="3200" dirty="0">
                 <a:latin typeface="Segoe UI Light" panose="020B0502040204020203" pitchFamily="34" charset="0"/>
                 <a:cs typeface="Segoe UI Light" panose="020B0502040204020203" pitchFamily="34" charset="0"/>
               </a:rPr>
-              <a:t>    </a:t>
+              <a:t> = </a:t>
             </a:r>
             <a:r>
               <a:rPr lang="en-US" sz="3200" dirty="0" err="1">
                 <a:latin typeface="Segoe UI Light" panose="020B0502040204020203" pitchFamily="34" charset="0"/>
                 <a:cs typeface="Segoe UI Light" panose="020B0502040204020203" pitchFamily="34" charset="0"/>
               </a:rPr>
-              <a:t>document.body.innerHTML</a:t>
+              <a:t>indexedDB.open</a:t>
             </a:r>
             <a:r>
               <a:rPr lang="en-US" sz="3200" dirty="0">
                 <a:latin typeface="Segoe UI Light" panose="020B0502040204020203" pitchFamily="34" charset="0"/>
                 <a:cs typeface="Segoe UI Light" panose="020B0502040204020203" pitchFamily="34" charset="0"/>
               </a:rPr>
-              <a:t> = data;</a:t>
+              <a:t>("my-database");</a:t>
+            </a:r>
+          </a:p>
+          <a:p>
+            <a:endParaRPr lang="en-US" sz="3200" dirty="0">
+              <a:latin typeface="Segoe UI Light" panose="020B0502040204020203" pitchFamily="34" charset="0"/>
+              <a:cs typeface="Segoe UI Light" panose="020B0502040204020203" pitchFamily="34" charset="0"/>
+            </a:endParaRPr>
+          </a:p>
+          <a:p>
+            <a:r>
+              <a:rPr lang="en-US" sz="3200" dirty="0" err="1">
+                <a:latin typeface="Segoe UI Light" panose="020B0502040204020203" pitchFamily="34" charset="0"/>
+                <a:cs typeface="Segoe UI Light" panose="020B0502040204020203" pitchFamily="34" charset="0"/>
+              </a:rPr>
+              <a:t>dbReq.addEventListener</a:t>
+            </a:r>
+            <a:r>
+              <a:rPr lang="en-US" sz="3200" dirty="0">
+                <a:latin typeface="Segoe UI Light" panose="020B0502040204020203" pitchFamily="34" charset="0"/>
+                <a:cs typeface="Segoe UI Light" panose="020B0502040204020203" pitchFamily="34" charset="0"/>
+              </a:rPr>
+              <a:t>("success", function () {</a:t>
+            </a:r>
+          </a:p>
+          <a:p>
+            <a:r>
+              <a:rPr lang="en-US" sz="3200" dirty="0" smtClean="0">
+                <a:latin typeface="Segoe UI Light" panose="020B0502040204020203" pitchFamily="34" charset="0"/>
+                <a:cs typeface="Segoe UI Light" panose="020B0502040204020203" pitchFamily="34" charset="0"/>
+              </a:rPr>
+              <a:t>    </a:t>
+            </a:r>
+            <a:r>
+              <a:rPr lang="en-US" sz="3200" dirty="0" err="1" smtClean="0">
+                <a:latin typeface="Segoe UI Light" panose="020B0502040204020203" pitchFamily="34" charset="0"/>
+                <a:cs typeface="Segoe UI Light" panose="020B0502040204020203" pitchFamily="34" charset="0"/>
+              </a:rPr>
+              <a:t>var</a:t>
+            </a:r>
+            <a:r>
+              <a:rPr lang="en-US" sz="3200" dirty="0" smtClean="0">
+                <a:latin typeface="Segoe UI Light" panose="020B0502040204020203" pitchFamily="34" charset="0"/>
+                <a:cs typeface="Segoe UI Light" panose="020B0502040204020203" pitchFamily="34" charset="0"/>
+              </a:rPr>
+              <a:t> </a:t>
+            </a:r>
+            <a:r>
+              <a:rPr lang="en-US" sz="3200" dirty="0" err="1">
+                <a:latin typeface="Segoe UI Light" panose="020B0502040204020203" pitchFamily="34" charset="0"/>
+                <a:cs typeface="Segoe UI Light" panose="020B0502040204020203" pitchFamily="34" charset="0"/>
+              </a:rPr>
+              <a:t>dbConnection</a:t>
+            </a:r>
+            <a:r>
+              <a:rPr lang="en-US" sz="3200" dirty="0">
+                <a:latin typeface="Segoe UI Light" panose="020B0502040204020203" pitchFamily="34" charset="0"/>
+                <a:cs typeface="Segoe UI Light" panose="020B0502040204020203" pitchFamily="34" charset="0"/>
+              </a:rPr>
+              <a:t> = </a:t>
+            </a:r>
+            <a:r>
+              <a:rPr lang="en-US" sz="3200" dirty="0" err="1">
+                <a:latin typeface="Segoe UI Light" panose="020B0502040204020203" pitchFamily="34" charset="0"/>
+                <a:cs typeface="Segoe UI Light" panose="020B0502040204020203" pitchFamily="34" charset="0"/>
+              </a:rPr>
+              <a:t>dbReq.result</a:t>
+            </a:r>
+            <a:r>
+              <a:rPr lang="en-US" sz="3200" dirty="0">
+                <a:latin typeface="Segoe UI Light" panose="020B0502040204020203" pitchFamily="34" charset="0"/>
+                <a:cs typeface="Segoe UI Light" panose="020B0502040204020203" pitchFamily="34" charset="0"/>
+              </a:rPr>
+              <a:t>;</a:t>
             </a:r>
           </a:p>
           <a:p>
@@ -25637,7 +25745,7 @@
     </p:spTree>
     <p:extLst>
       <p:ext uri="{BB962C8B-B14F-4D97-AF65-F5344CB8AC3E}">
-        <p14:creationId xmlns:p14="http://schemas.microsoft.com/office/powerpoint/2010/main" val="2368288680"/>
+        <p14:creationId xmlns:p14="http://schemas.microsoft.com/office/powerpoint/2010/main" val="1983756697"/>
       </p:ext>
     </p:extLst>
   </p:cSld>
@@ -25679,8 +25787,8 @@
         </p:nvSpPr>
         <p:spPr>
           <a:xfrm>
-            <a:off x="792480" y="2151728"/>
-            <a:ext cx="8128315" cy="2554545"/>
+            <a:off x="792480" y="2875002"/>
+            <a:ext cx="7436844" cy="1107996"/>
           </a:xfrm>
           <a:prstGeom prst="rect">
             <a:avLst/>
@@ -25694,129 +25802,16 @@
           <a:lstStyle/>
           <a:p>
             <a:r>
-              <a:rPr lang="en-US" sz="3200" dirty="0" err="1">
+              <a:rPr lang="en-US" sz="6600" dirty="0" smtClean="0">
                 <a:latin typeface="Segoe UI Light" panose="020B0502040204020203" pitchFamily="34" charset="0"/>
                 <a:cs typeface="Segoe UI Light" panose="020B0502040204020203" pitchFamily="34" charset="0"/>
               </a:rPr>
-              <a:t>var</a:t>
-            </a:r>
-            <a:r>
-              <a:rPr lang="en-US" sz="3200" dirty="0">
-                <a:latin typeface="Segoe UI Light" panose="020B0502040204020203" pitchFamily="34" charset="0"/>
-                <a:cs typeface="Segoe UI Light" panose="020B0502040204020203" pitchFamily="34" charset="0"/>
-              </a:rPr>
-              <a:t> </a:t>
-            </a:r>
-            <a:r>
-              <a:rPr lang="en-US" sz="3200" dirty="0" err="1">
-                <a:latin typeface="Segoe UI Light" panose="020B0502040204020203" pitchFamily="34" charset="0"/>
-                <a:cs typeface="Segoe UI Light" panose="020B0502040204020203" pitchFamily="34" charset="0"/>
-              </a:rPr>
-              <a:t>dbReq</a:t>
-            </a:r>
-            <a:r>
-              <a:rPr lang="en-US" sz="3200" dirty="0">
-                <a:latin typeface="Segoe UI Light" panose="020B0502040204020203" pitchFamily="34" charset="0"/>
-                <a:cs typeface="Segoe UI Light" panose="020B0502040204020203" pitchFamily="34" charset="0"/>
-              </a:rPr>
-              <a:t> = </a:t>
-            </a:r>
-            <a:r>
-              <a:rPr lang="en-US" sz="3200" dirty="0" err="1">
-                <a:latin typeface="Segoe UI Light" panose="020B0502040204020203" pitchFamily="34" charset="0"/>
-                <a:cs typeface="Segoe UI Light" panose="020B0502040204020203" pitchFamily="34" charset="0"/>
-              </a:rPr>
-              <a:t>indexedDB.open</a:t>
-            </a:r>
-            <a:r>
-              <a:rPr lang="en-US" sz="3200" dirty="0">
-                <a:latin typeface="Segoe UI Light" panose="020B0502040204020203" pitchFamily="34" charset="0"/>
-                <a:cs typeface="Segoe UI Light" panose="020B0502040204020203" pitchFamily="34" charset="0"/>
-              </a:rPr>
-              <a:t>("my-database");</a:t>
-            </a:r>
-          </a:p>
-          <a:p>
-            <a:endParaRPr lang="en-US" sz="3200" dirty="0">
+              <a:t>it’s the same in node</a:t>
+            </a:r>
+            <a:endParaRPr lang="en-US" sz="6600" i="1" dirty="0">
               <a:latin typeface="Segoe UI Light" panose="020B0502040204020203" pitchFamily="34" charset="0"/>
               <a:cs typeface="Segoe UI Light" panose="020B0502040204020203" pitchFamily="34" charset="0"/>
             </a:endParaRPr>
-          </a:p>
-          <a:p>
-            <a:r>
-              <a:rPr lang="en-US" sz="3200" dirty="0" err="1">
-                <a:latin typeface="Segoe UI Light" panose="020B0502040204020203" pitchFamily="34" charset="0"/>
-                <a:cs typeface="Segoe UI Light" panose="020B0502040204020203" pitchFamily="34" charset="0"/>
-              </a:rPr>
-              <a:t>dbReq.addEventListener</a:t>
-            </a:r>
-            <a:r>
-              <a:rPr lang="en-US" sz="3200" dirty="0">
-                <a:latin typeface="Segoe UI Light" panose="020B0502040204020203" pitchFamily="34" charset="0"/>
-                <a:cs typeface="Segoe UI Light" panose="020B0502040204020203" pitchFamily="34" charset="0"/>
-              </a:rPr>
-              <a:t>("success", function () {</a:t>
-            </a:r>
-          </a:p>
-          <a:p>
-            <a:r>
-              <a:rPr lang="en-US" sz="3200" dirty="0" smtClean="0">
-                <a:latin typeface="Segoe UI Light" panose="020B0502040204020203" pitchFamily="34" charset="0"/>
-                <a:cs typeface="Segoe UI Light" panose="020B0502040204020203" pitchFamily="34" charset="0"/>
-              </a:rPr>
-              <a:t>    </a:t>
-            </a:r>
-            <a:r>
-              <a:rPr lang="en-US" sz="3200" dirty="0" err="1" smtClean="0">
-                <a:latin typeface="Segoe UI Light" panose="020B0502040204020203" pitchFamily="34" charset="0"/>
-                <a:cs typeface="Segoe UI Light" panose="020B0502040204020203" pitchFamily="34" charset="0"/>
-              </a:rPr>
-              <a:t>var</a:t>
-            </a:r>
-            <a:r>
-              <a:rPr lang="en-US" sz="3200" dirty="0" smtClean="0">
-                <a:latin typeface="Segoe UI Light" panose="020B0502040204020203" pitchFamily="34" charset="0"/>
-                <a:cs typeface="Segoe UI Light" panose="020B0502040204020203" pitchFamily="34" charset="0"/>
-              </a:rPr>
-              <a:t> </a:t>
-            </a:r>
-            <a:r>
-              <a:rPr lang="en-US" sz="3200" dirty="0" err="1">
-                <a:latin typeface="Segoe UI Light" panose="020B0502040204020203" pitchFamily="34" charset="0"/>
-                <a:cs typeface="Segoe UI Light" panose="020B0502040204020203" pitchFamily="34" charset="0"/>
-              </a:rPr>
-              <a:t>dbConnection</a:t>
-            </a:r>
-            <a:r>
-              <a:rPr lang="en-US" sz="3200" dirty="0">
-                <a:latin typeface="Segoe UI Light" panose="020B0502040204020203" pitchFamily="34" charset="0"/>
-                <a:cs typeface="Segoe UI Light" panose="020B0502040204020203" pitchFamily="34" charset="0"/>
-              </a:rPr>
-              <a:t> = </a:t>
-            </a:r>
-            <a:r>
-              <a:rPr lang="en-US" sz="3200" dirty="0" err="1">
-                <a:latin typeface="Segoe UI Light" panose="020B0502040204020203" pitchFamily="34" charset="0"/>
-                <a:cs typeface="Segoe UI Light" panose="020B0502040204020203" pitchFamily="34" charset="0"/>
-              </a:rPr>
-              <a:t>dbReq.result</a:t>
-            </a:r>
-            <a:r>
-              <a:rPr lang="en-US" sz="3200" dirty="0">
-                <a:latin typeface="Segoe UI Light" panose="020B0502040204020203" pitchFamily="34" charset="0"/>
-                <a:cs typeface="Segoe UI Light" panose="020B0502040204020203" pitchFamily="34" charset="0"/>
-              </a:rPr>
-              <a:t>;</a:t>
-            </a:r>
-          </a:p>
-          <a:p>
-            <a:r>
-              <a:rPr lang="en-US" sz="3200" dirty="0">
-                <a:latin typeface="Segoe UI Light" panose="020B0502040204020203" pitchFamily="34" charset="0"/>
-                <a:cs typeface="Segoe UI Light" panose="020B0502040204020203" pitchFamily="34" charset="0"/>
-              </a:rPr>
-              <a:t>});</a:t>
-            </a:r>
           </a:p>
         </p:txBody>
       </p:sp>
@@ -25846,7 +25841,7 @@
     </p:spTree>
     <p:extLst>
       <p:ext uri="{BB962C8B-B14F-4D97-AF65-F5344CB8AC3E}">
-        <p14:creationId xmlns:p14="http://schemas.microsoft.com/office/powerpoint/2010/main" val="1983756697"/>
+        <p14:creationId xmlns:p14="http://schemas.microsoft.com/office/powerpoint/2010/main" val="2163900495"/>
       </p:ext>
     </p:extLst>
   </p:cSld>
@@ -25888,8 +25883,8 @@
         </p:nvSpPr>
         <p:spPr>
           <a:xfrm>
-            <a:off x="792480" y="2875002"/>
-            <a:ext cx="7436844" cy="1107996"/>
+            <a:off x="792480" y="2644170"/>
+            <a:ext cx="7904536" cy="1569660"/>
           </a:xfrm>
           <a:prstGeom prst="rect">
             <a:avLst/>
@@ -25903,16 +25898,65 @@
           <a:lstStyle/>
           <a:p>
             <a:r>
-              <a:rPr lang="en-US" sz="6600" dirty="0" smtClean="0">
+              <a:rPr lang="en-US" sz="3200" dirty="0" err="1">
                 <a:latin typeface="Segoe UI Light" panose="020B0502040204020203" pitchFamily="34" charset="0"/>
                 <a:cs typeface="Segoe UI Light" panose="020B0502040204020203" pitchFamily="34" charset="0"/>
               </a:rPr>
-              <a:t>it’s the same in node</a:t>
-            </a:r>
-            <a:endParaRPr lang="en-US" sz="6600" i="1" dirty="0">
-              <a:latin typeface="Segoe UI Light" panose="020B0502040204020203" pitchFamily="34" charset="0"/>
-              <a:cs typeface="Segoe UI Light" panose="020B0502040204020203" pitchFamily="34" charset="0"/>
-            </a:endParaRPr>
+              <a:t>fs.readFile</a:t>
+            </a:r>
+            <a:r>
+              <a:rPr lang="en-US" sz="3200" dirty="0">
+                <a:latin typeface="Segoe UI Light" panose="020B0502040204020203" pitchFamily="34" charset="0"/>
+                <a:cs typeface="Segoe UI Light" panose="020B0502040204020203" pitchFamily="34" charset="0"/>
+              </a:rPr>
+              <a:t>("/</a:t>
+            </a:r>
+            <a:r>
+              <a:rPr lang="en-US" sz="3200" dirty="0" err="1">
+                <a:latin typeface="Segoe UI Light" panose="020B0502040204020203" pitchFamily="34" charset="0"/>
+                <a:cs typeface="Segoe UI Light" panose="020B0502040204020203" pitchFamily="34" charset="0"/>
+              </a:rPr>
+              <a:t>etc</a:t>
+            </a:r>
+            <a:r>
+              <a:rPr lang="en-US" sz="3200" dirty="0">
+                <a:latin typeface="Segoe UI Light" panose="020B0502040204020203" pitchFamily="34" charset="0"/>
+                <a:cs typeface="Segoe UI Light" panose="020B0502040204020203" pitchFamily="34" charset="0"/>
+              </a:rPr>
+              <a:t>/</a:t>
+            </a:r>
+            <a:r>
+              <a:rPr lang="en-US" sz="3200" dirty="0" err="1">
+                <a:latin typeface="Segoe UI Light" panose="020B0502040204020203" pitchFamily="34" charset="0"/>
+                <a:cs typeface="Segoe UI Light" panose="020B0502040204020203" pitchFamily="34" charset="0"/>
+              </a:rPr>
+              <a:t>passwd</a:t>
+            </a:r>
+            <a:r>
+              <a:rPr lang="en-US" sz="3200" dirty="0">
+                <a:latin typeface="Segoe UI Light" panose="020B0502040204020203" pitchFamily="34" charset="0"/>
+                <a:cs typeface="Segoe UI Light" panose="020B0502040204020203" pitchFamily="34" charset="0"/>
+              </a:rPr>
+              <a:t>", function (err, data) {</a:t>
+            </a:r>
+          </a:p>
+          <a:p>
+            <a:r>
+              <a:rPr lang="en-US" sz="3200" dirty="0">
+                <a:latin typeface="Segoe UI Light" panose="020B0502040204020203" pitchFamily="34" charset="0"/>
+                <a:cs typeface="Segoe UI Light" panose="020B0502040204020203" pitchFamily="34" charset="0"/>
+              </a:rPr>
+              <a:t>    console.log(data);</a:t>
+            </a:r>
+          </a:p>
+          <a:p>
+            <a:r>
+              <a:rPr lang="en-US" sz="3200" dirty="0">
+                <a:latin typeface="Segoe UI Light" panose="020B0502040204020203" pitchFamily="34" charset="0"/>
+                <a:cs typeface="Segoe UI Light" panose="020B0502040204020203" pitchFamily="34" charset="0"/>
+              </a:rPr>
+              <a:t>});</a:t>
+            </a:r>
           </a:p>
         </p:txBody>
       </p:sp>
@@ -25942,7 +25986,7 @@
     </p:spTree>
     <p:extLst>
       <p:ext uri="{BB962C8B-B14F-4D97-AF65-F5344CB8AC3E}">
-        <p14:creationId xmlns:p14="http://schemas.microsoft.com/office/powerpoint/2010/main" val="2163900495"/>
+        <p14:creationId xmlns:p14="http://schemas.microsoft.com/office/powerpoint/2010/main" val="1176271575"/>
       </p:ext>
     </p:extLst>
   </p:cSld>
@@ -25985,7 +26029,7 @@
         <p:spPr>
           <a:xfrm>
             <a:off x="792480" y="2644170"/>
-            <a:ext cx="7904536" cy="1569660"/>
+            <a:ext cx="6338402" cy="1569660"/>
           </a:xfrm>
           <a:prstGeom prst="rect">
             <a:avLst/>
@@ -26003,51 +26047,37 @@
                 <a:latin typeface="Segoe UI Light" panose="020B0502040204020203" pitchFamily="34" charset="0"/>
                 <a:cs typeface="Segoe UI Light" panose="020B0502040204020203" pitchFamily="34" charset="0"/>
               </a:rPr>
-              <a:t>fs.readFile</a:t>
+              <a:t>request.on</a:t>
             </a:r>
             <a:r>
               <a:rPr lang="en-US" sz="3200" dirty="0">
                 <a:latin typeface="Segoe UI Light" panose="020B0502040204020203" pitchFamily="34" charset="0"/>
                 <a:cs typeface="Segoe UI Light" panose="020B0502040204020203" pitchFamily="34" charset="0"/>
               </a:rPr>
-              <a:t>("/</a:t>
+              <a:t>("data", function (chunk) {</a:t>
+            </a:r>
+          </a:p>
+          <a:p>
+            <a:r>
+              <a:rPr lang="en-US" sz="3200" dirty="0">
+                <a:latin typeface="Segoe UI Light" panose="020B0502040204020203" pitchFamily="34" charset="0"/>
+                <a:cs typeface="Segoe UI Light" panose="020B0502040204020203" pitchFamily="34" charset="0"/>
+              </a:rPr>
+              <a:t>    </a:t>
             </a:r>
             <a:r>
               <a:rPr lang="en-US" sz="3200" dirty="0" err="1">
                 <a:latin typeface="Segoe UI Light" panose="020B0502040204020203" pitchFamily="34" charset="0"/>
                 <a:cs typeface="Segoe UI Light" panose="020B0502040204020203" pitchFamily="34" charset="0"/>
               </a:rPr>
-              <a:t>etc</a:t>
+              <a:t>response.write</a:t>
             </a:r>
             <a:r>
               <a:rPr lang="en-US" sz="3200" dirty="0">
                 <a:latin typeface="Segoe UI Light" panose="020B0502040204020203" pitchFamily="34" charset="0"/>
                 <a:cs typeface="Segoe UI Light" panose="020B0502040204020203" pitchFamily="34" charset="0"/>
               </a:rPr>
-              <a:t>/</a:t>
-            </a:r>
-            <a:r>
-              <a:rPr lang="en-US" sz="3200" dirty="0" err="1">
-                <a:latin typeface="Segoe UI Light" panose="020B0502040204020203" pitchFamily="34" charset="0"/>
-                <a:cs typeface="Segoe UI Light" panose="020B0502040204020203" pitchFamily="34" charset="0"/>
-              </a:rPr>
-              <a:t>passwd</a:t>
-            </a:r>
-            <a:r>
-              <a:rPr lang="en-US" sz="3200" dirty="0">
-                <a:latin typeface="Segoe UI Light" panose="020B0502040204020203" pitchFamily="34" charset="0"/>
-                <a:cs typeface="Segoe UI Light" panose="020B0502040204020203" pitchFamily="34" charset="0"/>
-              </a:rPr>
-              <a:t>", function (err, data) {</a:t>
-            </a:r>
-          </a:p>
-          <a:p>
-            <a:r>
-              <a:rPr lang="en-US" sz="3200" dirty="0">
-                <a:latin typeface="Segoe UI Light" panose="020B0502040204020203" pitchFamily="34" charset="0"/>
-                <a:cs typeface="Segoe UI Light" panose="020B0502040204020203" pitchFamily="34" charset="0"/>
-              </a:rPr>
-              <a:t>    console.log(data);</a:t>
+              <a:t>(chunk);</a:t>
             </a:r>
           </a:p>
           <a:p>
@@ -26087,7 +26117,7 @@
     </p:spTree>
     <p:extLst>
       <p:ext uri="{BB962C8B-B14F-4D97-AF65-F5344CB8AC3E}">
-        <p14:creationId xmlns:p14="http://schemas.microsoft.com/office/powerpoint/2010/main" val="1176271575"/>
+        <p14:creationId xmlns:p14="http://schemas.microsoft.com/office/powerpoint/2010/main" val="1353126993"/>
       </p:ext>
     </p:extLst>
   </p:cSld>
@@ -26129,8 +26159,8 @@
         </p:nvSpPr>
         <p:spPr>
           <a:xfrm>
-            <a:off x="792480" y="2644170"/>
-            <a:ext cx="6338402" cy="1569660"/>
+            <a:off x="792480" y="2151728"/>
+            <a:ext cx="9551076" cy="2554545"/>
           </a:xfrm>
           <a:prstGeom prst="rect">
             <a:avLst/>
@@ -26148,14 +26178,49 @@
                 <a:latin typeface="Segoe UI Light" panose="020B0502040204020203" pitchFamily="34" charset="0"/>
                 <a:cs typeface="Segoe UI Light" panose="020B0502040204020203" pitchFamily="34" charset="0"/>
               </a:rPr>
-              <a:t>request.on</a:t>
+              <a:t>db.users.find</a:t>
             </a:r>
             <a:r>
               <a:rPr lang="en-US" sz="3200" dirty="0">
                 <a:latin typeface="Segoe UI Light" panose="020B0502040204020203" pitchFamily="34" charset="0"/>
                 <a:cs typeface="Segoe UI Light" panose="020B0502040204020203" pitchFamily="34" charset="0"/>
               </a:rPr>
-              <a:t>("data", function (chunk) {</a:t>
+              <a:t>({ name: "</a:t>
+            </a:r>
+            <a:r>
+              <a:rPr lang="en-US" sz="3200" dirty="0" err="1">
+                <a:latin typeface="Segoe UI Light" panose="020B0502040204020203" pitchFamily="34" charset="0"/>
+                <a:cs typeface="Segoe UI Light" panose="020B0502040204020203" pitchFamily="34" charset="0"/>
+              </a:rPr>
+              <a:t>domenic</a:t>
+            </a:r>
+            <a:r>
+              <a:rPr lang="en-US" sz="3200" dirty="0">
+                <a:latin typeface="Segoe UI Light" panose="020B0502040204020203" pitchFamily="34" charset="0"/>
+                <a:cs typeface="Segoe UI Light" panose="020B0502040204020203" pitchFamily="34" charset="0"/>
+              </a:rPr>
+              <a:t>" </a:t>
+            </a:r>
+            <a:r>
+              <a:rPr lang="en-US" sz="3200">
+                <a:latin typeface="Segoe UI Light" panose="020B0502040204020203" pitchFamily="34" charset="0"/>
+                <a:cs typeface="Segoe UI Light" panose="020B0502040204020203" pitchFamily="34" charset="0"/>
+              </a:rPr>
+              <a:t>}, </a:t>
+            </a:r>
+            <a:r>
+              <a:rPr lang="en-US" sz="3200" smtClean="0">
+                <a:latin typeface="Segoe UI Light" panose="020B0502040204020203" pitchFamily="34" charset="0"/>
+                <a:cs typeface="Segoe UI Light" panose="020B0502040204020203" pitchFamily="34" charset="0"/>
+              </a:rPr>
+              <a:t>function (</a:t>
+            </a:r>
+            <a:r>
+              <a:rPr lang="en-US" sz="3200" dirty="0">
+                <a:latin typeface="Segoe UI Light" panose="020B0502040204020203" pitchFamily="34" charset="0"/>
+                <a:cs typeface="Segoe UI Light" panose="020B0502040204020203" pitchFamily="34" charset="0"/>
+              </a:rPr>
+              <a:t>err, users) {</a:t>
             </a:r>
           </a:p>
           <a:p>
@@ -26171,14 +26236,46 @@
                 <a:latin typeface="Segoe UI Light" panose="020B0502040204020203" pitchFamily="34" charset="0"/>
                 <a:cs typeface="Segoe UI Light" panose="020B0502040204020203" pitchFamily="34" charset="0"/>
               </a:rPr>
-              <a:t>response.write</a:t>
+              <a:t>users.forEach</a:t>
             </a:r>
             <a:r>
               <a:rPr lang="en-US" sz="3200" dirty="0">
                 <a:latin typeface="Segoe UI Light" panose="020B0502040204020203" pitchFamily="34" charset="0"/>
                 <a:cs typeface="Segoe UI Light" panose="020B0502040204020203" pitchFamily="34" charset="0"/>
               </a:rPr>
-              <a:t>(chunk);</a:t>
+              <a:t>(function (user) {</a:t>
+            </a:r>
+          </a:p>
+          <a:p>
+            <a:r>
+              <a:rPr lang="en-US" sz="3200" dirty="0">
+                <a:latin typeface="Segoe UI Light" panose="020B0502040204020203" pitchFamily="34" charset="0"/>
+                <a:cs typeface="Segoe UI Light" panose="020B0502040204020203" pitchFamily="34" charset="0"/>
+              </a:rPr>
+              <a:t>       </a:t>
+            </a:r>
+            <a:r>
+              <a:rPr lang="en-US" sz="3200" dirty="0" err="1">
+                <a:latin typeface="Segoe UI Light" panose="020B0502040204020203" pitchFamily="34" charset="0"/>
+                <a:cs typeface="Segoe UI Light" panose="020B0502040204020203" pitchFamily="34" charset="0"/>
+              </a:rPr>
+              <a:t>response.write</a:t>
+            </a:r>
+            <a:r>
+              <a:rPr lang="en-US" sz="3200" dirty="0">
+                <a:latin typeface="Segoe UI Light" panose="020B0502040204020203" pitchFamily="34" charset="0"/>
+                <a:cs typeface="Segoe UI Light" panose="020B0502040204020203" pitchFamily="34" charset="0"/>
+              </a:rPr>
+              <a:t>(user);</a:t>
+            </a:r>
+          </a:p>
+          <a:p>
+            <a:r>
+              <a:rPr lang="en-US" sz="3200" dirty="0">
+                <a:latin typeface="Segoe UI Light" panose="020B0502040204020203" pitchFamily="34" charset="0"/>
+                <a:cs typeface="Segoe UI Light" panose="020B0502040204020203" pitchFamily="34" charset="0"/>
+              </a:rPr>
+              <a:t>    });</a:t>
             </a:r>
           </a:p>
           <a:p>
@@ -26218,7 +26315,7 @@
     </p:spTree>
     <p:extLst>
       <p:ext uri="{BB962C8B-B14F-4D97-AF65-F5344CB8AC3E}">
-        <p14:creationId xmlns:p14="http://schemas.microsoft.com/office/powerpoint/2010/main" val="1353126993"/>
+        <p14:creationId xmlns:p14="http://schemas.microsoft.com/office/powerpoint/2010/main" val="884188157"/>
       </p:ext>
     </p:extLst>
   </p:cSld>
@@ -26260,8 +26357,8 @@
         </p:nvSpPr>
         <p:spPr>
           <a:xfrm>
-            <a:off x="792480" y="2151728"/>
-            <a:ext cx="9551076" cy="2554545"/>
+            <a:off x="792480" y="1905506"/>
+            <a:ext cx="8178842" cy="3046988"/>
           </a:xfrm>
           <a:prstGeom prst="rect">
             <a:avLst/>
@@ -26279,49 +26376,14 @@
                 <a:latin typeface="Segoe UI Light" panose="020B0502040204020203" pitchFamily="34" charset="0"/>
                 <a:cs typeface="Segoe UI Light" panose="020B0502040204020203" pitchFamily="34" charset="0"/>
               </a:rPr>
-              <a:t>db.users.find</a:t>
+              <a:t>io.sockets.on</a:t>
             </a:r>
             <a:r>
               <a:rPr lang="en-US" sz="3200" dirty="0">
                 <a:latin typeface="Segoe UI Light" panose="020B0502040204020203" pitchFamily="34" charset="0"/>
                 <a:cs typeface="Segoe UI Light" panose="020B0502040204020203" pitchFamily="34" charset="0"/>
               </a:rPr>
-              <a:t>({ name: "</a:t>
-            </a:r>
-            <a:r>
-              <a:rPr lang="en-US" sz="3200" dirty="0" err="1">
-                <a:latin typeface="Segoe UI Light" panose="020B0502040204020203" pitchFamily="34" charset="0"/>
-                <a:cs typeface="Segoe UI Light" panose="020B0502040204020203" pitchFamily="34" charset="0"/>
-              </a:rPr>
-              <a:t>domenic</a:t>
-            </a:r>
-            <a:r>
-              <a:rPr lang="en-US" sz="3200" dirty="0">
-                <a:latin typeface="Segoe UI Light" panose="020B0502040204020203" pitchFamily="34" charset="0"/>
-                <a:cs typeface="Segoe UI Light" panose="020B0502040204020203" pitchFamily="34" charset="0"/>
-              </a:rPr>
-              <a:t>" </a:t>
-            </a:r>
-            <a:r>
-              <a:rPr lang="en-US" sz="3200">
-                <a:latin typeface="Segoe UI Light" panose="020B0502040204020203" pitchFamily="34" charset="0"/>
-                <a:cs typeface="Segoe UI Light" panose="020B0502040204020203" pitchFamily="34" charset="0"/>
-              </a:rPr>
-              <a:t>}, </a:t>
-            </a:r>
-            <a:r>
-              <a:rPr lang="en-US" sz="3200" smtClean="0">
-                <a:latin typeface="Segoe UI Light" panose="020B0502040204020203" pitchFamily="34" charset="0"/>
-                <a:cs typeface="Segoe UI Light" panose="020B0502040204020203" pitchFamily="34" charset="0"/>
-              </a:rPr>
-              <a:t>function (</a:t>
-            </a:r>
-            <a:r>
-              <a:rPr lang="en-US" sz="3200" dirty="0">
-                <a:latin typeface="Segoe UI Light" panose="020B0502040204020203" pitchFamily="34" charset="0"/>
-                <a:cs typeface="Segoe UI Light" panose="020B0502040204020203" pitchFamily="34" charset="0"/>
-              </a:rPr>
-              <a:t>err, users) {</a:t>
+              <a:t>("connection", function (socket) {</a:t>
             </a:r>
           </a:p>
           <a:p>
@@ -26337,14 +26399,14 @@
                 <a:latin typeface="Segoe UI Light" panose="020B0502040204020203" pitchFamily="34" charset="0"/>
                 <a:cs typeface="Segoe UI Light" panose="020B0502040204020203" pitchFamily="34" charset="0"/>
               </a:rPr>
-              <a:t>users.forEach</a:t>
+              <a:t>socket.emit</a:t>
             </a:r>
             <a:r>
               <a:rPr lang="en-US" sz="3200" dirty="0">
                 <a:latin typeface="Segoe UI Light" panose="020B0502040204020203" pitchFamily="34" charset="0"/>
                 <a:cs typeface="Segoe UI Light" panose="020B0502040204020203" pitchFamily="34" charset="0"/>
               </a:rPr>
-              <a:t>(function (user) {</a:t>
+              <a:t>("news", { hello: "world" });</a:t>
             </a:r>
           </a:p>
           <a:p>
@@ -26353,21 +26415,30 @@
                 <a:latin typeface="Segoe UI Light" panose="020B0502040204020203" pitchFamily="34" charset="0"/>
                 <a:cs typeface="Segoe UI Light" panose="020B0502040204020203" pitchFamily="34" charset="0"/>
               </a:rPr>
-              <a:t>       </a:t>
+              <a:t>    </a:t>
             </a:r>
             <a:r>
               <a:rPr lang="en-US" sz="3200" dirty="0" err="1">
                 <a:latin typeface="Segoe UI Light" panose="020B0502040204020203" pitchFamily="34" charset="0"/>
                 <a:cs typeface="Segoe UI Light" panose="020B0502040204020203" pitchFamily="34" charset="0"/>
               </a:rPr>
-              <a:t>response.write</a:t>
+              <a:t>socket.on</a:t>
             </a:r>
             <a:r>
               <a:rPr lang="en-US" sz="3200" dirty="0">
                 <a:latin typeface="Segoe UI Light" panose="020B0502040204020203" pitchFamily="34" charset="0"/>
                 <a:cs typeface="Segoe UI Light" panose="020B0502040204020203" pitchFamily="34" charset="0"/>
               </a:rPr>
-              <a:t>(user);</a:t>
+              <a:t>("my other event", function (data) {</a:t>
+            </a:r>
+          </a:p>
+          <a:p>
+            <a:r>
+              <a:rPr lang="en-US" sz="3200" dirty="0">
+                <a:latin typeface="Segoe UI Light" panose="020B0502040204020203" pitchFamily="34" charset="0"/>
+                <a:cs typeface="Segoe UI Light" panose="020B0502040204020203" pitchFamily="34" charset="0"/>
+              </a:rPr>
+              <a:t>      console.log(data);</a:t>
             </a:r>
           </a:p>
           <a:p>
@@ -26416,7 +26487,7 @@
     </p:spTree>
     <p:extLst>
       <p:ext uri="{BB962C8B-B14F-4D97-AF65-F5344CB8AC3E}">
-        <p14:creationId xmlns:p14="http://schemas.microsoft.com/office/powerpoint/2010/main" val="884188157"/>
+        <p14:creationId xmlns:p14="http://schemas.microsoft.com/office/powerpoint/2010/main" val="3830480072"/>
       </p:ext>
     </p:extLst>
   </p:cSld>
@@ -26452,113 +26523,25 @@
       </p:grpSpPr>
       <p:sp>
         <p:nvSpPr>
-          <p:cNvPr id="2" name="TextBox 1"/>
-          <p:cNvSpPr txBox="1"/>
-          <p:nvPr/>
-        </p:nvSpPr>
-        <p:spPr>
-          <a:xfrm>
-            <a:off x="792480" y="1905506"/>
-            <a:ext cx="8178842" cy="3046988"/>
-          </a:xfrm>
-          <a:prstGeom prst="rect">
-            <a:avLst/>
-          </a:prstGeom>
-          <a:noFill/>
-        </p:spPr>
-        <p:txBody>
-          <a:bodyPr wrap="none" rtlCol="0">
-            <a:spAutoFit/>
-          </a:bodyPr>
-          <a:lstStyle/>
-          <a:p>
-            <a:r>
-              <a:rPr lang="en-US" sz="3200" dirty="0" err="1">
-                <a:latin typeface="Segoe UI Light" panose="020B0502040204020203" pitchFamily="34" charset="0"/>
-                <a:cs typeface="Segoe UI Light" panose="020B0502040204020203" pitchFamily="34" charset="0"/>
-              </a:rPr>
-              <a:t>io.sockets.on</a:t>
-            </a:r>
-            <a:r>
-              <a:rPr lang="en-US" sz="3200" dirty="0">
-                <a:latin typeface="Segoe UI Light" panose="020B0502040204020203" pitchFamily="34" charset="0"/>
-                <a:cs typeface="Segoe UI Light" panose="020B0502040204020203" pitchFamily="34" charset="0"/>
-              </a:rPr>
-              <a:t>("connection", function (socket) {</a:t>
-            </a:r>
-          </a:p>
-          <a:p>
-            <a:r>
-              <a:rPr lang="en-US" sz="3200" dirty="0">
-                <a:latin typeface="Segoe UI Light" panose="020B0502040204020203" pitchFamily="34" charset="0"/>
-                <a:cs typeface="Segoe UI Light" panose="020B0502040204020203" pitchFamily="34" charset="0"/>
-              </a:rPr>
-              <a:t>    </a:t>
-            </a:r>
-            <a:r>
-              <a:rPr lang="en-US" sz="3200" dirty="0" err="1">
-                <a:latin typeface="Segoe UI Light" panose="020B0502040204020203" pitchFamily="34" charset="0"/>
-                <a:cs typeface="Segoe UI Light" panose="020B0502040204020203" pitchFamily="34" charset="0"/>
-              </a:rPr>
-              <a:t>socket.emit</a:t>
-            </a:r>
-            <a:r>
-              <a:rPr lang="en-US" sz="3200" dirty="0">
-                <a:latin typeface="Segoe UI Light" panose="020B0502040204020203" pitchFamily="34" charset="0"/>
-                <a:cs typeface="Segoe UI Light" panose="020B0502040204020203" pitchFamily="34" charset="0"/>
-              </a:rPr>
-              <a:t>("news", { hello: "world" });</a:t>
-            </a:r>
-          </a:p>
-          <a:p>
-            <a:r>
-              <a:rPr lang="en-US" sz="3200" dirty="0">
-                <a:latin typeface="Segoe UI Light" panose="020B0502040204020203" pitchFamily="34" charset="0"/>
-                <a:cs typeface="Segoe UI Light" panose="020B0502040204020203" pitchFamily="34" charset="0"/>
-              </a:rPr>
-              <a:t>    </a:t>
-            </a:r>
-            <a:r>
-              <a:rPr lang="en-US" sz="3200" dirty="0" err="1">
-                <a:latin typeface="Segoe UI Light" panose="020B0502040204020203" pitchFamily="34" charset="0"/>
-                <a:cs typeface="Segoe UI Light" panose="020B0502040204020203" pitchFamily="34" charset="0"/>
-              </a:rPr>
-              <a:t>socket.on</a:t>
-            </a:r>
-            <a:r>
-              <a:rPr lang="en-US" sz="3200" dirty="0">
-                <a:latin typeface="Segoe UI Light" panose="020B0502040204020203" pitchFamily="34" charset="0"/>
-                <a:cs typeface="Segoe UI Light" panose="020B0502040204020203" pitchFamily="34" charset="0"/>
-              </a:rPr>
-              <a:t>("my other event", function (data) {</a:t>
-            </a:r>
-          </a:p>
-          <a:p>
-            <a:r>
-              <a:rPr lang="en-US" sz="3200" dirty="0">
-                <a:latin typeface="Segoe UI Light" panose="020B0502040204020203" pitchFamily="34" charset="0"/>
-                <a:cs typeface="Segoe UI Light" panose="020B0502040204020203" pitchFamily="34" charset="0"/>
-              </a:rPr>
-              <a:t>      console.log(data);</a:t>
-            </a:r>
-          </a:p>
-          <a:p>
-            <a:r>
-              <a:rPr lang="en-US" sz="3200" dirty="0">
-                <a:latin typeface="Segoe UI Light" panose="020B0502040204020203" pitchFamily="34" charset="0"/>
-                <a:cs typeface="Segoe UI Light" panose="020B0502040204020203" pitchFamily="34" charset="0"/>
-              </a:rPr>
-              <a:t>    });</a:t>
-            </a:r>
-          </a:p>
-          <a:p>
-            <a:r>
-              <a:rPr lang="en-US" sz="3200" dirty="0">
-                <a:latin typeface="Segoe UI Light" panose="020B0502040204020203" pitchFamily="34" charset="0"/>
-                <a:cs typeface="Segoe UI Light" panose="020B0502040204020203" pitchFamily="34" charset="0"/>
-              </a:rPr>
-              <a:t>});</a:t>
-            </a:r>
+          <p:cNvPr id="2" name="Title 1"/>
+          <p:cNvSpPr>
+            <a:spLocks noGrp="1"/>
+          </p:cNvSpPr>
+          <p:nvPr>
+            <p:ph type="title"/>
+          </p:nvPr>
+        </p:nvSpPr>
+        <p:spPr/>
+        <p:txBody>
+          <a:bodyPr anchor="ctr"/>
+          <a:lstStyle/>
+          <a:p>
+            <a:pPr algn="ctr"/>
+            <a:r>
+              <a:rPr lang="en-US" dirty="0" smtClean="0"/>
+              <a:t>low-level</a:t>
+            </a:r>
+            <a:endParaRPr lang="en-US" dirty="0"/>
           </a:p>
         </p:txBody>
       </p:sp>
@@ -26588,7 +26571,7 @@
     </p:spTree>
     <p:extLst>
       <p:ext uri="{BB962C8B-B14F-4D97-AF65-F5344CB8AC3E}">
-        <p14:creationId xmlns:p14="http://schemas.microsoft.com/office/powerpoint/2010/main" val="3830480072"/>
+        <p14:creationId xmlns:p14="http://schemas.microsoft.com/office/powerpoint/2010/main" val="1051053664"/>
       </p:ext>
     </p:extLst>
   </p:cSld>
@@ -26737,31 +26720,498 @@
       </p:grpSpPr>
       <p:sp>
         <p:nvSpPr>
-          <p:cNvPr id="2" name="Title 1"/>
-          <p:cNvSpPr>
-            <a:spLocks noGrp="1"/>
-          </p:cNvSpPr>
-          <p:nvPr>
-            <p:ph type="title"/>
-          </p:nvPr>
-        </p:nvSpPr>
-        <p:spPr/>
-        <p:txBody>
-          <a:bodyPr anchor="ctr"/>
+          <p:cNvPr id="3" name="TextBox 2"/>
+          <p:cNvSpPr txBox="1"/>
+          <p:nvPr/>
+        </p:nvSpPr>
+        <p:spPr>
+          <a:xfrm>
+            <a:off x="5304646" y="6111240"/>
+            <a:ext cx="3969356" cy="369332"/>
+          </a:xfrm>
+          <a:prstGeom prst="rect">
+            <a:avLst/>
+          </a:prstGeom>
+          <a:noFill/>
+        </p:spPr>
+        <p:txBody>
+          <a:bodyPr wrap="none" rtlCol="0">
+            <a:spAutoFit/>
+          </a:bodyPr>
+          <a:lstStyle/>
+          <a:p>
+            <a:pPr algn="r"/>
+            <a:r>
+              <a:rPr lang="en-US" dirty="0">
+                <a:hlinkClick r:id="rId3"/>
+              </a:rPr>
+              <a:t>http://nodejs.org/docs/latest/api</a:t>
+            </a:r>
+            <a:r>
+              <a:rPr lang="en-US" dirty="0" smtClean="0">
+                <a:hlinkClick r:id="rId3"/>
+              </a:rPr>
+              <a:t>/</a:t>
+            </a:r>
+            <a:endParaRPr lang="en-US" dirty="0"/>
+          </a:p>
+        </p:txBody>
+      </p:sp>
+      <p:sp>
+        <p:nvSpPr>
+          <p:cNvPr id="4" name="TextBox 3"/>
+          <p:cNvSpPr txBox="1"/>
+          <p:nvPr/>
+        </p:nvSpPr>
+        <p:spPr>
+          <a:xfrm>
+            <a:off x="434340" y="1028700"/>
+            <a:ext cx="9136380" cy="4031873"/>
+          </a:xfrm>
+          <a:prstGeom prst="rect">
+            <a:avLst/>
+          </a:prstGeom>
+          <a:noFill/>
+        </p:spPr>
+        <p:txBody>
+          <a:bodyPr wrap="square" rtlCol="0">
+            <a:spAutoFit/>
+          </a:bodyPr>
           <a:lstStyle/>
           <a:p>
             <a:pPr algn="ctr"/>
             <a:r>
-              <a:rPr lang="en-US" dirty="0" smtClean="0"/>
-              <a:t>low-level</a:t>
-            </a:r>
-            <a:endParaRPr lang="en-US" dirty="0"/>
-          </a:p>
-        </p:txBody>
-      </p:sp>
-      <p:sp>
-        <p:nvSpPr>
-          <p:cNvPr id="3" name="Footer Placeholder 2"/>
+              <a:rPr lang="en-US" sz="3200" dirty="0" smtClean="0">
+                <a:solidFill>
+                  <a:schemeClr val="accent1"/>
+                </a:solidFill>
+                <a:latin typeface="Wingdings 3" panose="05040102010807070707" pitchFamily="18" charset="2"/>
+              </a:rPr>
+              <a:t>u</a:t>
+            </a:r>
+            <a:r>
+              <a:rPr lang="en-US" sz="3200" dirty="0" smtClean="0"/>
+              <a:t> STDIO </a:t>
+            </a:r>
+            <a:r>
+              <a:rPr lang="en-US" sz="3200" dirty="0" smtClean="0">
+                <a:solidFill>
+                  <a:schemeClr val="accent1"/>
+                </a:solidFill>
+                <a:latin typeface="Wingdings 3" panose="05040102010807070707" pitchFamily="18" charset="2"/>
+              </a:rPr>
+              <a:t>u</a:t>
+            </a:r>
+            <a:r>
+              <a:rPr lang="en-US" sz="3200" dirty="0" smtClean="0"/>
+              <a:t> Timers </a:t>
+            </a:r>
+            <a:r>
+              <a:rPr lang="en-US" sz="3200" dirty="0" smtClean="0">
+                <a:solidFill>
+                  <a:schemeClr val="accent1"/>
+                </a:solidFill>
+                <a:latin typeface="Wingdings 3" panose="05040102010807070707" pitchFamily="18" charset="2"/>
+              </a:rPr>
+              <a:t>u</a:t>
+            </a:r>
+            <a:r>
+              <a:rPr lang="en-US" sz="3200" dirty="0" smtClean="0"/>
+              <a:t> Process </a:t>
+            </a:r>
+            <a:r>
+              <a:rPr lang="en-US" sz="3200" dirty="0" smtClean="0">
+                <a:solidFill>
+                  <a:schemeClr val="accent1"/>
+                </a:solidFill>
+                <a:latin typeface="Wingdings 3" panose="05040102010807070707" pitchFamily="18" charset="2"/>
+              </a:rPr>
+              <a:t>u</a:t>
+            </a:r>
+            <a:r>
+              <a:rPr lang="en-US" sz="3200" dirty="0" smtClean="0"/>
+              <a:t> Utilities</a:t>
+            </a:r>
+            <a:br>
+              <a:rPr lang="en-US" sz="3200" dirty="0" smtClean="0"/>
+            </a:br>
+            <a:r>
+              <a:rPr lang="en-US" sz="3200" dirty="0" smtClean="0">
+                <a:solidFill>
+                  <a:schemeClr val="accent1"/>
+                </a:solidFill>
+                <a:latin typeface="Wingdings 3" panose="05040102010807070707" pitchFamily="18" charset="2"/>
+              </a:rPr>
+              <a:t>u</a:t>
+            </a:r>
+            <a:r>
+              <a:rPr lang="en-US" sz="3200" dirty="0"/>
+              <a:t> </a:t>
+            </a:r>
+            <a:r>
+              <a:rPr lang="en-US" sz="3200" dirty="0" smtClean="0"/>
+              <a:t>Events </a:t>
+            </a:r>
+            <a:r>
+              <a:rPr lang="en-US" sz="3200" dirty="0" smtClean="0">
+                <a:solidFill>
+                  <a:schemeClr val="accent1"/>
+                </a:solidFill>
+                <a:latin typeface="Wingdings 3" panose="05040102010807070707" pitchFamily="18" charset="2"/>
+              </a:rPr>
+              <a:t>u</a:t>
+            </a:r>
+            <a:r>
+              <a:rPr lang="en-US" sz="3200" dirty="0" smtClean="0"/>
+              <a:t> Domain </a:t>
+            </a:r>
+            <a:r>
+              <a:rPr lang="en-US" sz="3200" dirty="0" smtClean="0">
+                <a:solidFill>
+                  <a:schemeClr val="accent1"/>
+                </a:solidFill>
+                <a:latin typeface="Wingdings 3" panose="05040102010807070707" pitchFamily="18" charset="2"/>
+              </a:rPr>
+              <a:t>u</a:t>
+            </a:r>
+            <a:r>
+              <a:rPr lang="en-US" sz="3200" dirty="0" smtClean="0"/>
+              <a:t> Buffer </a:t>
+            </a:r>
+            <a:r>
+              <a:rPr lang="en-US" sz="3200" dirty="0" smtClean="0">
+                <a:solidFill>
+                  <a:schemeClr val="accent1"/>
+                </a:solidFill>
+                <a:latin typeface="Wingdings 3" panose="05040102010807070707" pitchFamily="18" charset="2"/>
+              </a:rPr>
+              <a:t>u</a:t>
+            </a:r>
+            <a:r>
+              <a:rPr lang="en-US" sz="3200" dirty="0" smtClean="0"/>
+              <a:t> Stream</a:t>
+            </a:r>
+            <a:br>
+              <a:rPr lang="en-US" sz="3200" dirty="0" smtClean="0"/>
+            </a:br>
+            <a:r>
+              <a:rPr lang="en-US" sz="3200" dirty="0" smtClean="0">
+                <a:solidFill>
+                  <a:schemeClr val="accent1"/>
+                </a:solidFill>
+                <a:latin typeface="Wingdings 3" panose="05040102010807070707" pitchFamily="18" charset="2"/>
+              </a:rPr>
+              <a:t>u</a:t>
+            </a:r>
+            <a:r>
+              <a:rPr lang="en-US" sz="3200" dirty="0" smtClean="0"/>
+              <a:t> Crypto </a:t>
+            </a:r>
+            <a:r>
+              <a:rPr lang="en-US" sz="3200" dirty="0" smtClean="0">
+                <a:solidFill>
+                  <a:schemeClr val="accent1"/>
+                </a:solidFill>
+                <a:latin typeface="Wingdings 3" panose="05040102010807070707" pitchFamily="18" charset="2"/>
+              </a:rPr>
+              <a:t>u</a:t>
+            </a:r>
+            <a:r>
+              <a:rPr lang="en-US" sz="3200" dirty="0" smtClean="0"/>
+              <a:t> TLS/SSL </a:t>
+            </a:r>
+            <a:r>
+              <a:rPr lang="en-US" sz="3200" dirty="0" smtClean="0">
+                <a:solidFill>
+                  <a:schemeClr val="accent1"/>
+                </a:solidFill>
+                <a:latin typeface="Wingdings 3" panose="05040102010807070707" pitchFamily="18" charset="2"/>
+              </a:rPr>
+              <a:t>u</a:t>
+            </a:r>
+            <a:r>
+              <a:rPr lang="en-US" sz="3200" dirty="0" smtClean="0"/>
+              <a:t> String Decoder</a:t>
+            </a:r>
+            <a:br>
+              <a:rPr lang="en-US" sz="3200" dirty="0" smtClean="0"/>
+            </a:br>
+            <a:r>
+              <a:rPr lang="en-US" sz="3200" dirty="0" smtClean="0">
+                <a:solidFill>
+                  <a:schemeClr val="accent1"/>
+                </a:solidFill>
+                <a:latin typeface="Wingdings 3" panose="05040102010807070707" pitchFamily="18" charset="2"/>
+              </a:rPr>
+              <a:t>u</a:t>
+            </a:r>
+            <a:r>
+              <a:rPr lang="en-US" sz="3200" dirty="0" smtClean="0"/>
+              <a:t> File System </a:t>
+            </a:r>
+            <a:r>
+              <a:rPr lang="en-US" sz="3200" dirty="0" smtClean="0">
+                <a:solidFill>
+                  <a:schemeClr val="accent1"/>
+                </a:solidFill>
+                <a:latin typeface="Wingdings 3" panose="05040102010807070707" pitchFamily="18" charset="2"/>
+              </a:rPr>
+              <a:t>u</a:t>
+            </a:r>
+            <a:r>
+              <a:rPr lang="en-US" sz="3200" dirty="0" smtClean="0"/>
+              <a:t> Path </a:t>
+            </a:r>
+            <a:r>
+              <a:rPr lang="en-US" sz="3200" dirty="0" smtClean="0">
+                <a:solidFill>
+                  <a:schemeClr val="accent1"/>
+                </a:solidFill>
+                <a:latin typeface="Wingdings 3" panose="05040102010807070707" pitchFamily="18" charset="2"/>
+              </a:rPr>
+              <a:t>u</a:t>
+            </a:r>
+            <a:r>
+              <a:rPr lang="en-US" sz="3200" dirty="0" smtClean="0"/>
+              <a:t> Net </a:t>
+            </a:r>
+            <a:r>
+              <a:rPr lang="en-US" sz="3200" dirty="0" smtClean="0">
+                <a:solidFill>
+                  <a:schemeClr val="accent1"/>
+                </a:solidFill>
+                <a:latin typeface="Wingdings 3" panose="05040102010807070707" pitchFamily="18" charset="2"/>
+              </a:rPr>
+              <a:t>u</a:t>
+            </a:r>
+            <a:r>
+              <a:rPr lang="en-US" sz="3200" dirty="0" smtClean="0"/>
+              <a:t> UDP/Datagram </a:t>
+            </a:r>
+            <a:r>
+              <a:rPr lang="en-US" sz="3200" dirty="0" smtClean="0">
+                <a:solidFill>
+                  <a:schemeClr val="accent1"/>
+                </a:solidFill>
+                <a:latin typeface="Wingdings 3" panose="05040102010807070707" pitchFamily="18" charset="2"/>
+              </a:rPr>
+              <a:t>u</a:t>
+            </a:r>
+            <a:r>
+              <a:rPr lang="en-US" sz="3200" dirty="0" smtClean="0"/>
+              <a:t> DNS </a:t>
+            </a:r>
+            <a:r>
+              <a:rPr lang="en-US" sz="3200" dirty="0" smtClean="0">
+                <a:solidFill>
+                  <a:schemeClr val="accent1"/>
+                </a:solidFill>
+                <a:latin typeface="Wingdings 3" panose="05040102010807070707" pitchFamily="18" charset="2"/>
+              </a:rPr>
+              <a:t>u</a:t>
+            </a:r>
+            <a:r>
+              <a:rPr lang="en-US" sz="3200" dirty="0" smtClean="0"/>
+              <a:t> HTTP </a:t>
+            </a:r>
+            <a:r>
+              <a:rPr lang="en-US" sz="3200" dirty="0" smtClean="0">
+                <a:solidFill>
+                  <a:schemeClr val="accent1"/>
+                </a:solidFill>
+                <a:latin typeface="Wingdings 3" panose="05040102010807070707" pitchFamily="18" charset="2"/>
+              </a:rPr>
+              <a:t>u</a:t>
+            </a:r>
+            <a:r>
+              <a:rPr lang="en-US" sz="3200" dirty="0" smtClean="0"/>
+              <a:t> HTTPS </a:t>
+            </a:r>
+            <a:r>
+              <a:rPr lang="en-US" sz="3200" dirty="0" smtClean="0">
+                <a:solidFill>
+                  <a:schemeClr val="accent1"/>
+                </a:solidFill>
+                <a:latin typeface="Wingdings 3" panose="05040102010807070707" pitchFamily="18" charset="2"/>
+              </a:rPr>
+              <a:t>u</a:t>
+            </a:r>
+            <a:r>
+              <a:rPr lang="en-US" sz="3200" dirty="0" smtClean="0"/>
+              <a:t> URL </a:t>
+            </a:r>
+            <a:r>
+              <a:rPr lang="en-US" sz="3200" dirty="0" smtClean="0">
+                <a:solidFill>
+                  <a:schemeClr val="accent1"/>
+                </a:solidFill>
+                <a:latin typeface="Wingdings 3" panose="05040102010807070707" pitchFamily="18" charset="2"/>
+              </a:rPr>
+              <a:t>u</a:t>
+            </a:r>
+            <a:r>
+              <a:rPr lang="en-US" sz="3200" dirty="0" smtClean="0"/>
+              <a:t> Query Strings </a:t>
+            </a:r>
+            <a:r>
+              <a:rPr lang="en-US" sz="3200" dirty="0" smtClean="0">
+                <a:solidFill>
+                  <a:schemeClr val="accent1"/>
+                </a:solidFill>
+                <a:latin typeface="Wingdings 3" panose="05040102010807070707" pitchFamily="18" charset="2"/>
+              </a:rPr>
+              <a:t>u</a:t>
+            </a:r>
+            <a:r>
+              <a:rPr lang="en-US" sz="3200" dirty="0" smtClean="0"/>
+              <a:t> </a:t>
+            </a:r>
+            <a:r>
+              <a:rPr lang="en-US" sz="3200" dirty="0" err="1" smtClean="0"/>
+              <a:t>Punycode</a:t>
+            </a:r>
+            <a:r>
+              <a:rPr lang="en-US" sz="3200" dirty="0" smtClean="0"/>
+              <a:t> </a:t>
+            </a:r>
+            <a:r>
+              <a:rPr lang="en-US" sz="3200" dirty="0" smtClean="0">
+                <a:solidFill>
+                  <a:schemeClr val="accent1"/>
+                </a:solidFill>
+                <a:latin typeface="Wingdings 3" panose="05040102010807070707" pitchFamily="18" charset="2"/>
+              </a:rPr>
+              <a:t>u</a:t>
+            </a:r>
+            <a:r>
+              <a:rPr lang="en-US" sz="3200" dirty="0" smtClean="0"/>
+              <a:t> </a:t>
+            </a:r>
+            <a:r>
+              <a:rPr lang="en-US" sz="3200" dirty="0" err="1" smtClean="0"/>
+              <a:t>Readline</a:t>
+            </a:r>
+            <a:r>
+              <a:rPr lang="en-US" sz="3200" dirty="0" smtClean="0"/>
+              <a:t> </a:t>
+            </a:r>
+            <a:r>
+              <a:rPr lang="en-US" sz="3200" dirty="0" smtClean="0">
+                <a:solidFill>
+                  <a:schemeClr val="accent1"/>
+                </a:solidFill>
+                <a:latin typeface="Wingdings 3" panose="05040102010807070707" pitchFamily="18" charset="2"/>
+              </a:rPr>
+              <a:t>u</a:t>
+            </a:r>
+            <a:r>
+              <a:rPr lang="en-US" sz="3200" dirty="0" smtClean="0"/>
+              <a:t> REPL </a:t>
+            </a:r>
+            <a:r>
+              <a:rPr lang="en-US" sz="3200" dirty="0" smtClean="0">
+                <a:solidFill>
+                  <a:schemeClr val="accent1"/>
+                </a:solidFill>
+                <a:latin typeface="Wingdings 3" panose="05040102010807070707" pitchFamily="18" charset="2"/>
+              </a:rPr>
+              <a:t>u</a:t>
+            </a:r>
+            <a:r>
+              <a:rPr lang="en-US" sz="3200" dirty="0" smtClean="0"/>
+              <a:t> VM</a:t>
+            </a:r>
+            <a:br>
+              <a:rPr lang="en-US" sz="3200" dirty="0" smtClean="0"/>
+            </a:br>
+            <a:r>
+              <a:rPr lang="en-US" sz="3200" dirty="0" smtClean="0">
+                <a:solidFill>
+                  <a:schemeClr val="accent1"/>
+                </a:solidFill>
+                <a:latin typeface="Wingdings 3" panose="05040102010807070707" pitchFamily="18" charset="2"/>
+              </a:rPr>
+              <a:t>u</a:t>
+            </a:r>
+            <a:r>
+              <a:rPr lang="en-US" sz="3200" dirty="0" smtClean="0"/>
+              <a:t> Child Processes </a:t>
+            </a:r>
+            <a:r>
+              <a:rPr lang="en-US" sz="3200" dirty="0" smtClean="0">
+                <a:solidFill>
+                  <a:schemeClr val="accent1"/>
+                </a:solidFill>
+                <a:latin typeface="Wingdings 3" panose="05040102010807070707" pitchFamily="18" charset="2"/>
+              </a:rPr>
+              <a:t>u</a:t>
+            </a:r>
+            <a:r>
+              <a:rPr lang="en-US" sz="3200" dirty="0" smtClean="0"/>
+              <a:t> Assertion Testing </a:t>
+            </a:r>
+            <a:r>
+              <a:rPr lang="en-US" sz="3200" dirty="0" smtClean="0">
+                <a:solidFill>
+                  <a:schemeClr val="accent1"/>
+                </a:solidFill>
+                <a:latin typeface="Wingdings 3" panose="05040102010807070707" pitchFamily="18" charset="2"/>
+              </a:rPr>
+              <a:t>u</a:t>
+            </a:r>
+            <a:r>
+              <a:rPr lang="en-US" sz="3200" dirty="0" smtClean="0"/>
+              <a:t> TTY</a:t>
+            </a:r>
+            <a:br>
+              <a:rPr lang="en-US" sz="3200" dirty="0" smtClean="0"/>
+            </a:br>
+            <a:r>
+              <a:rPr lang="en-US" sz="3200" dirty="0" smtClean="0">
+                <a:solidFill>
+                  <a:schemeClr val="accent1"/>
+                </a:solidFill>
+                <a:latin typeface="Wingdings 3" panose="05040102010807070707" pitchFamily="18" charset="2"/>
+              </a:rPr>
+              <a:t>u</a:t>
+            </a:r>
+            <a:r>
+              <a:rPr lang="en-US" sz="3200" dirty="0" smtClean="0"/>
+              <a:t> ZLIB </a:t>
+            </a:r>
+            <a:r>
+              <a:rPr lang="en-US" sz="3200" dirty="0" smtClean="0">
+                <a:solidFill>
+                  <a:schemeClr val="accent1"/>
+                </a:solidFill>
+                <a:latin typeface="Wingdings 3" panose="05040102010807070707" pitchFamily="18" charset="2"/>
+              </a:rPr>
+              <a:t>u</a:t>
+            </a:r>
+            <a:r>
+              <a:rPr lang="en-US" sz="3200" dirty="0" smtClean="0"/>
+              <a:t> OS </a:t>
+            </a:r>
+            <a:r>
+              <a:rPr lang="en-US" sz="3200" dirty="0" smtClean="0">
+                <a:solidFill>
+                  <a:schemeClr val="accent1"/>
+                </a:solidFill>
+                <a:latin typeface="Wingdings 3" panose="05040102010807070707" pitchFamily="18" charset="2"/>
+              </a:rPr>
+              <a:t>u</a:t>
+            </a:r>
+            <a:r>
+              <a:rPr lang="en-US" sz="3200" dirty="0" smtClean="0"/>
+              <a:t> Cluster</a:t>
+            </a:r>
+            <a:endParaRPr lang="en-US" sz="3200" dirty="0"/>
+          </a:p>
+        </p:txBody>
+      </p:sp>
+      <p:sp>
+        <p:nvSpPr>
+          <p:cNvPr id="2" name="Footer Placeholder 1"/>
           <p:cNvSpPr>
             <a:spLocks noGrp="1"/>
           </p:cNvSpPr>
@@ -26785,7 +27235,7 @@
     </p:spTree>
     <p:extLst>
       <p:ext uri="{BB962C8B-B14F-4D97-AF65-F5344CB8AC3E}">
-        <p14:creationId xmlns:p14="http://schemas.microsoft.com/office/powerpoint/2010/main" val="1051053664"/>
+        <p14:creationId xmlns:p14="http://schemas.microsoft.com/office/powerpoint/2010/main" val="2142387426"/>
       </p:ext>
     </p:extLst>
   </p:cSld>
@@ -26821,14 +27271,14 @@
       </p:grpSpPr>
       <p:sp>
         <p:nvSpPr>
-          <p:cNvPr id="3" name="TextBox 2"/>
+          <p:cNvPr id="2" name="TextBox 1"/>
           <p:cNvSpPr txBox="1"/>
           <p:nvPr/>
         </p:nvSpPr>
         <p:spPr>
           <a:xfrm>
-            <a:off x="5304646" y="6111240"/>
-            <a:ext cx="3969356" cy="369332"/>
+            <a:off x="792480" y="1813173"/>
+            <a:ext cx="5026441" cy="3139321"/>
           </a:xfrm>
           <a:prstGeom prst="rect">
             <a:avLst/>
@@ -26841,478 +27291,38 @@
           </a:bodyPr>
           <a:lstStyle/>
           <a:p>
-            <a:pPr algn="r"/>
-            <a:r>
-              <a:rPr lang="en-US" dirty="0">
-                <a:hlinkClick r:id="rId3"/>
+            <a:r>
+              <a:rPr lang="en-US" sz="7200" dirty="0" smtClean="0">
+                <a:latin typeface="Segoe UI Light" panose="020B0502040204020203" pitchFamily="34" charset="0"/>
+                <a:cs typeface="Segoe UI Light" panose="020B0502040204020203" pitchFamily="34" charset="0"/>
               </a:rPr>
-              <a:t>http://nodejs.org/docs/latest/api</a:t>
-            </a:r>
-            <a:r>
-              <a:rPr lang="en-US" dirty="0" smtClean="0">
-                <a:hlinkClick r:id="rId3"/>
+              <a:t>that’s it.</a:t>
+            </a:r>
+          </a:p>
+          <a:p>
+            <a:endParaRPr lang="en-US" sz="7200" dirty="0">
+              <a:latin typeface="Segoe UI Light" panose="020B0502040204020203" pitchFamily="34" charset="0"/>
+              <a:cs typeface="Segoe UI Light" panose="020B0502040204020203" pitchFamily="34" charset="0"/>
+            </a:endParaRPr>
+          </a:p>
+          <a:p>
+            <a:r>
+              <a:rPr lang="en-US" sz="5400" dirty="0" smtClean="0">
+                <a:latin typeface="Segoe UI Light" panose="020B0502040204020203" pitchFamily="34" charset="0"/>
+                <a:cs typeface="Segoe UI Light" panose="020B0502040204020203" pitchFamily="34" charset="0"/>
               </a:rPr>
-              <a:t>/</a:t>
-            </a:r>
-            <a:endParaRPr lang="en-US" dirty="0"/>
-          </a:p>
-        </p:txBody>
-      </p:sp>
-      <p:sp>
-        <p:nvSpPr>
-          <p:cNvPr id="4" name="TextBox 3"/>
-          <p:cNvSpPr txBox="1"/>
-          <p:nvPr/>
-        </p:nvSpPr>
-        <p:spPr>
-          <a:xfrm>
-            <a:off x="434340" y="1028700"/>
-            <a:ext cx="9136380" cy="4031873"/>
-          </a:xfrm>
-          <a:prstGeom prst="rect">
-            <a:avLst/>
-          </a:prstGeom>
-          <a:noFill/>
-        </p:spPr>
-        <p:txBody>
-          <a:bodyPr wrap="square" rtlCol="0">
-            <a:spAutoFit/>
-          </a:bodyPr>
-          <a:lstStyle/>
-          <a:p>
-            <a:pPr algn="ctr"/>
-            <a:r>
-              <a:rPr lang="en-US" sz="3200" dirty="0" smtClean="0">
-                <a:solidFill>
-                  <a:schemeClr val="accent1"/>
-                </a:solidFill>
-                <a:latin typeface="Wingdings 3" panose="05040102010807070707" pitchFamily="18" charset="2"/>
-              </a:rPr>
-              <a:t>u</a:t>
-            </a:r>
-            <a:r>
-              <a:rPr lang="en-US" sz="3200" dirty="0" smtClean="0"/>
-              <a:t> STDIO </a:t>
-            </a:r>
-            <a:r>
-              <a:rPr lang="en-US" sz="3200" dirty="0" smtClean="0">
-                <a:solidFill>
-                  <a:schemeClr val="accent1"/>
-                </a:solidFill>
-                <a:latin typeface="Wingdings 3" panose="05040102010807070707" pitchFamily="18" charset="2"/>
-              </a:rPr>
-              <a:t>u</a:t>
-            </a:r>
-            <a:r>
-              <a:rPr lang="en-US" sz="3200" dirty="0" smtClean="0"/>
-              <a:t> Timers </a:t>
-            </a:r>
-            <a:r>
-              <a:rPr lang="en-US" sz="3200" dirty="0" smtClean="0">
-                <a:solidFill>
-                  <a:schemeClr val="accent1"/>
-                </a:solidFill>
-                <a:latin typeface="Wingdings 3" panose="05040102010807070707" pitchFamily="18" charset="2"/>
-              </a:rPr>
-              <a:t>u</a:t>
-            </a:r>
-            <a:r>
-              <a:rPr lang="en-US" sz="3200" dirty="0" smtClean="0"/>
-              <a:t> Process </a:t>
-            </a:r>
-            <a:r>
-              <a:rPr lang="en-US" sz="3200" dirty="0" smtClean="0">
-                <a:solidFill>
-                  <a:schemeClr val="accent1"/>
-                </a:solidFill>
-                <a:latin typeface="Wingdings 3" panose="05040102010807070707" pitchFamily="18" charset="2"/>
-              </a:rPr>
-              <a:t>u</a:t>
-            </a:r>
-            <a:r>
-              <a:rPr lang="en-US" sz="3200" dirty="0" smtClean="0"/>
-              <a:t> Utilities</a:t>
-            </a:r>
-            <a:br>
-              <a:rPr lang="en-US" sz="3200" dirty="0" smtClean="0"/>
-            </a:br>
-            <a:r>
-              <a:rPr lang="en-US" sz="3200" dirty="0" smtClean="0">
-                <a:solidFill>
-                  <a:schemeClr val="accent1"/>
-                </a:solidFill>
-                <a:latin typeface="Wingdings 3" panose="05040102010807070707" pitchFamily="18" charset="2"/>
-              </a:rPr>
-              <a:t>u</a:t>
-            </a:r>
-            <a:r>
-              <a:rPr lang="en-US" sz="3200" dirty="0"/>
-              <a:t> </a:t>
-            </a:r>
-            <a:r>
-              <a:rPr lang="en-US" sz="3200" dirty="0" smtClean="0"/>
-              <a:t>Events </a:t>
-            </a:r>
-            <a:r>
-              <a:rPr lang="en-US" sz="3200" dirty="0" smtClean="0">
-                <a:solidFill>
-                  <a:schemeClr val="accent1"/>
-                </a:solidFill>
-                <a:latin typeface="Wingdings 3" panose="05040102010807070707" pitchFamily="18" charset="2"/>
-              </a:rPr>
-              <a:t>u</a:t>
-            </a:r>
-            <a:r>
-              <a:rPr lang="en-US" sz="3200" dirty="0" smtClean="0"/>
-              <a:t> Domain </a:t>
-            </a:r>
-            <a:r>
-              <a:rPr lang="en-US" sz="3200" dirty="0" smtClean="0">
-                <a:solidFill>
-                  <a:schemeClr val="accent1"/>
-                </a:solidFill>
-                <a:latin typeface="Wingdings 3" panose="05040102010807070707" pitchFamily="18" charset="2"/>
-              </a:rPr>
-              <a:t>u</a:t>
-            </a:r>
-            <a:r>
-              <a:rPr lang="en-US" sz="3200" dirty="0" smtClean="0"/>
-              <a:t> Buffer </a:t>
-            </a:r>
-            <a:r>
-              <a:rPr lang="en-US" sz="3200" dirty="0" smtClean="0">
-                <a:solidFill>
-                  <a:schemeClr val="accent1"/>
-                </a:solidFill>
-                <a:latin typeface="Wingdings 3" panose="05040102010807070707" pitchFamily="18" charset="2"/>
-              </a:rPr>
-              <a:t>u</a:t>
-            </a:r>
-            <a:r>
-              <a:rPr lang="en-US" sz="3200" dirty="0" smtClean="0"/>
-              <a:t> Stream</a:t>
-            </a:r>
-            <a:br>
-              <a:rPr lang="en-US" sz="3200" dirty="0" smtClean="0"/>
-            </a:br>
-            <a:r>
-              <a:rPr lang="en-US" sz="3200" dirty="0" smtClean="0">
-                <a:solidFill>
-                  <a:schemeClr val="accent1"/>
-                </a:solidFill>
-                <a:latin typeface="Wingdings 3" panose="05040102010807070707" pitchFamily="18" charset="2"/>
-              </a:rPr>
-              <a:t>u</a:t>
-            </a:r>
-            <a:r>
-              <a:rPr lang="en-US" sz="3200" dirty="0" smtClean="0"/>
-              <a:t> Crypto </a:t>
-            </a:r>
-            <a:r>
-              <a:rPr lang="en-US" sz="3200" dirty="0" smtClean="0">
-                <a:solidFill>
-                  <a:schemeClr val="accent1"/>
-                </a:solidFill>
-                <a:latin typeface="Wingdings 3" panose="05040102010807070707" pitchFamily="18" charset="2"/>
-              </a:rPr>
-              <a:t>u</a:t>
-            </a:r>
-            <a:r>
-              <a:rPr lang="en-US" sz="3200" dirty="0" smtClean="0"/>
-              <a:t> TLS/SSL </a:t>
-            </a:r>
-            <a:r>
-              <a:rPr lang="en-US" sz="3200" dirty="0" smtClean="0">
-                <a:solidFill>
-                  <a:schemeClr val="accent1"/>
-                </a:solidFill>
-                <a:latin typeface="Wingdings 3" panose="05040102010807070707" pitchFamily="18" charset="2"/>
-              </a:rPr>
-              <a:t>u</a:t>
-            </a:r>
-            <a:r>
-              <a:rPr lang="en-US" sz="3200" dirty="0" smtClean="0"/>
-              <a:t> String Decoder</a:t>
-            </a:r>
-            <a:br>
-              <a:rPr lang="en-US" sz="3200" dirty="0" smtClean="0"/>
-            </a:br>
-            <a:r>
-              <a:rPr lang="en-US" sz="3200" dirty="0" smtClean="0">
-                <a:solidFill>
-                  <a:schemeClr val="accent1"/>
-                </a:solidFill>
-                <a:latin typeface="Wingdings 3" panose="05040102010807070707" pitchFamily="18" charset="2"/>
-              </a:rPr>
-              <a:t>u</a:t>
-            </a:r>
-            <a:r>
-              <a:rPr lang="en-US" sz="3200" dirty="0" smtClean="0"/>
-              <a:t> File System </a:t>
-            </a:r>
-            <a:r>
-              <a:rPr lang="en-US" sz="3200" dirty="0" smtClean="0">
-                <a:solidFill>
-                  <a:schemeClr val="accent1"/>
-                </a:solidFill>
-                <a:latin typeface="Wingdings 3" panose="05040102010807070707" pitchFamily="18" charset="2"/>
-              </a:rPr>
-              <a:t>u</a:t>
-            </a:r>
-            <a:r>
-              <a:rPr lang="en-US" sz="3200" dirty="0" smtClean="0"/>
-              <a:t> Path </a:t>
-            </a:r>
-            <a:r>
-              <a:rPr lang="en-US" sz="3200" dirty="0" smtClean="0">
-                <a:solidFill>
-                  <a:schemeClr val="accent1"/>
-                </a:solidFill>
-                <a:latin typeface="Wingdings 3" panose="05040102010807070707" pitchFamily="18" charset="2"/>
-              </a:rPr>
-              <a:t>u</a:t>
-            </a:r>
-            <a:r>
-              <a:rPr lang="en-US" sz="3200" dirty="0" smtClean="0"/>
-              <a:t> Net </a:t>
-            </a:r>
-            <a:r>
-              <a:rPr lang="en-US" sz="3200" dirty="0" smtClean="0">
-                <a:solidFill>
-                  <a:schemeClr val="accent1"/>
-                </a:solidFill>
-                <a:latin typeface="Wingdings 3" panose="05040102010807070707" pitchFamily="18" charset="2"/>
-              </a:rPr>
-              <a:t>u</a:t>
-            </a:r>
-            <a:r>
-              <a:rPr lang="en-US" sz="3200" dirty="0" smtClean="0"/>
-              <a:t> UDP/Datagram </a:t>
-            </a:r>
-            <a:r>
-              <a:rPr lang="en-US" sz="3200" dirty="0" smtClean="0">
-                <a:solidFill>
-                  <a:schemeClr val="accent1"/>
-                </a:solidFill>
-                <a:latin typeface="Wingdings 3" panose="05040102010807070707" pitchFamily="18" charset="2"/>
-              </a:rPr>
-              <a:t>u</a:t>
-            </a:r>
-            <a:r>
-              <a:rPr lang="en-US" sz="3200" dirty="0" smtClean="0"/>
-              <a:t> DNS </a:t>
-            </a:r>
-            <a:r>
-              <a:rPr lang="en-US" sz="3200" dirty="0" smtClean="0">
-                <a:solidFill>
-                  <a:schemeClr val="accent1"/>
-                </a:solidFill>
-                <a:latin typeface="Wingdings 3" panose="05040102010807070707" pitchFamily="18" charset="2"/>
-              </a:rPr>
-              <a:t>u</a:t>
-            </a:r>
-            <a:r>
-              <a:rPr lang="en-US" sz="3200" dirty="0" smtClean="0"/>
-              <a:t> HTTP </a:t>
-            </a:r>
-            <a:r>
-              <a:rPr lang="en-US" sz="3200" dirty="0" smtClean="0">
-                <a:solidFill>
-                  <a:schemeClr val="accent1"/>
-                </a:solidFill>
-                <a:latin typeface="Wingdings 3" panose="05040102010807070707" pitchFamily="18" charset="2"/>
-              </a:rPr>
-              <a:t>u</a:t>
-            </a:r>
-            <a:r>
-              <a:rPr lang="en-US" sz="3200" dirty="0" smtClean="0"/>
-              <a:t> HTTPS </a:t>
-            </a:r>
-            <a:r>
-              <a:rPr lang="en-US" sz="3200" dirty="0" smtClean="0">
-                <a:solidFill>
-                  <a:schemeClr val="accent1"/>
-                </a:solidFill>
-                <a:latin typeface="Wingdings 3" panose="05040102010807070707" pitchFamily="18" charset="2"/>
-              </a:rPr>
-              <a:t>u</a:t>
-            </a:r>
-            <a:r>
-              <a:rPr lang="en-US" sz="3200" dirty="0" smtClean="0"/>
-              <a:t> URL </a:t>
-            </a:r>
-            <a:r>
-              <a:rPr lang="en-US" sz="3200" dirty="0" smtClean="0">
-                <a:solidFill>
-                  <a:schemeClr val="accent1"/>
-                </a:solidFill>
-                <a:latin typeface="Wingdings 3" panose="05040102010807070707" pitchFamily="18" charset="2"/>
-              </a:rPr>
-              <a:t>u</a:t>
-            </a:r>
-            <a:r>
-              <a:rPr lang="en-US" sz="3200" dirty="0" smtClean="0"/>
-              <a:t> Query Strings </a:t>
-            </a:r>
-            <a:r>
-              <a:rPr lang="en-US" sz="3200" dirty="0" smtClean="0">
-                <a:solidFill>
-                  <a:schemeClr val="accent1"/>
-                </a:solidFill>
-                <a:latin typeface="Wingdings 3" panose="05040102010807070707" pitchFamily="18" charset="2"/>
-              </a:rPr>
-              <a:t>u</a:t>
-            </a:r>
-            <a:r>
-              <a:rPr lang="en-US" sz="3200" dirty="0" smtClean="0"/>
-              <a:t> </a:t>
-            </a:r>
-            <a:r>
-              <a:rPr lang="en-US" sz="3200" dirty="0" err="1" smtClean="0"/>
-              <a:t>Punycode</a:t>
-            </a:r>
-            <a:r>
-              <a:rPr lang="en-US" sz="3200" dirty="0" smtClean="0"/>
-              <a:t> </a:t>
-            </a:r>
-            <a:r>
-              <a:rPr lang="en-US" sz="3200" dirty="0" smtClean="0">
-                <a:solidFill>
-                  <a:schemeClr val="accent1"/>
-                </a:solidFill>
-                <a:latin typeface="Wingdings 3" panose="05040102010807070707" pitchFamily="18" charset="2"/>
-              </a:rPr>
-              <a:t>u</a:t>
-            </a:r>
-            <a:r>
-              <a:rPr lang="en-US" sz="3200" dirty="0" smtClean="0"/>
-              <a:t> </a:t>
-            </a:r>
-            <a:r>
-              <a:rPr lang="en-US" sz="3200" dirty="0" err="1" smtClean="0"/>
-              <a:t>Readline</a:t>
-            </a:r>
-            <a:r>
-              <a:rPr lang="en-US" sz="3200" dirty="0" smtClean="0"/>
-              <a:t> </a:t>
-            </a:r>
-            <a:r>
-              <a:rPr lang="en-US" sz="3200" dirty="0" smtClean="0">
-                <a:solidFill>
-                  <a:schemeClr val="accent1"/>
-                </a:solidFill>
-                <a:latin typeface="Wingdings 3" panose="05040102010807070707" pitchFamily="18" charset="2"/>
-              </a:rPr>
-              <a:t>u</a:t>
-            </a:r>
-            <a:r>
-              <a:rPr lang="en-US" sz="3200" dirty="0" smtClean="0"/>
-              <a:t> REPL </a:t>
-            </a:r>
-            <a:r>
-              <a:rPr lang="en-US" sz="3200" dirty="0" smtClean="0">
-                <a:solidFill>
-                  <a:schemeClr val="accent1"/>
-                </a:solidFill>
-                <a:latin typeface="Wingdings 3" panose="05040102010807070707" pitchFamily="18" charset="2"/>
-              </a:rPr>
-              <a:t>u</a:t>
-            </a:r>
-            <a:r>
-              <a:rPr lang="en-US" sz="3200" dirty="0" smtClean="0"/>
-              <a:t> VM</a:t>
-            </a:r>
-            <a:br>
-              <a:rPr lang="en-US" sz="3200" dirty="0" smtClean="0"/>
-            </a:br>
-            <a:r>
-              <a:rPr lang="en-US" sz="3200" dirty="0" smtClean="0">
-                <a:solidFill>
-                  <a:schemeClr val="accent1"/>
-                </a:solidFill>
-                <a:latin typeface="Wingdings 3" panose="05040102010807070707" pitchFamily="18" charset="2"/>
-              </a:rPr>
-              <a:t>u</a:t>
-            </a:r>
-            <a:r>
-              <a:rPr lang="en-US" sz="3200" dirty="0" smtClean="0"/>
-              <a:t> Child Processes </a:t>
-            </a:r>
-            <a:r>
-              <a:rPr lang="en-US" sz="3200" dirty="0" smtClean="0">
-                <a:solidFill>
-                  <a:schemeClr val="accent1"/>
-                </a:solidFill>
-                <a:latin typeface="Wingdings 3" panose="05040102010807070707" pitchFamily="18" charset="2"/>
-              </a:rPr>
-              <a:t>u</a:t>
-            </a:r>
-            <a:r>
-              <a:rPr lang="en-US" sz="3200" dirty="0" smtClean="0"/>
-              <a:t> Assertion Testing </a:t>
-            </a:r>
-            <a:r>
-              <a:rPr lang="en-US" sz="3200" dirty="0" smtClean="0">
-                <a:solidFill>
-                  <a:schemeClr val="accent1"/>
-                </a:solidFill>
-                <a:latin typeface="Wingdings 3" panose="05040102010807070707" pitchFamily="18" charset="2"/>
-              </a:rPr>
-              <a:t>u</a:t>
-            </a:r>
-            <a:r>
-              <a:rPr lang="en-US" sz="3200" dirty="0" smtClean="0"/>
-              <a:t> TTY</a:t>
-            </a:r>
-            <a:br>
-              <a:rPr lang="en-US" sz="3200" dirty="0" smtClean="0"/>
-            </a:br>
-            <a:r>
-              <a:rPr lang="en-US" sz="3200" dirty="0" smtClean="0">
-                <a:solidFill>
-                  <a:schemeClr val="accent1"/>
-                </a:solidFill>
-                <a:latin typeface="Wingdings 3" panose="05040102010807070707" pitchFamily="18" charset="2"/>
-              </a:rPr>
-              <a:t>u</a:t>
-            </a:r>
-            <a:r>
-              <a:rPr lang="en-US" sz="3200" dirty="0" smtClean="0"/>
-              <a:t> ZLIB </a:t>
-            </a:r>
-            <a:r>
-              <a:rPr lang="en-US" sz="3200" dirty="0" smtClean="0">
-                <a:solidFill>
-                  <a:schemeClr val="accent1"/>
-                </a:solidFill>
-                <a:latin typeface="Wingdings 3" panose="05040102010807070707" pitchFamily="18" charset="2"/>
-              </a:rPr>
-              <a:t>u</a:t>
-            </a:r>
-            <a:r>
-              <a:rPr lang="en-US" sz="3200" dirty="0" smtClean="0"/>
-              <a:t> OS </a:t>
-            </a:r>
-            <a:r>
-              <a:rPr lang="en-US" sz="3200" dirty="0" smtClean="0">
-                <a:solidFill>
-                  <a:schemeClr val="accent1"/>
-                </a:solidFill>
-                <a:latin typeface="Wingdings 3" panose="05040102010807070707" pitchFamily="18" charset="2"/>
-              </a:rPr>
-              <a:t>u</a:t>
-            </a:r>
-            <a:r>
-              <a:rPr lang="en-US" sz="3200" dirty="0" smtClean="0"/>
-              <a:t> Cluster</a:t>
-            </a:r>
-            <a:endParaRPr lang="en-US" sz="3200" dirty="0"/>
-          </a:p>
-        </p:txBody>
-      </p:sp>
-      <p:sp>
-        <p:nvSpPr>
-          <p:cNvPr id="2" name="Footer Placeholder 1"/>
+              <a:t>that’s all you get.</a:t>
+            </a:r>
+            <a:endParaRPr lang="en-US" sz="5400" dirty="0">
+              <a:latin typeface="Segoe UI Light" panose="020B0502040204020203" pitchFamily="34" charset="0"/>
+              <a:cs typeface="Segoe UI Light" panose="020B0502040204020203" pitchFamily="34" charset="0"/>
+            </a:endParaRPr>
+          </a:p>
+        </p:txBody>
+      </p:sp>
+      <p:sp>
+        <p:nvSpPr>
+          <p:cNvPr id="3" name="Footer Placeholder 2"/>
           <p:cNvSpPr>
             <a:spLocks noGrp="1"/>
           </p:cNvSpPr>
@@ -27336,7 +27346,7 @@
     </p:spTree>
     <p:extLst>
       <p:ext uri="{BB962C8B-B14F-4D97-AF65-F5344CB8AC3E}">
-        <p14:creationId xmlns:p14="http://schemas.microsoft.com/office/powerpoint/2010/main" val="2142387426"/>
+        <p14:creationId xmlns:p14="http://schemas.microsoft.com/office/powerpoint/2010/main" val="2048945466"/>
       </p:ext>
     </p:extLst>
   </p:cSld>
@@ -27372,117 +27382,6 @@
       </p:grpSpPr>
       <p:sp>
         <p:nvSpPr>
-          <p:cNvPr id="2" name="TextBox 1"/>
-          <p:cNvSpPr txBox="1"/>
-          <p:nvPr/>
-        </p:nvSpPr>
-        <p:spPr>
-          <a:xfrm>
-            <a:off x="792480" y="1813173"/>
-            <a:ext cx="5026441" cy="3139321"/>
-          </a:xfrm>
-          <a:prstGeom prst="rect">
-            <a:avLst/>
-          </a:prstGeom>
-          <a:noFill/>
-        </p:spPr>
-        <p:txBody>
-          <a:bodyPr wrap="none" rtlCol="0">
-            <a:spAutoFit/>
-          </a:bodyPr>
-          <a:lstStyle/>
-          <a:p>
-            <a:r>
-              <a:rPr lang="en-US" sz="7200" dirty="0" smtClean="0">
-                <a:latin typeface="Segoe UI Light" panose="020B0502040204020203" pitchFamily="34" charset="0"/>
-                <a:cs typeface="Segoe UI Light" panose="020B0502040204020203" pitchFamily="34" charset="0"/>
-              </a:rPr>
-              <a:t>that’s it.</a:t>
-            </a:r>
-          </a:p>
-          <a:p>
-            <a:endParaRPr lang="en-US" sz="7200" dirty="0">
-              <a:latin typeface="Segoe UI Light" panose="020B0502040204020203" pitchFamily="34" charset="0"/>
-              <a:cs typeface="Segoe UI Light" panose="020B0502040204020203" pitchFamily="34" charset="0"/>
-            </a:endParaRPr>
-          </a:p>
-          <a:p>
-            <a:r>
-              <a:rPr lang="en-US" sz="5400" dirty="0" smtClean="0">
-                <a:latin typeface="Segoe UI Light" panose="020B0502040204020203" pitchFamily="34" charset="0"/>
-                <a:cs typeface="Segoe UI Light" panose="020B0502040204020203" pitchFamily="34" charset="0"/>
-              </a:rPr>
-              <a:t>that’s all you get.</a:t>
-            </a:r>
-            <a:endParaRPr lang="en-US" sz="5400" dirty="0">
-              <a:latin typeface="Segoe UI Light" panose="020B0502040204020203" pitchFamily="34" charset="0"/>
-              <a:cs typeface="Segoe UI Light" panose="020B0502040204020203" pitchFamily="34" charset="0"/>
-            </a:endParaRPr>
-          </a:p>
-        </p:txBody>
-      </p:sp>
-      <p:sp>
-        <p:nvSpPr>
-          <p:cNvPr id="3" name="Footer Placeholder 2"/>
-          <p:cNvSpPr>
-            <a:spLocks noGrp="1"/>
-          </p:cNvSpPr>
-          <p:nvPr>
-            <p:ph type="ftr" sz="quarter" idx="11"/>
-          </p:nvPr>
-        </p:nvSpPr>
-        <p:spPr/>
-        <p:txBody>
-          <a:bodyPr/>
-          <a:lstStyle/>
-          <a:p>
-            <a:r>
-              <a:rPr lang="en-US" smtClean="0"/>
-              <a:t>@domenic</a:t>
-            </a:r>
-            <a:endParaRPr lang="en-US"/>
-          </a:p>
-        </p:txBody>
-      </p:sp>
-    </p:spTree>
-    <p:extLst>
-      <p:ext uri="{BB962C8B-B14F-4D97-AF65-F5344CB8AC3E}">
-        <p14:creationId xmlns:p14="http://schemas.microsoft.com/office/powerpoint/2010/main" val="2048945466"/>
-      </p:ext>
-    </p:extLst>
-  </p:cSld>
-  <p:clrMapOvr>
-    <a:masterClrMapping/>
-  </p:clrMapOvr>
-  <p:timing>
-    <p:tnLst>
-      <p:par>
-        <p:cTn id="1" dur="indefinite" restart="never" nodeType="tmRoot"/>
-      </p:par>
-    </p:tnLst>
-  </p:timing>
-</p:sld>
-</file>
-
-<file path=ppt/slides/slide43.xml><?xml version="1.0" encoding="utf-8"?>
-<p:sld xmlns:a="http://schemas.openxmlformats.org/drawingml/2006/main" xmlns:r="http://schemas.openxmlformats.org/officeDocument/2006/relationships" xmlns:p="http://schemas.openxmlformats.org/presentationml/2006/main">
-  <p:cSld>
-    <p:spTree>
-      <p:nvGrpSpPr>
-        <p:cNvPr id="1" name=""/>
-        <p:cNvGrpSpPr/>
-        <p:nvPr/>
-      </p:nvGrpSpPr>
-      <p:grpSpPr>
-        <a:xfrm>
-          <a:off x="0" y="0"/>
-          <a:ext cx="0" cy="0"/>
-          <a:chOff x="0" y="0"/>
-          <a:chExt cx="0" cy="0"/>
-        </a:xfrm>
-      </p:grpSpPr>
-      <p:sp>
-        <p:nvSpPr>
           <p:cNvPr id="2" name="Title 1"/>
           <p:cNvSpPr>
             <a:spLocks noGrp="1"/>
@@ -27548,7 +27447,7 @@
 </p:sld>
 </file>
 
-<file path=ppt/slides/slide44.xml><?xml version="1.0" encoding="utf-8"?>
+<file path=ppt/slides/slide43.xml><?xml version="1.0" encoding="utf-8"?>
 <p:sld xmlns:a="http://schemas.openxmlformats.org/drawingml/2006/main" xmlns:r="http://schemas.openxmlformats.org/officeDocument/2006/relationships" xmlns:p="http://schemas.openxmlformats.org/presentationml/2006/main">
   <p:cSld>
     <p:spTree>
@@ -27673,7 +27572,7 @@
 </p:sld>
 </file>
 
-<file path=ppt/slides/slide45.xml><?xml version="1.0" encoding="utf-8"?>
+<file path=ppt/slides/slide44.xml><?xml version="1.0" encoding="utf-8"?>
 <p:sld xmlns:a="http://schemas.openxmlformats.org/drawingml/2006/main" xmlns:r="http://schemas.openxmlformats.org/officeDocument/2006/relationships" xmlns:p="http://schemas.openxmlformats.org/presentationml/2006/main">
   <p:cSld>
     <p:spTree>
@@ -28212,7 +28111,6 @@
               <a:rPr lang="en-US" sz="4800" dirty="0" smtClean="0"/>
               <a:t>community</a:t>
             </a:r>
-            <a:endParaRPr lang="en-US" sz="4800" dirty="0" smtClean="0"/>
           </a:p>
           <a:p>
             <a:endParaRPr lang="en-US" sz="4800" dirty="0"/>
@@ -28288,7 +28186,7 @@
                                         <p:tgtEl>
                                           <p:spTgt spid="6">
                                             <p:txEl>
-                                              <p:pRg st="1" end="1"/>
+                                              <p:pRg st="0" end="0"/>
                                             </p:txEl>
                                           </p:spTgt>
                                         </p:tgtEl>
@@ -28337,7 +28235,7 @@
                                         <p:tgtEl>
                                           <p:spTgt spid="6">
                                             <p:txEl>
-                                              <p:pRg st="2" end="2"/>
+                                              <p:pRg st="1" end="1"/>
                                             </p:txEl>
                                           </p:spTgt>
                                         </p:tgtEl>
@@ -28386,7 +28284,7 @@
                                         <p:tgtEl>
                                           <p:spTgt spid="6">
                                             <p:txEl>
-                                              <p:pRg st="3" end="3"/>
+                                              <p:pRg st="2" end="2"/>
                                             </p:txEl>
                                           </p:spTgt>
                                         </p:tgtEl>
@@ -28428,6 +28326,55 @@
                                     <p:set>
                                       <p:cBhvr>
                                         <p:cTn id="18" dur="1" fill="hold">
+                                          <p:stCondLst>
+                                            <p:cond delay="0"/>
+                                          </p:stCondLst>
+                                        </p:cTn>
+                                        <p:tgtEl>
+                                          <p:spTgt spid="6">
+                                            <p:txEl>
+                                              <p:pRg st="3" end="3"/>
+                                            </p:txEl>
+                                          </p:spTgt>
+                                        </p:tgtEl>
+                                        <p:attrNameLst>
+                                          <p:attrName>style.visibility</p:attrName>
+                                        </p:attrNameLst>
+                                      </p:cBhvr>
+                                      <p:to>
+                                        <p:strVal val="visible"/>
+                                      </p:to>
+                                    </p:set>
+                                  </p:childTnLst>
+                                </p:cTn>
+                              </p:par>
+                            </p:childTnLst>
+                          </p:cTn>
+                        </p:par>
+                      </p:childTnLst>
+                    </p:cTn>
+                  </p:par>
+                  <p:par>
+                    <p:cTn id="19" fill="hold">
+                      <p:stCondLst>
+                        <p:cond delay="indefinite"/>
+                      </p:stCondLst>
+                      <p:childTnLst>
+                        <p:par>
+                          <p:cTn id="20" fill="hold">
+                            <p:stCondLst>
+                              <p:cond delay="0"/>
+                            </p:stCondLst>
+                            <p:childTnLst>
+                              <p:par>
+                                <p:cTn id="21" presetID="1" presetClass="entr" presetSubtype="0" fill="hold" nodeType="clickEffect">
+                                  <p:stCondLst>
+                                    <p:cond delay="0"/>
+                                  </p:stCondLst>
+                                  <p:childTnLst>
+                                    <p:set>
+                                      <p:cBhvr>
+                                        <p:cTn id="22" dur="1" fill="hold">
                                           <p:stCondLst>
                                             <p:cond delay="0"/>
                                           </p:stCondLst>
